--- a/docs/软件定制20170626.pptx
+++ b/docs/软件定制20170626.pptx
@@ -5,31 +5,31 @@
     <p:sldMasterId id="2147483648" r:id="rId1"/>
   </p:sldMasterIdLst>
   <p:notesMasterIdLst>
-    <p:notesMasterId r:id="rId22"/>
+    <p:notesMasterId r:id="rId21"/>
   </p:notesMasterIdLst>
   <p:handoutMasterIdLst>
-    <p:handoutMasterId r:id="rId23"/>
+    <p:handoutMasterId r:id="rId22"/>
   </p:handoutMasterIdLst>
   <p:sldIdLst>
-    <p:sldId id="275" r:id="rId3"/>
-    <p:sldId id="259" r:id="rId4"/>
-    <p:sldId id="256" r:id="rId5"/>
-    <p:sldId id="260" r:id="rId6"/>
-    <p:sldId id="261" r:id="rId7"/>
-    <p:sldId id="262" r:id="rId8"/>
-    <p:sldId id="263" r:id="rId9"/>
-    <p:sldId id="265" r:id="rId10"/>
-    <p:sldId id="264" r:id="rId11"/>
-    <p:sldId id="266" r:id="rId12"/>
-    <p:sldId id="295" r:id="rId13"/>
-    <p:sldId id="294" r:id="rId14"/>
-    <p:sldId id="296" r:id="rId15"/>
-    <p:sldId id="297" r:id="rId16"/>
-    <p:sldId id="298" r:id="rId17"/>
-    <p:sldId id="274" r:id="rId18"/>
-    <p:sldId id="291" r:id="rId19"/>
-    <p:sldId id="299" r:id="rId20"/>
-    <p:sldId id="300" r:id="rId21"/>
+    <p:sldId id="275" r:id="rId2"/>
+    <p:sldId id="259" r:id="rId3"/>
+    <p:sldId id="256" r:id="rId4"/>
+    <p:sldId id="260" r:id="rId5"/>
+    <p:sldId id="261" r:id="rId6"/>
+    <p:sldId id="262" r:id="rId7"/>
+    <p:sldId id="263" r:id="rId8"/>
+    <p:sldId id="265" r:id="rId9"/>
+    <p:sldId id="264" r:id="rId10"/>
+    <p:sldId id="266" r:id="rId11"/>
+    <p:sldId id="295" r:id="rId12"/>
+    <p:sldId id="294" r:id="rId13"/>
+    <p:sldId id="296" r:id="rId14"/>
+    <p:sldId id="297" r:id="rId15"/>
+    <p:sldId id="298" r:id="rId16"/>
+    <p:sldId id="274" r:id="rId17"/>
+    <p:sldId id="291" r:id="rId18"/>
+    <p:sldId id="299" r:id="rId19"/>
+    <p:sldId id="300" r:id="rId20"/>
   </p:sldIdLst>
   <p:sldSz cx="12192000" cy="6858000"/>
   <p:notesSz cx="6858000" cy="9144000"/>
@@ -128,6 +128,11 @@
       </a:defRPr>
     </a:lvl9pPr>
   </p:defaultTextStyle>
+  <p:extLst>
+    <p:ext uri="{EFAFB233-063F-42B5-8137-9DF3F51BA10A}">
+      <p15:sldGuideLst xmlns:p15="http://schemas.microsoft.com/office/powerpoint/2012/main"/>
+    </p:ext>
+  </p:extLst>
 </p:presentation>
 </file>
 
@@ -213,6 +218,7 @@
           <a:p>
             <a:fld id="{0F9B84EA-7D68-4D60-9CB1-D50884785D1C}" type="datetimeFigureOut">
               <a:rPr lang="zh-CN" altLang="en-US" smtClean="0"/>
+              <a:t>2017/6/27</a:t>
             </a:fld>
             <a:endParaRPr lang="zh-CN" altLang="en-US"/>
           </a:p>
@@ -278,12 +284,18 @@
           <a:p>
             <a:fld id="{8D4E0FC9-F1F8-4FAE-9988-3BA365CFD46F}" type="slidenum">
               <a:rPr lang="zh-CN" altLang="en-US" smtClean="0"/>
+              <a:t>‹#›</a:t>
             </a:fld>
             <a:endParaRPr lang="zh-CN" altLang="en-US"/>
           </a:p>
         </p:txBody>
       </p:sp>
     </p:spTree>
+    <p:extLst>
+      <p:ext uri="{BB962C8B-B14F-4D97-AF65-F5344CB8AC3E}">
+        <p14:creationId xmlns:p14="http://schemas.microsoft.com/office/powerpoint/2010/main" val="3027405069"/>
+      </p:ext>
+    </p:extLst>
   </p:cSld>
   <p:clrMap bg1="lt1" tx1="dk1" bg2="lt2" tx2="dk2" accent1="accent1" accent2="accent2" accent3="accent3" accent4="accent4" accent5="accent5" accent6="accent6" hlink="hlink" folHlink="folHlink"/>
 </p:handoutMaster>
@@ -375,6 +387,7 @@
           <a:p>
             <a:fld id="{D2A48B96-639E-45A3-A0BA-2464DFDB1FAA}" type="datetimeFigureOut">
               <a:rPr lang="zh-CN" altLang="en-US" smtClean="0"/>
+              <a:t>2017/6/27</a:t>
             </a:fld>
             <a:endParaRPr lang="zh-CN" altLang="en-US"/>
           </a:p>
@@ -441,7 +454,6 @@
               <a:rPr lang="zh-CN" altLang="en-US" smtClean="0"/>
               <a:t>单击此处编辑母版文本样式</a:t>
             </a:r>
-            <a:endParaRPr lang="zh-CN" altLang="en-US" smtClean="0"/>
           </a:p>
           <a:p>
             <a:pPr lvl="1"/>
@@ -449,7 +461,6 @@
               <a:rPr lang="zh-CN" altLang="en-US" smtClean="0"/>
               <a:t>第二级</a:t>
             </a:r>
-            <a:endParaRPr lang="zh-CN" altLang="en-US" smtClean="0"/>
           </a:p>
           <a:p>
             <a:pPr lvl="2"/>
@@ -457,7 +468,6 @@
               <a:rPr lang="zh-CN" altLang="en-US" smtClean="0"/>
               <a:t>第三级</a:t>
             </a:r>
-            <a:endParaRPr lang="zh-CN" altLang="en-US" smtClean="0"/>
           </a:p>
           <a:p>
             <a:pPr lvl="3"/>
@@ -465,7 +475,6 @@
               <a:rPr lang="zh-CN" altLang="en-US" smtClean="0"/>
               <a:t>第四级</a:t>
             </a:r>
-            <a:endParaRPr lang="zh-CN" altLang="en-US" smtClean="0"/>
           </a:p>
           <a:p>
             <a:pPr lvl="4"/>
@@ -541,12 +550,18 @@
           <a:p>
             <a:fld id="{A6837353-30EB-4A48-80EB-173D804AEFBD}" type="slidenum">
               <a:rPr lang="zh-CN" altLang="en-US" smtClean="0"/>
+              <a:t>‹#›</a:t>
             </a:fld>
             <a:endParaRPr lang="zh-CN" altLang="en-US"/>
           </a:p>
         </p:txBody>
       </p:sp>
     </p:spTree>
+    <p:extLst>
+      <p:ext uri="{BB962C8B-B14F-4D97-AF65-F5344CB8AC3E}">
+        <p14:creationId xmlns:p14="http://schemas.microsoft.com/office/powerpoint/2010/main" val="566714154"/>
+      </p:ext>
+    </p:extLst>
   </p:cSld>
   <p:clrMap bg1="lt1" tx1="dk1" bg2="lt2" tx2="dk2" accent1="accent1" accent2="accent2" accent3="accent3" accent4="accent4" accent5="accent5" accent6="accent6" hlink="hlink" folHlink="folHlink"/>
   <p:notesStyle>
@@ -775,6 +790,7 @@
           <a:p>
             <a:fld id="{D997B5FA-0921-464F-AAE1-844C04324D75}" type="datetimeFigureOut">
               <a:rPr lang="zh-CN" altLang="en-US" smtClean="0"/>
+              <a:t>2017/6/27</a:t>
             </a:fld>
             <a:endParaRPr lang="zh-CN" altLang="en-US"/>
           </a:p>
@@ -816,6 +832,7 @@
           <a:p>
             <a:fld id="{565CE74E-AB26-4998-AD42-012C4C1AD076}" type="slidenum">
               <a:rPr lang="zh-CN" altLang="en-US" smtClean="0"/>
+              <a:t>‹#›</a:t>
             </a:fld>
             <a:endParaRPr lang="zh-CN" altLang="en-US"/>
           </a:p>
@@ -889,7 +906,6 @@
               <a:rPr lang="zh-CN" altLang="en-US" smtClean="0"/>
               <a:t>单击此处编辑母版文本样式</a:t>
             </a:r>
-            <a:endParaRPr lang="zh-CN" altLang="en-US" smtClean="0"/>
           </a:p>
           <a:p>
             <a:pPr lvl="1"/>
@@ -897,7 +913,6 @@
               <a:rPr lang="zh-CN" altLang="en-US" smtClean="0"/>
               <a:t>第二级</a:t>
             </a:r>
-            <a:endParaRPr lang="zh-CN" altLang="en-US" smtClean="0"/>
           </a:p>
           <a:p>
             <a:pPr lvl="2"/>
@@ -905,7 +920,6 @@
               <a:rPr lang="zh-CN" altLang="en-US" smtClean="0"/>
               <a:t>第三级</a:t>
             </a:r>
-            <a:endParaRPr lang="zh-CN" altLang="en-US" smtClean="0"/>
           </a:p>
           <a:p>
             <a:pPr lvl="3"/>
@@ -913,7 +927,6 @@
               <a:rPr lang="zh-CN" altLang="en-US" smtClean="0"/>
               <a:t>第四级</a:t>
             </a:r>
-            <a:endParaRPr lang="zh-CN" altLang="en-US" smtClean="0"/>
           </a:p>
           <a:p>
             <a:pPr lvl="4"/>
@@ -942,6 +955,7 @@
           <a:p>
             <a:fld id="{D997B5FA-0921-464F-AAE1-844C04324D75}" type="datetimeFigureOut">
               <a:rPr lang="zh-CN" altLang="en-US" smtClean="0"/>
+              <a:t>2017/6/27</a:t>
             </a:fld>
             <a:endParaRPr lang="zh-CN" altLang="en-US"/>
           </a:p>
@@ -983,6 +997,7 @@
           <a:p>
             <a:fld id="{565CE74E-AB26-4998-AD42-012C4C1AD076}" type="slidenum">
               <a:rPr lang="zh-CN" altLang="en-US" smtClean="0"/>
+              <a:t>‹#›</a:t>
             </a:fld>
             <a:endParaRPr lang="zh-CN" altLang="en-US"/>
           </a:p>
@@ -1066,7 +1081,6 @@
               <a:rPr lang="zh-CN" altLang="en-US" smtClean="0"/>
               <a:t>单击此处编辑母版文本样式</a:t>
             </a:r>
-            <a:endParaRPr lang="zh-CN" altLang="en-US" smtClean="0"/>
           </a:p>
           <a:p>
             <a:pPr lvl="1"/>
@@ -1074,7 +1088,6 @@
               <a:rPr lang="zh-CN" altLang="en-US" smtClean="0"/>
               <a:t>第二级</a:t>
             </a:r>
-            <a:endParaRPr lang="zh-CN" altLang="en-US" smtClean="0"/>
           </a:p>
           <a:p>
             <a:pPr lvl="2"/>
@@ -1082,7 +1095,6 @@
               <a:rPr lang="zh-CN" altLang="en-US" smtClean="0"/>
               <a:t>第三级</a:t>
             </a:r>
-            <a:endParaRPr lang="zh-CN" altLang="en-US" smtClean="0"/>
           </a:p>
           <a:p>
             <a:pPr lvl="3"/>
@@ -1090,7 +1102,6 @@
               <a:rPr lang="zh-CN" altLang="en-US" smtClean="0"/>
               <a:t>第四级</a:t>
             </a:r>
-            <a:endParaRPr lang="zh-CN" altLang="en-US" smtClean="0"/>
           </a:p>
           <a:p>
             <a:pPr lvl="4"/>
@@ -1119,6 +1130,7 @@
           <a:p>
             <a:fld id="{D997B5FA-0921-464F-AAE1-844C04324D75}" type="datetimeFigureOut">
               <a:rPr lang="zh-CN" altLang="en-US" smtClean="0"/>
+              <a:t>2017/6/27</a:t>
             </a:fld>
             <a:endParaRPr lang="zh-CN" altLang="en-US"/>
           </a:p>
@@ -1160,6 +1172,7 @@
           <a:p>
             <a:fld id="{565CE74E-AB26-4998-AD42-012C4C1AD076}" type="slidenum">
               <a:rPr lang="zh-CN" altLang="en-US" smtClean="0"/>
+              <a:t>‹#›</a:t>
             </a:fld>
             <a:endParaRPr lang="zh-CN" altLang="en-US"/>
           </a:p>
@@ -1233,7 +1246,6 @@
               <a:rPr lang="zh-CN" altLang="en-US" smtClean="0"/>
               <a:t>单击此处编辑母版文本样式</a:t>
             </a:r>
-            <a:endParaRPr lang="zh-CN" altLang="en-US" smtClean="0"/>
           </a:p>
           <a:p>
             <a:pPr lvl="1"/>
@@ -1241,7 +1253,6 @@
               <a:rPr lang="zh-CN" altLang="en-US" smtClean="0"/>
               <a:t>第二级</a:t>
             </a:r>
-            <a:endParaRPr lang="zh-CN" altLang="en-US" smtClean="0"/>
           </a:p>
           <a:p>
             <a:pPr lvl="2"/>
@@ -1249,7 +1260,6 @@
               <a:rPr lang="zh-CN" altLang="en-US" smtClean="0"/>
               <a:t>第三级</a:t>
             </a:r>
-            <a:endParaRPr lang="zh-CN" altLang="en-US" smtClean="0"/>
           </a:p>
           <a:p>
             <a:pPr lvl="3"/>
@@ -1257,7 +1267,6 @@
               <a:rPr lang="zh-CN" altLang="en-US" smtClean="0"/>
               <a:t>第四级</a:t>
             </a:r>
-            <a:endParaRPr lang="zh-CN" altLang="en-US" smtClean="0"/>
           </a:p>
           <a:p>
             <a:pPr lvl="4"/>
@@ -1286,6 +1295,7 @@
           <a:p>
             <a:fld id="{D997B5FA-0921-464F-AAE1-844C04324D75}" type="datetimeFigureOut">
               <a:rPr lang="zh-CN" altLang="en-US" smtClean="0"/>
+              <a:t>2017/6/27</a:t>
             </a:fld>
             <a:endParaRPr lang="zh-CN" altLang="en-US"/>
           </a:p>
@@ -1327,6 +1337,7 @@
           <a:p>
             <a:fld id="{565CE74E-AB26-4998-AD42-012C4C1AD076}" type="slidenum">
               <a:rPr lang="zh-CN" altLang="en-US" smtClean="0"/>
+              <a:t>‹#›</a:t>
             </a:fld>
             <a:endParaRPr lang="zh-CN" altLang="en-US"/>
           </a:p>
@@ -1505,7 +1516,6 @@
               <a:rPr lang="zh-CN" altLang="en-US" smtClean="0"/>
               <a:t>单击此处编辑母版文本样式</a:t>
             </a:r>
-            <a:endParaRPr lang="zh-CN" altLang="en-US" smtClean="0"/>
           </a:p>
         </p:txBody>
       </p:sp>
@@ -1526,6 +1536,7 @@
           <a:p>
             <a:fld id="{D997B5FA-0921-464F-AAE1-844C04324D75}" type="datetimeFigureOut">
               <a:rPr lang="zh-CN" altLang="en-US" smtClean="0"/>
+              <a:t>2017/6/27</a:t>
             </a:fld>
             <a:endParaRPr lang="zh-CN" altLang="en-US"/>
           </a:p>
@@ -1567,6 +1578,7 @@
           <a:p>
             <a:fld id="{565CE74E-AB26-4998-AD42-012C4C1AD076}" type="slidenum">
               <a:rPr lang="zh-CN" altLang="en-US" smtClean="0"/>
+              <a:t>‹#›</a:t>
             </a:fld>
             <a:endParaRPr lang="zh-CN" altLang="en-US"/>
           </a:p>
@@ -1645,7 +1657,6 @@
               <a:rPr lang="zh-CN" altLang="en-US" smtClean="0"/>
               <a:t>单击此处编辑母版文本样式</a:t>
             </a:r>
-            <a:endParaRPr lang="zh-CN" altLang="en-US" smtClean="0"/>
           </a:p>
           <a:p>
             <a:pPr lvl="1"/>
@@ -1653,7 +1664,6 @@
               <a:rPr lang="zh-CN" altLang="en-US" smtClean="0"/>
               <a:t>第二级</a:t>
             </a:r>
-            <a:endParaRPr lang="zh-CN" altLang="en-US" smtClean="0"/>
           </a:p>
           <a:p>
             <a:pPr lvl="2"/>
@@ -1661,7 +1671,6 @@
               <a:rPr lang="zh-CN" altLang="en-US" smtClean="0"/>
               <a:t>第三级</a:t>
             </a:r>
-            <a:endParaRPr lang="zh-CN" altLang="en-US" smtClean="0"/>
           </a:p>
           <a:p>
             <a:pPr lvl="3"/>
@@ -1669,7 +1678,6 @@
               <a:rPr lang="zh-CN" altLang="en-US" smtClean="0"/>
               <a:t>第四级</a:t>
             </a:r>
-            <a:endParaRPr lang="zh-CN" altLang="en-US" smtClean="0"/>
           </a:p>
           <a:p>
             <a:pPr lvl="4"/>
@@ -1706,7 +1714,6 @@
               <a:rPr lang="zh-CN" altLang="en-US" smtClean="0"/>
               <a:t>单击此处编辑母版文本样式</a:t>
             </a:r>
-            <a:endParaRPr lang="zh-CN" altLang="en-US" smtClean="0"/>
           </a:p>
           <a:p>
             <a:pPr lvl="1"/>
@@ -1714,7 +1721,6 @@
               <a:rPr lang="zh-CN" altLang="en-US" smtClean="0"/>
               <a:t>第二级</a:t>
             </a:r>
-            <a:endParaRPr lang="zh-CN" altLang="en-US" smtClean="0"/>
           </a:p>
           <a:p>
             <a:pPr lvl="2"/>
@@ -1722,7 +1728,6 @@
               <a:rPr lang="zh-CN" altLang="en-US" smtClean="0"/>
               <a:t>第三级</a:t>
             </a:r>
-            <a:endParaRPr lang="zh-CN" altLang="en-US" smtClean="0"/>
           </a:p>
           <a:p>
             <a:pPr lvl="3"/>
@@ -1730,7 +1735,6 @@
               <a:rPr lang="zh-CN" altLang="en-US" smtClean="0"/>
               <a:t>第四级</a:t>
             </a:r>
-            <a:endParaRPr lang="zh-CN" altLang="en-US" smtClean="0"/>
           </a:p>
           <a:p>
             <a:pPr lvl="4"/>
@@ -1759,6 +1763,7 @@
           <a:p>
             <a:fld id="{D997B5FA-0921-464F-AAE1-844C04324D75}" type="datetimeFigureOut">
               <a:rPr lang="zh-CN" altLang="en-US" smtClean="0"/>
+              <a:t>2017/6/27</a:t>
             </a:fld>
             <a:endParaRPr lang="zh-CN" altLang="en-US"/>
           </a:p>
@@ -1800,6 +1805,7 @@
           <a:p>
             <a:fld id="{565CE74E-AB26-4998-AD42-012C4C1AD076}" type="slidenum">
               <a:rPr lang="zh-CN" altLang="en-US" smtClean="0"/>
+              <a:t>‹#›</a:t>
             </a:fld>
             <a:endParaRPr lang="zh-CN" altLang="en-US"/>
           </a:p>
@@ -1920,7 +1926,6 @@
               <a:rPr lang="zh-CN" altLang="en-US" smtClean="0"/>
               <a:t>单击此处编辑母版文本样式</a:t>
             </a:r>
-            <a:endParaRPr lang="zh-CN" altLang="en-US" smtClean="0"/>
           </a:p>
         </p:txBody>
       </p:sp>
@@ -1949,7 +1954,6 @@
               <a:rPr lang="zh-CN" altLang="en-US" smtClean="0"/>
               <a:t>单击此处编辑母版文本样式</a:t>
             </a:r>
-            <a:endParaRPr lang="zh-CN" altLang="en-US" smtClean="0"/>
           </a:p>
           <a:p>
             <a:pPr lvl="1"/>
@@ -1957,7 +1961,6 @@
               <a:rPr lang="zh-CN" altLang="en-US" smtClean="0"/>
               <a:t>第二级</a:t>
             </a:r>
-            <a:endParaRPr lang="zh-CN" altLang="en-US" smtClean="0"/>
           </a:p>
           <a:p>
             <a:pPr lvl="2"/>
@@ -1965,7 +1968,6 @@
               <a:rPr lang="zh-CN" altLang="en-US" smtClean="0"/>
               <a:t>第三级</a:t>
             </a:r>
-            <a:endParaRPr lang="zh-CN" altLang="en-US" smtClean="0"/>
           </a:p>
           <a:p>
             <a:pPr lvl="3"/>
@@ -1973,7 +1975,6 @@
               <a:rPr lang="zh-CN" altLang="en-US" smtClean="0"/>
               <a:t>第四级</a:t>
             </a:r>
-            <a:endParaRPr lang="zh-CN" altLang="en-US" smtClean="0"/>
           </a:p>
           <a:p>
             <a:pPr lvl="4"/>
@@ -2047,7 +2048,6 @@
               <a:rPr lang="zh-CN" altLang="en-US" smtClean="0"/>
               <a:t>单击此处编辑母版文本样式</a:t>
             </a:r>
-            <a:endParaRPr lang="zh-CN" altLang="en-US" smtClean="0"/>
           </a:p>
         </p:txBody>
       </p:sp>
@@ -2076,7 +2076,6 @@
               <a:rPr lang="zh-CN" altLang="en-US" smtClean="0"/>
               <a:t>单击此处编辑母版文本样式</a:t>
             </a:r>
-            <a:endParaRPr lang="zh-CN" altLang="en-US" smtClean="0"/>
           </a:p>
           <a:p>
             <a:pPr lvl="1"/>
@@ -2084,7 +2083,6 @@
               <a:rPr lang="zh-CN" altLang="en-US" smtClean="0"/>
               <a:t>第二级</a:t>
             </a:r>
-            <a:endParaRPr lang="zh-CN" altLang="en-US" smtClean="0"/>
           </a:p>
           <a:p>
             <a:pPr lvl="2"/>
@@ -2092,7 +2090,6 @@
               <a:rPr lang="zh-CN" altLang="en-US" smtClean="0"/>
               <a:t>第三级</a:t>
             </a:r>
-            <a:endParaRPr lang="zh-CN" altLang="en-US" smtClean="0"/>
           </a:p>
           <a:p>
             <a:pPr lvl="3"/>
@@ -2100,7 +2097,6 @@
               <a:rPr lang="zh-CN" altLang="en-US" smtClean="0"/>
               <a:t>第四级</a:t>
             </a:r>
-            <a:endParaRPr lang="zh-CN" altLang="en-US" smtClean="0"/>
           </a:p>
           <a:p>
             <a:pPr lvl="4"/>
@@ -2129,6 +2125,7 @@
           <a:p>
             <a:fld id="{D997B5FA-0921-464F-AAE1-844C04324D75}" type="datetimeFigureOut">
               <a:rPr lang="zh-CN" altLang="en-US" smtClean="0"/>
+              <a:t>2017/6/27</a:t>
             </a:fld>
             <a:endParaRPr lang="zh-CN" altLang="en-US"/>
           </a:p>
@@ -2170,6 +2167,7 @@
           <a:p>
             <a:fld id="{565CE74E-AB26-4998-AD42-012C4C1AD076}" type="slidenum">
               <a:rPr lang="zh-CN" altLang="en-US" smtClean="0"/>
+              <a:t>‹#›</a:t>
             </a:fld>
             <a:endParaRPr lang="zh-CN" altLang="en-US"/>
           </a:p>
@@ -2240,6 +2238,7 @@
           <a:p>
             <a:fld id="{D997B5FA-0921-464F-AAE1-844C04324D75}" type="datetimeFigureOut">
               <a:rPr lang="zh-CN" altLang="en-US" smtClean="0"/>
+              <a:t>2017/6/27</a:t>
             </a:fld>
             <a:endParaRPr lang="zh-CN" altLang="en-US"/>
           </a:p>
@@ -2281,6 +2280,7 @@
           <a:p>
             <a:fld id="{565CE74E-AB26-4998-AD42-012C4C1AD076}" type="slidenum">
               <a:rPr lang="zh-CN" altLang="en-US" smtClean="0"/>
+              <a:t>‹#›</a:t>
             </a:fld>
             <a:endParaRPr lang="zh-CN" altLang="en-US"/>
           </a:p>
@@ -2328,6 +2328,7 @@
           <a:p>
             <a:fld id="{D997B5FA-0921-464F-AAE1-844C04324D75}" type="datetimeFigureOut">
               <a:rPr lang="zh-CN" altLang="en-US" smtClean="0"/>
+              <a:t>2017/6/27</a:t>
             </a:fld>
             <a:endParaRPr lang="zh-CN" altLang="en-US"/>
           </a:p>
@@ -2369,6 +2370,7 @@
           <a:p>
             <a:fld id="{565CE74E-AB26-4998-AD42-012C4C1AD076}" type="slidenum">
               <a:rPr lang="zh-CN" altLang="en-US" smtClean="0"/>
+              <a:t>‹#›</a:t>
             </a:fld>
             <a:endParaRPr lang="zh-CN" altLang="en-US"/>
           </a:p>
@@ -2484,7 +2486,6 @@
               <a:rPr lang="zh-CN" altLang="en-US" smtClean="0"/>
               <a:t>单击此处编辑母版文本样式</a:t>
             </a:r>
-            <a:endParaRPr lang="zh-CN" altLang="en-US" smtClean="0"/>
           </a:p>
           <a:p>
             <a:pPr lvl="1"/>
@@ -2492,7 +2493,6 @@
               <a:rPr lang="zh-CN" altLang="en-US" smtClean="0"/>
               <a:t>第二级</a:t>
             </a:r>
-            <a:endParaRPr lang="zh-CN" altLang="en-US" smtClean="0"/>
           </a:p>
           <a:p>
             <a:pPr lvl="2"/>
@@ -2500,7 +2500,6 @@
               <a:rPr lang="zh-CN" altLang="en-US" smtClean="0"/>
               <a:t>第三级</a:t>
             </a:r>
-            <a:endParaRPr lang="zh-CN" altLang="en-US" smtClean="0"/>
           </a:p>
           <a:p>
             <a:pPr lvl="3"/>
@@ -2508,7 +2507,6 @@
               <a:rPr lang="zh-CN" altLang="en-US" smtClean="0"/>
               <a:t>第四级</a:t>
             </a:r>
-            <a:endParaRPr lang="zh-CN" altLang="en-US" smtClean="0"/>
           </a:p>
           <a:p>
             <a:pPr lvl="4"/>
@@ -2582,7 +2580,6 @@
               <a:rPr lang="zh-CN" altLang="en-US" smtClean="0"/>
               <a:t>单击此处编辑母版文本样式</a:t>
             </a:r>
-            <a:endParaRPr lang="zh-CN" altLang="en-US" smtClean="0"/>
           </a:p>
         </p:txBody>
       </p:sp>
@@ -2603,6 +2600,7 @@
           <a:p>
             <a:fld id="{D997B5FA-0921-464F-AAE1-844C04324D75}" type="datetimeFigureOut">
               <a:rPr lang="zh-CN" altLang="en-US" smtClean="0"/>
+              <a:t>2017/6/27</a:t>
             </a:fld>
             <a:endParaRPr lang="zh-CN" altLang="en-US"/>
           </a:p>
@@ -2644,6 +2642,7 @@
           <a:p>
             <a:fld id="{565CE74E-AB26-4998-AD42-012C4C1AD076}" type="slidenum">
               <a:rPr lang="zh-CN" altLang="en-US" smtClean="0"/>
+              <a:t>‹#›</a:t>
             </a:fld>
             <a:endParaRPr lang="zh-CN" altLang="en-US"/>
           </a:p>
@@ -2829,7 +2828,6 @@
               <a:rPr lang="zh-CN" altLang="en-US" smtClean="0"/>
               <a:t>单击此处编辑母版文本样式</a:t>
             </a:r>
-            <a:endParaRPr lang="zh-CN" altLang="en-US" smtClean="0"/>
           </a:p>
         </p:txBody>
       </p:sp>
@@ -2850,6 +2848,7 @@
           <a:p>
             <a:fld id="{D997B5FA-0921-464F-AAE1-844C04324D75}" type="datetimeFigureOut">
               <a:rPr lang="zh-CN" altLang="en-US" smtClean="0"/>
+              <a:t>2017/6/27</a:t>
             </a:fld>
             <a:endParaRPr lang="zh-CN" altLang="en-US"/>
           </a:p>
@@ -2891,6 +2890,7 @@
           <a:p>
             <a:fld id="{565CE74E-AB26-4998-AD42-012C4C1AD076}" type="slidenum">
               <a:rPr lang="zh-CN" altLang="en-US" smtClean="0"/>
+              <a:t>‹#›</a:t>
             </a:fld>
             <a:endParaRPr lang="zh-CN" altLang="en-US"/>
           </a:p>
@@ -2989,7 +2989,6 @@
               <a:rPr lang="zh-CN" altLang="en-US" smtClean="0"/>
               <a:t>单击此处编辑母版文本样式</a:t>
             </a:r>
-            <a:endParaRPr lang="zh-CN" altLang="en-US" smtClean="0"/>
           </a:p>
           <a:p>
             <a:pPr lvl="1"/>
@@ -2997,7 +2996,6 @@
               <a:rPr lang="zh-CN" altLang="en-US" smtClean="0"/>
               <a:t>第二级</a:t>
             </a:r>
-            <a:endParaRPr lang="zh-CN" altLang="en-US" smtClean="0"/>
           </a:p>
           <a:p>
             <a:pPr lvl="2"/>
@@ -3005,7 +3003,6 @@
               <a:rPr lang="zh-CN" altLang="en-US" smtClean="0"/>
               <a:t>第三级</a:t>
             </a:r>
-            <a:endParaRPr lang="zh-CN" altLang="en-US" smtClean="0"/>
           </a:p>
           <a:p>
             <a:pPr lvl="3"/>
@@ -3013,7 +3010,6 @@
               <a:rPr lang="zh-CN" altLang="en-US" smtClean="0"/>
               <a:t>第四级</a:t>
             </a:r>
-            <a:endParaRPr lang="zh-CN" altLang="en-US" smtClean="0"/>
           </a:p>
           <a:p>
             <a:pPr lvl="4"/>
@@ -3061,6 +3057,7 @@
           <a:p>
             <a:fld id="{D997B5FA-0921-464F-AAE1-844C04324D75}" type="datetimeFigureOut">
               <a:rPr lang="zh-CN" altLang="en-US" smtClean="0"/>
+              <a:t>2017/6/27</a:t>
             </a:fld>
             <a:endParaRPr lang="zh-CN" altLang="en-US"/>
           </a:p>
@@ -3140,6 +3137,7 @@
           <a:p>
             <a:fld id="{565CE74E-AB26-4998-AD42-012C4C1AD076}" type="slidenum">
               <a:rPr lang="zh-CN" altLang="en-US" smtClean="0"/>
+              <a:t>‹#›</a:t>
             </a:fld>
             <a:endParaRPr lang="zh-CN" altLang="en-US"/>
           </a:p>
@@ -3453,7 +3451,14 @@
         <p:cNvGrpSpPr/>
         <p:nvPr/>
       </p:nvGrpSpPr>
-      <p:grpSpPr/>
+      <p:grpSpPr>
+        <a:xfrm>
+          <a:off x="0" y="0"/>
+          <a:ext cx="0" cy="0"/>
+          <a:chOff x="0" y="0"/>
+          <a:chExt cx="0" cy="0"/>
+        </a:xfrm>
+      </p:grpSpPr>
       <p:sp>
         <p:nvSpPr>
           <p:cNvPr id="4" name="文本框 3"/>
@@ -3474,6 +3479,7 @@
           <a:bodyPr wrap="none" rtlCol="0">
             <a:spAutoFit/>
           </a:bodyPr>
+          <a:lstStyle/>
           <a:p>
             <a:pPr algn="l"/>
             <a:r>
@@ -3482,9 +3488,6 @@
               </a:rPr>
               <a:t>主体功能</a:t>
             </a:r>
-            <a:endParaRPr lang="zh-CN" altLang="en-US" sz="8000">
-              <a:ea typeface="微软雅黑" panose="020B0503020204020204" charset="-122"/>
-            </a:endParaRPr>
           </a:p>
           <a:p>
             <a:pPr algn="l"/>
@@ -3494,9 +3497,6 @@
               </a:rPr>
               <a:t>Main function</a:t>
             </a:r>
-            <a:endParaRPr lang="zh-CN" altLang="en-US" sz="8000">
-              <a:ea typeface="微软雅黑" panose="020B0503020204020204" charset="-122"/>
-            </a:endParaRPr>
           </a:p>
         </p:txBody>
       </p:sp>
@@ -3541,6 +3541,7 @@
         </p:style>
         <p:txBody>
           <a:bodyPr rtlCol="0" anchor="ctr"/>
+          <a:lstStyle/>
           <a:p>
             <a:pPr algn="ctr"/>
             <a:endParaRPr lang="zh-CN" altLang="en-US"/>
@@ -3601,7 +3602,14 @@
         <p:cNvGrpSpPr/>
         <p:nvPr/>
       </p:nvGrpSpPr>
-      <p:grpSpPr/>
+      <p:grpSpPr>
+        <a:xfrm>
+          <a:off x="0" y="0"/>
+          <a:ext cx="0" cy="0"/>
+          <a:chOff x="0" y="0"/>
+          <a:chExt cx="0" cy="0"/>
+        </a:xfrm>
+      </p:grpSpPr>
       <p:sp>
         <p:nvSpPr>
           <p:cNvPr id="33" name="矩形 32"/>
@@ -3663,6 +3671,7 @@
         </p:style>
         <p:txBody>
           <a:bodyPr rtlCol="0" anchor="ctr"/>
+          <a:lstStyle/>
           <a:p>
             <a:pPr algn="ctr"/>
             <a:endParaRPr lang="zh-CN" altLang="en-US">
@@ -3713,6 +3722,7 @@
         </p:style>
         <p:txBody>
           <a:bodyPr rtlCol="0" anchor="ctr"/>
+          <a:lstStyle/>
           <a:p>
             <a:pPr algn="ctr"/>
             <a:endParaRPr lang="zh-CN" altLang="en-US" sz="1200">
@@ -3775,6 +3785,7 @@
           </p:style>
           <p:txBody>
             <a:bodyPr rtlCol="0" anchor="ctr"/>
+            <a:lstStyle/>
             <a:p>
               <a:pPr algn="ctr"/>
               <a:endParaRPr lang="zh-CN" altLang="en-US" sz="1200">
@@ -3834,8 +3845,9 @@
             </p:style>
             <p:txBody>
               <a:bodyPr rtlCol="0" anchor="ctr">
-                <a:normAutofit fontScale="90000"/>
+                <a:normAutofit fontScale="97500" lnSpcReduction="10000"/>
               </a:bodyPr>
+              <a:lstStyle/>
               <a:p>
                 <a:pPr algn="ctr"/>
                 <a:endParaRPr lang="zh-CN" altLang="en-US" sz="1000">
@@ -3864,6 +3876,7 @@
               <a:bodyPr wrap="square" rtlCol="0">
                 <a:spAutoFit/>
               </a:bodyPr>
+              <a:lstStyle/>
               <a:p>
                 <a:pPr algn="l"/>
                 <a:r>
@@ -3876,13 +3889,6 @@
                   </a:rPr>
                   <a:t>关         闭</a:t>
                 </a:r>
-                <a:endParaRPr lang="zh-CN" altLang="en-US" sz="1000">
-                  <a:solidFill>
-                    <a:schemeClr val="bg1"/>
-                  </a:solidFill>
-                  <a:ea typeface="微软雅黑" panose="020B0503020204020204" charset="-122"/>
-                  <a:sym typeface="+mn-ea"/>
-                </a:endParaRPr>
               </a:p>
             </p:txBody>
           </p:sp>
@@ -3926,6 +3932,7 @@
           <a:bodyPr vertOverflow="overflow" horzOverflow="overflow" vert="horz" wrap="square" numCol="1" spcCol="0" rtlCol="0" fromWordArt="0" anchor="ctr" anchorCtr="0" forceAA="0" compatLnSpc="1">
             <a:noAutofit/>
           </a:bodyPr>
+          <a:lstStyle/>
           <a:p>
             <a:pPr lvl="0" algn="ctr"/>
             <a:endParaRPr lang="en-US" altLang="zh-CN" sz="1000">
@@ -3972,6 +3979,7 @@
           <a:bodyPr vertOverflow="overflow" horzOverflow="overflow" vert="horz" wrap="square" numCol="1" spcCol="0" rtlCol="0" fromWordArt="0" anchor="ctr" anchorCtr="0" forceAA="0" compatLnSpc="1">
             <a:noAutofit/>
           </a:bodyPr>
+          <a:lstStyle/>
           <a:p>
             <a:pPr lvl="0" algn="ctr"/>
             <a:endParaRPr lang="en-US" altLang="zh-CN" sz="1000">
@@ -4018,6 +4026,7 @@
           <a:bodyPr vertOverflow="overflow" horzOverflow="overflow" vert="horz" wrap="square" numCol="1" spcCol="0" rtlCol="0" fromWordArt="0" anchor="ctr" anchorCtr="0" forceAA="0" compatLnSpc="1">
             <a:noAutofit/>
           </a:bodyPr>
+          <a:lstStyle/>
           <a:p>
             <a:pPr lvl="0" algn="ctr"/>
             <a:endParaRPr lang="en-US" altLang="zh-CN" sz="1000">
@@ -4062,6 +4071,7 @@
         </p:style>
         <p:txBody>
           <a:bodyPr rtlCol="0" anchor="ctr"/>
+          <a:lstStyle/>
           <a:p>
             <a:pPr algn="ctr"/>
             <a:endParaRPr lang="zh-CN" altLang="en-US"/>
@@ -4120,6 +4130,7 @@
             <a:bodyPr vertOverflow="overflow" horzOverflow="overflow" vert="horz" wrap="square" numCol="1" spcCol="0" rtlCol="0" fromWordArt="0" anchor="ctr" anchorCtr="0" forceAA="0" compatLnSpc="1">
               <a:noAutofit/>
             </a:bodyPr>
+            <a:lstStyle/>
             <a:p>
               <a:pPr lvl="0" algn="ctr"/>
               <a:endParaRPr lang="zh-CN" altLang="en-US">
@@ -4149,6 +4160,7 @@
             <a:bodyPr wrap="none" rtlCol="0">
               <a:noAutofit/>
             </a:bodyPr>
+            <a:lstStyle/>
             <a:p>
               <a:r>
                 <a:rPr lang="zh-CN" altLang="en-US" sz="1400" b="1">
@@ -4159,12 +4171,6 @@
                 </a:rPr>
                 <a:t>关  机</a:t>
               </a:r>
-              <a:endParaRPr lang="zh-CN" altLang="en-US" sz="1400" b="1">
-                <a:solidFill>
-                  <a:schemeClr val="bg1"/>
-                </a:solidFill>
-                <a:ea typeface="微软雅黑" panose="020B0503020204020204" charset="-122"/>
-              </a:endParaRPr>
             </a:p>
           </p:txBody>
         </p:sp>
@@ -4206,6 +4212,7 @@
             <a:bodyPr vertOverflow="overflow" horzOverflow="overflow" vert="horz" wrap="square" numCol="1" spcCol="0" rtlCol="0" fromWordArt="0" anchor="ctr" anchorCtr="0" forceAA="0" compatLnSpc="1">
               <a:noAutofit/>
             </a:bodyPr>
+            <a:lstStyle/>
             <a:p>
               <a:pPr lvl="0" algn="ctr"/>
               <a:endParaRPr lang="zh-CN" altLang="en-US">
@@ -4235,6 +4242,7 @@
             <a:bodyPr wrap="none" rtlCol="0">
               <a:noAutofit/>
             </a:bodyPr>
+            <a:lstStyle/>
             <a:p>
               <a:r>
                 <a:rPr lang="zh-CN" altLang="en-US" sz="1400" b="1">
@@ -4245,12 +4253,6 @@
                 </a:rPr>
                 <a:t>录   像</a:t>
               </a:r>
-              <a:endParaRPr lang="zh-CN" altLang="en-US" sz="1400" b="1">
-                <a:solidFill>
-                  <a:schemeClr val="bg1"/>
-                </a:solidFill>
-                <a:ea typeface="微软雅黑" panose="020B0503020204020204" charset="-122"/>
-              </a:endParaRPr>
             </a:p>
           </p:txBody>
         </p:sp>
@@ -4292,6 +4294,7 @@
             <a:bodyPr vertOverflow="overflow" horzOverflow="overflow" vert="horz" wrap="square" numCol="1" spcCol="0" rtlCol="0" fromWordArt="0" anchor="ctr" anchorCtr="0" forceAA="0" compatLnSpc="1">
               <a:noAutofit/>
             </a:bodyPr>
+            <a:lstStyle/>
             <a:p>
               <a:pPr lvl="0" algn="ctr"/>
               <a:endParaRPr lang="zh-CN" altLang="en-US">
@@ -4321,6 +4324,7 @@
             <a:bodyPr wrap="none" rtlCol="0">
               <a:noAutofit/>
             </a:bodyPr>
+            <a:lstStyle/>
             <a:p>
               <a:r>
                 <a:rPr lang="zh-CN" altLang="en-US" sz="1400" b="1">
@@ -4331,12 +4335,6 @@
                 </a:rPr>
                 <a:t>拍   照</a:t>
               </a:r>
-              <a:endParaRPr lang="zh-CN" altLang="en-US" sz="1400" b="1">
-                <a:solidFill>
-                  <a:schemeClr val="bg1"/>
-                </a:solidFill>
-                <a:ea typeface="微软雅黑" panose="020B0503020204020204" charset="-122"/>
-              </a:endParaRPr>
             </a:p>
           </p:txBody>
         </p:sp>
@@ -4378,6 +4376,7 @@
             <a:bodyPr vertOverflow="overflow" horzOverflow="overflow" vert="horz" wrap="square" numCol="1" spcCol="0" rtlCol="0" fromWordArt="0" anchor="ctr" anchorCtr="0" forceAA="0" compatLnSpc="1">
               <a:noAutofit/>
             </a:bodyPr>
+            <a:lstStyle/>
             <a:p>
               <a:pPr lvl="0" algn="ctr"/>
               <a:endParaRPr lang="zh-CN" altLang="en-US">
@@ -4407,6 +4406,7 @@
             <a:bodyPr wrap="none" rtlCol="0">
               <a:noAutofit/>
             </a:bodyPr>
+            <a:lstStyle/>
             <a:p>
               <a:r>
                 <a:rPr lang="zh-CN" altLang="en-US" sz="1400" b="1">
@@ -4417,12 +4417,6 @@
                 </a:rPr>
                 <a:t>文件管理</a:t>
               </a:r>
-              <a:endParaRPr lang="zh-CN" altLang="en-US" sz="1400" b="1">
-                <a:solidFill>
-                  <a:schemeClr val="bg1"/>
-                </a:solidFill>
-                <a:ea typeface="微软雅黑" panose="020B0503020204020204" charset="-122"/>
-              </a:endParaRPr>
             </a:p>
           </p:txBody>
         </p:sp>
@@ -4467,6 +4461,7 @@
             <a:bodyPr vertOverflow="overflow" horzOverflow="overflow" vert="horz" wrap="square" numCol="1" spcCol="0" rtlCol="0" fromWordArt="0" anchor="ctr" anchorCtr="0" forceAA="0" compatLnSpc="1">
               <a:noAutofit/>
             </a:bodyPr>
+            <a:lstStyle/>
             <a:p>
               <a:pPr lvl="0" algn="ctr"/>
               <a:endParaRPr lang="zh-CN" altLang="en-US">
@@ -4496,6 +4491,7 @@
             <a:bodyPr wrap="none" rtlCol="0">
               <a:noAutofit/>
             </a:bodyPr>
+            <a:lstStyle/>
             <a:p>
               <a:r>
                 <a:rPr lang="zh-CN" altLang="en-US" sz="1400" b="1">
@@ -4506,12 +4502,6 @@
                 </a:rPr>
                 <a:t>设   置</a:t>
               </a:r>
-              <a:endParaRPr lang="zh-CN" altLang="en-US" sz="1400" b="1">
-                <a:solidFill>
-                  <a:schemeClr val="bg1"/>
-                </a:solidFill>
-                <a:ea typeface="微软雅黑" panose="020B0503020204020204" charset="-122"/>
-              </a:endParaRPr>
             </a:p>
           </p:txBody>
         </p:sp>
@@ -4553,6 +4543,7 @@
             <a:bodyPr vertOverflow="overflow" horzOverflow="overflow" vert="horz" wrap="square" numCol="1" spcCol="0" rtlCol="0" fromWordArt="0" anchor="ctr" anchorCtr="0" forceAA="0" compatLnSpc="1">
               <a:noAutofit/>
             </a:bodyPr>
+            <a:lstStyle/>
             <a:p>
               <a:pPr lvl="0" algn="ctr"/>
               <a:endParaRPr lang="zh-CN" altLang="en-US">
@@ -4582,6 +4573,7 @@
             <a:bodyPr wrap="none" rtlCol="0">
               <a:noAutofit/>
             </a:bodyPr>
+            <a:lstStyle/>
             <a:p>
               <a:r>
                 <a:rPr lang="zh-CN" altLang="en-US" sz="1400" b="1">
@@ -4592,12 +4584,6 @@
                 </a:rPr>
                 <a:t>系统信息</a:t>
               </a:r>
-              <a:endParaRPr lang="zh-CN" altLang="en-US" sz="1400" b="1">
-                <a:solidFill>
-                  <a:schemeClr val="bg1"/>
-                </a:solidFill>
-                <a:ea typeface="微软雅黑" panose="020B0503020204020204" charset="-122"/>
-              </a:endParaRPr>
             </a:p>
           </p:txBody>
         </p:sp>
@@ -4639,6 +4625,7 @@
             <a:bodyPr vertOverflow="overflow" horzOverflow="overflow" vert="horz" wrap="square" numCol="1" spcCol="0" rtlCol="0" fromWordArt="0" anchor="ctr" anchorCtr="0" forceAA="0" compatLnSpc="1">
               <a:noAutofit/>
             </a:bodyPr>
+            <a:lstStyle/>
             <a:p>
               <a:pPr lvl="0" algn="ctr"/>
               <a:endParaRPr lang="zh-CN" altLang="en-US">
@@ -4668,6 +4655,7 @@
             <a:bodyPr wrap="none" rtlCol="0">
               <a:noAutofit/>
             </a:bodyPr>
+            <a:lstStyle/>
             <a:p>
               <a:r>
                 <a:rPr lang="zh-CN" altLang="en-US" sz="1400" b="1">
@@ -4678,12 +4666,6 @@
                 </a:rPr>
                 <a:t>亮   度</a:t>
               </a:r>
-              <a:endParaRPr lang="zh-CN" altLang="en-US" sz="1400" b="1">
-                <a:solidFill>
-                  <a:schemeClr val="bg1"/>
-                </a:solidFill>
-                <a:ea typeface="微软雅黑" panose="020B0503020204020204" charset="-122"/>
-              </a:endParaRPr>
             </a:p>
           </p:txBody>
         </p:sp>
@@ -4727,8 +4709,9 @@
         </p:style>
         <p:txBody>
           <a:bodyPr rtlCol="0" anchor="ctr">
-            <a:normAutofit fontScale="80000"/>
+            <a:normAutofit fontScale="87500" lnSpcReduction="20000"/>
           </a:bodyPr>
+          <a:lstStyle/>
           <a:p>
             <a:pPr algn="ctr"/>
             <a:r>
@@ -4747,9 +4730,6 @@
               </a:rPr>
               <a:t>盘</a:t>
             </a:r>
-            <a:endParaRPr lang="zh-CN" altLang="en-US" sz="1200" b="1">
-              <a:ea typeface="微软雅黑" panose="020B0503020204020204" charset="-122"/>
-            </a:endParaRPr>
           </a:p>
         </p:txBody>
       </p:sp>
@@ -4792,6 +4772,7 @@
           <a:bodyPr vertOverflow="overflow" horzOverflow="overflow" vert="horz" wrap="square" numCol="1" spcCol="0" rtlCol="0" fromWordArt="0" anchor="ctr" anchorCtr="0" forceAA="0" compatLnSpc="1">
             <a:noAutofit/>
           </a:bodyPr>
+          <a:lstStyle/>
           <a:p>
             <a:pPr lvl="0" algn="ctr"/>
             <a:r>
@@ -4801,10 +4782,6 @@
               </a:rPr>
               <a:t>分辨率</a:t>
             </a:r>
-            <a:endParaRPr lang="zh-CN" altLang="en-US" sz="1000">
-              <a:ea typeface="微软雅黑" panose="020B0503020204020204" charset="-122"/>
-              <a:sym typeface="+mn-ea"/>
-            </a:endParaRPr>
           </a:p>
         </p:txBody>
       </p:sp>
@@ -4847,6 +4824,7 @@
           <a:bodyPr vertOverflow="overflow" horzOverflow="overflow" vert="horz" wrap="square" numCol="1" spcCol="0" rtlCol="0" fromWordArt="0" anchor="ctr" anchorCtr="0" forceAA="0" compatLnSpc="1">
             <a:noAutofit/>
           </a:bodyPr>
+          <a:lstStyle/>
           <a:p>
             <a:pPr lvl="0" algn="ctr"/>
             <a:r>
@@ -4856,10 +4834,6 @@
               </a:rPr>
               <a:t>录像选项</a:t>
             </a:r>
-            <a:endParaRPr lang="zh-CN" altLang="en-US" sz="1000">
-              <a:ea typeface="微软雅黑" panose="020B0503020204020204" charset="-122"/>
-              <a:sym typeface="+mn-ea"/>
-            </a:endParaRPr>
           </a:p>
         </p:txBody>
       </p:sp>
@@ -4899,6 +4873,7 @@
           <a:bodyPr vertOverflow="overflow" horzOverflow="overflow" vert="horz" wrap="square" numCol="1" spcCol="0" rtlCol="0" fromWordArt="0" anchor="ctr" anchorCtr="0" forceAA="0" compatLnSpc="1">
             <a:noAutofit/>
           </a:bodyPr>
+          <a:lstStyle/>
           <a:p>
             <a:pPr lvl="0" algn="ctr"/>
             <a:r>
@@ -4908,10 +4883,6 @@
               </a:rPr>
               <a:t>视频设置</a:t>
             </a:r>
-            <a:endParaRPr lang="zh-CN" altLang="en-US" sz="1000">
-              <a:ea typeface="微软雅黑" panose="020B0503020204020204" charset="-122"/>
-              <a:sym typeface="+mn-ea"/>
-            </a:endParaRPr>
           </a:p>
         </p:txBody>
       </p:sp>
@@ -4952,8 +4923,9 @@
         </p:style>
         <p:txBody>
           <a:bodyPr rtlCol="0" anchor="ctr">
-            <a:normAutofit fontScale="90000"/>
+            <a:normAutofit fontScale="97500" lnSpcReduction="10000"/>
           </a:bodyPr>
+          <a:lstStyle/>
           <a:p>
             <a:pPr algn="ctr"/>
             <a:endParaRPr lang="zh-CN" altLang="en-US" sz="1000">
@@ -4999,6 +4971,7 @@
         </p:style>
         <p:txBody>
           <a:bodyPr rtlCol="0" anchor="ctr"/>
+          <a:lstStyle/>
           <a:p>
             <a:pPr algn="ctr"/>
             <a:r>
@@ -5007,9 +4980,6 @@
               </a:rPr>
               <a:t>语言设置</a:t>
             </a:r>
-            <a:endParaRPr lang="zh-CN" altLang="en-US" sz="1000">
-              <a:ea typeface="微软雅黑" panose="020B0503020204020204" charset="-122"/>
-            </a:endParaRPr>
           </a:p>
         </p:txBody>
       </p:sp>
@@ -5050,6 +5020,7 @@
         </p:style>
         <p:txBody>
           <a:bodyPr rtlCol="0" anchor="ctr"/>
+          <a:lstStyle/>
           <a:p>
             <a:pPr algn="ctr"/>
             <a:r>
@@ -5058,9 +5029,6 @@
               </a:rPr>
               <a:t>时间设置</a:t>
             </a:r>
-            <a:endParaRPr lang="zh-CN" altLang="en-US" sz="1000">
-              <a:ea typeface="微软雅黑" panose="020B0503020204020204" charset="-122"/>
-            </a:endParaRPr>
           </a:p>
         </p:txBody>
       </p:sp>
@@ -5097,6 +5065,7 @@
         </p:style>
         <p:txBody>
           <a:bodyPr rtlCol="0" anchor="ctr"/>
+          <a:lstStyle/>
           <a:p>
             <a:pPr algn="ctr"/>
             <a:endParaRPr lang="zh-CN" altLang="en-US">
@@ -5141,6 +5110,7 @@
         </p:style>
         <p:txBody>
           <a:bodyPr rtlCol="0" anchor="ctr"/>
+          <a:lstStyle/>
           <a:p>
             <a:pPr algn="ctr"/>
             <a:endParaRPr lang="zh-CN" altLang="en-US">
@@ -5169,6 +5139,7 @@
           <a:bodyPr wrap="square" rtlCol="0">
             <a:spAutoFit/>
           </a:bodyPr>
+          <a:lstStyle/>
           <a:p>
             <a:r>
               <a:rPr lang="zh-CN" altLang="en-US">
@@ -5179,12 +5150,6 @@
               </a:rPr>
               <a:t>视频实时预览</a:t>
             </a:r>
-            <a:endParaRPr lang="zh-CN" altLang="en-US">
-              <a:solidFill>
-                <a:schemeClr val="bg1"/>
-              </a:solidFill>
-              <a:ea typeface="微软雅黑" panose="020B0503020204020204" charset="-122"/>
-            </a:endParaRPr>
           </a:p>
         </p:txBody>
       </p:sp>
@@ -5208,6 +5173,7 @@
           <a:bodyPr wrap="square" rtlCol="0">
             <a:spAutoFit/>
           </a:bodyPr>
+          <a:lstStyle/>
           <a:p>
             <a:r>
               <a:rPr lang="zh-CN" altLang="en-US">
@@ -5215,9 +5181,6 @@
               </a:rPr>
               <a:t>设置界面</a:t>
             </a:r>
-            <a:endParaRPr lang="zh-CN" altLang="en-US">
-              <a:ea typeface="微软雅黑" panose="020B0503020204020204" charset="-122"/>
-            </a:endParaRPr>
           </a:p>
         </p:txBody>
       </p:sp>
@@ -5262,6 +5225,7 @@
         </p:style>
         <p:txBody>
           <a:bodyPr rtlCol="0" anchor="ctr"/>
+          <a:lstStyle/>
           <a:p>
             <a:pPr algn="ctr"/>
             <a:endParaRPr lang="zh-CN" altLang="en-US"/>
@@ -5309,6 +5273,7 @@
           <a:bodyPr vertOverflow="overflow" horzOverflow="overflow" vert="horz" wrap="square" numCol="1" spcCol="0" rtlCol="0" fromWordArt="0" anchor="ctr" anchorCtr="0" forceAA="0" compatLnSpc="1">
             <a:noAutofit/>
           </a:bodyPr>
+          <a:lstStyle/>
           <a:p>
             <a:pPr lvl="0" algn="ctr"/>
             <a:endParaRPr lang="en-US" altLang="zh-CN" sz="1200">
@@ -5337,6 +5302,7 @@
           <a:bodyPr wrap="square" rtlCol="0">
             <a:spAutoFit/>
           </a:bodyPr>
+          <a:lstStyle/>
           <a:p>
             <a:pPr algn="l"/>
             <a:r>
@@ -5349,13 +5315,6 @@
               </a:rPr>
               <a:t>亮   度</a:t>
             </a:r>
-            <a:endParaRPr lang="zh-CN" altLang="en-US" sz="800">
-              <a:solidFill>
-                <a:schemeClr val="tx1"/>
-              </a:solidFill>
-              <a:ea typeface="微软雅黑" panose="020B0503020204020204" charset="-122"/>
-              <a:sym typeface="+mn-ea"/>
-            </a:endParaRPr>
           </a:p>
         </p:txBody>
       </p:sp>
@@ -5397,6 +5356,7 @@
           <a:bodyPr vertOverflow="overflow" horzOverflow="overflow" vert="horz" wrap="square" numCol="1" spcCol="0" rtlCol="0" fromWordArt="0" anchor="ctr" anchorCtr="0" forceAA="0" compatLnSpc="1">
             <a:noAutofit/>
           </a:bodyPr>
+          <a:lstStyle/>
           <a:p>
             <a:pPr lvl="0" algn="ctr"/>
             <a:endParaRPr lang="en-US" altLang="zh-CN" sz="1000">
@@ -5425,6 +5385,7 @@
           <a:bodyPr wrap="square" rtlCol="0">
             <a:spAutoFit/>
           </a:bodyPr>
+          <a:lstStyle/>
           <a:p>
             <a:pPr algn="l"/>
             <a:r>
@@ -5437,13 +5398,6 @@
               </a:rPr>
               <a:t>对比度</a:t>
             </a:r>
-            <a:endParaRPr lang="zh-CN" altLang="en-US" sz="800">
-              <a:solidFill>
-                <a:schemeClr val="bg1"/>
-              </a:solidFill>
-              <a:ea typeface="微软雅黑" panose="020B0503020204020204" charset="-122"/>
-              <a:sym typeface="+mn-ea"/>
-            </a:endParaRPr>
           </a:p>
         </p:txBody>
       </p:sp>
@@ -5485,6 +5439,7 @@
           <a:bodyPr vertOverflow="overflow" horzOverflow="overflow" vert="horz" wrap="square" numCol="1" spcCol="0" rtlCol="0" fromWordArt="0" anchor="ctr" anchorCtr="0" forceAA="0" compatLnSpc="1">
             <a:noAutofit/>
           </a:bodyPr>
+          <a:lstStyle/>
           <a:p>
             <a:pPr lvl="0" algn="ctr"/>
             <a:endParaRPr lang="en-US" altLang="zh-CN" sz="1000">
@@ -5513,6 +5468,7 @@
           <a:bodyPr wrap="square" rtlCol="0">
             <a:spAutoFit/>
           </a:bodyPr>
+          <a:lstStyle/>
           <a:p>
             <a:pPr algn="l"/>
             <a:r>
@@ -5525,13 +5481,6 @@
               </a:rPr>
               <a:t>色  调</a:t>
             </a:r>
-            <a:endParaRPr lang="zh-CN" altLang="en-US" sz="800">
-              <a:solidFill>
-                <a:schemeClr val="bg1"/>
-              </a:solidFill>
-              <a:ea typeface="微软雅黑" panose="020B0503020204020204" charset="-122"/>
-              <a:sym typeface="+mn-ea"/>
-            </a:endParaRPr>
           </a:p>
         </p:txBody>
       </p:sp>
@@ -5573,6 +5522,7 @@
           <a:bodyPr vertOverflow="overflow" horzOverflow="overflow" vert="horz" wrap="square" numCol="1" spcCol="0" rtlCol="0" fromWordArt="0" anchor="ctr" anchorCtr="0" forceAA="0" compatLnSpc="1">
             <a:noAutofit/>
           </a:bodyPr>
+          <a:lstStyle/>
           <a:p>
             <a:pPr lvl="0" algn="ctr"/>
             <a:endParaRPr lang="en-US" altLang="zh-CN" sz="1000">
@@ -5601,6 +5551,7 @@
           <a:bodyPr wrap="square" rtlCol="0">
             <a:spAutoFit/>
           </a:bodyPr>
+          <a:lstStyle/>
           <a:p>
             <a:pPr algn="l"/>
             <a:r>
@@ -5613,13 +5564,6 @@
               </a:rPr>
               <a:t>清晰度</a:t>
             </a:r>
-            <a:endParaRPr lang="zh-CN" altLang="en-US" sz="800">
-              <a:solidFill>
-                <a:schemeClr val="bg1"/>
-              </a:solidFill>
-              <a:ea typeface="微软雅黑" panose="020B0503020204020204" charset="-122"/>
-              <a:sym typeface="+mn-ea"/>
-            </a:endParaRPr>
           </a:p>
         </p:txBody>
       </p:sp>
@@ -5661,6 +5605,7 @@
           <a:bodyPr vertOverflow="overflow" horzOverflow="overflow" vert="horz" wrap="square" numCol="1" spcCol="0" rtlCol="0" fromWordArt="0" anchor="ctr" anchorCtr="0" forceAA="0" compatLnSpc="1">
             <a:noAutofit/>
           </a:bodyPr>
+          <a:lstStyle/>
           <a:p>
             <a:pPr lvl="0" algn="ctr"/>
             <a:endParaRPr lang="en-US" altLang="zh-CN" sz="1000">
@@ -5689,6 +5634,7 @@
           <a:bodyPr wrap="square" rtlCol="0">
             <a:spAutoFit/>
           </a:bodyPr>
+          <a:lstStyle/>
           <a:p>
             <a:pPr algn="l"/>
             <a:r>
@@ -5701,13 +5647,6 @@
               </a:rPr>
               <a:t>伽   玛</a:t>
             </a:r>
-            <a:endParaRPr lang="zh-CN" altLang="en-US" sz="800">
-              <a:solidFill>
-                <a:schemeClr val="bg1"/>
-              </a:solidFill>
-              <a:ea typeface="微软雅黑" panose="020B0503020204020204" charset="-122"/>
-              <a:sym typeface="+mn-ea"/>
-            </a:endParaRPr>
           </a:p>
         </p:txBody>
       </p:sp>
@@ -5749,6 +5688,7 @@
           <a:bodyPr vertOverflow="overflow" horzOverflow="overflow" vert="horz" wrap="square" numCol="1" spcCol="0" rtlCol="0" fromWordArt="0" anchor="ctr" anchorCtr="0" forceAA="0" compatLnSpc="1">
             <a:noAutofit/>
           </a:bodyPr>
+          <a:lstStyle/>
           <a:p>
             <a:pPr lvl="0" algn="ctr"/>
             <a:endParaRPr lang="en-US" altLang="zh-CN" sz="1000">
@@ -5777,6 +5717,7 @@
           <a:bodyPr wrap="square" rtlCol="0">
             <a:spAutoFit/>
           </a:bodyPr>
+          <a:lstStyle/>
           <a:p>
             <a:pPr algn="l"/>
             <a:r>
@@ -5789,13 +5730,6 @@
               </a:rPr>
               <a:t>白平衡</a:t>
             </a:r>
-            <a:endParaRPr lang="zh-CN" altLang="en-US" sz="800">
-              <a:solidFill>
-                <a:schemeClr val="bg1"/>
-              </a:solidFill>
-              <a:ea typeface="微软雅黑" panose="020B0503020204020204" charset="-122"/>
-              <a:sym typeface="+mn-ea"/>
-            </a:endParaRPr>
           </a:p>
         </p:txBody>
       </p:sp>
@@ -5837,6 +5771,7 @@
           <a:bodyPr vertOverflow="overflow" horzOverflow="overflow" vert="horz" wrap="square" numCol="1" spcCol="0" rtlCol="0" fromWordArt="0" anchor="ctr" anchorCtr="0" forceAA="0" compatLnSpc="1">
             <a:noAutofit/>
           </a:bodyPr>
+          <a:lstStyle/>
           <a:p>
             <a:pPr lvl="0" algn="ctr"/>
             <a:endParaRPr lang="en-US" altLang="zh-CN" sz="1000">
@@ -5865,6 +5800,7 @@
           <a:bodyPr wrap="square" rtlCol="0">
             <a:spAutoFit/>
           </a:bodyPr>
+          <a:lstStyle/>
           <a:p>
             <a:pPr algn="l"/>
             <a:r>
@@ -5877,13 +5813,6 @@
               </a:rPr>
               <a:t>自动</a:t>
             </a:r>
-            <a:endParaRPr lang="zh-CN" altLang="en-US" sz="800">
-              <a:solidFill>
-                <a:schemeClr val="bg1"/>
-              </a:solidFill>
-              <a:ea typeface="微软雅黑" panose="020B0503020204020204" charset="-122"/>
-              <a:sym typeface="+mn-ea"/>
-            </a:endParaRPr>
           </a:p>
         </p:txBody>
       </p:sp>
@@ -5907,6 +5836,7 @@
           <a:bodyPr wrap="square" rtlCol="0">
             <a:spAutoFit/>
           </a:bodyPr>
+          <a:lstStyle/>
           <a:p>
             <a:pPr algn="l"/>
             <a:r>
@@ -5919,13 +5849,6 @@
               </a:rPr>
               <a:t>摄像头设置</a:t>
             </a:r>
-            <a:endParaRPr lang="zh-CN" altLang="en-US" sz="1000">
-              <a:solidFill>
-                <a:schemeClr val="bg1"/>
-              </a:solidFill>
-              <a:ea typeface="微软雅黑" panose="020B0503020204020204" charset="-122"/>
-              <a:sym typeface="+mn-ea"/>
-            </a:endParaRPr>
           </a:p>
         </p:txBody>
       </p:sp>
@@ -5980,8 +5903,9 @@
           </p:style>
           <p:txBody>
             <a:bodyPr rtlCol="0" anchor="ctr">
-              <a:normAutofit fontScale="90000"/>
+              <a:normAutofit fontScale="97500" lnSpcReduction="10000"/>
             </a:bodyPr>
+            <a:lstStyle/>
             <a:p>
               <a:pPr algn="ctr"/>
               <a:endParaRPr lang="zh-CN" altLang="en-US" sz="1000">
@@ -6010,6 +5934,7 @@
             <a:bodyPr wrap="square" rtlCol="0">
               <a:spAutoFit/>
             </a:bodyPr>
+            <a:lstStyle/>
             <a:p>
               <a:pPr algn="l"/>
               <a:r>
@@ -6022,13 +5947,6 @@
                 </a:rPr>
                 <a:t>恢复设置</a:t>
               </a:r>
-              <a:endParaRPr lang="zh-CN" altLang="en-US" sz="1000">
-                <a:solidFill>
-                  <a:schemeClr val="bg1"/>
-                </a:solidFill>
-                <a:ea typeface="微软雅黑" panose="020B0503020204020204" charset="-122"/>
-                <a:sym typeface="+mn-ea"/>
-              </a:endParaRPr>
             </a:p>
           </p:txBody>
         </p:sp>
@@ -6071,6 +5989,7 @@
           <a:bodyPr vertOverflow="overflow" horzOverflow="overflow" vert="horz" wrap="square" numCol="1" spcCol="0" rtlCol="0" fromWordArt="0" anchor="ctr" anchorCtr="0" forceAA="0" compatLnSpc="1">
             <a:noAutofit/>
           </a:bodyPr>
+          <a:lstStyle/>
           <a:p>
             <a:pPr lvl="0" algn="ctr"/>
             <a:endParaRPr lang="en-US" altLang="zh-CN" sz="1000">
@@ -6117,6 +6036,7 @@
           <a:bodyPr vertOverflow="overflow" horzOverflow="overflow" vert="horz" wrap="square" numCol="1" spcCol="0" rtlCol="0" fromWordArt="0" anchor="ctr" anchorCtr="0" forceAA="0" compatLnSpc="1">
             <a:noAutofit/>
           </a:bodyPr>
+          <a:lstStyle/>
           <a:p>
             <a:pPr lvl="0" algn="ctr"/>
             <a:endParaRPr lang="en-US" altLang="zh-CN" sz="1000">
@@ -6163,6 +6083,7 @@
           <a:bodyPr vertOverflow="overflow" horzOverflow="overflow" vert="horz" wrap="square" numCol="1" spcCol="0" rtlCol="0" fromWordArt="0" anchor="ctr" anchorCtr="0" forceAA="0" compatLnSpc="1">
             <a:noAutofit/>
           </a:bodyPr>
+          <a:lstStyle/>
           <a:p>
             <a:pPr lvl="0" algn="ctr"/>
             <a:endParaRPr lang="en-US" altLang="zh-CN" sz="1000">
@@ -6191,6 +6112,7 @@
           <a:bodyPr wrap="square" rtlCol="0">
             <a:spAutoFit/>
           </a:bodyPr>
+          <a:lstStyle/>
           <a:p>
             <a:pPr algn="l"/>
             <a:r>
@@ -6203,13 +6125,6 @@
               </a:rPr>
               <a:t>增   益</a:t>
             </a:r>
-            <a:endParaRPr lang="zh-CN" altLang="en-US" sz="800">
-              <a:solidFill>
-                <a:schemeClr val="bg1"/>
-              </a:solidFill>
-              <a:ea typeface="微软雅黑" panose="020B0503020204020204" charset="-122"/>
-              <a:sym typeface="+mn-ea"/>
-            </a:endParaRPr>
           </a:p>
         </p:txBody>
       </p:sp>
@@ -6233,6 +6148,7 @@
           <a:bodyPr wrap="square" rtlCol="0">
             <a:spAutoFit/>
           </a:bodyPr>
+          <a:lstStyle/>
           <a:p>
             <a:pPr algn="l"/>
             <a:r>
@@ -6245,13 +6161,6 @@
               </a:rPr>
               <a:t>电力线频率</a:t>
             </a:r>
-            <a:endParaRPr lang="zh-CN" altLang="en-US" sz="800">
-              <a:solidFill>
-                <a:schemeClr val="bg1"/>
-              </a:solidFill>
-              <a:ea typeface="微软雅黑" panose="020B0503020204020204" charset="-122"/>
-              <a:sym typeface="+mn-ea"/>
-            </a:endParaRPr>
           </a:p>
         </p:txBody>
       </p:sp>
@@ -6275,6 +6184,7 @@
           <a:bodyPr wrap="square" rtlCol="0">
             <a:spAutoFit/>
           </a:bodyPr>
+          <a:lstStyle/>
           <a:p>
             <a:pPr algn="l"/>
             <a:r>
@@ -6287,13 +6197,6 @@
               </a:rPr>
               <a:t>饱和度</a:t>
             </a:r>
-            <a:endParaRPr lang="zh-CN" altLang="en-US" sz="800">
-              <a:solidFill>
-                <a:schemeClr val="bg1"/>
-              </a:solidFill>
-              <a:ea typeface="微软雅黑" panose="020B0503020204020204" charset="-122"/>
-              <a:sym typeface="+mn-ea"/>
-            </a:endParaRPr>
           </a:p>
         </p:txBody>
       </p:sp>
@@ -6317,6 +6220,7 @@
           <a:bodyPr wrap="square" rtlCol="0">
             <a:spAutoFit/>
           </a:bodyPr>
+          <a:lstStyle/>
           <a:p>
             <a:pPr algn="l"/>
             <a:r>
@@ -6329,13 +6233,6 @@
               </a:rPr>
               <a:t>逆光对比</a:t>
             </a:r>
-            <a:endParaRPr lang="zh-CN" altLang="en-US" sz="800">
-              <a:solidFill>
-                <a:schemeClr val="bg1"/>
-              </a:solidFill>
-              <a:ea typeface="微软雅黑" panose="020B0503020204020204" charset="-122"/>
-              <a:sym typeface="+mn-ea"/>
-            </a:endParaRPr>
           </a:p>
         </p:txBody>
       </p:sp>
@@ -6359,6 +6256,7 @@
           <a:bodyPr wrap="square" rtlCol="0">
             <a:spAutoFit/>
           </a:bodyPr>
+          <a:lstStyle/>
           <a:p>
             <a:pPr algn="l"/>
             <a:r>
@@ -6371,13 +6269,6 @@
               </a:rPr>
               <a:t>恢复默认值</a:t>
             </a:r>
-            <a:endParaRPr lang="zh-CN" altLang="en-US" sz="800">
-              <a:solidFill>
-                <a:schemeClr val="bg1"/>
-              </a:solidFill>
-              <a:ea typeface="微软雅黑" panose="020B0503020204020204" charset="-122"/>
-              <a:sym typeface="+mn-ea"/>
-            </a:endParaRPr>
           </a:p>
         </p:txBody>
       </p:sp>
@@ -6398,7 +6289,14 @@
         <p:cNvGrpSpPr/>
         <p:nvPr/>
       </p:nvGrpSpPr>
-      <p:grpSpPr/>
+      <p:grpSpPr>
+        <a:xfrm>
+          <a:off x="0" y="0"/>
+          <a:ext cx="0" cy="0"/>
+          <a:chOff x="0" y="0"/>
+          <a:chExt cx="0" cy="0"/>
+        </a:xfrm>
+      </p:grpSpPr>
       <p:sp>
         <p:nvSpPr>
           <p:cNvPr id="33" name="矩形 32"/>
@@ -6460,6 +6358,7 @@
         </p:style>
         <p:txBody>
           <a:bodyPr rtlCol="0" anchor="ctr"/>
+          <a:lstStyle/>
           <a:p>
             <a:pPr algn="ctr"/>
             <a:endParaRPr lang="zh-CN" altLang="en-US">
@@ -6510,6 +6409,7 @@
         </p:style>
         <p:txBody>
           <a:bodyPr rtlCol="0" anchor="ctr"/>
+          <a:lstStyle/>
           <a:p>
             <a:pPr algn="ctr"/>
             <a:endParaRPr lang="zh-CN" altLang="en-US" sz="1200">
@@ -6556,6 +6456,7 @@
           <a:bodyPr vertOverflow="overflow" horzOverflow="overflow" vert="horz" wrap="square" numCol="1" spcCol="0" rtlCol="0" fromWordArt="0" anchor="ctr" anchorCtr="0" forceAA="0" compatLnSpc="1">
             <a:noAutofit/>
           </a:bodyPr>
+          <a:lstStyle/>
           <a:p>
             <a:pPr lvl="0" algn="ctr"/>
             <a:endParaRPr lang="en-US" altLang="zh-CN" sz="1000">
@@ -6602,6 +6503,7 @@
           <a:bodyPr vertOverflow="overflow" horzOverflow="overflow" vert="horz" wrap="square" numCol="1" spcCol="0" rtlCol="0" fromWordArt="0" anchor="ctr" anchorCtr="0" forceAA="0" compatLnSpc="1">
             <a:noAutofit/>
           </a:bodyPr>
+          <a:lstStyle/>
           <a:p>
             <a:pPr lvl="0" algn="ctr"/>
             <a:endParaRPr lang="en-US" altLang="zh-CN" sz="1000">
@@ -6648,6 +6550,7 @@
           <a:bodyPr vertOverflow="overflow" horzOverflow="overflow" vert="horz" wrap="square" numCol="1" spcCol="0" rtlCol="0" fromWordArt="0" anchor="ctr" anchorCtr="0" forceAA="0" compatLnSpc="1">
             <a:noAutofit/>
           </a:bodyPr>
+          <a:lstStyle/>
           <a:p>
             <a:pPr lvl="0" algn="ctr"/>
             <a:endParaRPr lang="en-US" altLang="zh-CN" sz="1000">
@@ -6694,6 +6597,7 @@
           <a:bodyPr vertOverflow="overflow" horzOverflow="overflow" vert="horz" wrap="square" numCol="1" spcCol="0" rtlCol="0" fromWordArt="0" anchor="ctr" anchorCtr="0" forceAA="0" compatLnSpc="1">
             <a:noAutofit/>
           </a:bodyPr>
+          <a:lstStyle/>
           <a:p>
             <a:pPr lvl="0" algn="ctr"/>
             <a:endParaRPr lang="en-US" altLang="zh-CN" sz="1000">
@@ -6756,6 +6660,7 @@
           </p:style>
           <p:txBody>
             <a:bodyPr rtlCol="0" anchor="ctr"/>
+            <a:lstStyle/>
             <a:p>
               <a:pPr algn="ctr"/>
               <a:endParaRPr lang="zh-CN" altLang="en-US" sz="1200">
@@ -6815,8 +6720,9 @@
             </p:style>
             <p:txBody>
               <a:bodyPr rtlCol="0" anchor="ctr">
-                <a:normAutofit fontScale="90000"/>
+                <a:normAutofit fontScale="97500" lnSpcReduction="10000"/>
               </a:bodyPr>
+              <a:lstStyle/>
               <a:p>
                 <a:pPr algn="ctr"/>
                 <a:endParaRPr lang="zh-CN" altLang="en-US" sz="1000">
@@ -6845,6 +6751,7 @@
               <a:bodyPr wrap="square" rtlCol="0">
                 <a:spAutoFit/>
               </a:bodyPr>
+              <a:lstStyle/>
               <a:p>
                 <a:pPr algn="l"/>
                 <a:r>
@@ -6857,13 +6764,6 @@
                   </a:rPr>
                   <a:t>关         闭</a:t>
                 </a:r>
-                <a:endParaRPr lang="zh-CN" altLang="en-US" sz="1000">
-                  <a:solidFill>
-                    <a:schemeClr val="bg1"/>
-                  </a:solidFill>
-                  <a:ea typeface="微软雅黑" panose="020B0503020204020204" charset="-122"/>
-                  <a:sym typeface="+mn-ea"/>
-                </a:endParaRPr>
               </a:p>
             </p:txBody>
           </p:sp>
@@ -6907,6 +6807,7 @@
           <a:bodyPr vertOverflow="overflow" horzOverflow="overflow" vert="horz" wrap="square" numCol="1" spcCol="0" rtlCol="0" fromWordArt="0" anchor="ctr" anchorCtr="0" forceAA="0" compatLnSpc="1">
             <a:noAutofit/>
           </a:bodyPr>
+          <a:lstStyle/>
           <a:p>
             <a:pPr lvl="0" algn="ctr"/>
             <a:endParaRPr lang="en-US" altLang="zh-CN" sz="1000">
@@ -6953,6 +6854,7 @@
           <a:bodyPr vertOverflow="overflow" horzOverflow="overflow" vert="horz" wrap="square" numCol="1" spcCol="0" rtlCol="0" fromWordArt="0" anchor="ctr" anchorCtr="0" forceAA="0" compatLnSpc="1">
             <a:noAutofit/>
           </a:bodyPr>
+          <a:lstStyle/>
           <a:p>
             <a:pPr lvl="0" algn="ctr"/>
             <a:endParaRPr lang="en-US" altLang="zh-CN" sz="1000">
@@ -6997,6 +6899,7 @@
         </p:style>
         <p:txBody>
           <a:bodyPr rtlCol="0" anchor="ctr"/>
+          <a:lstStyle/>
           <a:p>
             <a:pPr algn="ctr"/>
             <a:endParaRPr lang="zh-CN" altLang="en-US"/>
@@ -7055,6 +6958,7 @@
             <a:bodyPr vertOverflow="overflow" horzOverflow="overflow" vert="horz" wrap="square" numCol="1" spcCol="0" rtlCol="0" fromWordArt="0" anchor="ctr" anchorCtr="0" forceAA="0" compatLnSpc="1">
               <a:noAutofit/>
             </a:bodyPr>
+            <a:lstStyle/>
             <a:p>
               <a:pPr lvl="0" algn="ctr"/>
               <a:endParaRPr lang="zh-CN" altLang="en-US">
@@ -7084,6 +6988,7 @@
             <a:bodyPr wrap="none" rtlCol="0">
               <a:noAutofit/>
             </a:bodyPr>
+            <a:lstStyle/>
             <a:p>
               <a:r>
                 <a:rPr lang="zh-CN" altLang="en-US" sz="1400" b="1">
@@ -7094,12 +6999,6 @@
                 </a:rPr>
                 <a:t>关  机</a:t>
               </a:r>
-              <a:endParaRPr lang="zh-CN" altLang="en-US" sz="1400" b="1">
-                <a:solidFill>
-                  <a:schemeClr val="bg1"/>
-                </a:solidFill>
-                <a:ea typeface="微软雅黑" panose="020B0503020204020204" charset="-122"/>
-              </a:endParaRPr>
             </a:p>
           </p:txBody>
         </p:sp>
@@ -7141,6 +7040,7 @@
             <a:bodyPr vertOverflow="overflow" horzOverflow="overflow" vert="horz" wrap="square" numCol="1" spcCol="0" rtlCol="0" fromWordArt="0" anchor="ctr" anchorCtr="0" forceAA="0" compatLnSpc="1">
               <a:noAutofit/>
             </a:bodyPr>
+            <a:lstStyle/>
             <a:p>
               <a:pPr lvl="0" algn="ctr"/>
               <a:endParaRPr lang="zh-CN" altLang="en-US">
@@ -7170,6 +7070,7 @@
             <a:bodyPr wrap="none" rtlCol="0">
               <a:noAutofit/>
             </a:bodyPr>
+            <a:lstStyle/>
             <a:p>
               <a:r>
                 <a:rPr lang="zh-CN" altLang="en-US" sz="1400" b="1">
@@ -7180,12 +7081,6 @@
                 </a:rPr>
                 <a:t>录   像</a:t>
               </a:r>
-              <a:endParaRPr lang="zh-CN" altLang="en-US" sz="1400" b="1">
-                <a:solidFill>
-                  <a:schemeClr val="bg1"/>
-                </a:solidFill>
-                <a:ea typeface="微软雅黑" panose="020B0503020204020204" charset="-122"/>
-              </a:endParaRPr>
             </a:p>
           </p:txBody>
         </p:sp>
@@ -7227,6 +7122,7 @@
             <a:bodyPr vertOverflow="overflow" horzOverflow="overflow" vert="horz" wrap="square" numCol="1" spcCol="0" rtlCol="0" fromWordArt="0" anchor="ctr" anchorCtr="0" forceAA="0" compatLnSpc="1">
               <a:noAutofit/>
             </a:bodyPr>
+            <a:lstStyle/>
             <a:p>
               <a:pPr lvl="0" algn="ctr"/>
               <a:endParaRPr lang="zh-CN" altLang="en-US">
@@ -7256,6 +7152,7 @@
             <a:bodyPr wrap="none" rtlCol="0">
               <a:noAutofit/>
             </a:bodyPr>
+            <a:lstStyle/>
             <a:p>
               <a:r>
                 <a:rPr lang="zh-CN" altLang="en-US" sz="1400" b="1">
@@ -7266,12 +7163,6 @@
                 </a:rPr>
                 <a:t>拍   照</a:t>
               </a:r>
-              <a:endParaRPr lang="zh-CN" altLang="en-US" sz="1400" b="1">
-                <a:solidFill>
-                  <a:schemeClr val="bg1"/>
-                </a:solidFill>
-                <a:ea typeface="微软雅黑" panose="020B0503020204020204" charset="-122"/>
-              </a:endParaRPr>
             </a:p>
           </p:txBody>
         </p:sp>
@@ -7313,6 +7204,7 @@
             <a:bodyPr vertOverflow="overflow" horzOverflow="overflow" vert="horz" wrap="square" numCol="1" spcCol="0" rtlCol="0" fromWordArt="0" anchor="ctr" anchorCtr="0" forceAA="0" compatLnSpc="1">
               <a:noAutofit/>
             </a:bodyPr>
+            <a:lstStyle/>
             <a:p>
               <a:pPr lvl="0" algn="ctr"/>
               <a:endParaRPr lang="zh-CN" altLang="en-US">
@@ -7342,6 +7234,7 @@
             <a:bodyPr wrap="none" rtlCol="0">
               <a:noAutofit/>
             </a:bodyPr>
+            <a:lstStyle/>
             <a:p>
               <a:r>
                 <a:rPr lang="zh-CN" altLang="en-US" sz="1400" b="1">
@@ -7352,12 +7245,6 @@
                 </a:rPr>
                 <a:t>文件管理</a:t>
               </a:r>
-              <a:endParaRPr lang="zh-CN" altLang="en-US" sz="1400" b="1">
-                <a:solidFill>
-                  <a:schemeClr val="bg1"/>
-                </a:solidFill>
-                <a:ea typeface="微软雅黑" panose="020B0503020204020204" charset="-122"/>
-              </a:endParaRPr>
             </a:p>
           </p:txBody>
         </p:sp>
@@ -7402,6 +7289,7 @@
             <a:bodyPr vertOverflow="overflow" horzOverflow="overflow" vert="horz" wrap="square" numCol="1" spcCol="0" rtlCol="0" fromWordArt="0" anchor="ctr" anchorCtr="0" forceAA="0" compatLnSpc="1">
               <a:noAutofit/>
             </a:bodyPr>
+            <a:lstStyle/>
             <a:p>
               <a:pPr lvl="0" algn="ctr"/>
               <a:endParaRPr lang="zh-CN" altLang="en-US">
@@ -7431,6 +7319,7 @@
             <a:bodyPr wrap="none" rtlCol="0">
               <a:noAutofit/>
             </a:bodyPr>
+            <a:lstStyle/>
             <a:p>
               <a:r>
                 <a:rPr lang="zh-CN" altLang="en-US" sz="1400" b="1">
@@ -7441,12 +7330,6 @@
                 </a:rPr>
                 <a:t>设   置</a:t>
               </a:r>
-              <a:endParaRPr lang="zh-CN" altLang="en-US" sz="1400" b="1">
-                <a:solidFill>
-                  <a:schemeClr val="bg1"/>
-                </a:solidFill>
-                <a:ea typeface="微软雅黑" panose="020B0503020204020204" charset="-122"/>
-              </a:endParaRPr>
             </a:p>
           </p:txBody>
         </p:sp>
@@ -7488,6 +7371,7 @@
             <a:bodyPr vertOverflow="overflow" horzOverflow="overflow" vert="horz" wrap="square" numCol="1" spcCol="0" rtlCol="0" fromWordArt="0" anchor="ctr" anchorCtr="0" forceAA="0" compatLnSpc="1">
               <a:noAutofit/>
             </a:bodyPr>
+            <a:lstStyle/>
             <a:p>
               <a:pPr lvl="0" algn="ctr"/>
               <a:endParaRPr lang="zh-CN" altLang="en-US">
@@ -7517,6 +7401,7 @@
             <a:bodyPr wrap="none" rtlCol="0">
               <a:noAutofit/>
             </a:bodyPr>
+            <a:lstStyle/>
             <a:p>
               <a:r>
                 <a:rPr lang="zh-CN" altLang="en-US" sz="1400" b="1">
@@ -7527,12 +7412,6 @@
                 </a:rPr>
                 <a:t>系统信息</a:t>
               </a:r>
-              <a:endParaRPr lang="zh-CN" altLang="en-US" sz="1400" b="1">
-                <a:solidFill>
-                  <a:schemeClr val="bg1"/>
-                </a:solidFill>
-                <a:ea typeface="微软雅黑" panose="020B0503020204020204" charset="-122"/>
-              </a:endParaRPr>
             </a:p>
           </p:txBody>
         </p:sp>
@@ -7574,6 +7453,7 @@
             <a:bodyPr vertOverflow="overflow" horzOverflow="overflow" vert="horz" wrap="square" numCol="1" spcCol="0" rtlCol="0" fromWordArt="0" anchor="ctr" anchorCtr="0" forceAA="0" compatLnSpc="1">
               <a:noAutofit/>
             </a:bodyPr>
+            <a:lstStyle/>
             <a:p>
               <a:pPr lvl="0" algn="ctr"/>
               <a:endParaRPr lang="zh-CN" altLang="en-US">
@@ -7603,6 +7483,7 @@
             <a:bodyPr wrap="none" rtlCol="0">
               <a:noAutofit/>
             </a:bodyPr>
+            <a:lstStyle/>
             <a:p>
               <a:r>
                 <a:rPr lang="zh-CN" altLang="en-US" sz="1400" b="1">
@@ -7613,12 +7494,6 @@
                 </a:rPr>
                 <a:t>亮   度</a:t>
               </a:r>
-              <a:endParaRPr lang="zh-CN" altLang="en-US" sz="1400" b="1">
-                <a:solidFill>
-                  <a:schemeClr val="bg1"/>
-                </a:solidFill>
-                <a:ea typeface="微软雅黑" panose="020B0503020204020204" charset="-122"/>
-              </a:endParaRPr>
             </a:p>
           </p:txBody>
         </p:sp>
@@ -7662,8 +7537,9 @@
         </p:style>
         <p:txBody>
           <a:bodyPr rtlCol="0" anchor="ctr">
-            <a:normAutofit fontScale="80000"/>
+            <a:normAutofit fontScale="87500" lnSpcReduction="20000"/>
           </a:bodyPr>
+          <a:lstStyle/>
           <a:p>
             <a:pPr algn="ctr"/>
             <a:r>
@@ -7682,9 +7558,6 @@
               </a:rPr>
               <a:t>盘</a:t>
             </a:r>
-            <a:endParaRPr lang="zh-CN" altLang="en-US" sz="1200" b="1">
-              <a:ea typeface="微软雅黑" panose="020B0503020204020204" charset="-122"/>
-            </a:endParaRPr>
           </a:p>
         </p:txBody>
       </p:sp>
@@ -7708,6 +7581,7 @@
           <a:bodyPr wrap="square" rtlCol="0">
             <a:spAutoFit/>
           </a:bodyPr>
+          <a:lstStyle/>
           <a:p>
             <a:r>
               <a:rPr lang="zh-CN" altLang="en-US">
@@ -7718,12 +7592,6 @@
               </a:rPr>
               <a:t>视频实时预览</a:t>
             </a:r>
-            <a:endParaRPr lang="zh-CN" altLang="en-US">
-              <a:solidFill>
-                <a:schemeClr val="bg1"/>
-              </a:solidFill>
-              <a:ea typeface="微软雅黑" panose="020B0503020204020204" charset="-122"/>
-            </a:endParaRPr>
           </a:p>
         </p:txBody>
       </p:sp>
@@ -7747,6 +7615,7 @@
           <a:bodyPr wrap="square" rtlCol="0">
             <a:spAutoFit/>
           </a:bodyPr>
+          <a:lstStyle/>
           <a:p>
             <a:r>
               <a:rPr lang="zh-CN" altLang="en-US">
@@ -7754,9 +7623,6 @@
               </a:rPr>
               <a:t>设置界面</a:t>
             </a:r>
-            <a:endParaRPr lang="zh-CN" altLang="en-US">
-              <a:ea typeface="微软雅黑" panose="020B0503020204020204" charset="-122"/>
-            </a:endParaRPr>
           </a:p>
         </p:txBody>
       </p:sp>
@@ -7801,6 +7667,7 @@
         </p:style>
         <p:txBody>
           <a:bodyPr rtlCol="0" anchor="ctr"/>
+          <a:lstStyle/>
           <a:p>
             <a:pPr algn="ctr"/>
             <a:endParaRPr lang="zh-CN" altLang="en-US"/>
@@ -7848,6 +7715,7 @@
           <a:bodyPr vertOverflow="overflow" horzOverflow="overflow" vert="horz" wrap="square" numCol="1" spcCol="0" rtlCol="0" fromWordArt="0" anchor="ctr" anchorCtr="0" forceAA="0" compatLnSpc="1">
             <a:noAutofit/>
           </a:bodyPr>
+          <a:lstStyle/>
           <a:p>
             <a:pPr lvl="0" algn="ctr"/>
             <a:endParaRPr lang="en-US" altLang="zh-CN" sz="1200">
@@ -7876,6 +7744,7 @@
           <a:bodyPr wrap="square" rtlCol="0">
             <a:spAutoFit/>
           </a:bodyPr>
+          <a:lstStyle/>
           <a:p>
             <a:pPr algn="l"/>
             <a:r>
@@ -7888,13 +7757,6 @@
               </a:rPr>
               <a:t>缩   放</a:t>
             </a:r>
-            <a:endParaRPr lang="zh-CN" altLang="zh-CN" sz="800">
-              <a:solidFill>
-                <a:schemeClr val="tx1"/>
-              </a:solidFill>
-              <a:ea typeface="微软雅黑" panose="020B0503020204020204" charset="-122"/>
-              <a:sym typeface="+mn-ea"/>
-            </a:endParaRPr>
           </a:p>
         </p:txBody>
       </p:sp>
@@ -7936,6 +7798,7 @@
           <a:bodyPr vertOverflow="overflow" horzOverflow="overflow" vert="horz" wrap="square" numCol="1" spcCol="0" rtlCol="0" fromWordArt="0" anchor="ctr" anchorCtr="0" forceAA="0" compatLnSpc="1">
             <a:noAutofit/>
           </a:bodyPr>
+          <a:lstStyle/>
           <a:p>
             <a:pPr lvl="0" algn="ctr"/>
             <a:endParaRPr lang="en-US" altLang="zh-CN" sz="1000">
@@ -7964,6 +7827,7 @@
           <a:bodyPr wrap="square" rtlCol="0">
             <a:spAutoFit/>
           </a:bodyPr>
+          <a:lstStyle/>
           <a:p>
             <a:pPr algn="l"/>
             <a:r>
@@ -7976,13 +7840,6 @@
               </a:rPr>
               <a:t>焦   点</a:t>
             </a:r>
-            <a:endParaRPr lang="zh-CN" altLang="en-US" sz="800">
-              <a:solidFill>
-                <a:schemeClr val="bg1"/>
-              </a:solidFill>
-              <a:ea typeface="微软雅黑" panose="020B0503020204020204" charset="-122"/>
-              <a:sym typeface="+mn-ea"/>
-            </a:endParaRPr>
           </a:p>
         </p:txBody>
       </p:sp>
@@ -8024,6 +7881,7 @@
           <a:bodyPr vertOverflow="overflow" horzOverflow="overflow" vert="horz" wrap="square" numCol="1" spcCol="0" rtlCol="0" fromWordArt="0" anchor="ctr" anchorCtr="0" forceAA="0" compatLnSpc="1">
             <a:noAutofit/>
           </a:bodyPr>
+          <a:lstStyle/>
           <a:p>
             <a:pPr lvl="0" algn="ctr"/>
             <a:endParaRPr lang="en-US" altLang="zh-CN" sz="1000">
@@ -8052,6 +7910,7 @@
           <a:bodyPr wrap="square" rtlCol="0">
             <a:spAutoFit/>
           </a:bodyPr>
+          <a:lstStyle/>
           <a:p>
             <a:pPr algn="l"/>
             <a:r>
@@ -8064,13 +7923,6 @@
               </a:rPr>
               <a:t>曝   光</a:t>
             </a:r>
-            <a:endParaRPr lang="zh-CN" altLang="en-US" sz="800">
-              <a:solidFill>
-                <a:schemeClr val="bg1"/>
-              </a:solidFill>
-              <a:ea typeface="微软雅黑" panose="020B0503020204020204" charset="-122"/>
-              <a:sym typeface="+mn-ea"/>
-            </a:endParaRPr>
           </a:p>
         </p:txBody>
       </p:sp>
@@ -8094,6 +7946,7 @@
           <a:bodyPr wrap="square" rtlCol="0">
             <a:spAutoFit/>
           </a:bodyPr>
+          <a:lstStyle/>
           <a:p>
             <a:pPr algn="l"/>
             <a:r>
@@ -8106,13 +7959,6 @@
               </a:rPr>
               <a:t>光   圈</a:t>
             </a:r>
-            <a:endParaRPr lang="zh-CN" altLang="en-US" sz="800">
-              <a:solidFill>
-                <a:schemeClr val="bg1"/>
-              </a:solidFill>
-              <a:ea typeface="微软雅黑" panose="020B0503020204020204" charset="-122"/>
-              <a:sym typeface="+mn-ea"/>
-            </a:endParaRPr>
           </a:p>
         </p:txBody>
       </p:sp>
@@ -8136,6 +7982,7 @@
           <a:bodyPr wrap="square" rtlCol="0">
             <a:spAutoFit/>
           </a:bodyPr>
+          <a:lstStyle/>
           <a:p>
             <a:pPr algn="l"/>
             <a:r>
@@ -8148,13 +7995,6 @@
               </a:rPr>
               <a:t>倾   斜</a:t>
             </a:r>
-            <a:endParaRPr lang="zh-CN" altLang="en-US" sz="800">
-              <a:solidFill>
-                <a:schemeClr val="bg1"/>
-              </a:solidFill>
-              <a:ea typeface="微软雅黑" panose="020B0503020204020204" charset="-122"/>
-              <a:sym typeface="+mn-ea"/>
-            </a:endParaRPr>
           </a:p>
         </p:txBody>
       </p:sp>
@@ -8178,6 +8018,7 @@
           <a:bodyPr wrap="square" rtlCol="0">
             <a:spAutoFit/>
           </a:bodyPr>
+          <a:lstStyle/>
           <a:p>
             <a:pPr algn="l"/>
             <a:r>
@@ -8190,13 +8031,6 @@
               </a:rPr>
               <a:t>滚   动</a:t>
             </a:r>
-            <a:endParaRPr lang="zh-CN" altLang="en-US" sz="800">
-              <a:solidFill>
-                <a:schemeClr val="bg1"/>
-              </a:solidFill>
-              <a:ea typeface="微软雅黑" panose="020B0503020204020204" charset="-122"/>
-              <a:sym typeface="+mn-ea"/>
-            </a:endParaRPr>
           </a:p>
         </p:txBody>
       </p:sp>
@@ -8220,6 +8054,7 @@
           <a:bodyPr wrap="square" rtlCol="0">
             <a:spAutoFit/>
           </a:bodyPr>
+          <a:lstStyle/>
           <a:p>
             <a:pPr algn="l"/>
             <a:r>
@@ -8232,13 +8067,6 @@
               </a:rPr>
               <a:t>低亮度补偿</a:t>
             </a:r>
-            <a:endParaRPr lang="zh-CN" altLang="en-US" sz="800">
-              <a:solidFill>
-                <a:schemeClr val="bg1"/>
-              </a:solidFill>
-              <a:ea typeface="微软雅黑" panose="020B0503020204020204" charset="-122"/>
-              <a:sym typeface="+mn-ea"/>
-            </a:endParaRPr>
           </a:p>
         </p:txBody>
       </p:sp>
@@ -8262,6 +8090,7 @@
           <a:bodyPr wrap="square" rtlCol="0">
             <a:spAutoFit/>
           </a:bodyPr>
+          <a:lstStyle/>
           <a:p>
             <a:pPr algn="l"/>
             <a:r>
@@ -8274,13 +8103,6 @@
               </a:rPr>
               <a:t>恢复默认值</a:t>
             </a:r>
-            <a:endParaRPr lang="zh-CN" altLang="en-US" sz="800">
-              <a:solidFill>
-                <a:schemeClr val="bg1"/>
-              </a:solidFill>
-              <a:ea typeface="微软雅黑" panose="020B0503020204020204" charset="-122"/>
-              <a:sym typeface="+mn-ea"/>
-            </a:endParaRPr>
           </a:p>
         </p:txBody>
       </p:sp>
@@ -8323,6 +8145,7 @@
           <a:bodyPr vertOverflow="overflow" horzOverflow="overflow" vert="horz" wrap="square" numCol="1" spcCol="0" rtlCol="0" fromWordArt="0" anchor="ctr" anchorCtr="0" forceAA="0" compatLnSpc="1">
             <a:noAutofit/>
           </a:bodyPr>
+          <a:lstStyle/>
           <a:p>
             <a:pPr lvl="0" algn="ctr"/>
             <a:r>
@@ -8332,10 +8155,6 @@
               </a:rPr>
               <a:t>分辨率</a:t>
             </a:r>
-            <a:endParaRPr lang="zh-CN" altLang="en-US" sz="1000">
-              <a:ea typeface="微软雅黑" panose="020B0503020204020204" charset="-122"/>
-              <a:sym typeface="+mn-ea"/>
-            </a:endParaRPr>
           </a:p>
         </p:txBody>
       </p:sp>
@@ -8378,6 +8197,7 @@
           <a:bodyPr vertOverflow="overflow" horzOverflow="overflow" vert="horz" wrap="square" numCol="1" spcCol="0" rtlCol="0" fromWordArt="0" anchor="ctr" anchorCtr="0" forceAA="0" compatLnSpc="1">
             <a:noAutofit/>
           </a:bodyPr>
+          <a:lstStyle/>
           <a:p>
             <a:pPr lvl="0" algn="ctr"/>
             <a:r>
@@ -8387,10 +8207,6 @@
               </a:rPr>
               <a:t>录像选项</a:t>
             </a:r>
-            <a:endParaRPr lang="zh-CN" altLang="en-US" sz="1000">
-              <a:ea typeface="微软雅黑" panose="020B0503020204020204" charset="-122"/>
-              <a:sym typeface="+mn-ea"/>
-            </a:endParaRPr>
           </a:p>
         </p:txBody>
       </p:sp>
@@ -8433,6 +8249,7 @@
           <a:bodyPr vertOverflow="overflow" horzOverflow="overflow" vert="horz" wrap="square" numCol="1" spcCol="0" rtlCol="0" fromWordArt="0" anchor="ctr" anchorCtr="0" forceAA="0" compatLnSpc="1">
             <a:noAutofit/>
           </a:bodyPr>
+          <a:lstStyle/>
           <a:p>
             <a:pPr lvl="0" algn="ctr"/>
             <a:r>
@@ -8442,10 +8259,6 @@
               </a:rPr>
               <a:t>视频设置</a:t>
             </a:r>
-            <a:endParaRPr lang="zh-CN" altLang="en-US" sz="1000">
-              <a:ea typeface="微软雅黑" panose="020B0503020204020204" charset="-122"/>
-              <a:sym typeface="+mn-ea"/>
-            </a:endParaRPr>
           </a:p>
         </p:txBody>
       </p:sp>
@@ -8485,6 +8298,7 @@
           <a:bodyPr vertOverflow="overflow" horzOverflow="overflow" vert="horz" wrap="square" numCol="1" spcCol="0" rtlCol="0" fromWordArt="0" anchor="ctr" anchorCtr="0" forceAA="0" compatLnSpc="1">
             <a:noAutofit/>
           </a:bodyPr>
+          <a:lstStyle/>
           <a:p>
             <a:pPr lvl="0" algn="ctr"/>
             <a:endParaRPr lang="zh-CN" altLang="en-US" sz="1000">
@@ -8533,6 +8347,7 @@
           <a:bodyPr vertOverflow="overflow" horzOverflow="overflow" vert="horz" wrap="square" numCol="1" spcCol="0" rtlCol="0" fromWordArt="0" anchor="ctr" anchorCtr="0" forceAA="0" compatLnSpc="1">
             <a:noAutofit/>
           </a:bodyPr>
+          <a:lstStyle/>
           <a:p>
             <a:pPr lvl="0" algn="ctr"/>
             <a:r>
@@ -8542,10 +8357,6 @@
               </a:rPr>
               <a:t>语言设置</a:t>
             </a:r>
-            <a:endParaRPr lang="zh-CN" altLang="en-US" sz="1000">
-              <a:ea typeface="微软雅黑" panose="020B0503020204020204" charset="-122"/>
-              <a:sym typeface="+mn-ea"/>
-            </a:endParaRPr>
           </a:p>
         </p:txBody>
       </p:sp>
@@ -8586,6 +8397,7 @@
         </p:style>
         <p:txBody>
           <a:bodyPr rtlCol="0" anchor="ctr"/>
+          <a:lstStyle/>
           <a:p>
             <a:pPr algn="ctr"/>
             <a:r>
@@ -8594,9 +8406,6 @@
               </a:rPr>
               <a:t>时间设置</a:t>
             </a:r>
-            <a:endParaRPr lang="zh-CN" altLang="en-US" sz="1000">
-              <a:ea typeface="微软雅黑" panose="020B0503020204020204" charset="-122"/>
-            </a:endParaRPr>
           </a:p>
         </p:txBody>
       </p:sp>
@@ -8637,8 +8446,9 @@
         </p:style>
         <p:txBody>
           <a:bodyPr rtlCol="0" anchor="ctr">
-            <a:normAutofit fontScale="90000"/>
+            <a:normAutofit fontScale="97500" lnSpcReduction="10000"/>
           </a:bodyPr>
+          <a:lstStyle/>
           <a:p>
             <a:pPr algn="ctr"/>
             <a:endParaRPr lang="zh-CN" altLang="en-US" sz="1000">
@@ -8667,6 +8477,7 @@
           <a:bodyPr wrap="square" rtlCol="0">
             <a:spAutoFit/>
           </a:bodyPr>
+          <a:lstStyle/>
           <a:p>
             <a:pPr algn="l"/>
             <a:r>
@@ -8679,13 +8490,6 @@
               </a:rPr>
               <a:t>摄像头设置</a:t>
             </a:r>
-            <a:endParaRPr lang="zh-CN" altLang="en-US" sz="1000">
-              <a:solidFill>
-                <a:schemeClr val="bg1"/>
-              </a:solidFill>
-              <a:ea typeface="微软雅黑" panose="020B0503020204020204" charset="-122"/>
-              <a:sym typeface="+mn-ea"/>
-            </a:endParaRPr>
           </a:p>
         </p:txBody>
       </p:sp>
@@ -8709,6 +8513,7 @@
           <a:bodyPr wrap="square" rtlCol="0">
             <a:spAutoFit/>
           </a:bodyPr>
+          <a:lstStyle/>
           <a:p>
             <a:pPr algn="l"/>
             <a:r>
@@ -8721,13 +8526,6 @@
               </a:rPr>
               <a:t>恢复设置</a:t>
             </a:r>
-            <a:endParaRPr lang="zh-CN" altLang="en-US" sz="1000">
-              <a:solidFill>
-                <a:schemeClr val="bg1"/>
-              </a:solidFill>
-              <a:ea typeface="微软雅黑" panose="020B0503020204020204" charset="-122"/>
-              <a:sym typeface="+mn-ea"/>
-            </a:endParaRPr>
           </a:p>
         </p:txBody>
       </p:sp>
@@ -8751,6 +8549,7 @@
           <a:bodyPr wrap="square" rtlCol="0">
             <a:spAutoFit/>
           </a:bodyPr>
+          <a:lstStyle/>
           <a:p>
             <a:pPr algn="l"/>
             <a:r>
@@ -8763,13 +8562,6 @@
               </a:rPr>
               <a:t>全   景</a:t>
             </a:r>
-            <a:endParaRPr lang="zh-CN" altLang="en-US" sz="800">
-              <a:solidFill>
-                <a:schemeClr val="bg1"/>
-              </a:solidFill>
-              <a:ea typeface="微软雅黑" panose="020B0503020204020204" charset="-122"/>
-              <a:sym typeface="+mn-ea"/>
-            </a:endParaRPr>
           </a:p>
         </p:txBody>
       </p:sp>
@@ -8806,6 +8598,7 @@
         </p:style>
         <p:txBody>
           <a:bodyPr rtlCol="0" anchor="ctr"/>
+          <a:lstStyle/>
           <a:p>
             <a:pPr algn="ctr"/>
             <a:endParaRPr lang="zh-CN" altLang="en-US">
@@ -8850,6 +8643,7 @@
         </p:style>
         <p:txBody>
           <a:bodyPr rtlCol="0" anchor="ctr"/>
+          <a:lstStyle/>
           <a:p>
             <a:pPr algn="ctr"/>
             <a:endParaRPr lang="zh-CN" altLang="en-US">
@@ -8896,6 +8690,7 @@
           <a:bodyPr vertOverflow="overflow" horzOverflow="overflow" vert="horz" wrap="square" numCol="1" spcCol="0" rtlCol="0" fromWordArt="0" anchor="ctr" anchorCtr="0" forceAA="0" compatLnSpc="1">
             <a:noAutofit/>
           </a:bodyPr>
+          <a:lstStyle/>
           <a:p>
             <a:pPr lvl="0" algn="ctr"/>
             <a:endParaRPr lang="en-US" altLang="zh-CN" sz="1000">
@@ -8924,6 +8719,7 @@
           <a:bodyPr wrap="square" rtlCol="0">
             <a:spAutoFit/>
           </a:bodyPr>
+          <a:lstStyle/>
           <a:p>
             <a:pPr algn="l"/>
             <a:r>
@@ -8936,13 +8732,6 @@
               </a:rPr>
               <a:t>自动</a:t>
             </a:r>
-            <a:endParaRPr lang="zh-CN" altLang="en-US" sz="800">
-              <a:solidFill>
-                <a:schemeClr val="bg1"/>
-              </a:solidFill>
-              <a:ea typeface="微软雅黑" panose="020B0503020204020204" charset="-122"/>
-              <a:sym typeface="+mn-ea"/>
-            </a:endParaRPr>
           </a:p>
         </p:txBody>
       </p:sp>
@@ -8963,7 +8752,14 @@
         <p:cNvGrpSpPr/>
         <p:nvPr/>
       </p:nvGrpSpPr>
-      <p:grpSpPr/>
+      <p:grpSpPr>
+        <a:xfrm>
+          <a:off x="0" y="0"/>
+          <a:ext cx="0" cy="0"/>
+          <a:chOff x="0" y="0"/>
+          <a:chExt cx="0" cy="0"/>
+        </a:xfrm>
+      </p:grpSpPr>
       <p:sp>
         <p:nvSpPr>
           <p:cNvPr id="33" name="矩形 32"/>
@@ -9025,6 +8821,7 @@
         </p:style>
         <p:txBody>
           <a:bodyPr rtlCol="0" anchor="ctr"/>
+          <a:lstStyle/>
           <a:p>
             <a:pPr algn="ctr"/>
             <a:endParaRPr lang="zh-CN" altLang="en-US">
@@ -9075,6 +8872,7 @@
         </p:style>
         <p:txBody>
           <a:bodyPr rtlCol="0" anchor="ctr"/>
+          <a:lstStyle/>
           <a:p>
             <a:pPr algn="ctr"/>
             <a:endParaRPr lang="zh-CN" altLang="en-US" sz="1200">
@@ -9137,6 +8935,7 @@
           </p:style>
           <p:txBody>
             <a:bodyPr rtlCol="0" anchor="ctr"/>
+            <a:lstStyle/>
             <a:p>
               <a:pPr algn="ctr"/>
               <a:endParaRPr lang="zh-CN" altLang="en-US" sz="1200">
@@ -9196,8 +8995,9 @@
             </p:style>
             <p:txBody>
               <a:bodyPr rtlCol="0" anchor="ctr">
-                <a:normAutofit fontScale="90000"/>
+                <a:normAutofit fontScale="97500" lnSpcReduction="10000"/>
               </a:bodyPr>
+              <a:lstStyle/>
               <a:p>
                 <a:pPr algn="ctr"/>
                 <a:endParaRPr lang="zh-CN" altLang="en-US" sz="1000">
@@ -9226,6 +9026,7 @@
               <a:bodyPr wrap="square" rtlCol="0">
                 <a:spAutoFit/>
               </a:bodyPr>
+              <a:lstStyle/>
               <a:p>
                 <a:pPr algn="l"/>
                 <a:r>
@@ -9238,13 +9039,6 @@
                   </a:rPr>
                   <a:t>关         闭</a:t>
                 </a:r>
-                <a:endParaRPr lang="zh-CN" altLang="en-US" sz="1000">
-                  <a:solidFill>
-                    <a:schemeClr val="bg1"/>
-                  </a:solidFill>
-                  <a:ea typeface="微软雅黑" panose="020B0503020204020204" charset="-122"/>
-                  <a:sym typeface="+mn-ea"/>
-                </a:endParaRPr>
               </a:p>
             </p:txBody>
           </p:sp>
@@ -9286,6 +9080,7 @@
         </p:style>
         <p:txBody>
           <a:bodyPr rtlCol="0" anchor="ctr"/>
+          <a:lstStyle/>
           <a:p>
             <a:pPr algn="ctr"/>
             <a:endParaRPr lang="zh-CN" altLang="en-US"/>
@@ -9344,6 +9139,7 @@
             <a:bodyPr vertOverflow="overflow" horzOverflow="overflow" vert="horz" wrap="square" numCol="1" spcCol="0" rtlCol="0" fromWordArt="0" anchor="ctr" anchorCtr="0" forceAA="0" compatLnSpc="1">
               <a:noAutofit/>
             </a:bodyPr>
+            <a:lstStyle/>
             <a:p>
               <a:pPr lvl="0" algn="ctr"/>
               <a:endParaRPr lang="zh-CN" altLang="en-US">
@@ -9373,6 +9169,7 @@
             <a:bodyPr wrap="none" rtlCol="0">
               <a:noAutofit/>
             </a:bodyPr>
+            <a:lstStyle/>
             <a:p>
               <a:r>
                 <a:rPr lang="zh-CN" altLang="en-US" sz="1400" b="1">
@@ -9383,12 +9180,6 @@
                 </a:rPr>
                 <a:t>关  机</a:t>
               </a:r>
-              <a:endParaRPr lang="zh-CN" altLang="en-US" sz="1400" b="1">
-                <a:solidFill>
-                  <a:schemeClr val="bg1"/>
-                </a:solidFill>
-                <a:ea typeface="微软雅黑" panose="020B0503020204020204" charset="-122"/>
-              </a:endParaRPr>
             </a:p>
           </p:txBody>
         </p:sp>
@@ -9430,6 +9221,7 @@
             <a:bodyPr vertOverflow="overflow" horzOverflow="overflow" vert="horz" wrap="square" numCol="1" spcCol="0" rtlCol="0" fromWordArt="0" anchor="ctr" anchorCtr="0" forceAA="0" compatLnSpc="1">
               <a:noAutofit/>
             </a:bodyPr>
+            <a:lstStyle/>
             <a:p>
               <a:pPr lvl="0" algn="ctr"/>
               <a:endParaRPr lang="zh-CN" altLang="en-US">
@@ -9459,6 +9251,7 @@
             <a:bodyPr wrap="none" rtlCol="0">
               <a:noAutofit/>
             </a:bodyPr>
+            <a:lstStyle/>
             <a:p>
               <a:r>
                 <a:rPr lang="zh-CN" altLang="en-US" sz="1400" b="1">
@@ -9469,12 +9262,6 @@
                 </a:rPr>
                 <a:t>录   像</a:t>
               </a:r>
-              <a:endParaRPr lang="zh-CN" altLang="en-US" sz="1400" b="1">
-                <a:solidFill>
-                  <a:schemeClr val="bg1"/>
-                </a:solidFill>
-                <a:ea typeface="微软雅黑" panose="020B0503020204020204" charset="-122"/>
-              </a:endParaRPr>
             </a:p>
           </p:txBody>
         </p:sp>
@@ -9516,6 +9303,7 @@
             <a:bodyPr vertOverflow="overflow" horzOverflow="overflow" vert="horz" wrap="square" numCol="1" spcCol="0" rtlCol="0" fromWordArt="0" anchor="ctr" anchorCtr="0" forceAA="0" compatLnSpc="1">
               <a:noAutofit/>
             </a:bodyPr>
+            <a:lstStyle/>
             <a:p>
               <a:pPr lvl="0" algn="ctr"/>
               <a:endParaRPr lang="zh-CN" altLang="en-US">
@@ -9545,6 +9333,7 @@
             <a:bodyPr wrap="none" rtlCol="0">
               <a:noAutofit/>
             </a:bodyPr>
+            <a:lstStyle/>
             <a:p>
               <a:r>
                 <a:rPr lang="zh-CN" altLang="en-US" sz="1400" b="1">
@@ -9555,12 +9344,6 @@
                 </a:rPr>
                 <a:t>拍   照</a:t>
               </a:r>
-              <a:endParaRPr lang="zh-CN" altLang="en-US" sz="1400" b="1">
-                <a:solidFill>
-                  <a:schemeClr val="bg1"/>
-                </a:solidFill>
-                <a:ea typeface="微软雅黑" panose="020B0503020204020204" charset="-122"/>
-              </a:endParaRPr>
             </a:p>
           </p:txBody>
         </p:sp>
@@ -9602,6 +9385,7 @@
             <a:bodyPr vertOverflow="overflow" horzOverflow="overflow" vert="horz" wrap="square" numCol="1" spcCol="0" rtlCol="0" fromWordArt="0" anchor="ctr" anchorCtr="0" forceAA="0" compatLnSpc="1">
               <a:noAutofit/>
             </a:bodyPr>
+            <a:lstStyle/>
             <a:p>
               <a:pPr lvl="0" algn="ctr"/>
               <a:endParaRPr lang="zh-CN" altLang="en-US">
@@ -9631,6 +9415,7 @@
             <a:bodyPr wrap="none" rtlCol="0">
               <a:noAutofit/>
             </a:bodyPr>
+            <a:lstStyle/>
             <a:p>
               <a:r>
                 <a:rPr lang="zh-CN" altLang="en-US" sz="1400" b="1">
@@ -9641,12 +9426,6 @@
                 </a:rPr>
                 <a:t>文件管理</a:t>
               </a:r>
-              <a:endParaRPr lang="zh-CN" altLang="en-US" sz="1400" b="1">
-                <a:solidFill>
-                  <a:schemeClr val="bg1"/>
-                </a:solidFill>
-                <a:ea typeface="微软雅黑" panose="020B0503020204020204" charset="-122"/>
-              </a:endParaRPr>
             </a:p>
           </p:txBody>
         </p:sp>
@@ -9691,6 +9470,7 @@
             <a:bodyPr vertOverflow="overflow" horzOverflow="overflow" vert="horz" wrap="square" numCol="1" spcCol="0" rtlCol="0" fromWordArt="0" anchor="ctr" anchorCtr="0" forceAA="0" compatLnSpc="1">
               <a:noAutofit/>
             </a:bodyPr>
+            <a:lstStyle/>
             <a:p>
               <a:pPr lvl="0" algn="ctr"/>
               <a:endParaRPr lang="zh-CN" altLang="en-US">
@@ -9720,6 +9500,7 @@
             <a:bodyPr wrap="none" rtlCol="0">
               <a:noAutofit/>
             </a:bodyPr>
+            <a:lstStyle/>
             <a:p>
               <a:r>
                 <a:rPr lang="zh-CN" altLang="en-US" sz="1400" b="1">
@@ -9730,12 +9511,6 @@
                 </a:rPr>
                 <a:t>设   置</a:t>
               </a:r>
-              <a:endParaRPr lang="zh-CN" altLang="en-US" sz="1400" b="1">
-                <a:solidFill>
-                  <a:schemeClr val="bg1"/>
-                </a:solidFill>
-                <a:ea typeface="微软雅黑" panose="020B0503020204020204" charset="-122"/>
-              </a:endParaRPr>
             </a:p>
           </p:txBody>
         </p:sp>
@@ -9777,6 +9552,7 @@
             <a:bodyPr vertOverflow="overflow" horzOverflow="overflow" vert="horz" wrap="square" numCol="1" spcCol="0" rtlCol="0" fromWordArt="0" anchor="ctr" anchorCtr="0" forceAA="0" compatLnSpc="1">
               <a:noAutofit/>
             </a:bodyPr>
+            <a:lstStyle/>
             <a:p>
               <a:pPr lvl="0" algn="ctr"/>
               <a:endParaRPr lang="zh-CN" altLang="en-US">
@@ -9806,6 +9582,7 @@
             <a:bodyPr wrap="none" rtlCol="0">
               <a:noAutofit/>
             </a:bodyPr>
+            <a:lstStyle/>
             <a:p>
               <a:r>
                 <a:rPr lang="zh-CN" altLang="en-US" sz="1400" b="1">
@@ -9816,12 +9593,6 @@
                 </a:rPr>
                 <a:t>系统信息</a:t>
               </a:r>
-              <a:endParaRPr lang="zh-CN" altLang="en-US" sz="1400" b="1">
-                <a:solidFill>
-                  <a:schemeClr val="bg1"/>
-                </a:solidFill>
-                <a:ea typeface="微软雅黑" panose="020B0503020204020204" charset="-122"/>
-              </a:endParaRPr>
             </a:p>
           </p:txBody>
         </p:sp>
@@ -9863,6 +9634,7 @@
             <a:bodyPr vertOverflow="overflow" horzOverflow="overflow" vert="horz" wrap="square" numCol="1" spcCol="0" rtlCol="0" fromWordArt="0" anchor="ctr" anchorCtr="0" forceAA="0" compatLnSpc="1">
               <a:noAutofit/>
             </a:bodyPr>
+            <a:lstStyle/>
             <a:p>
               <a:pPr lvl="0" algn="ctr"/>
               <a:endParaRPr lang="zh-CN" altLang="en-US">
@@ -9892,6 +9664,7 @@
             <a:bodyPr wrap="none" rtlCol="0">
               <a:noAutofit/>
             </a:bodyPr>
+            <a:lstStyle/>
             <a:p>
               <a:r>
                 <a:rPr lang="zh-CN" altLang="en-US" sz="1400" b="1">
@@ -9902,12 +9675,6 @@
                 </a:rPr>
                 <a:t>亮   度</a:t>
               </a:r>
-              <a:endParaRPr lang="zh-CN" altLang="en-US" sz="1400" b="1">
-                <a:solidFill>
-                  <a:schemeClr val="bg1"/>
-                </a:solidFill>
-                <a:ea typeface="微软雅黑" panose="020B0503020204020204" charset="-122"/>
-              </a:endParaRPr>
             </a:p>
           </p:txBody>
         </p:sp>
@@ -9951,8 +9718,9 @@
         </p:style>
         <p:txBody>
           <a:bodyPr rtlCol="0" anchor="ctr">
-            <a:normAutofit fontScale="80000"/>
+            <a:normAutofit fontScale="87500" lnSpcReduction="20000"/>
           </a:bodyPr>
+          <a:lstStyle/>
           <a:p>
             <a:pPr algn="ctr"/>
             <a:r>
@@ -9971,9 +9739,6 @@
               </a:rPr>
               <a:t>盘</a:t>
             </a:r>
-            <a:endParaRPr lang="zh-CN" altLang="en-US" sz="1200" b="1">
-              <a:ea typeface="微软雅黑" panose="020B0503020204020204" charset="-122"/>
-            </a:endParaRPr>
           </a:p>
         </p:txBody>
       </p:sp>
@@ -9997,6 +9762,7 @@
           <a:bodyPr wrap="square" rtlCol="0">
             <a:spAutoFit/>
           </a:bodyPr>
+          <a:lstStyle/>
           <a:p>
             <a:r>
               <a:rPr lang="zh-CN" altLang="en-US">
@@ -10007,12 +9773,6 @@
               </a:rPr>
               <a:t>视频实时预览</a:t>
             </a:r>
-            <a:endParaRPr lang="zh-CN" altLang="en-US">
-              <a:solidFill>
-                <a:schemeClr val="bg1"/>
-              </a:solidFill>
-              <a:ea typeface="微软雅黑" panose="020B0503020204020204" charset="-122"/>
-            </a:endParaRPr>
           </a:p>
         </p:txBody>
       </p:sp>
@@ -10036,6 +9796,7 @@
           <a:bodyPr wrap="square" rtlCol="0">
             <a:spAutoFit/>
           </a:bodyPr>
+          <a:lstStyle/>
           <a:p>
             <a:r>
               <a:rPr lang="zh-CN" altLang="en-US">
@@ -10043,9 +9804,6 @@
               </a:rPr>
               <a:t>设置界面</a:t>
             </a:r>
-            <a:endParaRPr lang="zh-CN" altLang="en-US">
-              <a:ea typeface="微软雅黑" panose="020B0503020204020204" charset="-122"/>
-            </a:endParaRPr>
           </a:p>
         </p:txBody>
       </p:sp>
@@ -10090,6 +9848,7 @@
         </p:style>
         <p:txBody>
           <a:bodyPr rtlCol="0" anchor="ctr"/>
+          <a:lstStyle/>
           <a:p>
             <a:pPr algn="ctr"/>
             <a:endParaRPr lang="zh-CN" altLang="en-US"/>
@@ -10137,6 +9896,7 @@
           <a:bodyPr vertOverflow="overflow" horzOverflow="overflow" vert="horz" wrap="square" numCol="1" spcCol="0" rtlCol="0" fromWordArt="0" anchor="ctr" anchorCtr="0" forceAA="0" compatLnSpc="1">
             <a:noAutofit/>
           </a:bodyPr>
+          <a:lstStyle/>
           <a:p>
             <a:pPr lvl="0" algn="ctr"/>
             <a:endParaRPr lang="en-US" altLang="zh-CN" sz="1200">
@@ -10165,6 +9925,7 @@
           <a:bodyPr wrap="square" rtlCol="0">
             <a:spAutoFit/>
           </a:bodyPr>
+          <a:lstStyle/>
           <a:p>
             <a:pPr algn="l"/>
             <a:r>
@@ -10177,13 +9938,6 @@
               </a:rPr>
               <a:t>中  文   Chinese</a:t>
             </a:r>
-            <a:endParaRPr lang="zh-CN" altLang="zh-CN" sz="900">
-              <a:solidFill>
-                <a:schemeClr val="tx1"/>
-              </a:solidFill>
-              <a:ea typeface="微软雅黑" panose="020B0503020204020204" charset="-122"/>
-              <a:sym typeface="+mn-ea"/>
-            </a:endParaRPr>
           </a:p>
         </p:txBody>
       </p:sp>
@@ -10225,6 +9979,7 @@
           <a:bodyPr vertOverflow="overflow" horzOverflow="overflow" vert="horz" wrap="square" numCol="1" spcCol="0" rtlCol="0" fromWordArt="0" anchor="ctr" anchorCtr="0" forceAA="0" compatLnSpc="1">
             <a:noAutofit/>
           </a:bodyPr>
+          <a:lstStyle/>
           <a:p>
             <a:pPr lvl="0" algn="ctr"/>
             <a:endParaRPr lang="en-US" altLang="zh-CN" sz="1000">
@@ -10272,6 +10027,7 @@
           <a:bodyPr vertOverflow="overflow" horzOverflow="overflow" vert="horz" wrap="square" numCol="1" spcCol="0" rtlCol="0" fromWordArt="0" anchor="ctr" anchorCtr="0" forceAA="0" compatLnSpc="1">
             <a:noAutofit/>
           </a:bodyPr>
+          <a:lstStyle/>
           <a:p>
             <a:pPr lvl="0" algn="ctr"/>
             <a:r>
@@ -10281,10 +10037,6 @@
               </a:rPr>
               <a:t>分辨率</a:t>
             </a:r>
-            <a:endParaRPr lang="zh-CN" altLang="en-US" sz="1000">
-              <a:ea typeface="微软雅黑" panose="020B0503020204020204" charset="-122"/>
-              <a:sym typeface="+mn-ea"/>
-            </a:endParaRPr>
           </a:p>
         </p:txBody>
       </p:sp>
@@ -10327,6 +10079,7 @@
           <a:bodyPr vertOverflow="overflow" horzOverflow="overflow" vert="horz" wrap="square" numCol="1" spcCol="0" rtlCol="0" fromWordArt="0" anchor="ctr" anchorCtr="0" forceAA="0" compatLnSpc="1">
             <a:noAutofit/>
           </a:bodyPr>
+          <a:lstStyle/>
           <a:p>
             <a:pPr lvl="0" algn="ctr"/>
             <a:r>
@@ -10336,10 +10089,6 @@
               </a:rPr>
               <a:t>录像选项</a:t>
             </a:r>
-            <a:endParaRPr lang="zh-CN" altLang="en-US" sz="1000">
-              <a:ea typeface="微软雅黑" panose="020B0503020204020204" charset="-122"/>
-              <a:sym typeface="+mn-ea"/>
-            </a:endParaRPr>
           </a:p>
         </p:txBody>
       </p:sp>
@@ -10382,6 +10131,7 @@
           <a:bodyPr vertOverflow="overflow" horzOverflow="overflow" vert="horz" wrap="square" numCol="1" spcCol="0" rtlCol="0" fromWordArt="0" anchor="ctr" anchorCtr="0" forceAA="0" compatLnSpc="1">
             <a:noAutofit/>
           </a:bodyPr>
+          <a:lstStyle/>
           <a:p>
             <a:pPr lvl="0" algn="ctr"/>
             <a:r>
@@ -10391,10 +10141,6 @@
               </a:rPr>
               <a:t>视频设置</a:t>
             </a:r>
-            <a:endParaRPr lang="zh-CN" altLang="en-US" sz="1000">
-              <a:ea typeface="微软雅黑" panose="020B0503020204020204" charset="-122"/>
-              <a:sym typeface="+mn-ea"/>
-            </a:endParaRPr>
           </a:p>
         </p:txBody>
       </p:sp>
@@ -10437,6 +10183,7 @@
           <a:bodyPr vertOverflow="overflow" horzOverflow="overflow" vert="horz" wrap="square" numCol="1" spcCol="0" rtlCol="0" fromWordArt="0" anchor="ctr" anchorCtr="0" forceAA="0" compatLnSpc="1">
             <a:noAutofit/>
           </a:bodyPr>
+          <a:lstStyle/>
           <a:p>
             <a:pPr lvl="0" algn="ctr"/>
             <a:endParaRPr lang="zh-CN" altLang="en-US" sz="1000">
@@ -10482,6 +10229,7 @@
           <a:bodyPr vertOverflow="overflow" horzOverflow="overflow" vert="horz" wrap="square" numCol="1" spcCol="0" rtlCol="0" fromWordArt="0" anchor="ctr" anchorCtr="0" forceAA="0" compatLnSpc="1">
             <a:noAutofit/>
           </a:bodyPr>
+          <a:lstStyle/>
           <a:p>
             <a:pPr lvl="0" algn="ctr"/>
             <a:r>
@@ -10491,10 +10239,6 @@
               </a:rPr>
               <a:t>语言设置</a:t>
             </a:r>
-            <a:endParaRPr lang="zh-CN" altLang="en-US" sz="1000">
-              <a:ea typeface="微软雅黑" panose="020B0503020204020204" charset="-122"/>
-              <a:sym typeface="+mn-ea"/>
-            </a:endParaRPr>
           </a:p>
         </p:txBody>
       </p:sp>
@@ -10535,6 +10279,7 @@
         </p:style>
         <p:txBody>
           <a:bodyPr rtlCol="0" anchor="ctr"/>
+          <a:lstStyle/>
           <a:p>
             <a:pPr algn="ctr"/>
             <a:r>
@@ -10543,9 +10288,6 @@
               </a:rPr>
               <a:t>时间设置</a:t>
             </a:r>
-            <a:endParaRPr lang="zh-CN" altLang="en-US" sz="1000">
-              <a:ea typeface="微软雅黑" panose="020B0503020204020204" charset="-122"/>
-            </a:endParaRPr>
           </a:p>
         </p:txBody>
       </p:sp>
@@ -10586,8 +10328,9 @@
         </p:style>
         <p:txBody>
           <a:bodyPr rtlCol="0" anchor="ctr">
-            <a:normAutofit fontScale="90000"/>
+            <a:normAutofit fontScale="97500" lnSpcReduction="10000"/>
           </a:bodyPr>
+          <a:lstStyle/>
           <a:p>
             <a:pPr algn="ctr"/>
             <a:endParaRPr lang="zh-CN" altLang="en-US" sz="1000">
@@ -10616,6 +10359,7 @@
           <a:bodyPr wrap="square" rtlCol="0">
             <a:spAutoFit/>
           </a:bodyPr>
+          <a:lstStyle/>
           <a:p>
             <a:pPr algn="l"/>
             <a:r>
@@ -10628,13 +10372,6 @@
               </a:rPr>
               <a:t>摄像头设置</a:t>
             </a:r>
-            <a:endParaRPr lang="zh-CN" altLang="en-US" sz="1000">
-              <a:solidFill>
-                <a:schemeClr val="bg1"/>
-              </a:solidFill>
-              <a:ea typeface="微软雅黑" panose="020B0503020204020204" charset="-122"/>
-              <a:sym typeface="+mn-ea"/>
-            </a:endParaRPr>
           </a:p>
         </p:txBody>
       </p:sp>
@@ -10658,6 +10395,7 @@
           <a:bodyPr wrap="square" rtlCol="0">
             <a:spAutoFit/>
           </a:bodyPr>
+          <a:lstStyle/>
           <a:p>
             <a:pPr algn="l"/>
             <a:r>
@@ -10670,13 +10408,6 @@
               </a:rPr>
               <a:t>恢复设置</a:t>
             </a:r>
-            <a:endParaRPr lang="zh-CN" altLang="en-US" sz="1000">
-              <a:solidFill>
-                <a:schemeClr val="bg1"/>
-              </a:solidFill>
-              <a:ea typeface="微软雅黑" panose="020B0503020204020204" charset="-122"/>
-              <a:sym typeface="+mn-ea"/>
-            </a:endParaRPr>
           </a:p>
         </p:txBody>
       </p:sp>
@@ -10700,6 +10431,7 @@
           <a:bodyPr wrap="square" rtlCol="0">
             <a:spAutoFit/>
           </a:bodyPr>
+          <a:lstStyle/>
           <a:p>
             <a:pPr algn="l"/>
             <a:r>
@@ -10712,16 +10444,35 @@
               </a:rPr>
               <a:t>英  文  English</a:t>
             </a:r>
-            <a:endParaRPr lang="zh-CN" altLang="en-US" sz="900">
-              <a:solidFill>
-                <a:schemeClr val="bg1"/>
-              </a:solidFill>
-              <a:ea typeface="微软雅黑" panose="020B0503020204020204" charset="-122"/>
-              <a:sym typeface="+mn-ea"/>
-            </a:endParaRPr>
-          </a:p>
-        </p:txBody>
-      </p:sp>
+          </a:p>
+        </p:txBody>
+      </p:sp>
+      <p:pic>
+        <p:nvPicPr>
+          <p:cNvPr id="42" name="图片 41"/>
+          <p:cNvPicPr/>
+          <p:nvPr/>
+        </p:nvPicPr>
+        <p:blipFill>
+          <a:blip r:embed="rId2"/>
+          <a:stretch>
+            <a:fillRect/>
+          </a:stretch>
+        </p:blipFill>
+        <p:spPr>
+          <a:xfrm>
+            <a:off x="768000" y="333000"/>
+            <a:ext cx="11424000" cy="6524999"/>
+          </a:xfrm>
+          <a:prstGeom prst="rect">
+            <a:avLst/>
+          </a:prstGeom>
+          <a:noFill/>
+          <a:ln w="9525">
+            <a:noFill/>
+          </a:ln>
+        </p:spPr>
+      </p:pic>
     </p:spTree>
   </p:cSld>
   <p:clrMapOvr>
@@ -10739,7 +10490,14 @@
         <p:cNvGrpSpPr/>
         <p:nvPr/>
       </p:nvGrpSpPr>
-      <p:grpSpPr/>
+      <p:grpSpPr>
+        <a:xfrm>
+          <a:off x="0" y="0"/>
+          <a:ext cx="0" cy="0"/>
+          <a:chOff x="0" y="0"/>
+          <a:chExt cx="0" cy="0"/>
+        </a:xfrm>
+      </p:grpSpPr>
       <p:sp>
         <p:nvSpPr>
           <p:cNvPr id="33" name="矩形 32"/>
@@ -10801,6 +10559,7 @@
         </p:style>
         <p:txBody>
           <a:bodyPr rtlCol="0" anchor="ctr"/>
+          <a:lstStyle/>
           <a:p>
             <a:pPr algn="ctr"/>
             <a:endParaRPr lang="zh-CN" altLang="en-US">
@@ -10851,6 +10610,7 @@
         </p:style>
         <p:txBody>
           <a:bodyPr rtlCol="0" anchor="ctr"/>
+          <a:lstStyle/>
           <a:p>
             <a:pPr algn="ctr"/>
             <a:endParaRPr lang="zh-CN" altLang="en-US" sz="1200">
@@ -10913,6 +10673,7 @@
           </p:style>
           <p:txBody>
             <a:bodyPr rtlCol="0" anchor="ctr"/>
+            <a:lstStyle/>
             <a:p>
               <a:pPr algn="ctr"/>
               <a:endParaRPr lang="zh-CN" altLang="en-US" sz="1200">
@@ -10972,8 +10733,9 @@
             </p:style>
             <p:txBody>
               <a:bodyPr rtlCol="0" anchor="ctr">
-                <a:normAutofit fontScale="90000"/>
+                <a:normAutofit fontScale="97500" lnSpcReduction="10000"/>
               </a:bodyPr>
+              <a:lstStyle/>
               <a:p>
                 <a:pPr algn="ctr"/>
                 <a:endParaRPr lang="zh-CN" altLang="en-US" sz="1000">
@@ -11002,6 +10764,7 @@
               <a:bodyPr wrap="square" rtlCol="0">
                 <a:spAutoFit/>
               </a:bodyPr>
+              <a:lstStyle/>
               <a:p>
                 <a:pPr algn="l"/>
                 <a:r>
@@ -11014,13 +10777,6 @@
                   </a:rPr>
                   <a:t>关         闭</a:t>
                 </a:r>
-                <a:endParaRPr lang="zh-CN" altLang="en-US" sz="1000">
-                  <a:solidFill>
-                    <a:schemeClr val="bg1"/>
-                  </a:solidFill>
-                  <a:ea typeface="微软雅黑" panose="020B0503020204020204" charset="-122"/>
-                  <a:sym typeface="+mn-ea"/>
-                </a:endParaRPr>
               </a:p>
             </p:txBody>
           </p:sp>
@@ -11062,6 +10818,7 @@
         </p:style>
         <p:txBody>
           <a:bodyPr rtlCol="0" anchor="ctr"/>
+          <a:lstStyle/>
           <a:p>
             <a:pPr algn="ctr"/>
             <a:endParaRPr lang="zh-CN" altLang="en-US"/>
@@ -11120,6 +10877,7 @@
             <a:bodyPr vertOverflow="overflow" horzOverflow="overflow" vert="horz" wrap="square" numCol="1" spcCol="0" rtlCol="0" fromWordArt="0" anchor="ctr" anchorCtr="0" forceAA="0" compatLnSpc="1">
               <a:noAutofit/>
             </a:bodyPr>
+            <a:lstStyle/>
             <a:p>
               <a:pPr lvl="0" algn="ctr"/>
               <a:endParaRPr lang="zh-CN" altLang="en-US">
@@ -11149,6 +10907,7 @@
             <a:bodyPr wrap="none" rtlCol="0">
               <a:noAutofit/>
             </a:bodyPr>
+            <a:lstStyle/>
             <a:p>
               <a:r>
                 <a:rPr lang="zh-CN" altLang="en-US" sz="1400" b="1">
@@ -11159,12 +10918,6 @@
                 </a:rPr>
                 <a:t>关  机</a:t>
               </a:r>
-              <a:endParaRPr lang="zh-CN" altLang="en-US" sz="1400" b="1">
-                <a:solidFill>
-                  <a:schemeClr val="bg1"/>
-                </a:solidFill>
-                <a:ea typeface="微软雅黑" panose="020B0503020204020204" charset="-122"/>
-              </a:endParaRPr>
             </a:p>
           </p:txBody>
         </p:sp>
@@ -11206,6 +10959,7 @@
             <a:bodyPr vertOverflow="overflow" horzOverflow="overflow" vert="horz" wrap="square" numCol="1" spcCol="0" rtlCol="0" fromWordArt="0" anchor="ctr" anchorCtr="0" forceAA="0" compatLnSpc="1">
               <a:noAutofit/>
             </a:bodyPr>
+            <a:lstStyle/>
             <a:p>
               <a:pPr lvl="0" algn="ctr"/>
               <a:endParaRPr lang="zh-CN" altLang="en-US">
@@ -11235,6 +10989,7 @@
             <a:bodyPr wrap="none" rtlCol="0">
               <a:noAutofit/>
             </a:bodyPr>
+            <a:lstStyle/>
             <a:p>
               <a:r>
                 <a:rPr lang="zh-CN" altLang="en-US" sz="1400" b="1">
@@ -11245,12 +11000,6 @@
                 </a:rPr>
                 <a:t>录   像</a:t>
               </a:r>
-              <a:endParaRPr lang="zh-CN" altLang="en-US" sz="1400" b="1">
-                <a:solidFill>
-                  <a:schemeClr val="bg1"/>
-                </a:solidFill>
-                <a:ea typeface="微软雅黑" panose="020B0503020204020204" charset="-122"/>
-              </a:endParaRPr>
             </a:p>
           </p:txBody>
         </p:sp>
@@ -11292,6 +11041,7 @@
             <a:bodyPr vertOverflow="overflow" horzOverflow="overflow" vert="horz" wrap="square" numCol="1" spcCol="0" rtlCol="0" fromWordArt="0" anchor="ctr" anchorCtr="0" forceAA="0" compatLnSpc="1">
               <a:noAutofit/>
             </a:bodyPr>
+            <a:lstStyle/>
             <a:p>
               <a:pPr lvl="0" algn="ctr"/>
               <a:endParaRPr lang="zh-CN" altLang="en-US">
@@ -11321,6 +11071,7 @@
             <a:bodyPr wrap="none" rtlCol="0">
               <a:noAutofit/>
             </a:bodyPr>
+            <a:lstStyle/>
             <a:p>
               <a:r>
                 <a:rPr lang="zh-CN" altLang="en-US" sz="1400" b="1">
@@ -11331,12 +11082,6 @@
                 </a:rPr>
                 <a:t>拍   照</a:t>
               </a:r>
-              <a:endParaRPr lang="zh-CN" altLang="en-US" sz="1400" b="1">
-                <a:solidFill>
-                  <a:schemeClr val="bg1"/>
-                </a:solidFill>
-                <a:ea typeface="微软雅黑" panose="020B0503020204020204" charset="-122"/>
-              </a:endParaRPr>
             </a:p>
           </p:txBody>
         </p:sp>
@@ -11378,6 +11123,7 @@
             <a:bodyPr vertOverflow="overflow" horzOverflow="overflow" vert="horz" wrap="square" numCol="1" spcCol="0" rtlCol="0" fromWordArt="0" anchor="ctr" anchorCtr="0" forceAA="0" compatLnSpc="1">
               <a:noAutofit/>
             </a:bodyPr>
+            <a:lstStyle/>
             <a:p>
               <a:pPr lvl="0" algn="ctr"/>
               <a:endParaRPr lang="zh-CN" altLang="en-US">
@@ -11407,6 +11153,7 @@
             <a:bodyPr wrap="none" rtlCol="0">
               <a:noAutofit/>
             </a:bodyPr>
+            <a:lstStyle/>
             <a:p>
               <a:r>
                 <a:rPr lang="zh-CN" altLang="en-US" sz="1400" b="1">
@@ -11417,12 +11164,6 @@
                 </a:rPr>
                 <a:t>文件管理</a:t>
               </a:r>
-              <a:endParaRPr lang="zh-CN" altLang="en-US" sz="1400" b="1">
-                <a:solidFill>
-                  <a:schemeClr val="bg1"/>
-                </a:solidFill>
-                <a:ea typeface="微软雅黑" panose="020B0503020204020204" charset="-122"/>
-              </a:endParaRPr>
             </a:p>
           </p:txBody>
         </p:sp>
@@ -11467,6 +11208,7 @@
             <a:bodyPr vertOverflow="overflow" horzOverflow="overflow" vert="horz" wrap="square" numCol="1" spcCol="0" rtlCol="0" fromWordArt="0" anchor="ctr" anchorCtr="0" forceAA="0" compatLnSpc="1">
               <a:noAutofit/>
             </a:bodyPr>
+            <a:lstStyle/>
             <a:p>
               <a:pPr lvl="0" algn="ctr"/>
               <a:endParaRPr lang="zh-CN" altLang="en-US">
@@ -11496,6 +11238,7 @@
             <a:bodyPr wrap="none" rtlCol="0">
               <a:noAutofit/>
             </a:bodyPr>
+            <a:lstStyle/>
             <a:p>
               <a:r>
                 <a:rPr lang="zh-CN" altLang="en-US" sz="1400" b="1">
@@ -11506,12 +11249,6 @@
                 </a:rPr>
                 <a:t>设   置</a:t>
               </a:r>
-              <a:endParaRPr lang="zh-CN" altLang="en-US" sz="1400" b="1">
-                <a:solidFill>
-                  <a:schemeClr val="bg1"/>
-                </a:solidFill>
-                <a:ea typeface="微软雅黑" panose="020B0503020204020204" charset="-122"/>
-              </a:endParaRPr>
             </a:p>
           </p:txBody>
         </p:sp>
@@ -11553,6 +11290,7 @@
             <a:bodyPr vertOverflow="overflow" horzOverflow="overflow" vert="horz" wrap="square" numCol="1" spcCol="0" rtlCol="0" fromWordArt="0" anchor="ctr" anchorCtr="0" forceAA="0" compatLnSpc="1">
               <a:noAutofit/>
             </a:bodyPr>
+            <a:lstStyle/>
             <a:p>
               <a:pPr lvl="0" algn="ctr"/>
               <a:endParaRPr lang="zh-CN" altLang="en-US">
@@ -11582,6 +11320,7 @@
             <a:bodyPr wrap="none" rtlCol="0">
               <a:noAutofit/>
             </a:bodyPr>
+            <a:lstStyle/>
             <a:p>
               <a:r>
                 <a:rPr lang="zh-CN" altLang="en-US" sz="1400" b="1">
@@ -11592,12 +11331,6 @@
                 </a:rPr>
                 <a:t>系统信息</a:t>
               </a:r>
-              <a:endParaRPr lang="zh-CN" altLang="en-US" sz="1400" b="1">
-                <a:solidFill>
-                  <a:schemeClr val="bg1"/>
-                </a:solidFill>
-                <a:ea typeface="微软雅黑" panose="020B0503020204020204" charset="-122"/>
-              </a:endParaRPr>
             </a:p>
           </p:txBody>
         </p:sp>
@@ -11639,6 +11372,7 @@
             <a:bodyPr vertOverflow="overflow" horzOverflow="overflow" vert="horz" wrap="square" numCol="1" spcCol="0" rtlCol="0" fromWordArt="0" anchor="ctr" anchorCtr="0" forceAA="0" compatLnSpc="1">
               <a:noAutofit/>
             </a:bodyPr>
+            <a:lstStyle/>
             <a:p>
               <a:pPr lvl="0" algn="ctr"/>
               <a:endParaRPr lang="zh-CN" altLang="en-US">
@@ -11668,6 +11402,7 @@
             <a:bodyPr wrap="none" rtlCol="0">
               <a:noAutofit/>
             </a:bodyPr>
+            <a:lstStyle/>
             <a:p>
               <a:r>
                 <a:rPr lang="zh-CN" altLang="en-US" sz="1400" b="1">
@@ -11678,12 +11413,6 @@
                 </a:rPr>
                 <a:t>亮   度</a:t>
               </a:r>
-              <a:endParaRPr lang="zh-CN" altLang="en-US" sz="1400" b="1">
-                <a:solidFill>
-                  <a:schemeClr val="bg1"/>
-                </a:solidFill>
-                <a:ea typeface="微软雅黑" panose="020B0503020204020204" charset="-122"/>
-              </a:endParaRPr>
             </a:p>
           </p:txBody>
         </p:sp>
@@ -11727,8 +11456,9 @@
         </p:style>
         <p:txBody>
           <a:bodyPr rtlCol="0" anchor="ctr">
-            <a:normAutofit fontScale="80000"/>
+            <a:normAutofit fontScale="87500" lnSpcReduction="20000"/>
           </a:bodyPr>
+          <a:lstStyle/>
           <a:p>
             <a:pPr algn="ctr"/>
             <a:r>
@@ -11747,9 +11477,6 @@
               </a:rPr>
               <a:t>盘</a:t>
             </a:r>
-            <a:endParaRPr lang="zh-CN" altLang="en-US" sz="1200" b="1">
-              <a:ea typeface="微软雅黑" panose="020B0503020204020204" charset="-122"/>
-            </a:endParaRPr>
           </a:p>
         </p:txBody>
       </p:sp>
@@ -11773,6 +11500,7 @@
           <a:bodyPr wrap="square" rtlCol="0">
             <a:spAutoFit/>
           </a:bodyPr>
+          <a:lstStyle/>
           <a:p>
             <a:r>
               <a:rPr lang="zh-CN" altLang="en-US">
@@ -11783,12 +11511,6 @@
               </a:rPr>
               <a:t>视频实时预览</a:t>
             </a:r>
-            <a:endParaRPr lang="zh-CN" altLang="en-US">
-              <a:solidFill>
-                <a:schemeClr val="bg1"/>
-              </a:solidFill>
-              <a:ea typeface="微软雅黑" panose="020B0503020204020204" charset="-122"/>
-            </a:endParaRPr>
           </a:p>
         </p:txBody>
       </p:sp>
@@ -11812,6 +11534,7 @@
           <a:bodyPr wrap="square" rtlCol="0">
             <a:spAutoFit/>
           </a:bodyPr>
+          <a:lstStyle/>
           <a:p>
             <a:r>
               <a:rPr lang="zh-CN" altLang="en-US">
@@ -11819,9 +11542,6 @@
               </a:rPr>
               <a:t>设置界面</a:t>
             </a:r>
-            <a:endParaRPr lang="zh-CN" altLang="en-US">
-              <a:ea typeface="微软雅黑" panose="020B0503020204020204" charset="-122"/>
-            </a:endParaRPr>
           </a:p>
         </p:txBody>
       </p:sp>
@@ -11866,6 +11586,7 @@
         </p:style>
         <p:txBody>
           <a:bodyPr rtlCol="0" anchor="ctr"/>
+          <a:lstStyle/>
           <a:p>
             <a:pPr algn="ctr"/>
             <a:endParaRPr lang="zh-CN" altLang="en-US"/>
@@ -11911,6 +11632,7 @@
           <a:bodyPr vertOverflow="overflow" horzOverflow="overflow" vert="horz" wrap="square" numCol="1" spcCol="0" rtlCol="0" fromWordArt="0" anchor="ctr" anchorCtr="0" forceAA="0" compatLnSpc="1">
             <a:noAutofit/>
           </a:bodyPr>
+          <a:lstStyle/>
           <a:p>
             <a:pPr lvl="0" algn="ctr"/>
             <a:r>
@@ -11920,10 +11642,6 @@
               </a:rPr>
               <a:t>分辨率</a:t>
             </a:r>
-            <a:endParaRPr lang="zh-CN" altLang="en-US" sz="1000">
-              <a:ea typeface="微软雅黑" panose="020B0503020204020204" charset="-122"/>
-              <a:sym typeface="+mn-ea"/>
-            </a:endParaRPr>
           </a:p>
         </p:txBody>
       </p:sp>
@@ -11966,6 +11684,7 @@
           <a:bodyPr vertOverflow="overflow" horzOverflow="overflow" vert="horz" wrap="square" numCol="1" spcCol="0" rtlCol="0" fromWordArt="0" anchor="ctr" anchorCtr="0" forceAA="0" compatLnSpc="1">
             <a:noAutofit/>
           </a:bodyPr>
+          <a:lstStyle/>
           <a:p>
             <a:pPr lvl="0" algn="ctr"/>
             <a:r>
@@ -11975,10 +11694,6 @@
               </a:rPr>
               <a:t>录像选项</a:t>
             </a:r>
-            <a:endParaRPr lang="zh-CN" altLang="en-US" sz="1000">
-              <a:ea typeface="微软雅黑" panose="020B0503020204020204" charset="-122"/>
-              <a:sym typeface="+mn-ea"/>
-            </a:endParaRPr>
           </a:p>
         </p:txBody>
       </p:sp>
@@ -12021,6 +11736,7 @@
           <a:bodyPr vertOverflow="overflow" horzOverflow="overflow" vert="horz" wrap="square" numCol="1" spcCol="0" rtlCol="0" fromWordArt="0" anchor="ctr" anchorCtr="0" forceAA="0" compatLnSpc="1">
             <a:noAutofit/>
           </a:bodyPr>
+          <a:lstStyle/>
           <a:p>
             <a:pPr lvl="0" algn="ctr"/>
             <a:r>
@@ -12030,10 +11746,6 @@
               </a:rPr>
               <a:t>视频设置</a:t>
             </a:r>
-            <a:endParaRPr lang="zh-CN" altLang="en-US" sz="1000">
-              <a:ea typeface="微软雅黑" panose="020B0503020204020204" charset="-122"/>
-              <a:sym typeface="+mn-ea"/>
-            </a:endParaRPr>
           </a:p>
         </p:txBody>
       </p:sp>
@@ -12076,6 +11788,7 @@
           <a:bodyPr vertOverflow="overflow" horzOverflow="overflow" vert="horz" wrap="square" numCol="1" spcCol="0" rtlCol="0" fromWordArt="0" anchor="ctr" anchorCtr="0" forceAA="0" compatLnSpc="1">
             <a:noAutofit/>
           </a:bodyPr>
+          <a:lstStyle/>
           <a:p>
             <a:pPr lvl="0" algn="ctr"/>
             <a:endParaRPr lang="zh-CN" altLang="en-US" sz="1000">
@@ -12124,6 +11837,7 @@
           <a:bodyPr vertOverflow="overflow" horzOverflow="overflow" vert="horz" wrap="square" numCol="1" spcCol="0" rtlCol="0" fromWordArt="0" anchor="ctr" anchorCtr="0" forceAA="0" compatLnSpc="1">
             <a:noAutofit/>
           </a:bodyPr>
+          <a:lstStyle/>
           <a:p>
             <a:pPr lvl="0" algn="ctr"/>
             <a:r>
@@ -12133,10 +11847,6 @@
               </a:rPr>
               <a:t>语言设置</a:t>
             </a:r>
-            <a:endParaRPr lang="zh-CN" altLang="en-US" sz="1000">
-              <a:ea typeface="微软雅黑" panose="020B0503020204020204" charset="-122"/>
-              <a:sym typeface="+mn-ea"/>
-            </a:endParaRPr>
           </a:p>
         </p:txBody>
       </p:sp>
@@ -12176,6 +11886,7 @@
           <a:bodyPr vertOverflow="overflow" horzOverflow="overflow" vert="horz" wrap="square" numCol="1" spcCol="0" rtlCol="0" fromWordArt="0" anchor="ctr" anchorCtr="0" forceAA="0" compatLnSpc="1">
             <a:noAutofit/>
           </a:bodyPr>
+          <a:lstStyle/>
           <a:p>
             <a:pPr lvl="0" algn="ctr"/>
             <a:r>
@@ -12185,10 +11896,6 @@
               </a:rPr>
               <a:t>时间设置</a:t>
             </a:r>
-            <a:endParaRPr lang="zh-CN" altLang="en-US" sz="1000">
-              <a:ea typeface="微软雅黑" panose="020B0503020204020204" charset="-122"/>
-              <a:sym typeface="+mn-ea"/>
-            </a:endParaRPr>
           </a:p>
         </p:txBody>
       </p:sp>
@@ -12229,8 +11936,9 @@
         </p:style>
         <p:txBody>
           <a:bodyPr rtlCol="0" anchor="ctr">
-            <a:normAutofit fontScale="90000"/>
+            <a:normAutofit fontScale="97500" lnSpcReduction="10000"/>
           </a:bodyPr>
+          <a:lstStyle/>
           <a:p>
             <a:pPr algn="ctr"/>
             <a:endParaRPr lang="zh-CN" altLang="en-US" sz="1000">
@@ -12259,6 +11967,7 @@
           <a:bodyPr wrap="square" rtlCol="0">
             <a:spAutoFit/>
           </a:bodyPr>
+          <a:lstStyle/>
           <a:p>
             <a:pPr algn="l"/>
             <a:r>
@@ -12271,13 +11980,6 @@
               </a:rPr>
               <a:t>摄像头设置</a:t>
             </a:r>
-            <a:endParaRPr lang="zh-CN" altLang="en-US" sz="1000">
-              <a:solidFill>
-                <a:schemeClr val="bg1"/>
-              </a:solidFill>
-              <a:ea typeface="微软雅黑" panose="020B0503020204020204" charset="-122"/>
-              <a:sym typeface="+mn-ea"/>
-            </a:endParaRPr>
           </a:p>
         </p:txBody>
       </p:sp>
@@ -12301,6 +12003,7 @@
           <a:bodyPr wrap="square" rtlCol="0">
             <a:spAutoFit/>
           </a:bodyPr>
+          <a:lstStyle/>
           <a:p>
             <a:pPr algn="l"/>
             <a:r>
@@ -12313,13 +12016,6 @@
               </a:rPr>
               <a:t>恢复设置</a:t>
             </a:r>
-            <a:endParaRPr lang="zh-CN" altLang="en-US" sz="1000">
-              <a:solidFill>
-                <a:schemeClr val="bg1"/>
-              </a:solidFill>
-              <a:ea typeface="微软雅黑" panose="020B0503020204020204" charset="-122"/>
-              <a:sym typeface="+mn-ea"/>
-            </a:endParaRPr>
           </a:p>
         </p:txBody>
       </p:sp>
@@ -12364,6 +12060,7 @@
           <a:bodyPr vertOverflow="overflow" horzOverflow="overflow" vert="horz" wrap="square" numCol="1" spcCol="0" rtlCol="0" fromWordArt="0" anchor="ctr" anchorCtr="0" forceAA="0" compatLnSpc="1">
             <a:noAutofit/>
           </a:bodyPr>
+          <a:lstStyle/>
           <a:p>
             <a:pPr lvl="0" algn="ctr"/>
             <a:endParaRPr lang="en-US" altLang="zh-CN" sz="1200">
@@ -12392,6 +12089,7 @@
           <a:bodyPr wrap="square" rtlCol="0">
             <a:spAutoFit/>
           </a:bodyPr>
+          <a:lstStyle/>
           <a:p>
             <a:pPr algn="l"/>
             <a:r>
@@ -12414,13 +12112,6 @@
               </a:rPr>
               <a:t>年</a:t>
             </a:r>
-            <a:endParaRPr lang="zh-CN" altLang="zh-CN" sz="900">
-              <a:solidFill>
-                <a:schemeClr val="tx1"/>
-              </a:solidFill>
-              <a:ea typeface="微软雅黑" panose="020B0503020204020204" charset="-122"/>
-              <a:sym typeface="+mn-ea"/>
-            </a:endParaRPr>
           </a:p>
         </p:txBody>
       </p:sp>
@@ -12462,6 +12153,7 @@
           <a:bodyPr vertOverflow="overflow" horzOverflow="overflow" vert="horz" wrap="square" numCol="1" spcCol="0" rtlCol="0" fromWordArt="0" anchor="ctr" anchorCtr="0" forceAA="0" compatLnSpc="1">
             <a:noAutofit/>
           </a:bodyPr>
+          <a:lstStyle/>
           <a:p>
             <a:pPr lvl="0" algn="ctr"/>
             <a:endParaRPr lang="en-US" altLang="zh-CN" sz="1000">
@@ -12490,6 +12182,7 @@
           <a:bodyPr wrap="square" rtlCol="0">
             <a:spAutoFit/>
           </a:bodyPr>
+          <a:lstStyle/>
           <a:p>
             <a:pPr algn="l"/>
             <a:r>
@@ -12512,13 +12205,6 @@
               </a:rPr>
               <a:t>月</a:t>
             </a:r>
-            <a:endParaRPr lang="zh-CN" altLang="en-US" sz="900">
-              <a:solidFill>
-                <a:schemeClr val="bg1"/>
-              </a:solidFill>
-              <a:ea typeface="微软雅黑" panose="020B0503020204020204" charset="-122"/>
-              <a:sym typeface="+mn-ea"/>
-            </a:endParaRPr>
           </a:p>
         </p:txBody>
       </p:sp>
@@ -12560,6 +12246,7 @@
           <a:bodyPr vertOverflow="overflow" horzOverflow="overflow" vert="horz" wrap="square" numCol="1" spcCol="0" rtlCol="0" fromWordArt="0" anchor="ctr" anchorCtr="0" forceAA="0" compatLnSpc="1">
             <a:noAutofit/>
           </a:bodyPr>
+          <a:lstStyle/>
           <a:p>
             <a:pPr lvl="0" algn="ctr"/>
             <a:endParaRPr lang="en-US" altLang="zh-CN" sz="1000">
@@ -12588,6 +12275,7 @@
           <a:bodyPr wrap="square" rtlCol="0">
             <a:spAutoFit/>
           </a:bodyPr>
+          <a:lstStyle/>
           <a:p>
             <a:pPr algn="l"/>
             <a:r>
@@ -12610,13 +12298,6 @@
               </a:rPr>
               <a:t>日</a:t>
             </a:r>
-            <a:endParaRPr lang="zh-CN" altLang="en-US" sz="900">
-              <a:solidFill>
-                <a:schemeClr val="bg1"/>
-              </a:solidFill>
-              <a:ea typeface="微软雅黑" panose="020B0503020204020204" charset="-122"/>
-              <a:sym typeface="+mn-ea"/>
-            </a:endParaRPr>
           </a:p>
         </p:txBody>
       </p:sp>
@@ -12658,6 +12339,7 @@
           <a:bodyPr vertOverflow="overflow" horzOverflow="overflow" vert="horz" wrap="square" numCol="1" spcCol="0" rtlCol="0" fromWordArt="0" anchor="ctr" anchorCtr="0" forceAA="0" compatLnSpc="1">
             <a:noAutofit/>
           </a:bodyPr>
+          <a:lstStyle/>
           <a:p>
             <a:pPr lvl="0" algn="ctr"/>
             <a:endParaRPr lang="en-US" altLang="zh-CN" sz="1000">
@@ -12686,6 +12368,7 @@
           <a:bodyPr wrap="square" rtlCol="0">
             <a:spAutoFit/>
           </a:bodyPr>
+          <a:lstStyle/>
           <a:p>
             <a:pPr algn="l"/>
             <a:r>
@@ -12708,13 +12391,6 @@
               </a:rPr>
               <a:t>时</a:t>
             </a:r>
-            <a:endParaRPr lang="zh-CN" altLang="zh-CN" sz="900">
-              <a:solidFill>
-                <a:schemeClr val="bg1"/>
-              </a:solidFill>
-              <a:ea typeface="微软雅黑" panose="020B0503020204020204" charset="-122"/>
-              <a:sym typeface="+mn-ea"/>
-            </a:endParaRPr>
           </a:p>
         </p:txBody>
       </p:sp>
@@ -12756,6 +12432,7 @@
           <a:bodyPr vertOverflow="overflow" horzOverflow="overflow" vert="horz" wrap="square" numCol="1" spcCol="0" rtlCol="0" fromWordArt="0" anchor="ctr" anchorCtr="0" forceAA="0" compatLnSpc="1">
             <a:noAutofit/>
           </a:bodyPr>
+          <a:lstStyle/>
           <a:p>
             <a:pPr lvl="0" algn="ctr"/>
             <a:endParaRPr lang="en-US" altLang="zh-CN" sz="1000">
@@ -12784,6 +12461,7 @@
           <a:bodyPr wrap="square" rtlCol="0">
             <a:spAutoFit/>
           </a:bodyPr>
+          <a:lstStyle/>
           <a:p>
             <a:pPr algn="l"/>
             <a:r>
@@ -12806,13 +12484,6 @@
               </a:rPr>
               <a:t>分</a:t>
             </a:r>
-            <a:endParaRPr lang="zh-CN" altLang="zh-CN" sz="900">
-              <a:solidFill>
-                <a:schemeClr val="bg1"/>
-              </a:solidFill>
-              <a:ea typeface="微软雅黑" panose="020B0503020204020204" charset="-122"/>
-              <a:sym typeface="+mn-ea"/>
-            </a:endParaRPr>
           </a:p>
         </p:txBody>
       </p:sp>
@@ -12854,6 +12525,7 @@
           <a:bodyPr vertOverflow="overflow" horzOverflow="overflow" vert="horz" wrap="square" numCol="1" spcCol="0" rtlCol="0" fromWordArt="0" anchor="ctr" anchorCtr="0" forceAA="0" compatLnSpc="1">
             <a:noAutofit/>
           </a:bodyPr>
+          <a:lstStyle/>
           <a:p>
             <a:pPr lvl="0" algn="ctr"/>
             <a:endParaRPr lang="en-US" altLang="zh-CN" sz="1000">
@@ -12882,6 +12554,7 @@
           <a:bodyPr wrap="square" rtlCol="0">
             <a:spAutoFit/>
           </a:bodyPr>
+          <a:lstStyle/>
           <a:p>
             <a:pPr algn="l"/>
             <a:r>
@@ -12894,13 +12567,6 @@
               </a:rPr>
               <a:t>+</a:t>
             </a:r>
-            <a:endParaRPr lang="en-US" altLang="zh-CN" sz="1200">
-              <a:solidFill>
-                <a:schemeClr val="bg1"/>
-              </a:solidFill>
-              <a:ea typeface="微软雅黑" panose="020B0503020204020204" charset="-122"/>
-              <a:sym typeface="+mn-ea"/>
-            </a:endParaRPr>
           </a:p>
         </p:txBody>
       </p:sp>
@@ -12942,6 +12608,7 @@
           <a:bodyPr vertOverflow="overflow" horzOverflow="overflow" vert="horz" wrap="square" numCol="1" spcCol="0" rtlCol="0" fromWordArt="0" anchor="ctr" anchorCtr="0" forceAA="0" compatLnSpc="1">
             <a:noAutofit/>
           </a:bodyPr>
+          <a:lstStyle/>
           <a:p>
             <a:pPr lvl="0" algn="ctr"/>
             <a:endParaRPr lang="en-US" altLang="zh-CN" sz="1000">
@@ -12970,6 +12637,7 @@
           <a:bodyPr wrap="square" rtlCol="0">
             <a:spAutoFit/>
           </a:bodyPr>
+          <a:lstStyle/>
           <a:p>
             <a:pPr algn="l"/>
             <a:r>
@@ -12982,13 +12650,6 @@
               </a:rPr>
               <a:t>－</a:t>
             </a:r>
-            <a:endParaRPr lang="en-US" altLang="zh-CN" sz="1200">
-              <a:solidFill>
-                <a:schemeClr val="bg1"/>
-              </a:solidFill>
-              <a:ea typeface="微软雅黑" panose="020B0503020204020204" charset="-122"/>
-              <a:sym typeface="+mn-ea"/>
-            </a:endParaRPr>
           </a:p>
         </p:txBody>
       </p:sp>
@@ -13030,6 +12691,7 @@
           <a:bodyPr vertOverflow="overflow" horzOverflow="overflow" vert="horz" wrap="square" numCol="1" spcCol="0" rtlCol="0" fromWordArt="0" anchor="ctr" anchorCtr="0" forceAA="0" compatLnSpc="1">
             <a:noAutofit/>
           </a:bodyPr>
+          <a:lstStyle/>
           <a:p>
             <a:pPr lvl="0" algn="ctr"/>
             <a:endParaRPr lang="en-US" altLang="zh-CN" sz="1000">
@@ -13058,6 +12720,7 @@
           <a:bodyPr wrap="square" rtlCol="0">
             <a:spAutoFit/>
           </a:bodyPr>
+          <a:lstStyle/>
           <a:p>
             <a:pPr algn="l"/>
             <a:r>
@@ -13070,13 +12733,6 @@
               </a:rPr>
               <a:t>应 用</a:t>
             </a:r>
-            <a:endParaRPr lang="zh-CN" altLang="zh-CN" sz="900">
-              <a:solidFill>
-                <a:schemeClr val="bg1"/>
-              </a:solidFill>
-              <a:ea typeface="微软雅黑" panose="020B0503020204020204" charset="-122"/>
-              <a:sym typeface="+mn-ea"/>
-            </a:endParaRPr>
           </a:p>
         </p:txBody>
       </p:sp>
@@ -13097,7 +12753,14 @@
         <p:cNvGrpSpPr/>
         <p:nvPr/>
       </p:nvGrpSpPr>
-      <p:grpSpPr/>
+      <p:grpSpPr>
+        <a:xfrm>
+          <a:off x="0" y="0"/>
+          <a:ext cx="0" cy="0"/>
+          <a:chOff x="0" y="0"/>
+          <a:chExt cx="0" cy="0"/>
+        </a:xfrm>
+      </p:grpSpPr>
       <p:sp>
         <p:nvSpPr>
           <p:cNvPr id="33" name="矩形 32"/>
@@ -13159,6 +12822,7 @@
         </p:style>
         <p:txBody>
           <a:bodyPr rtlCol="0" anchor="ctr"/>
+          <a:lstStyle/>
           <a:p>
             <a:pPr algn="ctr"/>
             <a:endParaRPr lang="zh-CN" altLang="en-US">
@@ -13209,6 +12873,7 @@
         </p:style>
         <p:txBody>
           <a:bodyPr rtlCol="0" anchor="ctr"/>
+          <a:lstStyle/>
           <a:p>
             <a:pPr algn="ctr"/>
             <a:endParaRPr lang="zh-CN" altLang="en-US" sz="1200">
@@ -13271,6 +12936,7 @@
           </p:style>
           <p:txBody>
             <a:bodyPr rtlCol="0" anchor="ctr"/>
+            <a:lstStyle/>
             <a:p>
               <a:pPr algn="ctr"/>
               <a:endParaRPr lang="zh-CN" altLang="en-US" sz="1200">
@@ -13330,8 +12996,9 @@
             </p:style>
             <p:txBody>
               <a:bodyPr rtlCol="0" anchor="ctr">
-                <a:normAutofit fontScale="90000"/>
+                <a:normAutofit fontScale="97500" lnSpcReduction="10000"/>
               </a:bodyPr>
+              <a:lstStyle/>
               <a:p>
                 <a:pPr algn="ctr"/>
                 <a:endParaRPr lang="zh-CN" altLang="en-US" sz="1000">
@@ -13360,6 +13027,7 @@
               <a:bodyPr wrap="square" rtlCol="0">
                 <a:spAutoFit/>
               </a:bodyPr>
+              <a:lstStyle/>
               <a:p>
                 <a:pPr algn="l"/>
                 <a:r>
@@ -13372,13 +13040,6 @@
                   </a:rPr>
                   <a:t>关         闭</a:t>
                 </a:r>
-                <a:endParaRPr lang="zh-CN" altLang="en-US" sz="1000">
-                  <a:solidFill>
-                    <a:schemeClr val="bg1"/>
-                  </a:solidFill>
-                  <a:ea typeface="微软雅黑" panose="020B0503020204020204" charset="-122"/>
-                  <a:sym typeface="+mn-ea"/>
-                </a:endParaRPr>
               </a:p>
             </p:txBody>
           </p:sp>
@@ -13420,6 +13081,7 @@
         </p:style>
         <p:txBody>
           <a:bodyPr rtlCol="0" anchor="ctr"/>
+          <a:lstStyle/>
           <a:p>
             <a:pPr algn="ctr"/>
             <a:endParaRPr lang="zh-CN" altLang="en-US"/>
@@ -13446,6 +13108,7 @@
           <a:bodyPr wrap="square" rtlCol="0">
             <a:spAutoFit/>
           </a:bodyPr>
+          <a:lstStyle/>
           <a:p>
             <a:pPr algn="l"/>
             <a:r>
@@ -13458,13 +13121,6 @@
               </a:rPr>
               <a:t>恢复出厂设置？</a:t>
             </a:r>
-            <a:endParaRPr lang="zh-CN" altLang="zh-CN" sz="1200" b="1">
-              <a:solidFill>
-                <a:srgbClr val="FFC000"/>
-              </a:solidFill>
-              <a:ea typeface="微软雅黑" panose="020B0503020204020204" charset="-122"/>
-              <a:sym typeface="+mn-ea"/>
-            </a:endParaRPr>
           </a:p>
         </p:txBody>
       </p:sp>
@@ -13509,6 +13165,7 @@
           <a:bodyPr vertOverflow="overflow" horzOverflow="overflow" vert="horz" wrap="square" numCol="1" spcCol="0" rtlCol="0" fromWordArt="0" anchor="ctr" anchorCtr="0" forceAA="0" compatLnSpc="1">
             <a:noAutofit/>
           </a:bodyPr>
+          <a:lstStyle/>
           <a:p>
             <a:pPr lvl="0" algn="ctr"/>
             <a:endParaRPr lang="en-US" altLang="zh-CN" sz="1200">
@@ -13537,6 +13194,7 @@
           <a:bodyPr wrap="square" rtlCol="0">
             <a:spAutoFit/>
           </a:bodyPr>
+          <a:lstStyle/>
           <a:p>
             <a:pPr algn="l"/>
             <a:r>
@@ -13549,13 +13207,6 @@
               </a:rPr>
               <a:t>确认</a:t>
             </a:r>
-            <a:endParaRPr lang="zh-CN" altLang="zh-CN" sz="900">
-              <a:solidFill>
-                <a:schemeClr val="tx1"/>
-              </a:solidFill>
-              <a:ea typeface="微软雅黑" panose="020B0503020204020204" charset="-122"/>
-              <a:sym typeface="+mn-ea"/>
-            </a:endParaRPr>
           </a:p>
         </p:txBody>
       </p:sp>
@@ -13597,6 +13248,7 @@
           <a:bodyPr vertOverflow="overflow" horzOverflow="overflow" vert="horz" wrap="square" numCol="1" spcCol="0" rtlCol="0" fromWordArt="0" anchor="ctr" anchorCtr="0" forceAA="0" compatLnSpc="1">
             <a:noAutofit/>
           </a:bodyPr>
+          <a:lstStyle/>
           <a:p>
             <a:pPr lvl="0" algn="ctr"/>
             <a:endParaRPr lang="en-US" altLang="zh-CN" sz="1000">
@@ -13625,6 +13277,7 @@
           <a:bodyPr wrap="square" rtlCol="0">
             <a:spAutoFit/>
           </a:bodyPr>
+          <a:lstStyle/>
           <a:p>
             <a:pPr algn="l"/>
             <a:r>
@@ -13637,13 +13290,6 @@
               </a:rPr>
               <a:t>取消</a:t>
             </a:r>
-            <a:endParaRPr lang="zh-CN" altLang="zh-CN" sz="900">
-              <a:solidFill>
-                <a:schemeClr val="tx1"/>
-              </a:solidFill>
-              <a:ea typeface="微软雅黑" panose="020B0503020204020204" charset="-122"/>
-              <a:sym typeface="+mn-ea"/>
-            </a:endParaRPr>
           </a:p>
         </p:txBody>
       </p:sp>
@@ -13685,6 +13331,7 @@
           <a:bodyPr vertOverflow="overflow" horzOverflow="overflow" vert="horz" wrap="square" numCol="1" spcCol="0" rtlCol="0" fromWordArt="0" anchor="ctr" anchorCtr="0" forceAA="0" compatLnSpc="1">
             <a:noAutofit/>
           </a:bodyPr>
+          <a:lstStyle/>
           <a:p>
             <a:pPr lvl="0" algn="ctr"/>
             <a:endParaRPr lang="zh-CN" altLang="en-US">
@@ -13714,6 +13361,7 @@
           <a:bodyPr wrap="none" rtlCol="0">
             <a:noAutofit/>
           </a:bodyPr>
+          <a:lstStyle/>
           <a:p>
             <a:r>
               <a:rPr lang="zh-CN" altLang="en-US" sz="1400" b="1">
@@ -13724,12 +13372,6 @@
               </a:rPr>
               <a:t>关  机</a:t>
             </a:r>
-            <a:endParaRPr lang="zh-CN" altLang="en-US" sz="1400" b="1">
-              <a:solidFill>
-                <a:schemeClr val="bg1"/>
-              </a:solidFill>
-              <a:ea typeface="微软雅黑" panose="020B0503020204020204" charset="-122"/>
-            </a:endParaRPr>
           </a:p>
         </p:txBody>
       </p:sp>
@@ -13771,6 +13413,7 @@
           <a:bodyPr vertOverflow="overflow" horzOverflow="overflow" vert="horz" wrap="square" numCol="1" spcCol="0" rtlCol="0" fromWordArt="0" anchor="ctr" anchorCtr="0" forceAA="0" compatLnSpc="1">
             <a:noAutofit/>
           </a:bodyPr>
+          <a:lstStyle/>
           <a:p>
             <a:pPr lvl="0" algn="ctr"/>
             <a:endParaRPr lang="zh-CN" altLang="en-US">
@@ -13800,6 +13443,7 @@
           <a:bodyPr wrap="none" rtlCol="0">
             <a:noAutofit/>
           </a:bodyPr>
+          <a:lstStyle/>
           <a:p>
             <a:r>
               <a:rPr lang="zh-CN" altLang="en-US" sz="1400" b="1">
@@ -13810,12 +13454,6 @@
               </a:rPr>
               <a:t>录   像</a:t>
             </a:r>
-            <a:endParaRPr lang="zh-CN" altLang="en-US" sz="1400" b="1">
-              <a:solidFill>
-                <a:schemeClr val="bg1"/>
-              </a:solidFill>
-              <a:ea typeface="微软雅黑" panose="020B0503020204020204" charset="-122"/>
-            </a:endParaRPr>
           </a:p>
         </p:txBody>
       </p:sp>
@@ -13857,6 +13495,7 @@
           <a:bodyPr vertOverflow="overflow" horzOverflow="overflow" vert="horz" wrap="square" numCol="1" spcCol="0" rtlCol="0" fromWordArt="0" anchor="ctr" anchorCtr="0" forceAA="0" compatLnSpc="1">
             <a:noAutofit/>
           </a:bodyPr>
+          <a:lstStyle/>
           <a:p>
             <a:pPr lvl="0" algn="ctr"/>
             <a:endParaRPr lang="zh-CN" altLang="en-US">
@@ -13886,6 +13525,7 @@
           <a:bodyPr wrap="none" rtlCol="0">
             <a:noAutofit/>
           </a:bodyPr>
+          <a:lstStyle/>
           <a:p>
             <a:r>
               <a:rPr lang="zh-CN" altLang="en-US" sz="1400" b="1">
@@ -13896,12 +13536,6 @@
               </a:rPr>
               <a:t>拍   照</a:t>
             </a:r>
-            <a:endParaRPr lang="zh-CN" altLang="en-US" sz="1400" b="1">
-              <a:solidFill>
-                <a:schemeClr val="bg1"/>
-              </a:solidFill>
-              <a:ea typeface="微软雅黑" panose="020B0503020204020204" charset="-122"/>
-            </a:endParaRPr>
           </a:p>
         </p:txBody>
       </p:sp>
@@ -13943,6 +13577,7 @@
           <a:bodyPr vertOverflow="overflow" horzOverflow="overflow" vert="horz" wrap="square" numCol="1" spcCol="0" rtlCol="0" fromWordArt="0" anchor="ctr" anchorCtr="0" forceAA="0" compatLnSpc="1">
             <a:noAutofit/>
           </a:bodyPr>
+          <a:lstStyle/>
           <a:p>
             <a:pPr lvl="0" algn="ctr"/>
             <a:endParaRPr lang="zh-CN" altLang="en-US">
@@ -13972,6 +13607,7 @@
           <a:bodyPr wrap="none" rtlCol="0">
             <a:noAutofit/>
           </a:bodyPr>
+          <a:lstStyle/>
           <a:p>
             <a:r>
               <a:rPr lang="zh-CN" altLang="en-US" sz="1400" b="1">
@@ -13982,12 +13618,6 @@
               </a:rPr>
               <a:t>文件管理</a:t>
             </a:r>
-            <a:endParaRPr lang="zh-CN" altLang="en-US" sz="1400" b="1">
-              <a:solidFill>
-                <a:schemeClr val="bg1"/>
-              </a:solidFill>
-              <a:ea typeface="微软雅黑" panose="020B0503020204020204" charset="-122"/>
-            </a:endParaRPr>
           </a:p>
         </p:txBody>
       </p:sp>
@@ -14032,6 +13662,7 @@
           <a:bodyPr vertOverflow="overflow" horzOverflow="overflow" vert="horz" wrap="square" numCol="1" spcCol="0" rtlCol="0" fromWordArt="0" anchor="ctr" anchorCtr="0" forceAA="0" compatLnSpc="1">
             <a:noAutofit/>
           </a:bodyPr>
+          <a:lstStyle/>
           <a:p>
             <a:pPr lvl="0" algn="ctr"/>
             <a:endParaRPr lang="zh-CN" altLang="en-US">
@@ -14061,6 +13692,7 @@
           <a:bodyPr wrap="none" rtlCol="0">
             <a:noAutofit/>
           </a:bodyPr>
+          <a:lstStyle/>
           <a:p>
             <a:r>
               <a:rPr lang="zh-CN" altLang="en-US" sz="1400" b="1">
@@ -14071,12 +13703,6 @@
               </a:rPr>
               <a:t>设   置</a:t>
             </a:r>
-            <a:endParaRPr lang="zh-CN" altLang="en-US" sz="1400" b="1">
-              <a:solidFill>
-                <a:schemeClr val="bg1"/>
-              </a:solidFill>
-              <a:ea typeface="微软雅黑" panose="020B0503020204020204" charset="-122"/>
-            </a:endParaRPr>
           </a:p>
         </p:txBody>
       </p:sp>
@@ -14118,6 +13744,7 @@
           <a:bodyPr vertOverflow="overflow" horzOverflow="overflow" vert="horz" wrap="square" numCol="1" spcCol="0" rtlCol="0" fromWordArt="0" anchor="ctr" anchorCtr="0" forceAA="0" compatLnSpc="1">
             <a:noAutofit/>
           </a:bodyPr>
+          <a:lstStyle/>
           <a:p>
             <a:pPr lvl="0" algn="ctr"/>
             <a:endParaRPr lang="zh-CN" altLang="en-US">
@@ -14147,6 +13774,7 @@
           <a:bodyPr wrap="none" rtlCol="0">
             <a:noAutofit/>
           </a:bodyPr>
+          <a:lstStyle/>
           <a:p>
             <a:r>
               <a:rPr lang="zh-CN" altLang="en-US" sz="1400" b="1">
@@ -14157,12 +13785,6 @@
               </a:rPr>
               <a:t>系统信息</a:t>
             </a:r>
-            <a:endParaRPr lang="zh-CN" altLang="en-US" sz="1400" b="1">
-              <a:solidFill>
-                <a:schemeClr val="bg1"/>
-              </a:solidFill>
-              <a:ea typeface="微软雅黑" panose="020B0503020204020204" charset="-122"/>
-            </a:endParaRPr>
           </a:p>
         </p:txBody>
       </p:sp>
@@ -14204,6 +13826,7 @@
           <a:bodyPr vertOverflow="overflow" horzOverflow="overflow" vert="horz" wrap="square" numCol="1" spcCol="0" rtlCol="0" fromWordArt="0" anchor="ctr" anchorCtr="0" forceAA="0" compatLnSpc="1">
             <a:noAutofit/>
           </a:bodyPr>
+          <a:lstStyle/>
           <a:p>
             <a:pPr lvl="0" algn="ctr"/>
             <a:endParaRPr lang="zh-CN" altLang="en-US">
@@ -14233,6 +13856,7 @@
           <a:bodyPr wrap="none" rtlCol="0">
             <a:noAutofit/>
           </a:bodyPr>
+          <a:lstStyle/>
           <a:p>
             <a:r>
               <a:rPr lang="zh-CN" altLang="en-US" sz="1400" b="1">
@@ -14243,12 +13867,6 @@
               </a:rPr>
               <a:t>亮   度</a:t>
             </a:r>
-            <a:endParaRPr lang="zh-CN" altLang="en-US" sz="1400" b="1">
-              <a:solidFill>
-                <a:schemeClr val="bg1"/>
-              </a:solidFill>
-              <a:ea typeface="微软雅黑" panose="020B0503020204020204" charset="-122"/>
-            </a:endParaRPr>
           </a:p>
         </p:txBody>
       </p:sp>
@@ -14291,8 +13909,9 @@
         </p:style>
         <p:txBody>
           <a:bodyPr rtlCol="0" anchor="ctr">
-            <a:normAutofit fontScale="80000"/>
+            <a:normAutofit fontScale="87500" lnSpcReduction="20000"/>
           </a:bodyPr>
+          <a:lstStyle/>
           <a:p>
             <a:pPr algn="ctr"/>
             <a:r>
@@ -14311,9 +13930,6 @@
               </a:rPr>
               <a:t>盘</a:t>
             </a:r>
-            <a:endParaRPr lang="zh-CN" altLang="en-US" sz="1200" b="1">
-              <a:ea typeface="微软雅黑" panose="020B0503020204020204" charset="-122"/>
-            </a:endParaRPr>
           </a:p>
         </p:txBody>
       </p:sp>
@@ -14337,6 +13953,7 @@
           <a:bodyPr wrap="square" rtlCol="0">
             <a:spAutoFit/>
           </a:bodyPr>
+          <a:lstStyle/>
           <a:p>
             <a:r>
               <a:rPr lang="zh-CN" altLang="en-US">
@@ -14347,12 +13964,6 @@
               </a:rPr>
               <a:t>视频实时预览</a:t>
             </a:r>
-            <a:endParaRPr lang="zh-CN" altLang="en-US">
-              <a:solidFill>
-                <a:schemeClr val="bg1"/>
-              </a:solidFill>
-              <a:ea typeface="微软雅黑" panose="020B0503020204020204" charset="-122"/>
-            </a:endParaRPr>
           </a:p>
         </p:txBody>
       </p:sp>
@@ -14376,6 +13987,7 @@
           <a:bodyPr wrap="square" rtlCol="0">
             <a:spAutoFit/>
           </a:bodyPr>
+          <a:lstStyle/>
           <a:p>
             <a:r>
               <a:rPr lang="zh-CN" altLang="en-US">
@@ -14383,9 +13995,6 @@
               </a:rPr>
               <a:t>设置界面</a:t>
             </a:r>
-            <a:endParaRPr lang="zh-CN" altLang="en-US">
-              <a:ea typeface="微软雅黑" panose="020B0503020204020204" charset="-122"/>
-            </a:endParaRPr>
           </a:p>
         </p:txBody>
       </p:sp>
@@ -14430,6 +14039,7 @@
         </p:style>
         <p:txBody>
           <a:bodyPr rtlCol="0" anchor="ctr"/>
+          <a:lstStyle/>
           <a:p>
             <a:pPr algn="ctr"/>
             <a:endParaRPr lang="zh-CN" altLang="en-US"/>
@@ -14475,6 +14085,7 @@
           <a:bodyPr vertOverflow="overflow" horzOverflow="overflow" vert="horz" wrap="square" numCol="1" spcCol="0" rtlCol="0" fromWordArt="0" anchor="ctr" anchorCtr="0" forceAA="0" compatLnSpc="1">
             <a:noAutofit/>
           </a:bodyPr>
+          <a:lstStyle/>
           <a:p>
             <a:pPr lvl="0" algn="ctr"/>
             <a:r>
@@ -14484,10 +14095,6 @@
               </a:rPr>
               <a:t>分辨率</a:t>
             </a:r>
-            <a:endParaRPr lang="zh-CN" altLang="en-US" sz="1000">
-              <a:ea typeface="微软雅黑" panose="020B0503020204020204" charset="-122"/>
-              <a:sym typeface="+mn-ea"/>
-            </a:endParaRPr>
           </a:p>
         </p:txBody>
       </p:sp>
@@ -14530,6 +14137,7 @@
           <a:bodyPr vertOverflow="overflow" horzOverflow="overflow" vert="horz" wrap="square" numCol="1" spcCol="0" rtlCol="0" fromWordArt="0" anchor="ctr" anchorCtr="0" forceAA="0" compatLnSpc="1">
             <a:noAutofit/>
           </a:bodyPr>
+          <a:lstStyle/>
           <a:p>
             <a:pPr lvl="0" algn="ctr"/>
             <a:r>
@@ -14539,10 +14147,6 @@
               </a:rPr>
               <a:t>录像选项</a:t>
             </a:r>
-            <a:endParaRPr lang="zh-CN" altLang="en-US" sz="1000">
-              <a:ea typeface="微软雅黑" panose="020B0503020204020204" charset="-122"/>
-              <a:sym typeface="+mn-ea"/>
-            </a:endParaRPr>
           </a:p>
         </p:txBody>
       </p:sp>
@@ -14585,6 +14189,7 @@
           <a:bodyPr vertOverflow="overflow" horzOverflow="overflow" vert="horz" wrap="square" numCol="1" spcCol="0" rtlCol="0" fromWordArt="0" anchor="ctr" anchorCtr="0" forceAA="0" compatLnSpc="1">
             <a:noAutofit/>
           </a:bodyPr>
+          <a:lstStyle/>
           <a:p>
             <a:pPr lvl="0" algn="ctr"/>
             <a:r>
@@ -14594,10 +14199,6 @@
               </a:rPr>
               <a:t>视频设置</a:t>
             </a:r>
-            <a:endParaRPr lang="zh-CN" altLang="en-US" sz="1000">
-              <a:ea typeface="微软雅黑" panose="020B0503020204020204" charset="-122"/>
-              <a:sym typeface="+mn-ea"/>
-            </a:endParaRPr>
           </a:p>
         </p:txBody>
       </p:sp>
@@ -14640,6 +14241,7 @@
           <a:bodyPr vertOverflow="overflow" horzOverflow="overflow" vert="horz" wrap="square" numCol="1" spcCol="0" rtlCol="0" fromWordArt="0" anchor="ctr" anchorCtr="0" forceAA="0" compatLnSpc="1">
             <a:noAutofit/>
           </a:bodyPr>
+          <a:lstStyle/>
           <a:p>
             <a:pPr lvl="0" algn="ctr"/>
             <a:endParaRPr lang="zh-CN" altLang="en-US" sz="1000">
@@ -14688,6 +14290,7 @@
           <a:bodyPr vertOverflow="overflow" horzOverflow="overflow" vert="horz" wrap="square" numCol="1" spcCol="0" rtlCol="0" fromWordArt="0" anchor="ctr" anchorCtr="0" forceAA="0" compatLnSpc="1">
             <a:noAutofit/>
           </a:bodyPr>
+          <a:lstStyle/>
           <a:p>
             <a:pPr lvl="0" algn="ctr"/>
             <a:r>
@@ -14697,10 +14300,6 @@
               </a:rPr>
               <a:t>语言设置</a:t>
             </a:r>
-            <a:endParaRPr lang="zh-CN" altLang="en-US" sz="1000">
-              <a:ea typeface="微软雅黑" panose="020B0503020204020204" charset="-122"/>
-              <a:sym typeface="+mn-ea"/>
-            </a:endParaRPr>
           </a:p>
         </p:txBody>
       </p:sp>
@@ -14743,6 +14342,7 @@
           <a:bodyPr vertOverflow="overflow" horzOverflow="overflow" vert="horz" wrap="square" numCol="1" spcCol="0" rtlCol="0" fromWordArt="0" anchor="ctr" anchorCtr="0" forceAA="0" compatLnSpc="1">
             <a:noAutofit/>
           </a:bodyPr>
+          <a:lstStyle/>
           <a:p>
             <a:pPr lvl="0" algn="ctr"/>
             <a:r>
@@ -14752,10 +14352,6 @@
               </a:rPr>
               <a:t>时间设置</a:t>
             </a:r>
-            <a:endParaRPr lang="zh-CN" altLang="en-US" sz="1000">
-              <a:ea typeface="微软雅黑" panose="020B0503020204020204" charset="-122"/>
-              <a:sym typeface="+mn-ea"/>
-            </a:endParaRPr>
           </a:p>
         </p:txBody>
       </p:sp>
@@ -14795,6 +14391,7 @@
           <a:bodyPr vertOverflow="overflow" horzOverflow="overflow" vert="horz" wrap="square" numCol="1" spcCol="0" rtlCol="0" fromWordArt="0" anchor="ctr" anchorCtr="0" forceAA="0" compatLnSpc="1">
             <a:noAutofit/>
           </a:bodyPr>
+          <a:lstStyle/>
           <a:p>
             <a:pPr lvl="0" algn="ctr"/>
             <a:endParaRPr lang="zh-CN" altLang="en-US" sz="1000">
@@ -14824,6 +14421,7 @@
           <a:bodyPr wrap="square" rtlCol="0">
             <a:spAutoFit/>
           </a:bodyPr>
+          <a:lstStyle/>
           <a:p>
             <a:pPr algn="l"/>
             <a:r>
@@ -14836,13 +14434,6 @@
               </a:rPr>
               <a:t>摄像头设置</a:t>
             </a:r>
-            <a:endParaRPr lang="zh-CN" altLang="en-US" sz="1000">
-              <a:solidFill>
-                <a:schemeClr val="bg1"/>
-              </a:solidFill>
-              <a:ea typeface="微软雅黑" panose="020B0503020204020204" charset="-122"/>
-              <a:sym typeface="+mn-ea"/>
-            </a:endParaRPr>
           </a:p>
         </p:txBody>
       </p:sp>
@@ -14866,6 +14457,7 @@
           <a:bodyPr wrap="square" rtlCol="0">
             <a:spAutoFit/>
           </a:bodyPr>
+          <a:lstStyle/>
           <a:p>
             <a:pPr algn="l"/>
             <a:r>
@@ -14878,13 +14470,6 @@
               </a:rPr>
               <a:t>恢复设置</a:t>
             </a:r>
-            <a:endParaRPr lang="zh-CN" altLang="en-US" sz="1000">
-              <a:solidFill>
-                <a:schemeClr val="bg1"/>
-              </a:solidFill>
-              <a:ea typeface="微软雅黑" panose="020B0503020204020204" charset="-122"/>
-              <a:sym typeface="+mn-ea"/>
-            </a:endParaRPr>
           </a:p>
         </p:txBody>
       </p:sp>
@@ -14905,7 +14490,14 @@
         <p:cNvGrpSpPr/>
         <p:nvPr/>
       </p:nvGrpSpPr>
-      <p:grpSpPr/>
+      <p:grpSpPr>
+        <a:xfrm>
+          <a:off x="0" y="0"/>
+          <a:ext cx="0" cy="0"/>
+          <a:chOff x="0" y="0"/>
+          <a:chExt cx="0" cy="0"/>
+        </a:xfrm>
+      </p:grpSpPr>
       <p:sp>
         <p:nvSpPr>
           <p:cNvPr id="33" name="矩形 32"/>
@@ -14967,6 +14559,7 @@
         </p:style>
         <p:txBody>
           <a:bodyPr rtlCol="0" anchor="ctr"/>
+          <a:lstStyle/>
           <a:p>
             <a:pPr algn="ctr"/>
             <a:endParaRPr lang="zh-CN" altLang="en-US">
@@ -15011,6 +14604,7 @@
         </p:style>
         <p:txBody>
           <a:bodyPr rtlCol="0" anchor="ctr"/>
+          <a:lstStyle/>
           <a:p>
             <a:pPr algn="ctr"/>
             <a:endParaRPr lang="zh-CN" altLang="en-US"/>
@@ -15055,6 +14649,7 @@
           <a:bodyPr vertOverflow="overflow" horzOverflow="overflow" vert="horz" wrap="square" numCol="1" spcCol="0" rtlCol="0" fromWordArt="0" anchor="ctr" anchorCtr="0" forceAA="0" compatLnSpc="1">
             <a:noAutofit/>
           </a:bodyPr>
+          <a:lstStyle/>
           <a:p>
             <a:pPr lvl="0" algn="ctr"/>
             <a:endParaRPr lang="zh-CN" altLang="en-US">
@@ -15084,6 +14679,7 @@
           <a:bodyPr wrap="none" rtlCol="0">
             <a:noAutofit/>
           </a:bodyPr>
+          <a:lstStyle/>
           <a:p>
             <a:r>
               <a:rPr lang="zh-CN" altLang="en-US" sz="1400" b="1">
@@ -15094,12 +14690,6 @@
               </a:rPr>
               <a:t>关  机</a:t>
             </a:r>
-            <a:endParaRPr lang="zh-CN" altLang="en-US" sz="1400" b="1">
-              <a:solidFill>
-                <a:schemeClr val="bg1"/>
-              </a:solidFill>
-              <a:ea typeface="微软雅黑" panose="020B0503020204020204" charset="-122"/>
-            </a:endParaRPr>
           </a:p>
         </p:txBody>
       </p:sp>
@@ -15141,6 +14731,7 @@
           <a:bodyPr vertOverflow="overflow" horzOverflow="overflow" vert="horz" wrap="square" numCol="1" spcCol="0" rtlCol="0" fromWordArt="0" anchor="ctr" anchorCtr="0" forceAA="0" compatLnSpc="1">
             <a:noAutofit/>
           </a:bodyPr>
+          <a:lstStyle/>
           <a:p>
             <a:pPr lvl="0" algn="ctr"/>
             <a:endParaRPr lang="zh-CN" altLang="en-US">
@@ -15170,6 +14761,7 @@
           <a:bodyPr wrap="none" rtlCol="0">
             <a:noAutofit/>
           </a:bodyPr>
+          <a:lstStyle/>
           <a:p>
             <a:r>
               <a:rPr lang="zh-CN" altLang="en-US" sz="1400" b="1">
@@ -15180,12 +14772,6 @@
               </a:rPr>
               <a:t>录   像</a:t>
             </a:r>
-            <a:endParaRPr lang="zh-CN" altLang="en-US" sz="1400" b="1">
-              <a:solidFill>
-                <a:schemeClr val="bg1"/>
-              </a:solidFill>
-              <a:ea typeface="微软雅黑" panose="020B0503020204020204" charset="-122"/>
-            </a:endParaRPr>
           </a:p>
         </p:txBody>
       </p:sp>
@@ -15227,6 +14813,7 @@
           <a:bodyPr vertOverflow="overflow" horzOverflow="overflow" vert="horz" wrap="square" numCol="1" spcCol="0" rtlCol="0" fromWordArt="0" anchor="ctr" anchorCtr="0" forceAA="0" compatLnSpc="1">
             <a:noAutofit/>
           </a:bodyPr>
+          <a:lstStyle/>
           <a:p>
             <a:pPr lvl="0" algn="ctr"/>
             <a:endParaRPr lang="zh-CN" altLang="en-US">
@@ -15256,6 +14843,7 @@
           <a:bodyPr wrap="none" rtlCol="0">
             <a:noAutofit/>
           </a:bodyPr>
+          <a:lstStyle/>
           <a:p>
             <a:r>
               <a:rPr lang="zh-CN" altLang="en-US" sz="1400" b="1">
@@ -15266,12 +14854,6 @@
               </a:rPr>
               <a:t>拍   照</a:t>
             </a:r>
-            <a:endParaRPr lang="zh-CN" altLang="en-US" sz="1400" b="1">
-              <a:solidFill>
-                <a:schemeClr val="bg1"/>
-              </a:solidFill>
-              <a:ea typeface="微软雅黑" panose="020B0503020204020204" charset="-122"/>
-            </a:endParaRPr>
           </a:p>
         </p:txBody>
       </p:sp>
@@ -15313,6 +14895,7 @@
           <a:bodyPr vertOverflow="overflow" horzOverflow="overflow" vert="horz" wrap="square" numCol="1" spcCol="0" rtlCol="0" fromWordArt="0" anchor="ctr" anchorCtr="0" forceAA="0" compatLnSpc="1">
             <a:noAutofit/>
           </a:bodyPr>
+          <a:lstStyle/>
           <a:p>
             <a:pPr lvl="0" algn="ctr"/>
             <a:endParaRPr lang="zh-CN" altLang="en-US">
@@ -15342,6 +14925,7 @@
           <a:bodyPr wrap="none" rtlCol="0">
             <a:noAutofit/>
           </a:bodyPr>
+          <a:lstStyle/>
           <a:p>
             <a:r>
               <a:rPr lang="zh-CN" altLang="en-US" sz="1400" b="1">
@@ -15352,12 +14936,6 @@
               </a:rPr>
               <a:t>文件管理</a:t>
             </a:r>
-            <a:endParaRPr lang="zh-CN" altLang="en-US" sz="1400" b="1">
-              <a:solidFill>
-                <a:schemeClr val="bg1"/>
-              </a:solidFill>
-              <a:ea typeface="微软雅黑" panose="020B0503020204020204" charset="-122"/>
-            </a:endParaRPr>
           </a:p>
         </p:txBody>
       </p:sp>
@@ -15399,6 +14977,7 @@
           <a:bodyPr vertOverflow="overflow" horzOverflow="overflow" vert="horz" wrap="square" numCol="1" spcCol="0" rtlCol="0" fromWordArt="0" anchor="ctr" anchorCtr="0" forceAA="0" compatLnSpc="1">
             <a:noAutofit/>
           </a:bodyPr>
+          <a:lstStyle/>
           <a:p>
             <a:pPr lvl="0" algn="ctr"/>
             <a:endParaRPr lang="zh-CN" altLang="en-US">
@@ -15428,6 +15007,7 @@
           <a:bodyPr wrap="none" rtlCol="0">
             <a:noAutofit/>
           </a:bodyPr>
+          <a:lstStyle/>
           <a:p>
             <a:r>
               <a:rPr lang="zh-CN" altLang="en-US" sz="1400" b="1">
@@ -15438,12 +15018,6 @@
               </a:rPr>
               <a:t>设   置</a:t>
             </a:r>
-            <a:endParaRPr lang="zh-CN" altLang="en-US" sz="1400" b="1">
-              <a:solidFill>
-                <a:schemeClr val="bg1"/>
-              </a:solidFill>
-              <a:ea typeface="微软雅黑" panose="020B0503020204020204" charset="-122"/>
-            </a:endParaRPr>
           </a:p>
         </p:txBody>
       </p:sp>
@@ -15488,6 +15062,7 @@
           <a:bodyPr vertOverflow="overflow" horzOverflow="overflow" vert="horz" wrap="square" numCol="1" spcCol="0" rtlCol="0" fromWordArt="0" anchor="ctr" anchorCtr="0" forceAA="0" compatLnSpc="1">
             <a:noAutofit/>
           </a:bodyPr>
+          <a:lstStyle/>
           <a:p>
             <a:pPr lvl="0" algn="ctr"/>
             <a:endParaRPr lang="zh-CN" altLang="en-US">
@@ -15517,6 +15092,7 @@
           <a:bodyPr wrap="none" rtlCol="0">
             <a:noAutofit/>
           </a:bodyPr>
+          <a:lstStyle/>
           <a:p>
             <a:r>
               <a:rPr lang="zh-CN" altLang="en-US" sz="1400" b="1">
@@ -15527,12 +15103,6 @@
               </a:rPr>
               <a:t>系统信息</a:t>
             </a:r>
-            <a:endParaRPr lang="zh-CN" altLang="en-US" sz="1400" b="1">
-              <a:solidFill>
-                <a:schemeClr val="bg1"/>
-              </a:solidFill>
-              <a:ea typeface="微软雅黑" panose="020B0503020204020204" charset="-122"/>
-            </a:endParaRPr>
           </a:p>
         </p:txBody>
       </p:sp>
@@ -15574,6 +15144,7 @@
           <a:bodyPr vertOverflow="overflow" horzOverflow="overflow" vert="horz" wrap="square" numCol="1" spcCol="0" rtlCol="0" fromWordArt="0" anchor="ctr" anchorCtr="0" forceAA="0" compatLnSpc="1">
             <a:noAutofit/>
           </a:bodyPr>
+          <a:lstStyle/>
           <a:p>
             <a:pPr lvl="0" algn="ctr"/>
             <a:endParaRPr lang="zh-CN" altLang="en-US">
@@ -15603,6 +15174,7 @@
           <a:bodyPr wrap="none" rtlCol="0">
             <a:noAutofit/>
           </a:bodyPr>
+          <a:lstStyle/>
           <a:p>
             <a:r>
               <a:rPr lang="zh-CN" altLang="en-US" sz="1400" b="1">
@@ -15613,12 +15185,6 @@
               </a:rPr>
               <a:t>亮   度</a:t>
             </a:r>
-            <a:endParaRPr lang="zh-CN" altLang="en-US" sz="1400" b="1">
-              <a:solidFill>
-                <a:schemeClr val="bg1"/>
-              </a:solidFill>
-              <a:ea typeface="微软雅黑" panose="020B0503020204020204" charset="-122"/>
-            </a:endParaRPr>
           </a:p>
         </p:txBody>
       </p:sp>
@@ -15661,8 +15227,9 @@
         </p:style>
         <p:txBody>
           <a:bodyPr rtlCol="0" anchor="ctr">
-            <a:normAutofit fontScale="80000"/>
+            <a:normAutofit fontScale="87500" lnSpcReduction="20000"/>
           </a:bodyPr>
+          <a:lstStyle/>
           <a:p>
             <a:pPr algn="ctr"/>
             <a:r>
@@ -15681,9 +15248,6 @@
               </a:rPr>
               <a:t>盘</a:t>
             </a:r>
-            <a:endParaRPr lang="zh-CN" altLang="en-US" sz="1200" b="1">
-              <a:ea typeface="微软雅黑" panose="020B0503020204020204" charset="-122"/>
-            </a:endParaRPr>
           </a:p>
         </p:txBody>
       </p:sp>
@@ -15707,6 +15271,7 @@
           <a:bodyPr wrap="square" rtlCol="0">
             <a:spAutoFit/>
           </a:bodyPr>
+          <a:lstStyle/>
           <a:p>
             <a:r>
               <a:rPr lang="zh-CN" altLang="en-US">
@@ -15717,12 +15282,6 @@
               </a:rPr>
               <a:t>视频实时预览</a:t>
             </a:r>
-            <a:endParaRPr lang="zh-CN" altLang="en-US">
-              <a:solidFill>
-                <a:schemeClr val="bg1"/>
-              </a:solidFill>
-              <a:ea typeface="微软雅黑" panose="020B0503020204020204" charset="-122"/>
-            </a:endParaRPr>
           </a:p>
         </p:txBody>
       </p:sp>
@@ -15746,6 +15305,7 @@
           <a:bodyPr wrap="square" rtlCol="0">
             <a:spAutoFit/>
           </a:bodyPr>
+          <a:lstStyle/>
           <a:p>
             <a:r>
               <a:rPr lang="zh-CN" altLang="en-US">
@@ -15753,9 +15313,6 @@
               </a:rPr>
               <a:t>设置界面</a:t>
             </a:r>
-            <a:endParaRPr lang="zh-CN" altLang="en-US">
-              <a:ea typeface="微软雅黑" panose="020B0503020204020204" charset="-122"/>
-            </a:endParaRPr>
           </a:p>
         </p:txBody>
       </p:sp>
@@ -15800,6 +15357,7 @@
         </p:style>
         <p:txBody>
           <a:bodyPr rtlCol="0" anchor="ctr"/>
+          <a:lstStyle/>
           <a:p>
             <a:pPr algn="ctr"/>
             <a:endParaRPr lang="zh-CN" altLang="en-US"/>
@@ -15848,6 +15406,7 @@
         </p:style>
         <p:txBody>
           <a:bodyPr rtlCol="0" anchor="ctr"/>
+          <a:lstStyle/>
           <a:p>
             <a:pPr algn="ctr"/>
             <a:endParaRPr lang="zh-CN" altLang="en-US" sz="1200">
@@ -15876,6 +15435,7 @@
           <a:bodyPr wrap="square" rtlCol="0">
             <a:spAutoFit/>
           </a:bodyPr>
+          <a:lstStyle/>
           <a:p>
             <a:pPr algn="l"/>
             <a:r>
@@ -15898,13 +15458,6 @@
               </a:rPr>
               <a:t>0215487878</a:t>
             </a:r>
-            <a:endParaRPr lang="en-US" altLang="zh-CN" sz="1200" b="1">
-              <a:solidFill>
-                <a:srgbClr val="FFC000"/>
-              </a:solidFill>
-              <a:ea typeface="微软雅黑" panose="020B0503020204020204" charset="-122"/>
-              <a:sym typeface="+mn-ea"/>
-            </a:endParaRPr>
           </a:p>
           <a:p>
             <a:pPr algn="l"/>
@@ -15938,13 +15491,6 @@
               </a:rPr>
               <a:t>47526265</a:t>
             </a:r>
-            <a:endParaRPr lang="en-US" altLang="zh-CN" sz="1200" b="1">
-              <a:solidFill>
-                <a:srgbClr val="FFC000"/>
-              </a:solidFill>
-              <a:ea typeface="微软雅黑" panose="020B0503020204020204" charset="-122"/>
-              <a:sym typeface="+mn-ea"/>
-            </a:endParaRPr>
           </a:p>
         </p:txBody>
       </p:sp>
@@ -15965,7 +15511,14 @@
         <p:cNvGrpSpPr/>
         <p:nvPr/>
       </p:nvGrpSpPr>
-      <p:grpSpPr/>
+      <p:grpSpPr>
+        <a:xfrm>
+          <a:off x="0" y="0"/>
+          <a:ext cx="0" cy="0"/>
+          <a:chOff x="0" y="0"/>
+          <a:chExt cx="0" cy="0"/>
+        </a:xfrm>
+      </p:grpSpPr>
       <p:sp>
         <p:nvSpPr>
           <p:cNvPr id="2" name="文本框 1"/>
@@ -15986,6 +15539,7 @@
           <a:bodyPr wrap="none" rtlCol="0">
             <a:spAutoFit/>
           </a:bodyPr>
+          <a:lstStyle/>
           <a:p>
             <a:pPr algn="l"/>
             <a:r>
@@ -15994,9 +15548,6 @@
               </a:rPr>
               <a:t>文件管理器</a:t>
             </a:r>
-            <a:endParaRPr lang="zh-CN" altLang="en-US" sz="8000">
-              <a:ea typeface="微软雅黑" panose="020B0503020204020204" charset="-122"/>
-            </a:endParaRPr>
           </a:p>
           <a:p>
             <a:pPr algn="l"/>
@@ -16006,9 +15557,6 @@
               </a:rPr>
               <a:t>File manager</a:t>
             </a:r>
-            <a:endParaRPr lang="zh-CN" altLang="en-US" sz="8000">
-              <a:ea typeface="微软雅黑" panose="020B0503020204020204" charset="-122"/>
-            </a:endParaRPr>
           </a:p>
         </p:txBody>
       </p:sp>
@@ -16053,6 +15601,7 @@
         </p:style>
         <p:txBody>
           <a:bodyPr rtlCol="0" anchor="ctr"/>
+          <a:lstStyle/>
           <a:p>
             <a:pPr algn="ctr"/>
             <a:endParaRPr lang="zh-CN" altLang="en-US"/>
@@ -16113,7 +15662,14 @@
         <p:cNvGrpSpPr/>
         <p:nvPr/>
       </p:nvGrpSpPr>
-      <p:grpSpPr/>
+      <p:grpSpPr>
+        <a:xfrm>
+          <a:off x="0" y="0"/>
+          <a:ext cx="0" cy="0"/>
+          <a:chOff x="0" y="0"/>
+          <a:chExt cx="0" cy="0"/>
+        </a:xfrm>
+      </p:grpSpPr>
       <p:sp>
         <p:nvSpPr>
           <p:cNvPr id="87" name="矩形 86"/>
@@ -16175,6 +15731,7 @@
         </p:style>
         <p:txBody>
           <a:bodyPr rtlCol="0" anchor="ctr"/>
+          <a:lstStyle/>
           <a:p>
             <a:pPr algn="ctr"/>
             <a:endParaRPr lang="zh-CN" altLang="en-US">
@@ -16219,6 +15776,7 @@
         </p:style>
         <p:txBody>
           <a:bodyPr rtlCol="0" anchor="ctr"/>
+          <a:lstStyle/>
           <a:p>
             <a:pPr algn="ctr"/>
             <a:endParaRPr lang="zh-CN" altLang="en-US"/>
@@ -16267,6 +15825,7 @@
         </p:style>
         <p:txBody>
           <a:bodyPr rtlCol="0" anchor="ctr"/>
+          <a:lstStyle/>
           <a:p>
             <a:pPr algn="ctr"/>
             <a:endParaRPr lang="zh-CN" altLang="en-US">
@@ -16295,6 +15854,7 @@
           <a:bodyPr wrap="square" rtlCol="0">
             <a:spAutoFit/>
           </a:bodyPr>
+          <a:lstStyle/>
           <a:p>
             <a:r>
               <a:rPr lang="zh-CN" altLang="en-US">
@@ -16302,9 +15862,6 @@
               </a:rPr>
               <a:t>文件管理</a:t>
             </a:r>
-            <a:endParaRPr lang="zh-CN" altLang="en-US">
-              <a:ea typeface="微软雅黑" panose="020B0503020204020204" charset="-122"/>
-            </a:endParaRPr>
           </a:p>
         </p:txBody>
       </p:sp>
@@ -16328,6 +15885,7 @@
           <a:bodyPr wrap="square" rtlCol="0">
             <a:spAutoFit/>
           </a:bodyPr>
+          <a:lstStyle/>
           <a:p>
             <a:pPr>
               <a:lnSpc>
@@ -16350,9 +15908,6 @@
               </a:rPr>
               <a:t>、返回：返回上层预览界面</a:t>
             </a:r>
-            <a:endParaRPr lang="zh-CN" altLang="en-US" sz="1600">
-              <a:ea typeface="微软雅黑" panose="020B0503020204020204" charset="-122"/>
-            </a:endParaRPr>
           </a:p>
           <a:p>
             <a:pPr>
@@ -16386,9 +15941,6 @@
               </a:rPr>
               <a:t>盘等操作。</a:t>
             </a:r>
-            <a:endParaRPr lang="zh-CN" altLang="en-US" sz="1600">
-              <a:ea typeface="微软雅黑" panose="020B0503020204020204" charset="-122"/>
-            </a:endParaRPr>
           </a:p>
           <a:p>
             <a:pPr>
@@ -16412,9 +15964,6 @@
               </a:rPr>
               <a:t>、筛选器：可以选择性的查看当前只显示图片文件或视频文件或全部</a:t>
             </a:r>
-            <a:endParaRPr lang="zh-CN" altLang="en-US" sz="1600">
-              <a:ea typeface="微软雅黑" panose="020B0503020204020204" charset="-122"/>
-            </a:endParaRPr>
           </a:p>
           <a:p>
             <a:pPr>
@@ -16438,9 +15987,6 @@
               </a:rPr>
               <a:t>、向上、向下：翻页操作。文件以日期时间排序，最新的放在顶端。</a:t>
             </a:r>
-            <a:endParaRPr lang="zh-CN" altLang="en-US" sz="1600">
-              <a:ea typeface="微软雅黑" panose="020B0503020204020204" charset="-122"/>
-            </a:endParaRPr>
           </a:p>
           <a:p>
             <a:pPr>
@@ -16464,9 +16010,6 @@
               </a:rPr>
               <a:t>、右侧滑动应该是可以进行滑动操作的</a:t>
             </a:r>
-            <a:endParaRPr lang="zh-CN" altLang="en-US" sz="1600">
-              <a:ea typeface="微软雅黑" panose="020B0503020204020204" charset="-122"/>
-            </a:endParaRPr>
           </a:p>
           <a:p>
             <a:pPr>
@@ -16500,9 +16043,6 @@
               </a:rPr>
               <a:t>盘操作时间较长时应该有进度条。</a:t>
             </a:r>
-            <a:endParaRPr lang="zh-CN" altLang="en-US" sz="1600">
-              <a:ea typeface="微软雅黑" panose="020B0503020204020204" charset="-122"/>
-            </a:endParaRPr>
           </a:p>
           <a:p>
             <a:pPr>
@@ -16565,6 +16105,7 @@
         </p:style>
         <p:txBody>
           <a:bodyPr rtlCol="0" anchor="ctr"/>
+          <a:lstStyle/>
           <a:p>
             <a:pPr algn="ctr"/>
             <a:endParaRPr lang="zh-CN" altLang="en-US">
@@ -16612,6 +16153,7 @@
         </p:style>
         <p:txBody>
           <a:bodyPr rtlCol="0" anchor="ctr"/>
+          <a:lstStyle/>
           <a:p>
             <a:pPr algn="ctr"/>
             <a:endParaRPr lang="zh-CN" altLang="en-US">
@@ -16661,6 +16203,7 @@
         </p:style>
         <p:txBody>
           <a:bodyPr rtlCol="0" anchor="ctr"/>
+          <a:lstStyle/>
           <a:p>
             <a:pPr algn="ctr"/>
             <a:endParaRPr lang="zh-CN" altLang="en-US"/>
@@ -16709,6 +16252,7 @@
         </p:style>
         <p:txBody>
           <a:bodyPr rtlCol="0" anchor="ctr"/>
+          <a:lstStyle/>
           <a:p>
             <a:pPr algn="ctr"/>
             <a:r>
@@ -16720,12 +16264,6 @@
               </a:rPr>
               <a:t>缩略图</a:t>
             </a:r>
-            <a:endParaRPr lang="zh-CN" altLang="en-US" sz="1400">
-              <a:solidFill>
-                <a:schemeClr val="bg1"/>
-              </a:solidFill>
-              <a:ea typeface="微软雅黑" panose="020B0503020204020204" charset="-122"/>
-            </a:endParaRPr>
           </a:p>
         </p:txBody>
       </p:sp>
@@ -16771,6 +16309,7 @@
         </p:style>
         <p:txBody>
           <a:bodyPr rtlCol="0" anchor="ctr"/>
+          <a:lstStyle/>
           <a:p>
             <a:pPr algn="ctr"/>
             <a:endParaRPr lang="zh-CN" altLang="en-US">
@@ -16821,6 +16360,7 @@
         </p:style>
         <p:txBody>
           <a:bodyPr rtlCol="0" anchor="ctr"/>
+          <a:lstStyle/>
           <a:p>
             <a:pPr algn="ctr"/>
             <a:endParaRPr lang="zh-CN" altLang="en-US">
@@ -16871,6 +16411,7 @@
         </p:style>
         <p:txBody>
           <a:bodyPr rtlCol="0" anchor="ctr"/>
+          <a:lstStyle/>
           <a:p>
             <a:pPr algn="ctr"/>
             <a:endParaRPr lang="zh-CN" altLang="en-US">
@@ -16921,6 +16462,7 @@
         </p:style>
         <p:txBody>
           <a:bodyPr rtlCol="0" anchor="ctr"/>
+          <a:lstStyle/>
           <a:p>
             <a:pPr algn="ctr"/>
             <a:endParaRPr lang="zh-CN" altLang="en-US">
@@ -16971,6 +16513,7 @@
         </p:style>
         <p:txBody>
           <a:bodyPr rtlCol="0" anchor="ctr"/>
+          <a:lstStyle/>
           <a:p>
             <a:pPr algn="ctr"/>
             <a:endParaRPr lang="zh-CN" altLang="en-US">
@@ -17021,6 +16564,7 @@
         </p:style>
         <p:txBody>
           <a:bodyPr rtlCol="0" anchor="ctr"/>
+          <a:lstStyle/>
           <a:p>
             <a:pPr algn="ctr"/>
             <a:endParaRPr lang="zh-CN" altLang="en-US">
@@ -17071,6 +16615,7 @@
         </p:style>
         <p:txBody>
           <a:bodyPr rtlCol="0" anchor="ctr"/>
+          <a:lstStyle/>
           <a:p>
             <a:pPr algn="ctr"/>
             <a:endParaRPr lang="zh-CN" altLang="en-US">
@@ -17121,6 +16666,7 @@
         </p:style>
         <p:txBody>
           <a:bodyPr rtlCol="0" anchor="ctr"/>
+          <a:lstStyle/>
           <a:p>
             <a:pPr algn="ctr"/>
             <a:endParaRPr lang="zh-CN" altLang="en-US">
@@ -17171,6 +16717,7 @@
         </p:style>
         <p:txBody>
           <a:bodyPr rtlCol="0" anchor="ctr"/>
+          <a:lstStyle/>
           <a:p>
             <a:pPr algn="ctr"/>
             <a:endParaRPr lang="zh-CN" altLang="en-US">
@@ -17221,6 +16768,7 @@
         </p:style>
         <p:txBody>
           <a:bodyPr rtlCol="0" anchor="ctr"/>
+          <a:lstStyle/>
           <a:p>
             <a:pPr algn="ctr"/>
             <a:endParaRPr lang="zh-CN" altLang="en-US">
@@ -17252,6 +16800,7 @@
           <a:bodyPr wrap="square" rtlCol="0">
             <a:spAutoFit/>
           </a:bodyPr>
+          <a:lstStyle/>
           <a:p>
             <a:r>
               <a:rPr lang="en-US" altLang="zh-CN" sz="1200">
@@ -17261,11 +16810,6 @@
               </a:rPr>
               <a:t>20170601-130050</a:t>
             </a:r>
-            <a:endParaRPr lang="en-US" altLang="zh-CN" sz="1200">
-              <a:solidFill>
-                <a:schemeClr val="bg1"/>
-              </a:solidFill>
-            </a:endParaRPr>
           </a:p>
         </p:txBody>
       </p:sp>
@@ -17302,6 +16846,7 @@
         </p:style>
         <p:txBody>
           <a:bodyPr rtlCol="0" anchor="ctr"/>
+          <a:lstStyle/>
           <a:p>
             <a:pPr algn="ctr"/>
             <a:endParaRPr lang="zh-CN" altLang="en-US">
@@ -17343,6 +16888,7 @@
         </p:style>
         <p:txBody>
           <a:bodyPr rtlCol="0" anchor="ctr"/>
+          <a:lstStyle/>
           <a:p>
             <a:pPr algn="ctr"/>
             <a:endParaRPr lang="zh-CN" altLang="en-US">
@@ -17403,6 +16949,7 @@
             <a:bodyPr vertOverflow="overflow" horzOverflow="overflow" vert="horz" wrap="square" numCol="1" spcCol="0" rtlCol="0" fromWordArt="0" anchor="ctr" anchorCtr="0" forceAA="0" compatLnSpc="1">
               <a:noAutofit/>
             </a:bodyPr>
+            <a:lstStyle/>
             <a:p>
               <a:pPr lvl="0" algn="ctr"/>
               <a:endParaRPr lang="zh-CN" altLang="en-US" sz="1200">
@@ -17432,6 +16979,7 @@
             <a:bodyPr wrap="none" rtlCol="0">
               <a:noAutofit/>
             </a:bodyPr>
+            <a:lstStyle/>
             <a:p>
               <a:r>
                 <a:rPr lang="zh-CN" altLang="en-US" sz="1200" b="1">
@@ -17442,12 +16990,6 @@
                 </a:rPr>
                 <a:t>返   回</a:t>
               </a:r>
-              <a:endParaRPr lang="zh-CN" altLang="en-US" sz="1200" b="1">
-                <a:solidFill>
-                  <a:schemeClr val="bg1"/>
-                </a:solidFill>
-                <a:ea typeface="微软雅黑" panose="020B0503020204020204" charset="-122"/>
-              </a:endParaRPr>
             </a:p>
           </p:txBody>
         </p:sp>
@@ -17489,6 +17031,7 @@
             <a:bodyPr vertOverflow="overflow" horzOverflow="overflow" vert="horz" wrap="square" numCol="1" spcCol="0" rtlCol="0" fromWordArt="0" anchor="ctr" anchorCtr="0" forceAA="0" compatLnSpc="1">
               <a:noAutofit/>
             </a:bodyPr>
+            <a:lstStyle/>
             <a:p>
               <a:pPr lvl="0" algn="ctr"/>
               <a:endParaRPr lang="zh-CN" altLang="en-US" sz="1200">
@@ -17518,6 +17061,7 @@
             <a:bodyPr wrap="none" rtlCol="0">
               <a:noAutofit/>
             </a:bodyPr>
+            <a:lstStyle/>
             <a:p>
               <a:r>
                 <a:rPr lang="zh-CN" altLang="en-US" sz="1200" b="1">
@@ -17528,12 +17072,6 @@
                 </a:rPr>
                 <a:t>编   辑</a:t>
               </a:r>
-              <a:endParaRPr lang="zh-CN" altLang="en-US" sz="1200" b="1">
-                <a:solidFill>
-                  <a:schemeClr val="bg1"/>
-                </a:solidFill>
-                <a:ea typeface="微软雅黑" panose="020B0503020204020204" charset="-122"/>
-              </a:endParaRPr>
             </a:p>
           </p:txBody>
         </p:sp>
@@ -17575,6 +17113,7 @@
             <a:bodyPr vertOverflow="overflow" horzOverflow="overflow" vert="horz" wrap="square" numCol="1" spcCol="0" rtlCol="0" fromWordArt="0" anchor="ctr" anchorCtr="0" forceAA="0" compatLnSpc="1">
               <a:noAutofit/>
             </a:bodyPr>
+            <a:lstStyle/>
             <a:p>
               <a:pPr lvl="0" algn="ctr"/>
               <a:endParaRPr lang="zh-CN" altLang="en-US" sz="1200">
@@ -17604,6 +17143,7 @@
             <a:bodyPr wrap="none" rtlCol="0">
               <a:noAutofit/>
             </a:bodyPr>
+            <a:lstStyle/>
             <a:p>
               <a:r>
                 <a:rPr lang="zh-CN" altLang="en-US" sz="1200" b="1">
@@ -17614,12 +17154,6 @@
                 </a:rPr>
                 <a:t>筛选器</a:t>
               </a:r>
-              <a:endParaRPr lang="zh-CN" altLang="en-US" sz="1200" b="1">
-                <a:solidFill>
-                  <a:schemeClr val="bg1"/>
-                </a:solidFill>
-                <a:ea typeface="微软雅黑" panose="020B0503020204020204" charset="-122"/>
-              </a:endParaRPr>
             </a:p>
           </p:txBody>
         </p:sp>
@@ -17661,6 +17195,7 @@
             <a:bodyPr vertOverflow="overflow" horzOverflow="overflow" vert="horz" wrap="square" numCol="1" spcCol="0" rtlCol="0" fromWordArt="0" anchor="ctr" anchorCtr="0" forceAA="0" compatLnSpc="1">
               <a:noAutofit/>
             </a:bodyPr>
+            <a:lstStyle/>
             <a:p>
               <a:pPr lvl="0" algn="ctr"/>
               <a:endParaRPr lang="zh-CN" altLang="en-US" sz="1200">
@@ -17690,6 +17225,7 @@
             <a:bodyPr wrap="none" rtlCol="0">
               <a:noAutofit/>
             </a:bodyPr>
+            <a:lstStyle/>
             <a:p>
               <a:r>
                 <a:rPr lang="zh-CN" altLang="en-US" sz="1200" b="1">
@@ -17700,12 +17236,6 @@
                 </a:rPr>
                 <a:t>向上翻页</a:t>
               </a:r>
-              <a:endParaRPr lang="zh-CN" altLang="en-US" sz="1200" b="1">
-                <a:solidFill>
-                  <a:schemeClr val="bg1"/>
-                </a:solidFill>
-                <a:ea typeface="微软雅黑" panose="020B0503020204020204" charset="-122"/>
-              </a:endParaRPr>
             </a:p>
           </p:txBody>
         </p:sp>
@@ -17747,6 +17277,7 @@
             <a:bodyPr vertOverflow="overflow" horzOverflow="overflow" vert="horz" wrap="square" numCol="1" spcCol="0" rtlCol="0" fromWordArt="0" anchor="ctr" anchorCtr="0" forceAA="0" compatLnSpc="1">
               <a:noAutofit/>
             </a:bodyPr>
+            <a:lstStyle/>
             <a:p>
               <a:pPr lvl="0" algn="ctr"/>
               <a:endParaRPr lang="zh-CN" altLang="en-US" sz="1200">
@@ -17776,6 +17307,7 @@
             <a:bodyPr wrap="none" rtlCol="0">
               <a:noAutofit/>
             </a:bodyPr>
+            <a:lstStyle/>
             <a:p>
               <a:r>
                 <a:rPr lang="zh-CN" altLang="en-US" sz="1200" b="1">
@@ -17786,12 +17318,6 @@
                 </a:rPr>
                 <a:t>向下翻页</a:t>
               </a:r>
-              <a:endParaRPr lang="zh-CN" altLang="en-US" sz="1200" b="1">
-                <a:solidFill>
-                  <a:schemeClr val="bg1"/>
-                </a:solidFill>
-                <a:ea typeface="微软雅黑" panose="020B0503020204020204" charset="-122"/>
-              </a:endParaRPr>
             </a:p>
           </p:txBody>
         </p:sp>
@@ -17833,6 +17359,7 @@
             <a:bodyPr vertOverflow="overflow" horzOverflow="overflow" vert="horz" wrap="square" numCol="1" spcCol="0" rtlCol="0" fromWordArt="0" anchor="ctr" anchorCtr="0" forceAA="0" compatLnSpc="1">
               <a:noAutofit/>
             </a:bodyPr>
+            <a:lstStyle/>
             <a:p>
               <a:pPr lvl="0" algn="ctr"/>
               <a:endParaRPr lang="zh-CN" altLang="en-US" sz="1200">
@@ -17862,6 +17389,7 @@
             <a:bodyPr wrap="none" rtlCol="0">
               <a:noAutofit/>
             </a:bodyPr>
+            <a:lstStyle/>
             <a:p>
               <a:r>
                 <a:rPr lang="zh-CN" altLang="en-US" sz="1200" b="1">
@@ -17872,12 +17400,6 @@
                 </a:rPr>
                 <a:t>全   选</a:t>
               </a:r>
-              <a:endParaRPr lang="zh-CN" altLang="en-US" sz="1200" b="1">
-                <a:solidFill>
-                  <a:schemeClr val="bg1"/>
-                </a:solidFill>
-                <a:ea typeface="微软雅黑" panose="020B0503020204020204" charset="-122"/>
-              </a:endParaRPr>
             </a:p>
           </p:txBody>
         </p:sp>
@@ -17919,6 +17441,7 @@
             <a:bodyPr vertOverflow="overflow" horzOverflow="overflow" vert="horz" wrap="square" numCol="1" spcCol="0" rtlCol="0" fromWordArt="0" anchor="ctr" anchorCtr="0" forceAA="0" compatLnSpc="1">
               <a:noAutofit/>
             </a:bodyPr>
+            <a:lstStyle/>
             <a:p>
               <a:pPr lvl="0" algn="ctr"/>
               <a:endParaRPr lang="zh-CN" altLang="en-US" sz="1200">
@@ -17948,6 +17471,7 @@
             <a:bodyPr wrap="none" rtlCol="0">
               <a:noAutofit/>
             </a:bodyPr>
+            <a:lstStyle/>
             <a:p>
               <a:r>
                 <a:rPr lang="zh-CN" altLang="en-US" sz="1200" b="1">
@@ -17958,12 +17482,6 @@
                 </a:rPr>
                 <a:t>删   除</a:t>
               </a:r>
-              <a:endParaRPr lang="zh-CN" altLang="en-US" sz="1200" b="1">
-                <a:solidFill>
-                  <a:schemeClr val="bg1"/>
-                </a:solidFill>
-                <a:ea typeface="微软雅黑" panose="020B0503020204020204" charset="-122"/>
-              </a:endParaRPr>
             </a:p>
           </p:txBody>
         </p:sp>
@@ -18005,6 +17523,7 @@
             <a:bodyPr vertOverflow="overflow" horzOverflow="overflow" vert="horz" wrap="square" numCol="1" spcCol="0" rtlCol="0" fromWordArt="0" anchor="ctr" anchorCtr="0" forceAA="0" compatLnSpc="1">
               <a:noAutofit/>
             </a:bodyPr>
+            <a:lstStyle/>
             <a:p>
               <a:pPr lvl="0" algn="ctr"/>
               <a:endParaRPr lang="zh-CN" altLang="en-US" sz="1200">
@@ -18034,6 +17553,7 @@
             <a:bodyPr wrap="none" rtlCol="0">
               <a:noAutofit/>
             </a:bodyPr>
+            <a:lstStyle/>
             <a:p>
               <a:r>
                 <a:rPr lang="zh-CN" altLang="en-US" sz="1200" b="1">
@@ -18062,12 +17582,6 @@
                 </a:rPr>
                 <a:t>盘</a:t>
               </a:r>
-              <a:endParaRPr lang="zh-CN" altLang="en-US" sz="1200" b="1">
-                <a:solidFill>
-                  <a:schemeClr val="bg1"/>
-                </a:solidFill>
-                <a:ea typeface="微软雅黑" panose="020B0503020204020204" charset="-122"/>
-              </a:endParaRPr>
             </a:p>
           </p:txBody>
         </p:sp>
@@ -18109,6 +17623,7 @@
             <a:bodyPr vertOverflow="overflow" horzOverflow="overflow" vert="horz" wrap="square" numCol="1" spcCol="0" rtlCol="0" fromWordArt="0" anchor="ctr" anchorCtr="0" forceAA="0" compatLnSpc="1">
               <a:noAutofit/>
             </a:bodyPr>
+            <a:lstStyle/>
             <a:p>
               <a:pPr lvl="0" algn="ctr"/>
               <a:endParaRPr lang="zh-CN" altLang="en-US" sz="1200">
@@ -18138,6 +17653,7 @@
             <a:bodyPr wrap="none" rtlCol="0">
               <a:noAutofit/>
             </a:bodyPr>
+            <a:lstStyle/>
             <a:p>
               <a:r>
                 <a:rPr lang="zh-CN" altLang="en-US" sz="1200" b="1">
@@ -18148,12 +17664,6 @@
                 </a:rPr>
                 <a:t>删   除</a:t>
               </a:r>
-              <a:endParaRPr lang="zh-CN" altLang="en-US" sz="1200" b="1">
-                <a:solidFill>
-                  <a:schemeClr val="bg1"/>
-                </a:solidFill>
-                <a:ea typeface="微软雅黑" panose="020B0503020204020204" charset="-122"/>
-              </a:endParaRPr>
             </a:p>
           </p:txBody>
         </p:sp>
@@ -18195,6 +17705,7 @@
             <a:bodyPr vertOverflow="overflow" horzOverflow="overflow" vert="horz" wrap="square" numCol="1" spcCol="0" rtlCol="0" fromWordArt="0" anchor="ctr" anchorCtr="0" forceAA="0" compatLnSpc="1">
               <a:noAutofit/>
             </a:bodyPr>
+            <a:lstStyle/>
             <a:p>
               <a:pPr lvl="0" algn="ctr"/>
               <a:endParaRPr lang="zh-CN" altLang="en-US" sz="1200">
@@ -18224,6 +17735,7 @@
             <a:bodyPr wrap="none" rtlCol="0">
               <a:noAutofit/>
             </a:bodyPr>
+            <a:lstStyle/>
             <a:p>
               <a:r>
                 <a:rPr lang="zh-CN" altLang="en-US" sz="1200" b="1">
@@ -18252,12 +17764,6 @@
                 </a:rPr>
                 <a:t>盘</a:t>
               </a:r>
-              <a:endParaRPr lang="zh-CN" altLang="en-US" sz="1200" b="1">
-                <a:solidFill>
-                  <a:schemeClr val="bg1"/>
-                </a:solidFill>
-                <a:ea typeface="微软雅黑" panose="020B0503020204020204" charset="-122"/>
-              </a:endParaRPr>
             </a:p>
           </p:txBody>
         </p:sp>
@@ -18279,7 +17785,14 @@
         <p:cNvGrpSpPr/>
         <p:nvPr/>
       </p:nvGrpSpPr>
-      <p:grpSpPr/>
+      <p:grpSpPr>
+        <a:xfrm>
+          <a:off x="0" y="0"/>
+          <a:ext cx="0" cy="0"/>
+          <a:chOff x="0" y="0"/>
+          <a:chExt cx="0" cy="0"/>
+        </a:xfrm>
+      </p:grpSpPr>
       <p:sp>
         <p:nvSpPr>
           <p:cNvPr id="87" name="矩形 86"/>
@@ -18341,6 +17854,7 @@
         </p:style>
         <p:txBody>
           <a:bodyPr rtlCol="0" anchor="ctr"/>
+          <a:lstStyle/>
           <a:p>
             <a:pPr algn="ctr"/>
             <a:endParaRPr lang="zh-CN" altLang="en-US">
@@ -18385,6 +17899,7 @@
         </p:style>
         <p:txBody>
           <a:bodyPr rtlCol="0" anchor="ctr"/>
+          <a:lstStyle/>
           <a:p>
             <a:pPr algn="ctr"/>
             <a:endParaRPr lang="zh-CN" altLang="en-US"/>
@@ -18432,6 +17947,7 @@
         </p:style>
         <p:txBody>
           <a:bodyPr rtlCol="0" anchor="ctr"/>
+          <a:lstStyle/>
           <a:p>
             <a:pPr algn="ctr"/>
             <a:endParaRPr lang="zh-CN" altLang="en-US"/>
@@ -18490,6 +18006,7 @@
             <a:bodyPr vertOverflow="overflow" horzOverflow="overflow" vert="horz" wrap="square" numCol="1" spcCol="0" rtlCol="0" fromWordArt="0" anchor="ctr" anchorCtr="0" forceAA="0" compatLnSpc="1">
               <a:noAutofit/>
             </a:bodyPr>
+            <a:lstStyle/>
             <a:p>
               <a:pPr lvl="0" algn="ctr"/>
               <a:endParaRPr lang="zh-CN" altLang="en-US" sz="1200">
@@ -18519,6 +18036,7 @@
             <a:bodyPr wrap="none" rtlCol="0">
               <a:noAutofit/>
             </a:bodyPr>
+            <a:lstStyle/>
             <a:p>
               <a:r>
                 <a:rPr lang="zh-CN" altLang="en-US" sz="1200" b="1">
@@ -18529,12 +18047,6 @@
                 </a:rPr>
                 <a:t>上一张</a:t>
               </a:r>
-              <a:endParaRPr lang="zh-CN" altLang="en-US" sz="1200" b="1">
-                <a:solidFill>
-                  <a:schemeClr val="bg1"/>
-                </a:solidFill>
-                <a:ea typeface="微软雅黑" panose="020B0503020204020204" charset="-122"/>
-              </a:endParaRPr>
             </a:p>
           </p:txBody>
         </p:sp>
@@ -18576,6 +18088,7 @@
             <a:bodyPr vertOverflow="overflow" horzOverflow="overflow" vert="horz" wrap="square" numCol="1" spcCol="0" rtlCol="0" fromWordArt="0" anchor="ctr" anchorCtr="0" forceAA="0" compatLnSpc="1">
               <a:noAutofit/>
             </a:bodyPr>
+            <a:lstStyle/>
             <a:p>
               <a:pPr lvl="0" algn="ctr"/>
               <a:endParaRPr lang="zh-CN" altLang="en-US" sz="1200">
@@ -18605,6 +18118,7 @@
             <a:bodyPr wrap="none" rtlCol="0">
               <a:noAutofit/>
             </a:bodyPr>
+            <a:lstStyle/>
             <a:p>
               <a:r>
                 <a:rPr lang="zh-CN" altLang="en-US" sz="1200" b="1">
@@ -18615,12 +18129,6 @@
                 </a:rPr>
                 <a:t>返   回</a:t>
               </a:r>
-              <a:endParaRPr lang="zh-CN" altLang="en-US" sz="1200" b="1">
-                <a:solidFill>
-                  <a:schemeClr val="bg1"/>
-                </a:solidFill>
-                <a:ea typeface="微软雅黑" panose="020B0503020204020204" charset="-122"/>
-              </a:endParaRPr>
             </a:p>
           </p:txBody>
         </p:sp>
@@ -18662,6 +18170,7 @@
             <a:bodyPr vertOverflow="overflow" horzOverflow="overflow" vert="horz" wrap="square" numCol="1" spcCol="0" rtlCol="0" fromWordArt="0" anchor="ctr" anchorCtr="0" forceAA="0" compatLnSpc="1">
               <a:noAutofit/>
             </a:bodyPr>
+            <a:lstStyle/>
             <a:p>
               <a:pPr lvl="0" algn="ctr"/>
               <a:endParaRPr lang="zh-CN" altLang="en-US" sz="1200">
@@ -18691,6 +18200,7 @@
             <a:bodyPr wrap="none" rtlCol="0">
               <a:noAutofit/>
             </a:bodyPr>
+            <a:lstStyle/>
             <a:p>
               <a:r>
                 <a:rPr lang="zh-CN" altLang="en-US" sz="1200" b="1">
@@ -18701,12 +18211,6 @@
                 </a:rPr>
                 <a:t>删   除</a:t>
               </a:r>
-              <a:endParaRPr lang="zh-CN" altLang="en-US" sz="1200" b="1">
-                <a:solidFill>
-                  <a:schemeClr val="bg1"/>
-                </a:solidFill>
-                <a:ea typeface="微软雅黑" panose="020B0503020204020204" charset="-122"/>
-              </a:endParaRPr>
             </a:p>
           </p:txBody>
         </p:sp>
@@ -18748,6 +18252,7 @@
             <a:bodyPr vertOverflow="overflow" horzOverflow="overflow" vert="horz" wrap="square" numCol="1" spcCol="0" rtlCol="0" fromWordArt="0" anchor="ctr" anchorCtr="0" forceAA="0" compatLnSpc="1">
               <a:noAutofit/>
             </a:bodyPr>
+            <a:lstStyle/>
             <a:p>
               <a:pPr lvl="0" algn="ctr"/>
               <a:endParaRPr lang="zh-CN" altLang="en-US" sz="1200">
@@ -18777,6 +18282,7 @@
             <a:bodyPr wrap="none" rtlCol="0">
               <a:noAutofit/>
             </a:bodyPr>
+            <a:lstStyle/>
             <a:p>
               <a:r>
                 <a:rPr lang="zh-CN" altLang="en-US" sz="1200" b="1">
@@ -18805,12 +18311,6 @@
                 </a:rPr>
                 <a:t>盘</a:t>
               </a:r>
-              <a:endParaRPr lang="zh-CN" altLang="en-US" sz="1200" b="1">
-                <a:solidFill>
-                  <a:schemeClr val="bg1"/>
-                </a:solidFill>
-                <a:ea typeface="微软雅黑" panose="020B0503020204020204" charset="-122"/>
-              </a:endParaRPr>
             </a:p>
           </p:txBody>
         </p:sp>
@@ -18852,6 +18352,7 @@
             <a:bodyPr vertOverflow="overflow" horzOverflow="overflow" vert="horz" wrap="square" numCol="1" spcCol="0" rtlCol="0" fromWordArt="0" anchor="ctr" anchorCtr="0" forceAA="0" compatLnSpc="1">
               <a:noAutofit/>
             </a:bodyPr>
+            <a:lstStyle/>
             <a:p>
               <a:pPr lvl="0" algn="ctr"/>
               <a:endParaRPr lang="zh-CN" altLang="en-US" sz="1200">
@@ -18881,6 +18382,7 @@
             <a:bodyPr wrap="none" rtlCol="0">
               <a:noAutofit/>
             </a:bodyPr>
+            <a:lstStyle/>
             <a:p>
               <a:r>
                 <a:rPr lang="zh-CN" altLang="en-US" sz="1200" b="1">
@@ -18891,12 +18393,6 @@
                 </a:rPr>
                 <a:t>详   情</a:t>
               </a:r>
-              <a:endParaRPr lang="zh-CN" altLang="en-US" sz="1200" b="1">
-                <a:solidFill>
-                  <a:schemeClr val="bg1"/>
-                </a:solidFill>
-                <a:ea typeface="微软雅黑" panose="020B0503020204020204" charset="-122"/>
-              </a:endParaRPr>
             </a:p>
           </p:txBody>
         </p:sp>
@@ -18938,6 +18434,7 @@
             <a:bodyPr vertOverflow="overflow" horzOverflow="overflow" vert="horz" wrap="square" numCol="1" spcCol="0" rtlCol="0" fromWordArt="0" anchor="ctr" anchorCtr="0" forceAA="0" compatLnSpc="1">
               <a:noAutofit/>
             </a:bodyPr>
+            <a:lstStyle/>
             <a:p>
               <a:pPr lvl="0" algn="ctr"/>
               <a:endParaRPr lang="zh-CN" altLang="en-US" sz="1200">
@@ -18967,6 +18464,7 @@
             <a:bodyPr wrap="none" rtlCol="0">
               <a:noAutofit/>
             </a:bodyPr>
+            <a:lstStyle/>
             <a:p>
               <a:r>
                 <a:rPr lang="zh-CN" altLang="en-US" sz="1200" b="1">
@@ -18977,12 +18475,6 @@
                 </a:rPr>
                 <a:t>下一张</a:t>
               </a:r>
-              <a:endParaRPr lang="zh-CN" altLang="en-US" sz="1200" b="1">
-                <a:solidFill>
-                  <a:schemeClr val="bg1"/>
-                </a:solidFill>
-                <a:ea typeface="微软雅黑" panose="020B0503020204020204" charset="-122"/>
-              </a:endParaRPr>
             </a:p>
           </p:txBody>
         </p:sp>
@@ -19007,6 +18499,7 @@
           <a:bodyPr wrap="square" rtlCol="0">
             <a:spAutoFit/>
           </a:bodyPr>
+          <a:lstStyle/>
           <a:p>
             <a:r>
               <a:rPr lang="zh-CN" altLang="en-US">
@@ -19017,12 +18510,6 @@
               </a:rPr>
               <a:t>查看图片</a:t>
             </a:r>
-            <a:endParaRPr lang="zh-CN" altLang="en-US">
-              <a:solidFill>
-                <a:schemeClr val="tx1"/>
-              </a:solidFill>
-              <a:ea typeface="微软雅黑" panose="020B0503020204020204" charset="-122"/>
-            </a:endParaRPr>
           </a:p>
         </p:txBody>
       </p:sp>
@@ -19067,6 +18554,7 @@
           <a:bodyPr rtlCol="0" anchor="ctr">
             <a:normAutofit/>
           </a:bodyPr>
+          <a:lstStyle/>
           <a:p>
             <a:pPr algn="ctr"/>
             <a:r>
@@ -19075,9 +18563,6 @@
               </a:rPr>
               <a:t>文 件 名</a:t>
             </a:r>
-            <a:endParaRPr lang="zh-CN" altLang="en-US" sz="1200" b="1">
-              <a:ea typeface="微软雅黑" panose="020B0503020204020204" charset="-122"/>
-            </a:endParaRPr>
           </a:p>
         </p:txBody>
       </p:sp>
@@ -19117,6 +18602,7 @@
           <a:bodyPr rtlCol="0" anchor="ctr">
             <a:noAutofit/>
           </a:bodyPr>
+          <a:lstStyle/>
           <a:p>
             <a:pPr algn="ctr"/>
             <a:r>
@@ -19125,9 +18611,6 @@
               </a:rPr>
               <a:t>点击屏幕时弹出此按钮栏再次点击时隐藏</a:t>
             </a:r>
-            <a:endParaRPr lang="zh-CN" altLang="en-US" sz="1000">
-              <a:ea typeface="微软雅黑" panose="020B0503020204020204" charset="-122"/>
-            </a:endParaRPr>
           </a:p>
         </p:txBody>
       </p:sp>
@@ -19167,6 +18650,7 @@
           <a:bodyPr rtlCol="0" anchor="ctr">
             <a:noAutofit/>
           </a:bodyPr>
+          <a:lstStyle/>
           <a:p>
             <a:pPr algn="ctr"/>
             <a:r>
@@ -19175,9 +18659,6 @@
               </a:rPr>
               <a:t>点击屏幕时弹出文件名再次点击时隐藏</a:t>
             </a:r>
-            <a:endParaRPr lang="zh-CN" altLang="en-US" sz="1000">
-              <a:ea typeface="微软雅黑" panose="020B0503020204020204" charset="-122"/>
-            </a:endParaRPr>
           </a:p>
         </p:txBody>
       </p:sp>
@@ -19201,6 +18682,7 @@
           <a:bodyPr wrap="square" rtlCol="0">
             <a:spAutoFit/>
           </a:bodyPr>
+          <a:lstStyle/>
           <a:p>
             <a:pPr>
               <a:lnSpc>
@@ -19213,9 +18695,6 @@
               </a:rPr>
               <a:t>详情包括：</a:t>
             </a:r>
-            <a:endParaRPr lang="zh-CN" altLang="en-US">
-              <a:ea typeface="微软雅黑" panose="020B0503020204020204" charset="-122"/>
-            </a:endParaRPr>
           </a:p>
           <a:p>
             <a:pPr>
@@ -19229,9 +18708,6 @@
               </a:rPr>
               <a:t>文件名、文件大小、分辨率、文件格式、创建时间</a:t>
             </a:r>
-            <a:endParaRPr lang="zh-CN" altLang="en-US">
-              <a:ea typeface="微软雅黑" panose="020B0503020204020204" charset="-122"/>
-            </a:endParaRPr>
           </a:p>
         </p:txBody>
       </p:sp>
@@ -19252,7 +18728,14 @@
         <p:cNvGrpSpPr/>
         <p:nvPr/>
       </p:nvGrpSpPr>
-      <p:grpSpPr/>
+      <p:grpSpPr>
+        <a:xfrm>
+          <a:off x="0" y="0"/>
+          <a:ext cx="0" cy="0"/>
+          <a:chOff x="0" y="0"/>
+          <a:chExt cx="0" cy="0"/>
+        </a:xfrm>
+      </p:grpSpPr>
       <p:sp>
         <p:nvSpPr>
           <p:cNvPr id="87" name="矩形 86"/>
@@ -19314,6 +18797,7 @@
         </p:style>
         <p:txBody>
           <a:bodyPr rtlCol="0" anchor="ctr"/>
+          <a:lstStyle/>
           <a:p>
             <a:pPr algn="ctr"/>
             <a:endParaRPr lang="zh-CN" altLang="en-US">
@@ -19358,6 +18842,7 @@
         </p:style>
         <p:txBody>
           <a:bodyPr rtlCol="0" anchor="ctr"/>
+          <a:lstStyle/>
           <a:p>
             <a:pPr algn="ctr"/>
             <a:endParaRPr lang="zh-CN" altLang="en-US"/>
@@ -19405,6 +18890,7 @@
         </p:style>
         <p:txBody>
           <a:bodyPr rtlCol="0" anchor="ctr"/>
+          <a:lstStyle/>
           <a:p>
             <a:pPr algn="ctr"/>
             <a:endParaRPr lang="zh-CN" altLang="en-US"/>
@@ -19431,6 +18917,7 @@
           <a:bodyPr wrap="square" rtlCol="0">
             <a:spAutoFit/>
           </a:bodyPr>
+          <a:lstStyle/>
           <a:p>
             <a:r>
               <a:rPr lang="zh-CN" altLang="en-US">
@@ -19441,12 +18928,6 @@
               </a:rPr>
               <a:t>视        频</a:t>
             </a:r>
-            <a:endParaRPr lang="zh-CN" altLang="en-US">
-              <a:solidFill>
-                <a:schemeClr val="tx1"/>
-              </a:solidFill>
-              <a:ea typeface="微软雅黑" panose="020B0503020204020204" charset="-122"/>
-            </a:endParaRPr>
           </a:p>
         </p:txBody>
       </p:sp>
@@ -19491,6 +18972,7 @@
           <a:bodyPr rtlCol="0" anchor="ctr">
             <a:normAutofit/>
           </a:bodyPr>
+          <a:lstStyle/>
           <a:p>
             <a:pPr algn="ctr"/>
             <a:r>
@@ -19499,9 +18981,6 @@
               </a:rPr>
               <a:t>文 件 名</a:t>
             </a:r>
-            <a:endParaRPr lang="zh-CN" altLang="en-US" sz="1200" b="1">
-              <a:ea typeface="微软雅黑" panose="020B0503020204020204" charset="-122"/>
-            </a:endParaRPr>
           </a:p>
         </p:txBody>
       </p:sp>
@@ -19557,6 +19036,7 @@
             <a:bodyPr vertOverflow="overflow" horzOverflow="overflow" vert="horz" wrap="square" numCol="1" spcCol="0" rtlCol="0" fromWordArt="0" anchor="ctr" anchorCtr="0" forceAA="0" compatLnSpc="1">
               <a:noAutofit/>
             </a:bodyPr>
+            <a:lstStyle/>
             <a:p>
               <a:pPr lvl="0" algn="ctr"/>
               <a:endParaRPr lang="zh-CN" altLang="en-US" sz="1200">
@@ -19586,6 +19066,7 @@
             <a:bodyPr wrap="none" rtlCol="0">
               <a:noAutofit/>
             </a:bodyPr>
+            <a:lstStyle/>
             <a:p>
               <a:r>
                 <a:rPr lang="zh-CN" altLang="en-US" sz="1200" b="1">
@@ -19596,12 +19077,6 @@
                 </a:rPr>
                 <a:t>上一个</a:t>
               </a:r>
-              <a:endParaRPr lang="zh-CN" altLang="en-US" sz="1200" b="1">
-                <a:solidFill>
-                  <a:schemeClr val="bg1"/>
-                </a:solidFill>
-                <a:ea typeface="微软雅黑" panose="020B0503020204020204" charset="-122"/>
-              </a:endParaRPr>
             </a:p>
           </p:txBody>
         </p:sp>
@@ -19658,6 +19133,7 @@
             <a:bodyPr vertOverflow="overflow" horzOverflow="overflow" vert="horz" wrap="square" numCol="1" spcCol="0" rtlCol="0" fromWordArt="0" anchor="ctr" anchorCtr="0" forceAA="0" compatLnSpc="1">
               <a:noAutofit/>
             </a:bodyPr>
+            <a:lstStyle/>
             <a:p>
               <a:pPr lvl="0" algn="ctr"/>
               <a:endParaRPr lang="zh-CN" altLang="en-US" sz="1200">
@@ -19687,6 +19163,7 @@
             <a:bodyPr wrap="none" rtlCol="0">
               <a:noAutofit/>
             </a:bodyPr>
+            <a:lstStyle/>
             <a:p>
               <a:r>
                 <a:rPr lang="zh-CN" altLang="en-US" sz="1200" b="1">
@@ -19697,12 +19174,6 @@
                 </a:rPr>
                 <a:t>停   止</a:t>
               </a:r>
-              <a:endParaRPr lang="zh-CN" altLang="en-US" sz="1200" b="1">
-                <a:solidFill>
-                  <a:schemeClr val="bg1"/>
-                </a:solidFill>
-                <a:ea typeface="微软雅黑" panose="020B0503020204020204" charset="-122"/>
-              </a:endParaRPr>
             </a:p>
           </p:txBody>
         </p:sp>
@@ -19759,6 +19230,7 @@
             <a:bodyPr vertOverflow="overflow" horzOverflow="overflow" vert="horz" wrap="square" numCol="1" spcCol="0" rtlCol="0" fromWordArt="0" anchor="ctr" anchorCtr="0" forceAA="0" compatLnSpc="1">
               <a:noAutofit/>
             </a:bodyPr>
+            <a:lstStyle/>
             <a:p>
               <a:pPr lvl="0" algn="ctr"/>
               <a:endParaRPr lang="zh-CN" altLang="en-US" sz="1200">
@@ -19788,6 +19260,7 @@
             <a:bodyPr wrap="none" rtlCol="0">
               <a:noAutofit/>
             </a:bodyPr>
+            <a:lstStyle/>
             <a:p>
               <a:r>
                 <a:rPr lang="zh-CN" altLang="en-US" sz="1200" b="1">
@@ -19816,12 +19289,6 @@
                 </a:rPr>
                 <a:t>暂停</a:t>
               </a:r>
-              <a:endParaRPr lang="zh-CN" altLang="en-US" sz="1200" b="1">
-                <a:solidFill>
-                  <a:schemeClr val="bg1"/>
-                </a:solidFill>
-                <a:ea typeface="微软雅黑" panose="020B0503020204020204" charset="-122"/>
-              </a:endParaRPr>
             </a:p>
           </p:txBody>
         </p:sp>
@@ -19878,6 +19345,7 @@
             <a:bodyPr vertOverflow="overflow" horzOverflow="overflow" vert="horz" wrap="square" numCol="1" spcCol="0" rtlCol="0" fromWordArt="0" anchor="ctr" anchorCtr="0" forceAA="0" compatLnSpc="1">
               <a:noAutofit/>
             </a:bodyPr>
+            <a:lstStyle/>
             <a:p>
               <a:pPr lvl="0" algn="ctr"/>
               <a:endParaRPr lang="zh-CN" altLang="en-US" sz="1200">
@@ -19907,6 +19375,7 @@
             <a:bodyPr wrap="none" rtlCol="0">
               <a:noAutofit/>
             </a:bodyPr>
+            <a:lstStyle/>
             <a:p>
               <a:r>
                 <a:rPr lang="zh-CN" altLang="en-US" sz="1200" b="1">
@@ -19917,12 +19386,6 @@
                 </a:rPr>
                 <a:t>返   回</a:t>
               </a:r>
-              <a:endParaRPr lang="zh-CN" altLang="en-US" sz="1200" b="1">
-                <a:solidFill>
-                  <a:schemeClr val="bg1"/>
-                </a:solidFill>
-                <a:ea typeface="微软雅黑" panose="020B0503020204020204" charset="-122"/>
-              </a:endParaRPr>
             </a:p>
           </p:txBody>
         </p:sp>
@@ -19979,6 +19442,7 @@
             <a:bodyPr vertOverflow="overflow" horzOverflow="overflow" vert="horz" wrap="square" numCol="1" spcCol="0" rtlCol="0" fromWordArt="0" anchor="ctr" anchorCtr="0" forceAA="0" compatLnSpc="1">
               <a:noAutofit/>
             </a:bodyPr>
+            <a:lstStyle/>
             <a:p>
               <a:pPr lvl="0" algn="ctr"/>
               <a:endParaRPr lang="zh-CN" altLang="en-US" sz="1200">
@@ -20008,6 +19472,7 @@
             <a:bodyPr wrap="none" rtlCol="0">
               <a:noAutofit/>
             </a:bodyPr>
+            <a:lstStyle/>
             <a:p>
               <a:r>
                 <a:rPr lang="zh-CN" altLang="en-US" sz="1200" b="1">
@@ -20018,12 +19483,6 @@
                 </a:rPr>
                 <a:t>删   除</a:t>
               </a:r>
-              <a:endParaRPr lang="zh-CN" altLang="en-US" sz="1200" b="1">
-                <a:solidFill>
-                  <a:schemeClr val="bg1"/>
-                </a:solidFill>
-                <a:ea typeface="微软雅黑" panose="020B0503020204020204" charset="-122"/>
-              </a:endParaRPr>
             </a:p>
           </p:txBody>
         </p:sp>
@@ -20080,6 +19539,7 @@
             <a:bodyPr vertOverflow="overflow" horzOverflow="overflow" vert="horz" wrap="square" numCol="1" spcCol="0" rtlCol="0" fromWordArt="0" anchor="ctr" anchorCtr="0" forceAA="0" compatLnSpc="1">
               <a:noAutofit/>
             </a:bodyPr>
+            <a:lstStyle/>
             <a:p>
               <a:pPr lvl="0" algn="ctr"/>
               <a:endParaRPr lang="zh-CN" altLang="en-US" sz="1200">
@@ -20109,6 +19569,7 @@
             <a:bodyPr wrap="none" rtlCol="0">
               <a:noAutofit/>
             </a:bodyPr>
+            <a:lstStyle/>
             <a:p>
               <a:r>
                 <a:rPr lang="zh-CN" altLang="en-US" sz="1200" b="1">
@@ -20137,12 +19598,6 @@
                 </a:rPr>
                 <a:t>盘</a:t>
               </a:r>
-              <a:endParaRPr lang="zh-CN" altLang="en-US" sz="1200" b="1">
-                <a:solidFill>
-                  <a:schemeClr val="bg1"/>
-                </a:solidFill>
-                <a:ea typeface="微软雅黑" panose="020B0503020204020204" charset="-122"/>
-              </a:endParaRPr>
             </a:p>
           </p:txBody>
         </p:sp>
@@ -20199,6 +19654,7 @@
             <a:bodyPr vertOverflow="overflow" horzOverflow="overflow" vert="horz" wrap="square" numCol="1" spcCol="0" rtlCol="0" fromWordArt="0" anchor="ctr" anchorCtr="0" forceAA="0" compatLnSpc="1">
               <a:noAutofit/>
             </a:bodyPr>
+            <a:lstStyle/>
             <a:p>
               <a:pPr lvl="0" algn="ctr"/>
               <a:endParaRPr lang="zh-CN" altLang="en-US" sz="1200">
@@ -20228,6 +19684,7 @@
             <a:bodyPr wrap="none" rtlCol="0">
               <a:noAutofit/>
             </a:bodyPr>
+            <a:lstStyle/>
             <a:p>
               <a:r>
                 <a:rPr lang="zh-CN" altLang="en-US" sz="1200" b="1">
@@ -20238,12 +19695,6 @@
                 </a:rPr>
                 <a:t>删   除</a:t>
               </a:r>
-              <a:endParaRPr lang="zh-CN" altLang="en-US" sz="1200" b="1">
-                <a:solidFill>
-                  <a:schemeClr val="bg1"/>
-                </a:solidFill>
-                <a:ea typeface="微软雅黑" panose="020B0503020204020204" charset="-122"/>
-              </a:endParaRPr>
             </a:p>
           </p:txBody>
         </p:sp>
@@ -20285,6 +19736,7 @@
             <a:bodyPr vertOverflow="overflow" horzOverflow="overflow" vert="horz" wrap="square" numCol="1" spcCol="0" rtlCol="0" fromWordArt="0" anchor="ctr" anchorCtr="0" forceAA="0" compatLnSpc="1">
               <a:noAutofit/>
             </a:bodyPr>
+            <a:lstStyle/>
             <a:p>
               <a:pPr lvl="0" algn="ctr"/>
               <a:endParaRPr lang="zh-CN" altLang="en-US" sz="1200">
@@ -20314,6 +19766,7 @@
             <a:bodyPr wrap="none" rtlCol="0">
               <a:noAutofit/>
             </a:bodyPr>
+            <a:lstStyle/>
             <a:p>
               <a:r>
                 <a:rPr lang="zh-CN" altLang="en-US" sz="1200" b="1">
@@ -20324,12 +19777,6 @@
                 </a:rPr>
                 <a:t>详   情</a:t>
               </a:r>
-              <a:endParaRPr lang="zh-CN" altLang="en-US" sz="1200" b="1">
-                <a:solidFill>
-                  <a:schemeClr val="bg1"/>
-                </a:solidFill>
-                <a:ea typeface="微软雅黑" panose="020B0503020204020204" charset="-122"/>
-              </a:endParaRPr>
             </a:p>
           </p:txBody>
         </p:sp>
@@ -20386,6 +19833,7 @@
             <a:bodyPr vertOverflow="overflow" horzOverflow="overflow" vert="horz" wrap="square" numCol="1" spcCol="0" rtlCol="0" fromWordArt="0" anchor="ctr" anchorCtr="0" forceAA="0" compatLnSpc="1">
               <a:noAutofit/>
             </a:bodyPr>
+            <a:lstStyle/>
             <a:p>
               <a:pPr lvl="0" algn="ctr"/>
               <a:endParaRPr lang="zh-CN" altLang="en-US" sz="1200">
@@ -20415,6 +19863,7 @@
             <a:bodyPr wrap="none" rtlCol="0">
               <a:noAutofit/>
             </a:bodyPr>
+            <a:lstStyle/>
             <a:p>
               <a:r>
                 <a:rPr lang="zh-CN" altLang="en-US" sz="1200" b="1">
@@ -20443,12 +19892,6 @@
                 </a:rPr>
                 <a:t>盘</a:t>
               </a:r>
-              <a:endParaRPr lang="zh-CN" altLang="en-US" sz="1200" b="1">
-                <a:solidFill>
-                  <a:schemeClr val="bg1"/>
-                </a:solidFill>
-                <a:ea typeface="微软雅黑" panose="020B0503020204020204" charset="-122"/>
-              </a:endParaRPr>
             </a:p>
           </p:txBody>
         </p:sp>
@@ -20490,6 +19933,7 @@
             <a:bodyPr vertOverflow="overflow" horzOverflow="overflow" vert="horz" wrap="square" numCol="1" spcCol="0" rtlCol="0" fromWordArt="0" anchor="ctr" anchorCtr="0" forceAA="0" compatLnSpc="1">
               <a:noAutofit/>
             </a:bodyPr>
+            <a:lstStyle/>
             <a:p>
               <a:pPr lvl="0" algn="ctr"/>
               <a:endParaRPr lang="zh-CN" altLang="en-US" sz="1200">
@@ -20519,6 +19963,7 @@
             <a:bodyPr wrap="none" rtlCol="0">
               <a:noAutofit/>
             </a:bodyPr>
+            <a:lstStyle/>
             <a:p>
               <a:r>
                 <a:rPr lang="zh-CN" altLang="en-US" sz="1200" b="1">
@@ -20529,12 +19974,6 @@
                 </a:rPr>
                 <a:t>下一个</a:t>
               </a:r>
-              <a:endParaRPr lang="zh-CN" altLang="en-US" sz="1200" b="1">
-                <a:solidFill>
-                  <a:schemeClr val="bg1"/>
-                </a:solidFill>
-                <a:ea typeface="微软雅黑" panose="020B0503020204020204" charset="-122"/>
-              </a:endParaRPr>
             </a:p>
           </p:txBody>
         </p:sp>
@@ -20582,8 +20021,9 @@
         </p:style>
         <p:txBody>
           <a:bodyPr vertOverflow="overflow" horzOverflow="overflow" vert="horz" wrap="square" numCol="1" spcCol="0" rtlCol="0" fromWordArt="0" anchor="ctr" anchorCtr="0" forceAA="0" compatLnSpc="1">
-            <a:normAutofit/>
+            <a:normAutofit fontScale="25000" lnSpcReduction="20000"/>
           </a:bodyPr>
+          <a:lstStyle/>
           <a:p>
             <a:pPr lvl="0" algn="ctr"/>
             <a:endParaRPr lang="zh-CN" altLang="en-US" sz="1200" b="1">
@@ -20629,6 +20069,7 @@
         </p:style>
         <p:txBody>
           <a:bodyPr rtlCol="0" anchor="ctr"/>
+          <a:lstStyle/>
           <a:p>
             <a:pPr algn="ctr"/>
             <a:endParaRPr lang="zh-CN" altLang="en-US" sz="1000">
@@ -20689,6 +20130,7 @@
             <a:bodyPr vertOverflow="overflow" horzOverflow="overflow" vert="horz" wrap="square" numCol="1" spcCol="0" rtlCol="0" fromWordArt="0" anchor="ctr" anchorCtr="0" forceAA="0" compatLnSpc="1">
               <a:noAutofit/>
             </a:bodyPr>
+            <a:lstStyle/>
             <a:p>
               <a:pPr lvl="0" algn="ctr"/>
               <a:endParaRPr lang="zh-CN" altLang="en-US" sz="1200">
@@ -20718,6 +20160,7 @@
             <a:bodyPr wrap="none" rtlCol="0">
               <a:noAutofit/>
             </a:bodyPr>
+            <a:lstStyle/>
             <a:p>
               <a:r>
                 <a:rPr lang="en-US" altLang="zh-CN" sz="1200" b="1">
@@ -20728,12 +20171,6 @@
                 </a:rPr>
                 <a:t>02:34</a:t>
               </a:r>
-              <a:endParaRPr lang="en-US" altLang="zh-CN" sz="1200" b="1">
-                <a:solidFill>
-                  <a:schemeClr val="bg1"/>
-                </a:solidFill>
-                <a:ea typeface="微软雅黑" panose="020B0503020204020204" charset="-122"/>
-              </a:endParaRPr>
             </a:p>
           </p:txBody>
         </p:sp>
@@ -20790,6 +20227,7 @@
             <a:bodyPr vertOverflow="overflow" horzOverflow="overflow" vert="horz" wrap="square" numCol="1" spcCol="0" rtlCol="0" fromWordArt="0" anchor="ctr" anchorCtr="0" forceAA="0" compatLnSpc="1">
               <a:noAutofit/>
             </a:bodyPr>
+            <a:lstStyle/>
             <a:p>
               <a:pPr lvl="0" algn="ctr"/>
               <a:endParaRPr lang="zh-CN" altLang="en-US" sz="1200">
@@ -20819,6 +20257,7 @@
             <a:bodyPr wrap="none" rtlCol="0">
               <a:noAutofit/>
             </a:bodyPr>
+            <a:lstStyle/>
             <a:p>
               <a:r>
                 <a:rPr lang="en-US" altLang="zh-CN" sz="1200" b="1">
@@ -20829,12 +20268,6 @@
                 </a:rPr>
                 <a:t>15:50</a:t>
               </a:r>
-              <a:endParaRPr lang="en-US" altLang="zh-CN" sz="1200" b="1">
-                <a:solidFill>
-                  <a:schemeClr val="bg1"/>
-                </a:solidFill>
-                <a:ea typeface="微软雅黑" panose="020B0503020204020204" charset="-122"/>
-              </a:endParaRPr>
             </a:p>
           </p:txBody>
         </p:sp>
@@ -20880,6 +20313,7 @@
           <a:bodyPr rtlCol="0" anchor="ctr">
             <a:normAutofit/>
           </a:bodyPr>
+          <a:lstStyle/>
           <a:p>
             <a:pPr algn="l">
               <a:lnSpc>
@@ -20892,9 +20326,6 @@
               </a:rPr>
               <a:t>点击屏幕时弹出文件名再次点击时隐藏跟按钮栏同步</a:t>
             </a:r>
-            <a:endParaRPr lang="zh-CN" altLang="en-US" sz="1000">
-              <a:ea typeface="微软雅黑" panose="020B0503020204020204" charset="-122"/>
-            </a:endParaRPr>
           </a:p>
         </p:txBody>
       </p:sp>
@@ -20939,6 +20370,7 @@
           <a:bodyPr rtlCol="0" anchor="ctr">
             <a:normAutofit/>
           </a:bodyPr>
+          <a:lstStyle/>
           <a:p>
             <a:pPr algn="l">
               <a:lnSpc>
@@ -20951,9 +20383,6 @@
               </a:rPr>
               <a:t>点击屏幕时弹出此按钮栏再次点击时隐藏。当按钮栏隐藏时进度条下移到最下方不隐藏</a:t>
             </a:r>
-            <a:endParaRPr lang="zh-CN" altLang="en-US" sz="1000">
-              <a:ea typeface="微软雅黑" panose="020B0503020204020204" charset="-122"/>
-            </a:endParaRPr>
           </a:p>
         </p:txBody>
       </p:sp>
@@ -20977,6 +20406,7 @@
           <a:bodyPr wrap="square" rtlCol="0">
             <a:spAutoFit/>
           </a:bodyPr>
+          <a:lstStyle/>
           <a:p>
             <a:pPr>
               <a:lnSpc>
@@ -20989,9 +20419,6 @@
               </a:rPr>
               <a:t>详情包括：文件名、文件大小、文件格式、分辨率、视频时长、帧率、创建时间</a:t>
             </a:r>
-            <a:endParaRPr lang="zh-CN" altLang="en-US">
-              <a:ea typeface="微软雅黑" panose="020B0503020204020204" charset="-122"/>
-            </a:endParaRPr>
           </a:p>
         </p:txBody>
       </p:sp>
@@ -21012,7 +20439,14 @@
         <p:cNvGrpSpPr/>
         <p:nvPr/>
       </p:nvGrpSpPr>
-      <p:grpSpPr/>
+      <p:grpSpPr>
+        <a:xfrm>
+          <a:off x="0" y="0"/>
+          <a:ext cx="0" cy="0"/>
+          <a:chOff x="0" y="0"/>
+          <a:chExt cx="0" cy="0"/>
+        </a:xfrm>
+      </p:grpSpPr>
       <p:sp>
         <p:nvSpPr>
           <p:cNvPr id="4" name="矩形 3"/>
@@ -21074,6 +20508,7 @@
         </p:style>
         <p:txBody>
           <a:bodyPr rtlCol="0" anchor="ctr"/>
+          <a:lstStyle/>
           <a:p>
             <a:pPr algn="ctr"/>
             <a:endParaRPr lang="zh-CN" altLang="en-US">
@@ -21102,6 +20537,7 @@
           <a:bodyPr wrap="square" rtlCol="0">
             <a:spAutoFit/>
           </a:bodyPr>
+          <a:lstStyle/>
           <a:p>
             <a:r>
               <a:rPr lang="zh-CN" altLang="en-US">
@@ -21112,12 +20548,6 @@
               </a:rPr>
               <a:t>视频实时预览</a:t>
             </a:r>
-            <a:endParaRPr lang="zh-CN" altLang="en-US">
-              <a:solidFill>
-                <a:schemeClr val="tx1"/>
-              </a:solidFill>
-              <a:ea typeface="微软雅黑" panose="020B0503020204020204" charset="-122"/>
-            </a:endParaRPr>
           </a:p>
         </p:txBody>
       </p:sp>
@@ -21141,6 +20571,7 @@
           <a:bodyPr wrap="square" rtlCol="0">
             <a:spAutoFit/>
           </a:bodyPr>
+          <a:lstStyle/>
           <a:p>
             <a:pPr>
               <a:lnSpc>
@@ -21173,16 +20604,13 @@
               </a:rPr>
               <a:t>显示。</a:t>
             </a:r>
+          </a:p>
+          <a:p>
             <a:endParaRPr lang="zh-CN" altLang="en-US">
               <a:ea typeface="微软雅黑" panose="020B0503020204020204" charset="-122"/>
             </a:endParaRPr>
           </a:p>
           <a:p>
-            <a:endParaRPr lang="zh-CN" altLang="en-US">
-              <a:ea typeface="微软雅黑" panose="020B0503020204020204" charset="-122"/>
-            </a:endParaRPr>
-          </a:p>
-          <a:p>
             <a:r>
               <a:rPr lang="en-US" altLang="zh-CN"/>
               <a:t>1</a:t>
@@ -21197,9 +20625,12 @@
               <a:rPr lang="en-US" altLang="zh-CN"/>
               <a:t>1024*768</a:t>
             </a:r>
-            <a:endParaRPr lang="en-US" altLang="zh-CN"/>
-          </a:p>
-          <a:p>
+          </a:p>
+          <a:p>
+            <a:r>
+              <a:rPr lang="en-US" altLang="zh-CN"/>
+              <a:t/>
+            </a:r>
             <a:br>
               <a:rPr lang="en-US" altLang="zh-CN"/>
             </a:br>
@@ -21263,9 +20694,6 @@
               </a:rPr>
               <a:t>等等，具体要看摄像头型号。</a:t>
             </a:r>
-            <a:endParaRPr lang="zh-CN" altLang="en-US">
-              <a:ea typeface="微软雅黑" panose="020B0503020204020204" charset="-122"/>
-            </a:endParaRPr>
           </a:p>
         </p:txBody>
       </p:sp>
@@ -21308,8 +20736,9 @@
         </p:style>
         <p:txBody>
           <a:bodyPr rtlCol="0" anchor="ctr">
-            <a:normAutofit fontScale="80000"/>
+            <a:normAutofit fontScale="87500" lnSpcReduction="20000"/>
           </a:bodyPr>
+          <a:lstStyle/>
           <a:p>
             <a:pPr algn="ctr"/>
             <a:r>
@@ -21328,9 +20757,6 @@
               </a:rPr>
               <a:t>盘</a:t>
             </a:r>
-            <a:endParaRPr lang="zh-CN" altLang="en-US" sz="1200" b="1">
-              <a:ea typeface="微软雅黑" panose="020B0503020204020204" charset="-122"/>
-            </a:endParaRPr>
           </a:p>
         </p:txBody>
       </p:sp>
@@ -21375,6 +20801,7 @@
         </p:style>
         <p:txBody>
           <a:bodyPr rtlCol="0" anchor="ctr"/>
+          <a:lstStyle/>
           <a:p>
             <a:pPr algn="ctr"/>
             <a:endParaRPr lang="zh-CN" altLang="en-US"/>
@@ -21398,7 +20825,14 @@
         <p:cNvGrpSpPr/>
         <p:nvPr/>
       </p:nvGrpSpPr>
-      <p:grpSpPr/>
+      <p:grpSpPr>
+        <a:xfrm>
+          <a:off x="0" y="0"/>
+          <a:ext cx="0" cy="0"/>
+          <a:chOff x="0" y="0"/>
+          <a:chExt cx="0" cy="0"/>
+        </a:xfrm>
+      </p:grpSpPr>
       <p:sp>
         <p:nvSpPr>
           <p:cNvPr id="6" name="矩形 5"/>
@@ -21460,6 +20894,7 @@
         </p:style>
         <p:txBody>
           <a:bodyPr rtlCol="0" anchor="ctr"/>
+          <a:lstStyle/>
           <a:p>
             <a:pPr algn="ctr"/>
             <a:endParaRPr lang="zh-CN" altLang="en-US">
@@ -21504,6 +20939,7 @@
         </p:style>
         <p:txBody>
           <a:bodyPr rtlCol="0" anchor="ctr"/>
+          <a:lstStyle/>
           <a:p>
             <a:pPr algn="ctr"/>
             <a:endParaRPr lang="zh-CN" altLang="en-US"/>
@@ -21549,8 +20985,9 @@
         </p:style>
         <p:txBody>
           <a:bodyPr rtlCol="0" anchor="ctr">
-            <a:normAutofit fontScale="80000"/>
+            <a:normAutofit fontScale="87500" lnSpcReduction="20000"/>
           </a:bodyPr>
+          <a:lstStyle/>
           <a:p>
             <a:pPr algn="ctr"/>
             <a:r>
@@ -21569,9 +21006,6 @@
               </a:rPr>
               <a:t>盘</a:t>
             </a:r>
-            <a:endParaRPr lang="zh-CN" altLang="en-US" sz="1200" b="1">
-              <a:ea typeface="微软雅黑" panose="020B0503020204020204" charset="-122"/>
-            </a:endParaRPr>
           </a:p>
         </p:txBody>
       </p:sp>
@@ -21595,6 +21029,7 @@
           <a:bodyPr wrap="square" rtlCol="0">
             <a:spAutoFit/>
           </a:bodyPr>
+          <a:lstStyle/>
           <a:p>
             <a:r>
               <a:rPr lang="zh-CN" altLang="en-US">
@@ -21605,12 +21040,6 @@
               </a:rPr>
               <a:t>视频实时预览</a:t>
             </a:r>
-            <a:endParaRPr lang="zh-CN" altLang="en-US">
-              <a:solidFill>
-                <a:schemeClr val="tx1"/>
-              </a:solidFill>
-              <a:ea typeface="微软雅黑" panose="020B0503020204020204" charset="-122"/>
-            </a:endParaRPr>
           </a:p>
         </p:txBody>
       </p:sp>
@@ -21634,6 +21063,7 @@
           <a:bodyPr wrap="square" rtlCol="0">
             <a:spAutoFit/>
           </a:bodyPr>
+          <a:lstStyle/>
           <a:p>
             <a:r>
               <a:rPr lang="zh-CN" altLang="en-US">
@@ -21651,9 +21081,6 @@
               </a:rPr>
               <a:t>后自动隐藏</a:t>
             </a:r>
-            <a:endParaRPr lang="zh-CN" altLang="en-US">
-              <a:ea typeface="微软雅黑" panose="020B0503020204020204" charset="-122"/>
-            </a:endParaRPr>
           </a:p>
         </p:txBody>
       </p:sp>
@@ -21677,6 +21104,7 @@
           <a:bodyPr wrap="none" rtlCol="0">
             <a:normAutofit lnSpcReduction="10000"/>
           </a:bodyPr>
+          <a:lstStyle/>
           <a:p>
             <a:pPr>
               <a:lnSpc>
@@ -21689,9 +21117,6 @@
               </a:rPr>
               <a:t>软件可以进行串口</a:t>
             </a:r>
-            <a:endParaRPr lang="zh-CN" altLang="en-US">
-              <a:ea typeface="微软雅黑" panose="020B0503020204020204" charset="-122"/>
-            </a:endParaRPr>
           </a:p>
           <a:p>
             <a:pPr>
@@ -21705,9 +21130,6 @@
               </a:rPr>
               <a:t>通讯接收下位机发</a:t>
             </a:r>
-            <a:endParaRPr lang="zh-CN" altLang="en-US">
-              <a:ea typeface="微软雅黑" panose="020B0503020204020204" charset="-122"/>
-            </a:endParaRPr>
           </a:p>
           <a:p>
             <a:pPr>
@@ -21721,9 +21143,6 @@
               </a:rPr>
               <a:t>送过来的录像、拍</a:t>
             </a:r>
-            <a:endParaRPr lang="zh-CN" altLang="en-US">
-              <a:ea typeface="微软雅黑" panose="020B0503020204020204" charset="-122"/>
-            </a:endParaRPr>
           </a:p>
           <a:p>
             <a:pPr>
@@ -21737,9 +21156,6 @@
               </a:rPr>
               <a:t>照、关机、亮度调</a:t>
             </a:r>
-            <a:endParaRPr lang="zh-CN" altLang="en-US">
-              <a:ea typeface="微软雅黑" panose="020B0503020204020204" charset="-122"/>
-            </a:endParaRPr>
           </a:p>
           <a:p>
             <a:pPr>
@@ -21753,9 +21169,6 @@
               </a:rPr>
               <a:t>节指令。</a:t>
             </a:r>
-            <a:endParaRPr lang="zh-CN" altLang="en-US">
-              <a:ea typeface="微软雅黑" panose="020B0503020204020204" charset="-122"/>
-            </a:endParaRPr>
           </a:p>
           <a:p>
             <a:pPr>
@@ -21779,9 +21192,6 @@
               </a:rPr>
               <a:t>此处的亮度等级在</a:t>
             </a:r>
-            <a:endParaRPr lang="zh-CN" altLang="en-US">
-              <a:ea typeface="微软雅黑" panose="020B0503020204020204" charset="-122"/>
-            </a:endParaRPr>
           </a:p>
           <a:p>
             <a:pPr>
@@ -21795,9 +21205,6 @@
               </a:rPr>
               <a:t>此软件上只需要实</a:t>
             </a:r>
-            <a:endParaRPr lang="zh-CN" altLang="en-US">
-              <a:ea typeface="微软雅黑" panose="020B0503020204020204" charset="-122"/>
-            </a:endParaRPr>
           </a:p>
           <a:p>
             <a:pPr>
@@ -21811,9 +21218,6 @@
               </a:rPr>
               <a:t>现在右上角提示即可。</a:t>
             </a:r>
-            <a:endParaRPr lang="zh-CN" altLang="en-US">
-              <a:ea typeface="微软雅黑" panose="020B0503020204020204" charset="-122"/>
-            </a:endParaRPr>
           </a:p>
           <a:p>
             <a:pPr>
@@ -21873,6 +21277,7 @@
         </p:style>
         <p:txBody>
           <a:bodyPr rtlCol="0" anchor="ctr"/>
+          <a:lstStyle/>
           <a:p>
             <a:pPr algn="ctr"/>
             <a:endParaRPr lang="zh-CN" altLang="en-US"/>
@@ -21931,6 +21336,7 @@
             <a:bodyPr vertOverflow="overflow" horzOverflow="overflow" vert="horz" wrap="square" numCol="1" spcCol="0" rtlCol="0" fromWordArt="0" anchor="ctr" anchorCtr="0" forceAA="0" compatLnSpc="1">
               <a:noAutofit/>
             </a:bodyPr>
+            <a:lstStyle/>
             <a:p>
               <a:pPr lvl="0" algn="ctr"/>
               <a:endParaRPr lang="zh-CN" altLang="en-US">
@@ -21960,6 +21366,7 @@
             <a:bodyPr wrap="none" rtlCol="0">
               <a:noAutofit/>
             </a:bodyPr>
+            <a:lstStyle/>
             <a:p>
               <a:r>
                 <a:rPr lang="zh-CN" altLang="en-US" sz="1400" b="1">
@@ -21970,12 +21377,6 @@
                 </a:rPr>
                 <a:t>关  机</a:t>
               </a:r>
-              <a:endParaRPr lang="zh-CN" altLang="en-US" sz="1400" b="1">
-                <a:solidFill>
-                  <a:schemeClr val="bg1"/>
-                </a:solidFill>
-                <a:ea typeface="微软雅黑" panose="020B0503020204020204" charset="-122"/>
-              </a:endParaRPr>
             </a:p>
           </p:txBody>
         </p:sp>
@@ -22017,6 +21418,7 @@
             <a:bodyPr vertOverflow="overflow" horzOverflow="overflow" vert="horz" wrap="square" numCol="1" spcCol="0" rtlCol="0" fromWordArt="0" anchor="ctr" anchorCtr="0" forceAA="0" compatLnSpc="1">
               <a:noAutofit/>
             </a:bodyPr>
+            <a:lstStyle/>
             <a:p>
               <a:pPr lvl="0" algn="ctr"/>
               <a:endParaRPr lang="zh-CN" altLang="en-US">
@@ -22046,6 +21448,7 @@
             <a:bodyPr wrap="none" rtlCol="0">
               <a:noAutofit/>
             </a:bodyPr>
+            <a:lstStyle/>
             <a:p>
               <a:r>
                 <a:rPr lang="zh-CN" altLang="en-US" sz="1400" b="1">
@@ -22056,12 +21459,6 @@
                 </a:rPr>
                 <a:t>录   像</a:t>
               </a:r>
-              <a:endParaRPr lang="zh-CN" altLang="en-US" sz="1400" b="1">
-                <a:solidFill>
-                  <a:schemeClr val="bg1"/>
-                </a:solidFill>
-                <a:ea typeface="微软雅黑" panose="020B0503020204020204" charset="-122"/>
-              </a:endParaRPr>
             </a:p>
           </p:txBody>
         </p:sp>
@@ -22103,6 +21500,7 @@
             <a:bodyPr vertOverflow="overflow" horzOverflow="overflow" vert="horz" wrap="square" numCol="1" spcCol="0" rtlCol="0" fromWordArt="0" anchor="ctr" anchorCtr="0" forceAA="0" compatLnSpc="1">
               <a:noAutofit/>
             </a:bodyPr>
+            <a:lstStyle/>
             <a:p>
               <a:pPr lvl="0" algn="ctr"/>
               <a:endParaRPr lang="zh-CN" altLang="en-US">
@@ -22132,6 +21530,7 @@
             <a:bodyPr wrap="none" rtlCol="0">
               <a:noAutofit/>
             </a:bodyPr>
+            <a:lstStyle/>
             <a:p>
               <a:r>
                 <a:rPr lang="zh-CN" altLang="en-US" sz="1400" b="1">
@@ -22142,12 +21541,6 @@
                 </a:rPr>
                 <a:t>拍   照</a:t>
               </a:r>
-              <a:endParaRPr lang="zh-CN" altLang="en-US" sz="1400" b="1">
-                <a:solidFill>
-                  <a:schemeClr val="bg1"/>
-                </a:solidFill>
-                <a:ea typeface="微软雅黑" panose="020B0503020204020204" charset="-122"/>
-              </a:endParaRPr>
             </a:p>
           </p:txBody>
         </p:sp>
@@ -22189,6 +21582,7 @@
             <a:bodyPr vertOverflow="overflow" horzOverflow="overflow" vert="horz" wrap="square" numCol="1" spcCol="0" rtlCol="0" fromWordArt="0" anchor="ctr" anchorCtr="0" forceAA="0" compatLnSpc="1">
               <a:noAutofit/>
             </a:bodyPr>
+            <a:lstStyle/>
             <a:p>
               <a:pPr lvl="0" algn="ctr"/>
               <a:endParaRPr lang="zh-CN" altLang="en-US">
@@ -22218,6 +21612,7 @@
             <a:bodyPr wrap="none" rtlCol="0">
               <a:noAutofit/>
             </a:bodyPr>
+            <a:lstStyle/>
             <a:p>
               <a:r>
                 <a:rPr lang="zh-CN" altLang="en-US" sz="1400" b="1">
@@ -22228,12 +21623,6 @@
                 </a:rPr>
                 <a:t>文件管理</a:t>
               </a:r>
-              <a:endParaRPr lang="zh-CN" altLang="en-US" sz="1400" b="1">
-                <a:solidFill>
-                  <a:schemeClr val="bg1"/>
-                </a:solidFill>
-                <a:ea typeface="微软雅黑" panose="020B0503020204020204" charset="-122"/>
-              </a:endParaRPr>
             </a:p>
           </p:txBody>
         </p:sp>
@@ -22275,6 +21664,7 @@
             <a:bodyPr vertOverflow="overflow" horzOverflow="overflow" vert="horz" wrap="square" numCol="1" spcCol="0" rtlCol="0" fromWordArt="0" anchor="ctr" anchorCtr="0" forceAA="0" compatLnSpc="1">
               <a:noAutofit/>
             </a:bodyPr>
+            <a:lstStyle/>
             <a:p>
               <a:pPr lvl="0" algn="ctr"/>
               <a:endParaRPr lang="zh-CN" altLang="en-US">
@@ -22304,6 +21694,7 @@
             <a:bodyPr wrap="none" rtlCol="0">
               <a:noAutofit/>
             </a:bodyPr>
+            <a:lstStyle/>
             <a:p>
               <a:r>
                 <a:rPr lang="zh-CN" altLang="en-US" sz="1400" b="1">
@@ -22314,12 +21705,6 @@
                 </a:rPr>
                 <a:t>设   置</a:t>
               </a:r>
-              <a:endParaRPr lang="zh-CN" altLang="en-US" sz="1400" b="1">
-                <a:solidFill>
-                  <a:schemeClr val="bg1"/>
-                </a:solidFill>
-                <a:ea typeface="微软雅黑" panose="020B0503020204020204" charset="-122"/>
-              </a:endParaRPr>
             </a:p>
           </p:txBody>
         </p:sp>
@@ -22361,6 +21746,7 @@
             <a:bodyPr vertOverflow="overflow" horzOverflow="overflow" vert="horz" wrap="square" numCol="1" spcCol="0" rtlCol="0" fromWordArt="0" anchor="ctr" anchorCtr="0" forceAA="0" compatLnSpc="1">
               <a:noAutofit/>
             </a:bodyPr>
+            <a:lstStyle/>
             <a:p>
               <a:pPr lvl="0" algn="ctr"/>
               <a:endParaRPr lang="zh-CN" altLang="en-US">
@@ -22390,6 +21776,7 @@
             <a:bodyPr wrap="none" rtlCol="0">
               <a:noAutofit/>
             </a:bodyPr>
+            <a:lstStyle/>
             <a:p>
               <a:r>
                 <a:rPr lang="zh-CN" altLang="en-US" sz="1400" b="1">
@@ -22400,12 +21787,6 @@
                 </a:rPr>
                 <a:t>系统信息</a:t>
               </a:r>
-              <a:endParaRPr lang="zh-CN" altLang="en-US" sz="1400" b="1">
-                <a:solidFill>
-                  <a:schemeClr val="bg1"/>
-                </a:solidFill>
-                <a:ea typeface="微软雅黑" panose="020B0503020204020204" charset="-122"/>
-              </a:endParaRPr>
             </a:p>
           </p:txBody>
         </p:sp>
@@ -22447,6 +21828,7 @@
             <a:bodyPr vertOverflow="overflow" horzOverflow="overflow" vert="horz" wrap="square" numCol="1" spcCol="0" rtlCol="0" fromWordArt="0" anchor="ctr" anchorCtr="0" forceAA="0" compatLnSpc="1">
               <a:noAutofit/>
             </a:bodyPr>
+            <a:lstStyle/>
             <a:p>
               <a:pPr lvl="0" algn="ctr"/>
               <a:endParaRPr lang="zh-CN" altLang="en-US">
@@ -22476,6 +21858,7 @@
             <a:bodyPr wrap="none" rtlCol="0">
               <a:noAutofit/>
             </a:bodyPr>
+            <a:lstStyle/>
             <a:p>
               <a:r>
                 <a:rPr lang="zh-CN" altLang="en-US" sz="1400" b="1">
@@ -22486,12 +21869,6 @@
                 </a:rPr>
                 <a:t>亮   度</a:t>
               </a:r>
-              <a:endParaRPr lang="zh-CN" altLang="en-US" sz="1400" b="1">
-                <a:solidFill>
-                  <a:schemeClr val="bg1"/>
-                </a:solidFill>
-                <a:ea typeface="微软雅黑" panose="020B0503020204020204" charset="-122"/>
-              </a:endParaRPr>
             </a:p>
           </p:txBody>
         </p:sp>
@@ -22513,7 +21890,14 @@
         <p:cNvGrpSpPr/>
         <p:nvPr/>
       </p:nvGrpSpPr>
-      <p:grpSpPr/>
+      <p:grpSpPr>
+        <a:xfrm>
+          <a:off x="0" y="0"/>
+          <a:ext cx="0" cy="0"/>
+          <a:chOff x="0" y="0"/>
+          <a:chExt cx="0" cy="0"/>
+        </a:xfrm>
+      </p:grpSpPr>
       <p:sp>
         <p:nvSpPr>
           <p:cNvPr id="29" name="矩形 28"/>
@@ -22575,6 +21959,7 @@
         </p:style>
         <p:txBody>
           <a:bodyPr rtlCol="0" anchor="ctr"/>
+          <a:lstStyle/>
           <a:p>
             <a:pPr algn="ctr"/>
             <a:endParaRPr lang="zh-CN" altLang="en-US">
@@ -22625,6 +22010,7 @@
         </p:style>
         <p:txBody>
           <a:bodyPr rtlCol="0" anchor="ctr"/>
+          <a:lstStyle/>
           <a:p>
             <a:pPr algn="ctr"/>
             <a:endParaRPr lang="zh-CN" altLang="en-US" sz="1200">
@@ -22669,6 +22055,7 @@
         </p:style>
         <p:txBody>
           <a:bodyPr rtlCol="0" anchor="ctr"/>
+          <a:lstStyle/>
           <a:p>
             <a:pPr algn="ctr"/>
             <a:endParaRPr lang="zh-CN" altLang="en-US"/>
@@ -22695,6 +22082,7 @@
           <a:bodyPr wrap="square" rtlCol="0">
             <a:spAutoFit/>
           </a:bodyPr>
+          <a:lstStyle/>
           <a:p>
             <a:r>
               <a:rPr lang="zh-CN" altLang="en-US">
@@ -22705,12 +22093,6 @@
               </a:rPr>
               <a:t>视频实时预览</a:t>
             </a:r>
-            <a:endParaRPr lang="zh-CN" altLang="en-US">
-              <a:solidFill>
-                <a:schemeClr val="bg1"/>
-              </a:solidFill>
-              <a:ea typeface="微软雅黑" panose="020B0503020204020204" charset="-122"/>
-            </a:endParaRPr>
           </a:p>
         </p:txBody>
       </p:sp>
@@ -22734,6 +22116,7 @@
           <a:bodyPr wrap="square" rtlCol="0">
             <a:spAutoFit/>
           </a:bodyPr>
+          <a:lstStyle/>
           <a:p>
             <a:r>
               <a:rPr lang="zh-CN" altLang="en-US">
@@ -22741,9 +22124,6 @@
               </a:rPr>
               <a:t>关机确认界面</a:t>
             </a:r>
-            <a:endParaRPr lang="zh-CN" altLang="en-US">
-              <a:ea typeface="微软雅黑" panose="020B0503020204020204" charset="-122"/>
-            </a:endParaRPr>
           </a:p>
         </p:txBody>
       </p:sp>
@@ -22788,6 +22168,7 @@
         </p:style>
         <p:txBody>
           <a:bodyPr rtlCol="0" anchor="ctr"/>
+          <a:lstStyle/>
           <a:p>
             <a:pPr algn="ctr"/>
             <a:endParaRPr lang="zh-CN" altLang="en-US"/>
@@ -22849,6 +22230,7 @@
             <a:bodyPr vertOverflow="overflow" horzOverflow="overflow" vert="horz" wrap="square" numCol="1" spcCol="0" rtlCol="0" fromWordArt="0" anchor="ctr" anchorCtr="0" forceAA="0" compatLnSpc="1">
               <a:noAutofit/>
             </a:bodyPr>
+            <a:lstStyle/>
             <a:p>
               <a:pPr lvl="0" algn="ctr"/>
               <a:endParaRPr lang="zh-CN" altLang="en-US">
@@ -22878,6 +22260,7 @@
             <a:bodyPr wrap="none" rtlCol="0">
               <a:noAutofit/>
             </a:bodyPr>
+            <a:lstStyle/>
             <a:p>
               <a:r>
                 <a:rPr lang="zh-CN" altLang="en-US" sz="1400" b="1">
@@ -22888,12 +22271,6 @@
                 </a:rPr>
                 <a:t>关  机</a:t>
               </a:r>
-              <a:endParaRPr lang="zh-CN" altLang="en-US" sz="1400" b="1">
-                <a:solidFill>
-                  <a:schemeClr val="bg1"/>
-                </a:solidFill>
-                <a:ea typeface="微软雅黑" panose="020B0503020204020204" charset="-122"/>
-              </a:endParaRPr>
             </a:p>
           </p:txBody>
         </p:sp>
@@ -22935,6 +22312,7 @@
             <a:bodyPr vertOverflow="overflow" horzOverflow="overflow" vert="horz" wrap="square" numCol="1" spcCol="0" rtlCol="0" fromWordArt="0" anchor="ctr" anchorCtr="0" forceAA="0" compatLnSpc="1">
               <a:noAutofit/>
             </a:bodyPr>
+            <a:lstStyle/>
             <a:p>
               <a:pPr lvl="0" algn="ctr"/>
               <a:endParaRPr lang="zh-CN" altLang="en-US">
@@ -22964,6 +22342,7 @@
             <a:bodyPr wrap="none" rtlCol="0">
               <a:noAutofit/>
             </a:bodyPr>
+            <a:lstStyle/>
             <a:p>
               <a:r>
                 <a:rPr lang="zh-CN" altLang="en-US" sz="1400" b="1">
@@ -22974,12 +22353,6 @@
                 </a:rPr>
                 <a:t>录   像</a:t>
               </a:r>
-              <a:endParaRPr lang="zh-CN" altLang="en-US" sz="1400" b="1">
-                <a:solidFill>
-                  <a:schemeClr val="bg1"/>
-                </a:solidFill>
-                <a:ea typeface="微软雅黑" panose="020B0503020204020204" charset="-122"/>
-              </a:endParaRPr>
             </a:p>
           </p:txBody>
         </p:sp>
@@ -23021,6 +22394,7 @@
             <a:bodyPr vertOverflow="overflow" horzOverflow="overflow" vert="horz" wrap="square" numCol="1" spcCol="0" rtlCol="0" fromWordArt="0" anchor="ctr" anchorCtr="0" forceAA="0" compatLnSpc="1">
               <a:noAutofit/>
             </a:bodyPr>
+            <a:lstStyle/>
             <a:p>
               <a:pPr lvl="0" algn="ctr"/>
               <a:endParaRPr lang="zh-CN" altLang="en-US">
@@ -23050,6 +22424,7 @@
             <a:bodyPr wrap="none" rtlCol="0">
               <a:noAutofit/>
             </a:bodyPr>
+            <a:lstStyle/>
             <a:p>
               <a:r>
                 <a:rPr lang="zh-CN" altLang="en-US" sz="1400" b="1">
@@ -23060,12 +22435,6 @@
                 </a:rPr>
                 <a:t>拍   照</a:t>
               </a:r>
-              <a:endParaRPr lang="zh-CN" altLang="en-US" sz="1400" b="1">
-                <a:solidFill>
-                  <a:schemeClr val="bg1"/>
-                </a:solidFill>
-                <a:ea typeface="微软雅黑" panose="020B0503020204020204" charset="-122"/>
-              </a:endParaRPr>
             </a:p>
           </p:txBody>
         </p:sp>
@@ -23107,6 +22476,7 @@
             <a:bodyPr vertOverflow="overflow" horzOverflow="overflow" vert="horz" wrap="square" numCol="1" spcCol="0" rtlCol="0" fromWordArt="0" anchor="ctr" anchorCtr="0" forceAA="0" compatLnSpc="1">
               <a:noAutofit/>
             </a:bodyPr>
+            <a:lstStyle/>
             <a:p>
               <a:pPr lvl="0" algn="ctr"/>
               <a:endParaRPr lang="zh-CN" altLang="en-US">
@@ -23136,6 +22506,7 @@
             <a:bodyPr wrap="none" rtlCol="0">
               <a:noAutofit/>
             </a:bodyPr>
+            <a:lstStyle/>
             <a:p>
               <a:r>
                 <a:rPr lang="zh-CN" altLang="en-US" sz="1400" b="1">
@@ -23146,12 +22517,6 @@
                 </a:rPr>
                 <a:t>文件管理</a:t>
               </a:r>
-              <a:endParaRPr lang="zh-CN" altLang="en-US" sz="1400" b="1">
-                <a:solidFill>
-                  <a:schemeClr val="bg1"/>
-                </a:solidFill>
-                <a:ea typeface="微软雅黑" panose="020B0503020204020204" charset="-122"/>
-              </a:endParaRPr>
             </a:p>
           </p:txBody>
         </p:sp>
@@ -23193,6 +22558,7 @@
             <a:bodyPr vertOverflow="overflow" horzOverflow="overflow" vert="horz" wrap="square" numCol="1" spcCol="0" rtlCol="0" fromWordArt="0" anchor="ctr" anchorCtr="0" forceAA="0" compatLnSpc="1">
               <a:noAutofit/>
             </a:bodyPr>
+            <a:lstStyle/>
             <a:p>
               <a:pPr lvl="0" algn="ctr"/>
               <a:endParaRPr lang="zh-CN" altLang="en-US">
@@ -23222,6 +22588,7 @@
             <a:bodyPr wrap="none" rtlCol="0">
               <a:noAutofit/>
             </a:bodyPr>
+            <a:lstStyle/>
             <a:p>
               <a:r>
                 <a:rPr lang="zh-CN" altLang="en-US" sz="1400" b="1">
@@ -23232,12 +22599,6 @@
                 </a:rPr>
                 <a:t>设   置</a:t>
               </a:r>
-              <a:endParaRPr lang="zh-CN" altLang="en-US" sz="1400" b="1">
-                <a:solidFill>
-                  <a:schemeClr val="bg1"/>
-                </a:solidFill>
-                <a:ea typeface="微软雅黑" panose="020B0503020204020204" charset="-122"/>
-              </a:endParaRPr>
             </a:p>
           </p:txBody>
         </p:sp>
@@ -23279,6 +22640,7 @@
             <a:bodyPr vertOverflow="overflow" horzOverflow="overflow" vert="horz" wrap="square" numCol="1" spcCol="0" rtlCol="0" fromWordArt="0" anchor="ctr" anchorCtr="0" forceAA="0" compatLnSpc="1">
               <a:noAutofit/>
             </a:bodyPr>
+            <a:lstStyle/>
             <a:p>
               <a:pPr lvl="0" algn="ctr"/>
               <a:endParaRPr lang="zh-CN" altLang="en-US">
@@ -23308,6 +22670,7 @@
             <a:bodyPr wrap="none" rtlCol="0">
               <a:noAutofit/>
             </a:bodyPr>
+            <a:lstStyle/>
             <a:p>
               <a:r>
                 <a:rPr lang="zh-CN" altLang="en-US" sz="1400" b="1">
@@ -23318,12 +22681,6 @@
                 </a:rPr>
                 <a:t>系统信息</a:t>
               </a:r>
-              <a:endParaRPr lang="zh-CN" altLang="en-US" sz="1400" b="1">
-                <a:solidFill>
-                  <a:schemeClr val="bg1"/>
-                </a:solidFill>
-                <a:ea typeface="微软雅黑" panose="020B0503020204020204" charset="-122"/>
-              </a:endParaRPr>
             </a:p>
           </p:txBody>
         </p:sp>
@@ -23365,6 +22722,7 @@
             <a:bodyPr vertOverflow="overflow" horzOverflow="overflow" vert="horz" wrap="square" numCol="1" spcCol="0" rtlCol="0" fromWordArt="0" anchor="ctr" anchorCtr="0" forceAA="0" compatLnSpc="1">
               <a:noAutofit/>
             </a:bodyPr>
+            <a:lstStyle/>
             <a:p>
               <a:pPr lvl="0" algn="ctr"/>
               <a:endParaRPr lang="zh-CN" altLang="en-US">
@@ -23394,6 +22752,7 @@
             <a:bodyPr wrap="none" rtlCol="0">
               <a:noAutofit/>
             </a:bodyPr>
+            <a:lstStyle/>
             <a:p>
               <a:r>
                 <a:rPr lang="zh-CN" altLang="en-US" sz="1400" b="1">
@@ -23404,12 +22763,6 @@
                 </a:rPr>
                 <a:t>亮   度</a:t>
               </a:r>
-              <a:endParaRPr lang="zh-CN" altLang="en-US" sz="1400" b="1">
-                <a:solidFill>
-                  <a:schemeClr val="bg1"/>
-                </a:solidFill>
-                <a:ea typeface="微软雅黑" panose="020B0503020204020204" charset="-122"/>
-              </a:endParaRPr>
             </a:p>
           </p:txBody>
         </p:sp>
@@ -23453,8 +22806,9 @@
         </p:style>
         <p:txBody>
           <a:bodyPr rtlCol="0" anchor="ctr">
-            <a:normAutofit fontScale="80000"/>
+            <a:normAutofit fontScale="87500" lnSpcReduction="20000"/>
           </a:bodyPr>
+          <a:lstStyle/>
           <a:p>
             <a:pPr algn="ctr"/>
             <a:r>
@@ -23473,9 +22827,6 @@
               </a:rPr>
               <a:t>盘</a:t>
             </a:r>
-            <a:endParaRPr lang="zh-CN" altLang="en-US" sz="1200" b="1">
-              <a:ea typeface="微软雅黑" panose="020B0503020204020204" charset="-122"/>
-            </a:endParaRPr>
           </a:p>
         </p:txBody>
       </p:sp>
@@ -23499,6 +22850,7 @@
           <a:bodyPr wrap="square" rtlCol="0">
             <a:spAutoFit/>
           </a:bodyPr>
+          <a:lstStyle/>
           <a:p>
             <a:pPr lvl="0" algn="l"/>
             <a:r>
@@ -23511,13 +22863,6 @@
               </a:rPr>
               <a:t>是否关机？</a:t>
             </a:r>
-            <a:endParaRPr lang="zh-CN" altLang="zh-CN" sz="1200" b="1">
-              <a:solidFill>
-                <a:srgbClr val="FFC000"/>
-              </a:solidFill>
-              <a:ea typeface="微软雅黑" panose="020B0503020204020204" charset="-122"/>
-              <a:sym typeface="+mn-ea"/>
-            </a:endParaRPr>
           </a:p>
         </p:txBody>
       </p:sp>
@@ -23562,6 +22907,7 @@
           <a:bodyPr vertOverflow="overflow" horzOverflow="overflow" vert="horz" wrap="square" numCol="1" spcCol="0" rtlCol="0" fromWordArt="0" anchor="ctr" anchorCtr="0" forceAA="0" compatLnSpc="1">
             <a:noAutofit/>
           </a:bodyPr>
+          <a:lstStyle/>
           <a:p>
             <a:pPr lvl="0" algn="ctr"/>
             <a:endParaRPr lang="en-US" altLang="zh-CN" sz="1200">
@@ -23590,6 +22936,7 @@
           <a:bodyPr wrap="square" rtlCol="0">
             <a:spAutoFit/>
           </a:bodyPr>
+          <a:lstStyle/>
           <a:p>
             <a:pPr algn="l"/>
             <a:r>
@@ -23602,13 +22949,6 @@
               </a:rPr>
               <a:t>确认</a:t>
             </a:r>
-            <a:endParaRPr lang="zh-CN" altLang="zh-CN" sz="900">
-              <a:solidFill>
-                <a:schemeClr val="tx1"/>
-              </a:solidFill>
-              <a:ea typeface="微软雅黑" panose="020B0503020204020204" charset="-122"/>
-              <a:sym typeface="+mn-ea"/>
-            </a:endParaRPr>
           </a:p>
         </p:txBody>
       </p:sp>
@@ -23650,6 +22990,7 @@
           <a:bodyPr vertOverflow="overflow" horzOverflow="overflow" vert="horz" wrap="square" numCol="1" spcCol="0" rtlCol="0" fromWordArt="0" anchor="ctr" anchorCtr="0" forceAA="0" compatLnSpc="1">
             <a:noAutofit/>
           </a:bodyPr>
+          <a:lstStyle/>
           <a:p>
             <a:pPr lvl="0" algn="ctr"/>
             <a:endParaRPr lang="en-US" altLang="zh-CN" sz="1000">
@@ -23678,6 +23019,7 @@
           <a:bodyPr wrap="square" rtlCol="0">
             <a:spAutoFit/>
           </a:bodyPr>
+          <a:lstStyle/>
           <a:p>
             <a:pPr algn="l"/>
             <a:r>
@@ -23690,13 +23032,6 @@
               </a:rPr>
               <a:t>取消</a:t>
             </a:r>
-            <a:endParaRPr lang="zh-CN" altLang="zh-CN" sz="900">
-              <a:solidFill>
-                <a:schemeClr val="tx1"/>
-              </a:solidFill>
-              <a:ea typeface="微软雅黑" panose="020B0503020204020204" charset="-122"/>
-              <a:sym typeface="+mn-ea"/>
-            </a:endParaRPr>
           </a:p>
         </p:txBody>
       </p:sp>
@@ -23717,7 +23052,14 @@
         <p:cNvGrpSpPr/>
         <p:nvPr/>
       </p:nvGrpSpPr>
-      <p:grpSpPr/>
+      <p:grpSpPr>
+        <a:xfrm>
+          <a:off x="0" y="0"/>
+          <a:ext cx="0" cy="0"/>
+          <a:chOff x="0" y="0"/>
+          <a:chExt cx="0" cy="0"/>
+        </a:xfrm>
+      </p:grpSpPr>
       <p:sp>
         <p:nvSpPr>
           <p:cNvPr id="3" name="矩形 2"/>
@@ -23779,6 +23121,7 @@
         </p:style>
         <p:txBody>
           <a:bodyPr rtlCol="0" anchor="ctr"/>
+          <a:lstStyle/>
           <a:p>
             <a:pPr algn="ctr"/>
             <a:endParaRPr lang="zh-CN" altLang="en-US">
@@ -23823,6 +23166,7 @@
         </p:style>
         <p:txBody>
           <a:bodyPr rtlCol="0" anchor="ctr"/>
+          <a:lstStyle/>
           <a:p>
             <a:pPr algn="ctr"/>
             <a:endParaRPr lang="zh-CN" altLang="en-US"/>
@@ -23849,6 +23193,7 @@
           <a:bodyPr wrap="square" rtlCol="0">
             <a:spAutoFit/>
           </a:bodyPr>
+          <a:lstStyle/>
           <a:p>
             <a:r>
               <a:rPr lang="zh-CN" altLang="en-US">
@@ -23859,12 +23204,6 @@
               </a:rPr>
               <a:t>视频实时预览</a:t>
             </a:r>
-            <a:endParaRPr lang="zh-CN" altLang="en-US">
-              <a:solidFill>
-                <a:schemeClr val="tx1"/>
-              </a:solidFill>
-              <a:ea typeface="微软雅黑" panose="020B0503020204020204" charset="-122"/>
-            </a:endParaRPr>
           </a:p>
         </p:txBody>
       </p:sp>
@@ -23888,6 +23227,7 @@
           <a:bodyPr wrap="square" rtlCol="0">
             <a:spAutoFit/>
           </a:bodyPr>
+          <a:lstStyle/>
           <a:p>
             <a:r>
               <a:rPr lang="zh-CN" altLang="en-US">
@@ -23895,9 +23235,6 @@
               </a:rPr>
               <a:t>录像界面</a:t>
             </a:r>
-            <a:endParaRPr lang="zh-CN" altLang="en-US">
-              <a:ea typeface="微软雅黑" panose="020B0503020204020204" charset="-122"/>
-            </a:endParaRPr>
           </a:p>
         </p:txBody>
       </p:sp>
@@ -23919,8 +23256,9 @@
         </p:spPr>
         <p:txBody>
           <a:bodyPr wrap="square" rtlCol="0">
-            <a:normAutofit fontScale="90000" lnSpcReduction="10000"/>
+            <a:normAutofit fontScale="97500" lnSpcReduction="10000"/>
           </a:bodyPr>
+          <a:lstStyle/>
           <a:p>
             <a:r>
               <a:rPr lang="zh-CN" altLang="en-US" sz="900">
@@ -23940,12 +23278,6 @@
               </a:rPr>
               <a:t>01:42</a:t>
             </a:r>
-            <a:endParaRPr lang="en-US" altLang="zh-CN" sz="900">
-              <a:solidFill>
-                <a:schemeClr val="bg1"/>
-              </a:solidFill>
-              <a:ea typeface="微软雅黑" panose="020B0503020204020204" charset="-122"/>
-            </a:endParaRPr>
           </a:p>
         </p:txBody>
       </p:sp>
@@ -23985,6 +23317,7 @@
         </p:style>
         <p:txBody>
           <a:bodyPr rtlCol="0" anchor="ctr"/>
+          <a:lstStyle/>
           <a:p>
             <a:pPr algn="ctr"/>
             <a:endParaRPr lang="zh-CN" altLang="en-US"/>
@@ -24032,6 +23365,7 @@
         </p:style>
         <p:txBody>
           <a:bodyPr rtlCol="0" anchor="ctr"/>
+          <a:lstStyle/>
           <a:p>
             <a:pPr algn="ctr"/>
             <a:endParaRPr lang="zh-CN" altLang="en-US"/>
@@ -24076,6 +23410,7 @@
           <a:bodyPr vertOverflow="overflow" horzOverflow="overflow" vert="horz" wrap="square" numCol="1" spcCol="0" rtlCol="0" fromWordArt="0" anchor="ctr" anchorCtr="0" forceAA="0" compatLnSpc="1">
             <a:noAutofit/>
           </a:bodyPr>
+          <a:lstStyle/>
           <a:p>
             <a:pPr lvl="0" algn="ctr"/>
             <a:endParaRPr lang="zh-CN" altLang="en-US">
@@ -24105,6 +23440,7 @@
           <a:bodyPr wrap="none" rtlCol="0">
             <a:noAutofit/>
           </a:bodyPr>
+          <a:lstStyle/>
           <a:p>
             <a:r>
               <a:rPr lang="zh-CN" altLang="en-US" sz="1400" b="1">
@@ -24115,12 +23451,6 @@
               </a:rPr>
               <a:t>关  机</a:t>
             </a:r>
-            <a:endParaRPr lang="zh-CN" altLang="en-US" sz="1400" b="1">
-              <a:solidFill>
-                <a:schemeClr val="bg1"/>
-              </a:solidFill>
-              <a:ea typeface="微软雅黑" panose="020B0503020204020204" charset="-122"/>
-            </a:endParaRPr>
           </a:p>
         </p:txBody>
       </p:sp>
@@ -24165,6 +23495,7 @@
           <a:bodyPr vertOverflow="overflow" horzOverflow="overflow" vert="horz" wrap="square" numCol="1" spcCol="0" rtlCol="0" fromWordArt="0" anchor="ctr" anchorCtr="0" forceAA="0" compatLnSpc="1">
             <a:noAutofit/>
           </a:bodyPr>
+          <a:lstStyle/>
           <a:p>
             <a:pPr lvl="0" algn="ctr"/>
             <a:endParaRPr lang="zh-CN" altLang="en-US">
@@ -24194,6 +23525,7 @@
           <a:bodyPr wrap="none" rtlCol="0">
             <a:noAutofit/>
           </a:bodyPr>
+          <a:lstStyle/>
           <a:p>
             <a:r>
               <a:rPr lang="zh-CN" altLang="en-US" sz="1400" b="1">
@@ -24204,12 +23536,6 @@
               </a:rPr>
               <a:t>录   像</a:t>
             </a:r>
-            <a:endParaRPr lang="zh-CN" altLang="en-US" sz="1400" b="1">
-              <a:solidFill>
-                <a:schemeClr val="bg1"/>
-              </a:solidFill>
-              <a:ea typeface="微软雅黑" panose="020B0503020204020204" charset="-122"/>
-            </a:endParaRPr>
           </a:p>
         </p:txBody>
       </p:sp>
@@ -24251,6 +23577,7 @@
           <a:bodyPr vertOverflow="overflow" horzOverflow="overflow" vert="horz" wrap="square" numCol="1" spcCol="0" rtlCol="0" fromWordArt="0" anchor="ctr" anchorCtr="0" forceAA="0" compatLnSpc="1">
             <a:noAutofit/>
           </a:bodyPr>
+          <a:lstStyle/>
           <a:p>
             <a:pPr lvl="0" algn="ctr"/>
             <a:endParaRPr lang="zh-CN" altLang="en-US">
@@ -24280,6 +23607,7 @@
           <a:bodyPr wrap="none" rtlCol="0">
             <a:noAutofit/>
           </a:bodyPr>
+          <a:lstStyle/>
           <a:p>
             <a:r>
               <a:rPr lang="zh-CN" altLang="en-US" sz="1400" b="1">
@@ -24290,12 +23618,6 @@
               </a:rPr>
               <a:t>拍   照</a:t>
             </a:r>
-            <a:endParaRPr lang="zh-CN" altLang="en-US" sz="1400" b="1">
-              <a:solidFill>
-                <a:schemeClr val="bg1"/>
-              </a:solidFill>
-              <a:ea typeface="微软雅黑" panose="020B0503020204020204" charset="-122"/>
-            </a:endParaRPr>
           </a:p>
         </p:txBody>
       </p:sp>
@@ -24337,6 +23659,7 @@
           <a:bodyPr vertOverflow="overflow" horzOverflow="overflow" vert="horz" wrap="square" numCol="1" spcCol="0" rtlCol="0" fromWordArt="0" anchor="ctr" anchorCtr="0" forceAA="0" compatLnSpc="1">
             <a:noAutofit/>
           </a:bodyPr>
+          <a:lstStyle/>
           <a:p>
             <a:pPr lvl="0" algn="ctr"/>
             <a:endParaRPr lang="zh-CN" altLang="en-US">
@@ -24366,6 +23689,7 @@
           <a:bodyPr wrap="none" rtlCol="0">
             <a:noAutofit/>
           </a:bodyPr>
+          <a:lstStyle/>
           <a:p>
             <a:r>
               <a:rPr lang="zh-CN" altLang="en-US" sz="1400" b="1">
@@ -24376,12 +23700,6 @@
               </a:rPr>
               <a:t>文件管理</a:t>
             </a:r>
-            <a:endParaRPr lang="zh-CN" altLang="en-US" sz="1400" b="1">
-              <a:solidFill>
-                <a:schemeClr val="bg1"/>
-              </a:solidFill>
-              <a:ea typeface="微软雅黑" panose="020B0503020204020204" charset="-122"/>
-            </a:endParaRPr>
           </a:p>
         </p:txBody>
       </p:sp>
@@ -24423,6 +23741,7 @@
           <a:bodyPr vertOverflow="overflow" horzOverflow="overflow" vert="horz" wrap="square" numCol="1" spcCol="0" rtlCol="0" fromWordArt="0" anchor="ctr" anchorCtr="0" forceAA="0" compatLnSpc="1">
             <a:noAutofit/>
           </a:bodyPr>
+          <a:lstStyle/>
           <a:p>
             <a:pPr lvl="0" algn="ctr"/>
             <a:endParaRPr lang="zh-CN" altLang="en-US">
@@ -24452,6 +23771,7 @@
           <a:bodyPr wrap="none" rtlCol="0">
             <a:noAutofit/>
           </a:bodyPr>
+          <a:lstStyle/>
           <a:p>
             <a:r>
               <a:rPr lang="zh-CN" altLang="en-US" sz="1400" b="1">
@@ -24462,12 +23782,6 @@
               </a:rPr>
               <a:t>设   置</a:t>
             </a:r>
-            <a:endParaRPr lang="zh-CN" altLang="en-US" sz="1400" b="1">
-              <a:solidFill>
-                <a:schemeClr val="bg1"/>
-              </a:solidFill>
-              <a:ea typeface="微软雅黑" panose="020B0503020204020204" charset="-122"/>
-            </a:endParaRPr>
           </a:p>
         </p:txBody>
       </p:sp>
@@ -24509,6 +23823,7 @@
           <a:bodyPr vertOverflow="overflow" horzOverflow="overflow" vert="horz" wrap="square" numCol="1" spcCol="0" rtlCol="0" fromWordArt="0" anchor="ctr" anchorCtr="0" forceAA="0" compatLnSpc="1">
             <a:noAutofit/>
           </a:bodyPr>
+          <a:lstStyle/>
           <a:p>
             <a:pPr lvl="0" algn="ctr"/>
             <a:endParaRPr lang="zh-CN" altLang="en-US">
@@ -24538,6 +23853,7 @@
           <a:bodyPr wrap="none" rtlCol="0">
             <a:noAutofit/>
           </a:bodyPr>
+          <a:lstStyle/>
           <a:p>
             <a:r>
               <a:rPr lang="zh-CN" altLang="en-US" sz="1400" b="1">
@@ -24548,12 +23864,6 @@
               </a:rPr>
               <a:t>系统信息</a:t>
             </a:r>
-            <a:endParaRPr lang="zh-CN" altLang="en-US" sz="1400" b="1">
-              <a:solidFill>
-                <a:schemeClr val="bg1"/>
-              </a:solidFill>
-              <a:ea typeface="微软雅黑" panose="020B0503020204020204" charset="-122"/>
-            </a:endParaRPr>
           </a:p>
         </p:txBody>
       </p:sp>
@@ -24595,6 +23905,7 @@
           <a:bodyPr vertOverflow="overflow" horzOverflow="overflow" vert="horz" wrap="square" numCol="1" spcCol="0" rtlCol="0" fromWordArt="0" anchor="ctr" anchorCtr="0" forceAA="0" compatLnSpc="1">
             <a:noAutofit/>
           </a:bodyPr>
+          <a:lstStyle/>
           <a:p>
             <a:pPr lvl="0" algn="ctr"/>
             <a:endParaRPr lang="zh-CN" altLang="en-US">
@@ -24624,6 +23935,7 @@
           <a:bodyPr wrap="none" rtlCol="0">
             <a:noAutofit/>
           </a:bodyPr>
+          <a:lstStyle/>
           <a:p>
             <a:r>
               <a:rPr lang="zh-CN" altLang="en-US" sz="1400" b="1">
@@ -24634,12 +23946,6 @@
               </a:rPr>
               <a:t>亮   度</a:t>
             </a:r>
-            <a:endParaRPr lang="zh-CN" altLang="en-US" sz="1400" b="1">
-              <a:solidFill>
-                <a:schemeClr val="bg1"/>
-              </a:solidFill>
-              <a:ea typeface="微软雅黑" panose="020B0503020204020204" charset="-122"/>
-            </a:endParaRPr>
           </a:p>
         </p:txBody>
       </p:sp>
@@ -24682,8 +23988,9 @@
         </p:style>
         <p:txBody>
           <a:bodyPr rtlCol="0" anchor="ctr">
-            <a:normAutofit fontScale="80000"/>
+            <a:normAutofit fontScale="87500" lnSpcReduction="20000"/>
           </a:bodyPr>
+          <a:lstStyle/>
           <a:p>
             <a:pPr algn="ctr"/>
             <a:r>
@@ -24702,9 +24009,6 @@
               </a:rPr>
               <a:t>盘</a:t>
             </a:r>
-            <a:endParaRPr lang="zh-CN" altLang="en-US" sz="1200" b="1">
-              <a:ea typeface="微软雅黑" panose="020B0503020204020204" charset="-122"/>
-            </a:endParaRPr>
           </a:p>
         </p:txBody>
       </p:sp>
@@ -24725,7 +24029,14 @@
         <p:cNvGrpSpPr/>
         <p:nvPr/>
       </p:nvGrpSpPr>
-      <p:grpSpPr/>
+      <p:grpSpPr>
+        <a:xfrm>
+          <a:off x="0" y="0"/>
+          <a:ext cx="0" cy="0"/>
+          <a:chOff x="0" y="0"/>
+          <a:chExt cx="0" cy="0"/>
+        </a:xfrm>
+      </p:grpSpPr>
       <p:sp>
         <p:nvSpPr>
           <p:cNvPr id="29" name="矩形 28"/>
@@ -24787,6 +24098,7 @@
         </p:style>
         <p:txBody>
           <a:bodyPr rtlCol="0" anchor="ctr"/>
+          <a:lstStyle/>
           <a:p>
             <a:pPr algn="ctr"/>
             <a:endParaRPr lang="zh-CN" altLang="en-US">
@@ -24831,6 +24143,7 @@
         </p:style>
         <p:txBody>
           <a:bodyPr rtlCol="0" anchor="ctr"/>
+          <a:lstStyle/>
           <a:p>
             <a:pPr algn="ctr"/>
             <a:endParaRPr lang="zh-CN" altLang="en-US"/>
@@ -24876,6 +24189,7 @@
         </p:style>
         <p:txBody>
           <a:bodyPr rtlCol="0" anchor="ctr"/>
+          <a:lstStyle/>
           <a:p>
             <a:pPr algn="ctr"/>
             <a:endParaRPr lang="zh-CN" altLang="en-US"/>
@@ -24902,6 +24216,7 @@
           <a:bodyPr wrap="square" rtlCol="0">
             <a:spAutoFit/>
           </a:bodyPr>
+          <a:lstStyle/>
           <a:p>
             <a:r>
               <a:rPr lang="zh-CN" altLang="en-US">
@@ -24912,12 +24227,6 @@
               </a:rPr>
               <a:t>视频实时预览</a:t>
             </a:r>
-            <a:endParaRPr lang="zh-CN" altLang="en-US">
-              <a:solidFill>
-                <a:schemeClr val="bg1"/>
-              </a:solidFill>
-              <a:ea typeface="微软雅黑" panose="020B0503020204020204" charset="-122"/>
-            </a:endParaRPr>
           </a:p>
         </p:txBody>
       </p:sp>
@@ -24973,6 +24282,7 @@
             <a:bodyPr vertOverflow="overflow" horzOverflow="overflow" vert="horz" wrap="square" numCol="1" spcCol="0" rtlCol="0" fromWordArt="0" anchor="ctr" anchorCtr="0" forceAA="0" compatLnSpc="1">
               <a:noAutofit/>
             </a:bodyPr>
+            <a:lstStyle/>
             <a:p>
               <a:pPr lvl="0" algn="ctr"/>
               <a:endParaRPr lang="zh-CN" altLang="en-US">
@@ -25002,6 +24312,7 @@
             <a:bodyPr wrap="none" rtlCol="0">
               <a:noAutofit/>
             </a:bodyPr>
+            <a:lstStyle/>
             <a:p>
               <a:r>
                 <a:rPr lang="zh-CN" altLang="en-US" sz="1400" b="1">
@@ -25012,12 +24323,6 @@
                 </a:rPr>
                 <a:t>关  机</a:t>
               </a:r>
-              <a:endParaRPr lang="zh-CN" altLang="en-US" sz="1400" b="1">
-                <a:solidFill>
-                  <a:schemeClr val="bg1"/>
-                </a:solidFill>
-                <a:ea typeface="微软雅黑" panose="020B0503020204020204" charset="-122"/>
-              </a:endParaRPr>
             </a:p>
           </p:txBody>
         </p:sp>
@@ -25059,6 +24364,7 @@
             <a:bodyPr vertOverflow="overflow" horzOverflow="overflow" vert="horz" wrap="square" numCol="1" spcCol="0" rtlCol="0" fromWordArt="0" anchor="ctr" anchorCtr="0" forceAA="0" compatLnSpc="1">
               <a:noAutofit/>
             </a:bodyPr>
+            <a:lstStyle/>
             <a:p>
               <a:pPr lvl="0" algn="ctr"/>
               <a:endParaRPr lang="zh-CN" altLang="en-US">
@@ -25088,6 +24394,7 @@
             <a:bodyPr wrap="none" rtlCol="0">
               <a:noAutofit/>
             </a:bodyPr>
+            <a:lstStyle/>
             <a:p>
               <a:r>
                 <a:rPr lang="zh-CN" altLang="en-US" sz="1400" b="1">
@@ -25098,12 +24405,6 @@
                 </a:rPr>
                 <a:t>录   像</a:t>
               </a:r>
-              <a:endParaRPr lang="zh-CN" altLang="en-US" sz="1400" b="1">
-                <a:solidFill>
-                  <a:schemeClr val="bg1"/>
-                </a:solidFill>
-                <a:ea typeface="微软雅黑" panose="020B0503020204020204" charset="-122"/>
-              </a:endParaRPr>
             </a:p>
           </p:txBody>
         </p:sp>
@@ -25148,6 +24449,7 @@
             <a:bodyPr vertOverflow="overflow" horzOverflow="overflow" vert="horz" wrap="square" numCol="1" spcCol="0" rtlCol="0" fromWordArt="0" anchor="ctr" anchorCtr="0" forceAA="0" compatLnSpc="1">
               <a:noAutofit/>
             </a:bodyPr>
+            <a:lstStyle/>
             <a:p>
               <a:pPr lvl="0" algn="ctr"/>
               <a:endParaRPr lang="zh-CN" altLang="en-US">
@@ -25177,6 +24479,7 @@
             <a:bodyPr wrap="none" rtlCol="0">
               <a:noAutofit/>
             </a:bodyPr>
+            <a:lstStyle/>
             <a:p>
               <a:r>
                 <a:rPr lang="zh-CN" altLang="en-US" sz="1400" b="1">
@@ -25187,12 +24490,6 @@
                 </a:rPr>
                 <a:t>拍   照</a:t>
               </a:r>
-              <a:endParaRPr lang="zh-CN" altLang="en-US" sz="1400" b="1">
-                <a:solidFill>
-                  <a:schemeClr val="bg1"/>
-                </a:solidFill>
-                <a:ea typeface="微软雅黑" panose="020B0503020204020204" charset="-122"/>
-              </a:endParaRPr>
             </a:p>
           </p:txBody>
         </p:sp>
@@ -25234,6 +24531,7 @@
             <a:bodyPr vertOverflow="overflow" horzOverflow="overflow" vert="horz" wrap="square" numCol="1" spcCol="0" rtlCol="0" fromWordArt="0" anchor="ctr" anchorCtr="0" forceAA="0" compatLnSpc="1">
               <a:noAutofit/>
             </a:bodyPr>
+            <a:lstStyle/>
             <a:p>
               <a:pPr lvl="0" algn="ctr"/>
               <a:endParaRPr lang="zh-CN" altLang="en-US">
@@ -25263,6 +24561,7 @@
             <a:bodyPr wrap="none" rtlCol="0">
               <a:noAutofit/>
             </a:bodyPr>
+            <a:lstStyle/>
             <a:p>
               <a:r>
                 <a:rPr lang="zh-CN" altLang="en-US" sz="1400" b="1">
@@ -25273,12 +24572,6 @@
                 </a:rPr>
                 <a:t>文件管理</a:t>
               </a:r>
-              <a:endParaRPr lang="zh-CN" altLang="en-US" sz="1400" b="1">
-                <a:solidFill>
-                  <a:schemeClr val="bg1"/>
-                </a:solidFill>
-                <a:ea typeface="微软雅黑" panose="020B0503020204020204" charset="-122"/>
-              </a:endParaRPr>
             </a:p>
           </p:txBody>
         </p:sp>
@@ -25320,6 +24613,7 @@
             <a:bodyPr vertOverflow="overflow" horzOverflow="overflow" vert="horz" wrap="square" numCol="1" spcCol="0" rtlCol="0" fromWordArt="0" anchor="ctr" anchorCtr="0" forceAA="0" compatLnSpc="1">
               <a:noAutofit/>
             </a:bodyPr>
+            <a:lstStyle/>
             <a:p>
               <a:pPr lvl="0" algn="ctr"/>
               <a:endParaRPr lang="zh-CN" altLang="en-US">
@@ -25349,6 +24643,7 @@
             <a:bodyPr wrap="none" rtlCol="0">
               <a:noAutofit/>
             </a:bodyPr>
+            <a:lstStyle/>
             <a:p>
               <a:r>
                 <a:rPr lang="zh-CN" altLang="en-US" sz="1400" b="1">
@@ -25359,12 +24654,6 @@
                 </a:rPr>
                 <a:t>设   置</a:t>
               </a:r>
-              <a:endParaRPr lang="zh-CN" altLang="en-US" sz="1400" b="1">
-                <a:solidFill>
-                  <a:schemeClr val="bg1"/>
-                </a:solidFill>
-                <a:ea typeface="微软雅黑" panose="020B0503020204020204" charset="-122"/>
-              </a:endParaRPr>
             </a:p>
           </p:txBody>
         </p:sp>
@@ -25406,6 +24695,7 @@
             <a:bodyPr vertOverflow="overflow" horzOverflow="overflow" vert="horz" wrap="square" numCol="1" spcCol="0" rtlCol="0" fromWordArt="0" anchor="ctr" anchorCtr="0" forceAA="0" compatLnSpc="1">
               <a:noAutofit/>
             </a:bodyPr>
+            <a:lstStyle/>
             <a:p>
               <a:pPr lvl="0" algn="ctr"/>
               <a:endParaRPr lang="zh-CN" altLang="en-US">
@@ -25435,6 +24725,7 @@
             <a:bodyPr wrap="none" rtlCol="0">
               <a:noAutofit/>
             </a:bodyPr>
+            <a:lstStyle/>
             <a:p>
               <a:r>
                 <a:rPr lang="zh-CN" altLang="en-US" sz="1400" b="1">
@@ -25445,12 +24736,6 @@
                 </a:rPr>
                 <a:t>系统信息</a:t>
               </a:r>
-              <a:endParaRPr lang="zh-CN" altLang="en-US" sz="1400" b="1">
-                <a:solidFill>
-                  <a:schemeClr val="bg1"/>
-                </a:solidFill>
-                <a:ea typeface="微软雅黑" panose="020B0503020204020204" charset="-122"/>
-              </a:endParaRPr>
             </a:p>
           </p:txBody>
         </p:sp>
@@ -25492,6 +24777,7 @@
             <a:bodyPr vertOverflow="overflow" horzOverflow="overflow" vert="horz" wrap="square" numCol="1" spcCol="0" rtlCol="0" fromWordArt="0" anchor="ctr" anchorCtr="0" forceAA="0" compatLnSpc="1">
               <a:noAutofit/>
             </a:bodyPr>
+            <a:lstStyle/>
             <a:p>
               <a:pPr lvl="0" algn="ctr"/>
               <a:endParaRPr lang="zh-CN" altLang="en-US">
@@ -25521,6 +24807,7 @@
             <a:bodyPr wrap="none" rtlCol="0">
               <a:noAutofit/>
             </a:bodyPr>
+            <a:lstStyle/>
             <a:p>
               <a:r>
                 <a:rPr lang="zh-CN" altLang="en-US" sz="1400" b="1">
@@ -25531,12 +24818,6 @@
                 </a:rPr>
                 <a:t>亮   度</a:t>
               </a:r>
-              <a:endParaRPr lang="zh-CN" altLang="en-US" sz="1400" b="1">
-                <a:solidFill>
-                  <a:schemeClr val="bg1"/>
-                </a:solidFill>
-                <a:ea typeface="微软雅黑" panose="020B0503020204020204" charset="-122"/>
-              </a:endParaRPr>
             </a:p>
           </p:txBody>
         </p:sp>
@@ -25580,8 +24861,9 @@
         </p:style>
         <p:txBody>
           <a:bodyPr rtlCol="0" anchor="ctr">
-            <a:normAutofit fontScale="80000"/>
+            <a:normAutofit fontScale="87500" lnSpcReduction="20000"/>
           </a:bodyPr>
+          <a:lstStyle/>
           <a:p>
             <a:pPr algn="ctr"/>
             <a:r>
@@ -25600,9 +24882,6 @@
               </a:rPr>
               <a:t>盘</a:t>
             </a:r>
-            <a:endParaRPr lang="zh-CN" altLang="en-US" sz="1200" b="1">
-              <a:ea typeface="微软雅黑" panose="020B0503020204020204" charset="-122"/>
-            </a:endParaRPr>
           </a:p>
         </p:txBody>
       </p:sp>
@@ -25626,6 +24905,7 @@
           <a:bodyPr wrap="square" rtlCol="0">
             <a:spAutoFit/>
           </a:bodyPr>
+          <a:lstStyle/>
           <a:p>
             <a:r>
               <a:rPr lang="zh-CN" altLang="en-US">
@@ -25633,9 +24913,6 @@
               </a:rPr>
               <a:t>拍照界面</a:t>
             </a:r>
-            <a:endParaRPr lang="zh-CN" altLang="en-US">
-              <a:ea typeface="微软雅黑" panose="020B0503020204020204" charset="-122"/>
-            </a:endParaRPr>
           </a:p>
         </p:txBody>
       </p:sp>
@@ -25680,6 +24957,7 @@
         </p:style>
         <p:txBody>
           <a:bodyPr rtlCol="0" anchor="ctr"/>
+          <a:lstStyle/>
           <a:p>
             <a:pPr algn="ctr"/>
             <a:endParaRPr lang="zh-CN" altLang="en-US"/>
@@ -25706,6 +24984,7 @@
           <a:bodyPr wrap="none" rtlCol="0" anchor="t">
             <a:spAutoFit/>
           </a:bodyPr>
+          <a:lstStyle/>
           <a:p>
             <a:pPr algn="ctr"/>
             <a:r>
@@ -25721,16 +25000,6 @@
               </a:rPr>
               <a:t>缩放图</a:t>
             </a:r>
-            <a:endParaRPr lang="zh-CN" altLang="en-US" sz="1200">
-              <a:solidFill>
-                <a:schemeClr val="accent4">
-                  <a:lumMod val="40000"/>
-                  <a:lumOff val="60000"/>
-                </a:schemeClr>
-              </a:solidFill>
-              <a:ea typeface="微软雅黑" panose="020B0503020204020204" charset="-122"/>
-              <a:sym typeface="+mn-ea"/>
-            </a:endParaRPr>
           </a:p>
         </p:txBody>
       </p:sp>
@@ -25751,7 +25020,14 @@
         <p:cNvGrpSpPr/>
         <p:nvPr/>
       </p:nvGrpSpPr>
-      <p:grpSpPr/>
+      <p:grpSpPr>
+        <a:xfrm>
+          <a:off x="0" y="0"/>
+          <a:ext cx="0" cy="0"/>
+          <a:chOff x="0" y="0"/>
+          <a:chExt cx="0" cy="0"/>
+        </a:xfrm>
+      </p:grpSpPr>
       <p:sp>
         <p:nvSpPr>
           <p:cNvPr id="59" name="矩形 58"/>
@@ -25813,6 +25089,7 @@
         </p:style>
         <p:txBody>
           <a:bodyPr rtlCol="0" anchor="ctr"/>
+          <a:lstStyle/>
           <a:p>
             <a:pPr algn="ctr"/>
             <a:endParaRPr lang="zh-CN" altLang="en-US">
@@ -25857,6 +25134,7 @@
         </p:style>
         <p:txBody>
           <a:bodyPr rtlCol="0" anchor="ctr"/>
+          <a:lstStyle/>
           <a:p>
             <a:pPr algn="ctr"/>
             <a:endParaRPr lang="zh-CN" altLang="en-US"/>
@@ -25883,6 +25161,7 @@
           <a:bodyPr wrap="square" rtlCol="0">
             <a:spAutoFit/>
           </a:bodyPr>
+          <a:lstStyle/>
           <a:p>
             <a:r>
               <a:rPr lang="zh-CN" altLang="en-US">
@@ -25890,9 +25169,6 @@
               </a:rPr>
               <a:t>文件管理</a:t>
             </a:r>
-            <a:endParaRPr lang="zh-CN" altLang="en-US">
-              <a:ea typeface="微软雅黑" panose="020B0503020204020204" charset="-122"/>
-            </a:endParaRPr>
           </a:p>
         </p:txBody>
       </p:sp>
@@ -25938,6 +25214,7 @@
         </p:style>
         <p:txBody>
           <a:bodyPr rtlCol="0" anchor="ctr"/>
+          <a:lstStyle/>
           <a:p>
             <a:pPr algn="ctr"/>
             <a:r>
@@ -25949,12 +25226,6 @@
               </a:rPr>
               <a:t>缩略图</a:t>
             </a:r>
-            <a:endParaRPr lang="zh-CN" altLang="en-US" sz="1400">
-              <a:solidFill>
-                <a:schemeClr val="bg1"/>
-              </a:solidFill>
-              <a:ea typeface="微软雅黑" panose="020B0503020204020204" charset="-122"/>
-            </a:endParaRPr>
           </a:p>
         </p:txBody>
       </p:sp>
@@ -26000,6 +25271,7 @@
         </p:style>
         <p:txBody>
           <a:bodyPr rtlCol="0" anchor="ctr"/>
+          <a:lstStyle/>
           <a:p>
             <a:pPr algn="ctr"/>
             <a:endParaRPr lang="zh-CN" altLang="en-US">
@@ -26050,6 +25322,7 @@
         </p:style>
         <p:txBody>
           <a:bodyPr rtlCol="0" anchor="ctr"/>
+          <a:lstStyle/>
           <a:p>
             <a:pPr algn="ctr"/>
             <a:endParaRPr lang="zh-CN" altLang="en-US">
@@ -26100,6 +25373,7 @@
         </p:style>
         <p:txBody>
           <a:bodyPr rtlCol="0" anchor="ctr"/>
+          <a:lstStyle/>
           <a:p>
             <a:pPr algn="ctr"/>
             <a:endParaRPr lang="zh-CN" altLang="en-US">
@@ -26150,6 +25424,7 @@
         </p:style>
         <p:txBody>
           <a:bodyPr rtlCol="0" anchor="ctr"/>
+          <a:lstStyle/>
           <a:p>
             <a:pPr algn="ctr"/>
             <a:endParaRPr lang="zh-CN" altLang="en-US">
@@ -26200,6 +25475,7 @@
         </p:style>
         <p:txBody>
           <a:bodyPr rtlCol="0" anchor="ctr"/>
+          <a:lstStyle/>
           <a:p>
             <a:pPr algn="ctr"/>
             <a:endParaRPr lang="zh-CN" altLang="en-US">
@@ -26250,6 +25526,7 @@
         </p:style>
         <p:txBody>
           <a:bodyPr rtlCol="0" anchor="ctr"/>
+          <a:lstStyle/>
           <a:p>
             <a:pPr algn="ctr"/>
             <a:endParaRPr lang="zh-CN" altLang="en-US">
@@ -26300,6 +25577,7 @@
         </p:style>
         <p:txBody>
           <a:bodyPr rtlCol="0" anchor="ctr"/>
+          <a:lstStyle/>
           <a:p>
             <a:pPr algn="ctr"/>
             <a:endParaRPr lang="zh-CN" altLang="en-US">
@@ -26350,6 +25628,7 @@
         </p:style>
         <p:txBody>
           <a:bodyPr rtlCol="0" anchor="ctr"/>
+          <a:lstStyle/>
           <a:p>
             <a:pPr algn="ctr"/>
             <a:endParaRPr lang="zh-CN" altLang="en-US">
@@ -26400,6 +25679,7 @@
         </p:style>
         <p:txBody>
           <a:bodyPr rtlCol="0" anchor="ctr"/>
+          <a:lstStyle/>
           <a:p>
             <a:pPr algn="ctr"/>
             <a:endParaRPr lang="zh-CN" altLang="en-US">
@@ -26450,6 +25730,7 @@
         </p:style>
         <p:txBody>
           <a:bodyPr rtlCol="0" anchor="ctr"/>
+          <a:lstStyle/>
           <a:p>
             <a:pPr algn="ctr"/>
             <a:endParaRPr lang="zh-CN" altLang="en-US">
@@ -26500,6 +25781,7 @@
         </p:style>
         <p:txBody>
           <a:bodyPr rtlCol="0" anchor="ctr"/>
+          <a:lstStyle/>
           <a:p>
             <a:pPr algn="ctr"/>
             <a:endParaRPr lang="zh-CN" altLang="en-US">
@@ -26531,6 +25813,7 @@
           <a:bodyPr wrap="square" rtlCol="0">
             <a:spAutoFit/>
           </a:bodyPr>
+          <a:lstStyle/>
           <a:p>
             <a:r>
               <a:rPr lang="en-US" altLang="zh-CN" sz="1200">
@@ -26540,11 +25823,6 @@
               </a:rPr>
               <a:t>20170601-130050</a:t>
             </a:r>
-            <a:endParaRPr lang="en-US" altLang="zh-CN" sz="1200">
-              <a:solidFill>
-                <a:schemeClr val="bg1"/>
-              </a:solidFill>
-            </a:endParaRPr>
           </a:p>
         </p:txBody>
       </p:sp>
@@ -26581,6 +25859,7 @@
         </p:style>
         <p:txBody>
           <a:bodyPr rtlCol="0" anchor="ctr"/>
+          <a:lstStyle/>
           <a:p>
             <a:pPr algn="ctr"/>
             <a:endParaRPr lang="zh-CN" altLang="en-US">
@@ -26609,6 +25888,7 @@
           <a:bodyPr wrap="square" rtlCol="0">
             <a:spAutoFit/>
           </a:bodyPr>
+          <a:lstStyle/>
           <a:p>
             <a:pPr>
               <a:lnSpc>
@@ -26631,9 +25911,6 @@
               </a:rPr>
               <a:t>，并显示在缩放图下方</a:t>
             </a:r>
-            <a:endParaRPr lang="zh-CN" altLang="en-US">
-              <a:ea typeface="微软雅黑" panose="020B0503020204020204" charset="-122"/>
-            </a:endParaRPr>
           </a:p>
         </p:txBody>
       </p:sp>
@@ -26678,6 +25955,7 @@
         </p:style>
         <p:txBody>
           <a:bodyPr rtlCol="0" anchor="ctr"/>
+          <a:lstStyle/>
           <a:p>
             <a:pPr algn="ctr"/>
             <a:endParaRPr lang="zh-CN" altLang="en-US"/>
@@ -26722,6 +26000,7 @@
           <a:bodyPr vertOverflow="overflow" horzOverflow="overflow" vert="horz" wrap="square" numCol="1" spcCol="0" rtlCol="0" fromWordArt="0" anchor="ctr" anchorCtr="0" forceAA="0" compatLnSpc="1">
             <a:noAutofit/>
           </a:bodyPr>
+          <a:lstStyle/>
           <a:p>
             <a:pPr lvl="0" algn="ctr"/>
             <a:endParaRPr lang="zh-CN" altLang="en-US" sz="1200">
@@ -26751,6 +26030,7 @@
           <a:bodyPr wrap="none" rtlCol="0">
             <a:noAutofit/>
           </a:bodyPr>
+          <a:lstStyle/>
           <a:p>
             <a:r>
               <a:rPr lang="zh-CN" altLang="en-US" sz="1200" b="1">
@@ -26761,12 +26041,6 @@
               </a:rPr>
               <a:t>返   回</a:t>
             </a:r>
-            <a:endParaRPr lang="zh-CN" altLang="en-US" sz="1200" b="1">
-              <a:solidFill>
-                <a:schemeClr val="bg1"/>
-              </a:solidFill>
-              <a:ea typeface="微软雅黑" panose="020B0503020204020204" charset="-122"/>
-            </a:endParaRPr>
           </a:p>
         </p:txBody>
       </p:sp>
@@ -26808,6 +26082,7 @@
           <a:bodyPr vertOverflow="overflow" horzOverflow="overflow" vert="horz" wrap="square" numCol="1" spcCol="0" rtlCol="0" fromWordArt="0" anchor="ctr" anchorCtr="0" forceAA="0" compatLnSpc="1">
             <a:noAutofit/>
           </a:bodyPr>
+          <a:lstStyle/>
           <a:p>
             <a:pPr lvl="0" algn="ctr"/>
             <a:endParaRPr lang="zh-CN" altLang="en-US" sz="1200">
@@ -26837,6 +26112,7 @@
           <a:bodyPr wrap="none" rtlCol="0">
             <a:noAutofit/>
           </a:bodyPr>
+          <a:lstStyle/>
           <a:p>
             <a:r>
               <a:rPr lang="zh-CN" altLang="en-US" sz="1200" b="1">
@@ -26847,12 +26123,6 @@
               </a:rPr>
               <a:t>编   辑</a:t>
             </a:r>
-            <a:endParaRPr lang="zh-CN" altLang="en-US" sz="1200" b="1">
-              <a:solidFill>
-                <a:schemeClr val="bg1"/>
-              </a:solidFill>
-              <a:ea typeface="微软雅黑" panose="020B0503020204020204" charset="-122"/>
-            </a:endParaRPr>
           </a:p>
         </p:txBody>
       </p:sp>
@@ -26894,6 +26164,7 @@
           <a:bodyPr vertOverflow="overflow" horzOverflow="overflow" vert="horz" wrap="square" numCol="1" spcCol="0" rtlCol="0" fromWordArt="0" anchor="ctr" anchorCtr="0" forceAA="0" compatLnSpc="1">
             <a:noAutofit/>
           </a:bodyPr>
+          <a:lstStyle/>
           <a:p>
             <a:pPr lvl="0" algn="ctr"/>
             <a:endParaRPr lang="zh-CN" altLang="en-US" sz="1200">
@@ -26923,6 +26194,7 @@
           <a:bodyPr wrap="none" rtlCol="0">
             <a:noAutofit/>
           </a:bodyPr>
+          <a:lstStyle/>
           <a:p>
             <a:r>
               <a:rPr lang="zh-CN" altLang="en-US" sz="1200" b="1">
@@ -26933,12 +26205,6 @@
               </a:rPr>
               <a:t>筛选器</a:t>
             </a:r>
-            <a:endParaRPr lang="zh-CN" altLang="en-US" sz="1200" b="1">
-              <a:solidFill>
-                <a:schemeClr val="bg1"/>
-              </a:solidFill>
-              <a:ea typeface="微软雅黑" panose="020B0503020204020204" charset="-122"/>
-            </a:endParaRPr>
           </a:p>
         </p:txBody>
       </p:sp>
@@ -26980,6 +26246,7 @@
           <a:bodyPr vertOverflow="overflow" horzOverflow="overflow" vert="horz" wrap="square" numCol="1" spcCol="0" rtlCol="0" fromWordArt="0" anchor="ctr" anchorCtr="0" forceAA="0" compatLnSpc="1">
             <a:noAutofit/>
           </a:bodyPr>
+          <a:lstStyle/>
           <a:p>
             <a:pPr lvl="0" algn="ctr"/>
             <a:endParaRPr lang="zh-CN" altLang="en-US" sz="1200">
@@ -27009,6 +26276,7 @@
           <a:bodyPr wrap="none" rtlCol="0">
             <a:noAutofit/>
           </a:bodyPr>
+          <a:lstStyle/>
           <a:p>
             <a:r>
               <a:rPr lang="zh-CN" altLang="en-US" sz="1200" b="1">
@@ -27019,12 +26287,6 @@
               </a:rPr>
               <a:t>向上翻页</a:t>
             </a:r>
-            <a:endParaRPr lang="zh-CN" altLang="en-US" sz="1200" b="1">
-              <a:solidFill>
-                <a:schemeClr val="bg1"/>
-              </a:solidFill>
-              <a:ea typeface="微软雅黑" panose="020B0503020204020204" charset="-122"/>
-            </a:endParaRPr>
           </a:p>
         </p:txBody>
       </p:sp>
@@ -27066,6 +26328,7 @@
           <a:bodyPr vertOverflow="overflow" horzOverflow="overflow" vert="horz" wrap="square" numCol="1" spcCol="0" rtlCol="0" fromWordArt="0" anchor="ctr" anchorCtr="0" forceAA="0" compatLnSpc="1">
             <a:noAutofit/>
           </a:bodyPr>
+          <a:lstStyle/>
           <a:p>
             <a:pPr lvl="0" algn="ctr"/>
             <a:endParaRPr lang="zh-CN" altLang="en-US" sz="1200">
@@ -27095,6 +26358,7 @@
           <a:bodyPr wrap="none" rtlCol="0">
             <a:noAutofit/>
           </a:bodyPr>
+          <a:lstStyle/>
           <a:p>
             <a:r>
               <a:rPr lang="zh-CN" altLang="en-US" sz="1200" b="1">
@@ -27105,12 +26369,6 @@
               </a:rPr>
               <a:t>向下翻页</a:t>
             </a:r>
-            <a:endParaRPr lang="zh-CN" altLang="en-US" sz="1200" b="1">
-              <a:solidFill>
-                <a:schemeClr val="bg1"/>
-              </a:solidFill>
-              <a:ea typeface="微软雅黑" panose="020B0503020204020204" charset="-122"/>
-            </a:endParaRPr>
           </a:p>
         </p:txBody>
       </p:sp>
@@ -27152,6 +26410,7 @@
           <a:bodyPr vertOverflow="overflow" horzOverflow="overflow" vert="horz" wrap="square" numCol="1" spcCol="0" rtlCol="0" fromWordArt="0" anchor="ctr" anchorCtr="0" forceAA="0" compatLnSpc="1">
             <a:noAutofit/>
           </a:bodyPr>
+          <a:lstStyle/>
           <a:p>
             <a:pPr lvl="0" algn="ctr"/>
             <a:endParaRPr lang="zh-CN" altLang="en-US" sz="1200">
@@ -27181,6 +26440,7 @@
           <a:bodyPr wrap="none" rtlCol="0">
             <a:noAutofit/>
           </a:bodyPr>
+          <a:lstStyle/>
           <a:p>
             <a:r>
               <a:rPr lang="zh-CN" altLang="en-US" sz="1200" b="1">
@@ -27191,12 +26451,6 @@
               </a:rPr>
               <a:t>全   选</a:t>
             </a:r>
-            <a:endParaRPr lang="zh-CN" altLang="en-US" sz="1200" b="1">
-              <a:solidFill>
-                <a:schemeClr val="bg1"/>
-              </a:solidFill>
-              <a:ea typeface="微软雅黑" panose="020B0503020204020204" charset="-122"/>
-            </a:endParaRPr>
           </a:p>
         </p:txBody>
       </p:sp>
@@ -27238,6 +26492,7 @@
           <a:bodyPr vertOverflow="overflow" horzOverflow="overflow" vert="horz" wrap="square" numCol="1" spcCol="0" rtlCol="0" fromWordArt="0" anchor="ctr" anchorCtr="0" forceAA="0" compatLnSpc="1">
             <a:noAutofit/>
           </a:bodyPr>
+          <a:lstStyle/>
           <a:p>
             <a:pPr lvl="0" algn="ctr"/>
             <a:endParaRPr lang="zh-CN" altLang="en-US" sz="1200">
@@ -27267,6 +26522,7 @@
           <a:bodyPr wrap="none" rtlCol="0">
             <a:noAutofit/>
           </a:bodyPr>
+          <a:lstStyle/>
           <a:p>
             <a:r>
               <a:rPr lang="zh-CN" altLang="en-US" sz="1200" b="1">
@@ -27277,12 +26533,6 @@
               </a:rPr>
               <a:t>删   除</a:t>
             </a:r>
-            <a:endParaRPr lang="zh-CN" altLang="en-US" sz="1200" b="1">
-              <a:solidFill>
-                <a:schemeClr val="bg1"/>
-              </a:solidFill>
-              <a:ea typeface="微软雅黑" panose="020B0503020204020204" charset="-122"/>
-            </a:endParaRPr>
           </a:p>
         </p:txBody>
       </p:sp>
@@ -27324,6 +26574,7 @@
           <a:bodyPr vertOverflow="overflow" horzOverflow="overflow" vert="horz" wrap="square" numCol="1" spcCol="0" rtlCol="0" fromWordArt="0" anchor="ctr" anchorCtr="0" forceAA="0" compatLnSpc="1">
             <a:noAutofit/>
           </a:bodyPr>
+          <a:lstStyle/>
           <a:p>
             <a:pPr lvl="0" algn="ctr"/>
             <a:endParaRPr lang="zh-CN" altLang="en-US" sz="1200">
@@ -27353,6 +26604,7 @@
           <a:bodyPr wrap="none" rtlCol="0">
             <a:noAutofit/>
           </a:bodyPr>
+          <a:lstStyle/>
           <a:p>
             <a:r>
               <a:rPr lang="zh-CN" altLang="en-US" sz="1200" b="1">
@@ -27381,12 +26633,6 @@
               </a:rPr>
               <a:t>盘</a:t>
             </a:r>
-            <a:endParaRPr lang="zh-CN" altLang="en-US" sz="1200" b="1">
-              <a:solidFill>
-                <a:schemeClr val="bg1"/>
-              </a:solidFill>
-              <a:ea typeface="微软雅黑" panose="020B0503020204020204" charset="-122"/>
-            </a:endParaRPr>
           </a:p>
         </p:txBody>
       </p:sp>
@@ -27423,6 +26669,7 @@
         </p:style>
         <p:txBody>
           <a:bodyPr rtlCol="0" anchor="ctr"/>
+          <a:lstStyle/>
           <a:p>
             <a:pPr algn="ctr"/>
             <a:endParaRPr lang="zh-CN" altLang="en-US">
@@ -27469,6 +26716,7 @@
           <a:bodyPr vertOverflow="overflow" horzOverflow="overflow" vert="horz" wrap="square" numCol="1" spcCol="0" rtlCol="0" fromWordArt="0" anchor="ctr" anchorCtr="0" forceAA="0" compatLnSpc="1">
             <a:noAutofit/>
           </a:bodyPr>
+          <a:lstStyle/>
           <a:p>
             <a:pPr lvl="0" algn="ctr"/>
             <a:endParaRPr lang="zh-CN" altLang="en-US" sz="1200">
@@ -27498,6 +26746,7 @@
           <a:bodyPr wrap="none" rtlCol="0">
             <a:noAutofit/>
           </a:bodyPr>
+          <a:lstStyle/>
           <a:p>
             <a:r>
               <a:rPr lang="zh-CN" altLang="en-US" sz="1200" b="1">
@@ -27508,12 +26757,6 @@
               </a:rPr>
               <a:t>删   除</a:t>
             </a:r>
-            <a:endParaRPr lang="zh-CN" altLang="en-US" sz="1200" b="1">
-              <a:solidFill>
-                <a:schemeClr val="bg1"/>
-              </a:solidFill>
-              <a:ea typeface="微软雅黑" panose="020B0503020204020204" charset="-122"/>
-            </a:endParaRPr>
           </a:p>
         </p:txBody>
       </p:sp>
@@ -27555,6 +26798,7 @@
           <a:bodyPr vertOverflow="overflow" horzOverflow="overflow" vert="horz" wrap="square" numCol="1" spcCol="0" rtlCol="0" fromWordArt="0" anchor="ctr" anchorCtr="0" forceAA="0" compatLnSpc="1">
             <a:noAutofit/>
           </a:bodyPr>
+          <a:lstStyle/>
           <a:p>
             <a:pPr lvl="0" algn="ctr"/>
             <a:endParaRPr lang="zh-CN" altLang="en-US" sz="1200">
@@ -27584,6 +26828,7 @@
           <a:bodyPr wrap="none" rtlCol="0">
             <a:noAutofit/>
           </a:bodyPr>
+          <a:lstStyle/>
           <a:p>
             <a:r>
               <a:rPr lang="zh-CN" altLang="en-US" sz="1200" b="1">
@@ -27612,12 +26857,6 @@
               </a:rPr>
               <a:t>盘</a:t>
             </a:r>
-            <a:endParaRPr lang="zh-CN" altLang="en-US" sz="1200" b="1">
-              <a:solidFill>
-                <a:schemeClr val="bg1"/>
-              </a:solidFill>
-              <a:ea typeface="微软雅黑" panose="020B0503020204020204" charset="-122"/>
-            </a:endParaRPr>
           </a:p>
         </p:txBody>
       </p:sp>
@@ -27659,6 +26898,7 @@
           <a:bodyPr vertOverflow="overflow" horzOverflow="overflow" vert="horz" wrap="square" numCol="1" spcCol="0" rtlCol="0" fromWordArt="0" anchor="ctr" anchorCtr="0" forceAA="0" compatLnSpc="1">
             <a:noAutofit/>
           </a:bodyPr>
+          <a:lstStyle/>
           <a:p>
             <a:pPr lvl="0" algn="ctr"/>
             <a:endParaRPr lang="zh-CN" altLang="en-US" sz="1200">
@@ -27688,6 +26928,7 @@
           <a:bodyPr wrap="none" rtlCol="0">
             <a:noAutofit/>
           </a:bodyPr>
+          <a:lstStyle/>
           <a:p>
             <a:r>
               <a:rPr lang="zh-CN" altLang="en-US" sz="1200" b="1">
@@ -27698,12 +26939,6 @@
               </a:rPr>
               <a:t>删   除</a:t>
             </a:r>
-            <a:endParaRPr lang="zh-CN" altLang="en-US" sz="1200" b="1">
-              <a:solidFill>
-                <a:schemeClr val="bg1"/>
-              </a:solidFill>
-              <a:ea typeface="微软雅黑" panose="020B0503020204020204" charset="-122"/>
-            </a:endParaRPr>
           </a:p>
         </p:txBody>
       </p:sp>
@@ -27745,6 +26980,7 @@
           <a:bodyPr vertOverflow="overflow" horzOverflow="overflow" vert="horz" wrap="square" numCol="1" spcCol="0" rtlCol="0" fromWordArt="0" anchor="ctr" anchorCtr="0" forceAA="0" compatLnSpc="1">
             <a:noAutofit/>
           </a:bodyPr>
+          <a:lstStyle/>
           <a:p>
             <a:pPr lvl="0" algn="ctr"/>
             <a:endParaRPr lang="zh-CN" altLang="en-US" sz="1200">
@@ -27774,6 +27010,7 @@
           <a:bodyPr wrap="none" rtlCol="0">
             <a:noAutofit/>
           </a:bodyPr>
+          <a:lstStyle/>
           <a:p>
             <a:r>
               <a:rPr lang="zh-CN" altLang="en-US" sz="1200" b="1">
@@ -27802,12 +27039,6 @@
               </a:rPr>
               <a:t>盘</a:t>
             </a:r>
-            <a:endParaRPr lang="zh-CN" altLang="en-US" sz="1200" b="1">
-              <a:solidFill>
-                <a:schemeClr val="bg1"/>
-              </a:solidFill>
-              <a:ea typeface="微软雅黑" panose="020B0503020204020204" charset="-122"/>
-            </a:endParaRPr>
           </a:p>
         </p:txBody>
       </p:sp>
@@ -27849,6 +27080,7 @@
           <a:bodyPr vertOverflow="overflow" horzOverflow="overflow" vert="horz" wrap="square" numCol="1" spcCol="0" rtlCol="0" fromWordArt="0" anchor="ctr" anchorCtr="0" forceAA="0" compatLnSpc="1">
             <a:noAutofit/>
           </a:bodyPr>
+          <a:lstStyle/>
           <a:p>
             <a:pPr lvl="0" algn="ctr"/>
             <a:endParaRPr lang="zh-CN" altLang="en-US" sz="1200">
@@ -27878,6 +27110,7 @@
           <a:bodyPr wrap="none" rtlCol="0">
             <a:noAutofit/>
           </a:bodyPr>
+          <a:lstStyle/>
           <a:p>
             <a:r>
               <a:rPr lang="zh-CN" altLang="en-US" sz="1200" b="1">
@@ -27888,12 +27121,6 @@
               </a:rPr>
               <a:t>删   除</a:t>
             </a:r>
-            <a:endParaRPr lang="zh-CN" altLang="en-US" sz="1200" b="1">
-              <a:solidFill>
-                <a:schemeClr val="bg1"/>
-              </a:solidFill>
-              <a:ea typeface="微软雅黑" panose="020B0503020204020204" charset="-122"/>
-            </a:endParaRPr>
           </a:p>
         </p:txBody>
       </p:sp>
@@ -27935,6 +27162,7 @@
           <a:bodyPr vertOverflow="overflow" horzOverflow="overflow" vert="horz" wrap="square" numCol="1" spcCol="0" rtlCol="0" fromWordArt="0" anchor="ctr" anchorCtr="0" forceAA="0" compatLnSpc="1">
             <a:noAutofit/>
           </a:bodyPr>
+          <a:lstStyle/>
           <a:p>
             <a:pPr lvl="0" algn="ctr"/>
             <a:endParaRPr lang="zh-CN" altLang="en-US" sz="1200">
@@ -27964,6 +27192,7 @@
           <a:bodyPr wrap="none" rtlCol="0">
             <a:noAutofit/>
           </a:bodyPr>
+          <a:lstStyle/>
           <a:p>
             <a:r>
               <a:rPr lang="zh-CN" altLang="en-US" sz="1200" b="1">
@@ -27992,12 +27221,6 @@
               </a:rPr>
               <a:t>盘</a:t>
             </a:r>
-            <a:endParaRPr lang="zh-CN" altLang="en-US" sz="1200" b="1">
-              <a:solidFill>
-                <a:schemeClr val="bg1"/>
-              </a:solidFill>
-              <a:ea typeface="微软雅黑" panose="020B0503020204020204" charset="-122"/>
-            </a:endParaRPr>
           </a:p>
         </p:txBody>
       </p:sp>
@@ -28018,7 +27241,14 @@
         <p:cNvGrpSpPr/>
         <p:nvPr/>
       </p:nvGrpSpPr>
-      <p:grpSpPr/>
+      <p:grpSpPr>
+        <a:xfrm>
+          <a:off x="0" y="0"/>
+          <a:ext cx="0" cy="0"/>
+          <a:chOff x="0" y="0"/>
+          <a:chExt cx="0" cy="0"/>
+        </a:xfrm>
+      </p:grpSpPr>
       <p:sp>
         <p:nvSpPr>
           <p:cNvPr id="34" name="矩形 33"/>
@@ -28080,6 +27310,7 @@
         </p:style>
         <p:txBody>
           <a:bodyPr rtlCol="0" anchor="ctr"/>
+          <a:lstStyle/>
           <a:p>
             <a:pPr algn="ctr"/>
             <a:endParaRPr lang="zh-CN" altLang="en-US">
@@ -28124,6 +27355,7 @@
         </p:style>
         <p:txBody>
           <a:bodyPr rtlCol="0" anchor="ctr"/>
+          <a:lstStyle/>
           <a:p>
             <a:pPr algn="ctr"/>
             <a:endParaRPr lang="zh-CN" altLang="en-US"/>
@@ -28172,6 +27404,7 @@
         </p:style>
         <p:txBody>
           <a:bodyPr rtlCol="0" anchor="ctr"/>
+          <a:lstStyle/>
           <a:p>
             <a:pPr algn="ctr"/>
             <a:endParaRPr lang="zh-CN" altLang="en-US" sz="1200">
@@ -28234,6 +27467,7 @@
           </p:style>
           <p:txBody>
             <a:bodyPr rtlCol="0" anchor="ctr"/>
+            <a:lstStyle/>
             <a:p>
               <a:pPr algn="ctr"/>
               <a:endParaRPr lang="zh-CN" altLang="en-US" sz="1200">
@@ -28293,8 +27527,9 @@
             </p:style>
             <p:txBody>
               <a:bodyPr rtlCol="0" anchor="ctr">
-                <a:normAutofit fontScale="90000"/>
+                <a:normAutofit fontScale="97500" lnSpcReduction="10000"/>
               </a:bodyPr>
+              <a:lstStyle/>
               <a:p>
                 <a:pPr algn="ctr"/>
                 <a:endParaRPr lang="zh-CN" altLang="en-US" sz="1000">
@@ -28323,6 +27558,7 @@
               <a:bodyPr wrap="square" rtlCol="0">
                 <a:spAutoFit/>
               </a:bodyPr>
+              <a:lstStyle/>
               <a:p>
                 <a:pPr algn="l"/>
                 <a:r>
@@ -28335,13 +27571,6 @@
                   </a:rPr>
                   <a:t>关         闭</a:t>
                 </a:r>
-                <a:endParaRPr lang="zh-CN" altLang="en-US" sz="1000">
-                  <a:solidFill>
-                    <a:schemeClr val="bg1"/>
-                  </a:solidFill>
-                  <a:ea typeface="微软雅黑" panose="020B0503020204020204" charset="-122"/>
-                  <a:sym typeface="+mn-ea"/>
-                </a:endParaRPr>
               </a:p>
             </p:txBody>
           </p:sp>
@@ -28399,6 +27628,7 @@
             <a:bodyPr vertOverflow="overflow" horzOverflow="overflow" vert="horz" wrap="square" numCol="1" spcCol="0" rtlCol="0" fromWordArt="0" anchor="ctr" anchorCtr="0" forceAA="0" compatLnSpc="1">
               <a:noAutofit/>
             </a:bodyPr>
+            <a:lstStyle/>
             <a:p>
               <a:pPr lvl="0" algn="ctr"/>
               <a:endParaRPr lang="zh-CN" altLang="en-US">
@@ -28428,6 +27658,7 @@
             <a:bodyPr wrap="none" rtlCol="0">
               <a:noAutofit/>
             </a:bodyPr>
+            <a:lstStyle/>
             <a:p>
               <a:r>
                 <a:rPr lang="zh-CN" altLang="en-US" sz="1400" b="1">
@@ -28438,12 +27669,6 @@
                 </a:rPr>
                 <a:t>关  机</a:t>
               </a:r>
-              <a:endParaRPr lang="zh-CN" altLang="en-US" sz="1400" b="1">
-                <a:solidFill>
-                  <a:schemeClr val="bg1"/>
-                </a:solidFill>
-                <a:ea typeface="微软雅黑" panose="020B0503020204020204" charset="-122"/>
-              </a:endParaRPr>
             </a:p>
           </p:txBody>
         </p:sp>
@@ -28485,6 +27710,7 @@
             <a:bodyPr vertOverflow="overflow" horzOverflow="overflow" vert="horz" wrap="square" numCol="1" spcCol="0" rtlCol="0" fromWordArt="0" anchor="ctr" anchorCtr="0" forceAA="0" compatLnSpc="1">
               <a:noAutofit/>
             </a:bodyPr>
+            <a:lstStyle/>
             <a:p>
               <a:pPr lvl="0" algn="ctr"/>
               <a:endParaRPr lang="zh-CN" altLang="en-US">
@@ -28514,6 +27740,7 @@
             <a:bodyPr wrap="none" rtlCol="0">
               <a:noAutofit/>
             </a:bodyPr>
+            <a:lstStyle/>
             <a:p>
               <a:r>
                 <a:rPr lang="zh-CN" altLang="en-US" sz="1400" b="1">
@@ -28524,12 +27751,6 @@
                 </a:rPr>
                 <a:t>录   像</a:t>
               </a:r>
-              <a:endParaRPr lang="zh-CN" altLang="en-US" sz="1400" b="1">
-                <a:solidFill>
-                  <a:schemeClr val="bg1"/>
-                </a:solidFill>
-                <a:ea typeface="微软雅黑" panose="020B0503020204020204" charset="-122"/>
-              </a:endParaRPr>
             </a:p>
           </p:txBody>
         </p:sp>
@@ -28571,6 +27792,7 @@
             <a:bodyPr vertOverflow="overflow" horzOverflow="overflow" vert="horz" wrap="square" numCol="1" spcCol="0" rtlCol="0" fromWordArt="0" anchor="ctr" anchorCtr="0" forceAA="0" compatLnSpc="1">
               <a:noAutofit/>
             </a:bodyPr>
+            <a:lstStyle/>
             <a:p>
               <a:pPr lvl="0" algn="ctr"/>
               <a:endParaRPr lang="zh-CN" altLang="en-US">
@@ -28600,6 +27822,7 @@
             <a:bodyPr wrap="none" rtlCol="0">
               <a:noAutofit/>
             </a:bodyPr>
+            <a:lstStyle/>
             <a:p>
               <a:r>
                 <a:rPr lang="zh-CN" altLang="en-US" sz="1400" b="1">
@@ -28610,12 +27833,6 @@
                 </a:rPr>
                 <a:t>拍   照</a:t>
               </a:r>
-              <a:endParaRPr lang="zh-CN" altLang="en-US" sz="1400" b="1">
-                <a:solidFill>
-                  <a:schemeClr val="bg1"/>
-                </a:solidFill>
-                <a:ea typeface="微软雅黑" panose="020B0503020204020204" charset="-122"/>
-              </a:endParaRPr>
             </a:p>
           </p:txBody>
         </p:sp>
@@ -28657,6 +27874,7 @@
             <a:bodyPr vertOverflow="overflow" horzOverflow="overflow" vert="horz" wrap="square" numCol="1" spcCol="0" rtlCol="0" fromWordArt="0" anchor="ctr" anchorCtr="0" forceAA="0" compatLnSpc="1">
               <a:noAutofit/>
             </a:bodyPr>
+            <a:lstStyle/>
             <a:p>
               <a:pPr lvl="0" algn="ctr"/>
               <a:endParaRPr lang="zh-CN" altLang="en-US">
@@ -28686,6 +27904,7 @@
             <a:bodyPr wrap="none" rtlCol="0">
               <a:noAutofit/>
             </a:bodyPr>
+            <a:lstStyle/>
             <a:p>
               <a:r>
                 <a:rPr lang="zh-CN" altLang="en-US" sz="1400" b="1">
@@ -28696,12 +27915,6 @@
                 </a:rPr>
                 <a:t>文件管理</a:t>
               </a:r>
-              <a:endParaRPr lang="zh-CN" altLang="en-US" sz="1400" b="1">
-                <a:solidFill>
-                  <a:schemeClr val="bg1"/>
-                </a:solidFill>
-                <a:ea typeface="微软雅黑" panose="020B0503020204020204" charset="-122"/>
-              </a:endParaRPr>
             </a:p>
           </p:txBody>
         </p:sp>
@@ -28746,6 +27959,7 @@
             <a:bodyPr vertOverflow="overflow" horzOverflow="overflow" vert="horz" wrap="square" numCol="1" spcCol="0" rtlCol="0" fromWordArt="0" anchor="ctr" anchorCtr="0" forceAA="0" compatLnSpc="1">
               <a:noAutofit/>
             </a:bodyPr>
+            <a:lstStyle/>
             <a:p>
               <a:pPr lvl="0" algn="ctr"/>
               <a:endParaRPr lang="zh-CN" altLang="en-US">
@@ -28775,6 +27989,7 @@
             <a:bodyPr wrap="none" rtlCol="0">
               <a:noAutofit/>
             </a:bodyPr>
+            <a:lstStyle/>
             <a:p>
               <a:r>
                 <a:rPr lang="zh-CN" altLang="en-US" sz="1400" b="1">
@@ -28785,12 +28000,6 @@
                 </a:rPr>
                 <a:t>设   置</a:t>
               </a:r>
-              <a:endParaRPr lang="zh-CN" altLang="en-US" sz="1400" b="1">
-                <a:solidFill>
-                  <a:schemeClr val="bg1"/>
-                </a:solidFill>
-                <a:ea typeface="微软雅黑" panose="020B0503020204020204" charset="-122"/>
-              </a:endParaRPr>
             </a:p>
           </p:txBody>
         </p:sp>
@@ -28832,6 +28041,7 @@
             <a:bodyPr vertOverflow="overflow" horzOverflow="overflow" vert="horz" wrap="square" numCol="1" spcCol="0" rtlCol="0" fromWordArt="0" anchor="ctr" anchorCtr="0" forceAA="0" compatLnSpc="1">
               <a:noAutofit/>
             </a:bodyPr>
+            <a:lstStyle/>
             <a:p>
               <a:pPr lvl="0" algn="ctr"/>
               <a:endParaRPr lang="zh-CN" altLang="en-US">
@@ -28861,6 +28071,7 @@
             <a:bodyPr wrap="none" rtlCol="0">
               <a:noAutofit/>
             </a:bodyPr>
+            <a:lstStyle/>
             <a:p>
               <a:r>
                 <a:rPr lang="zh-CN" altLang="en-US" sz="1400" b="1">
@@ -28871,12 +28082,6 @@
                 </a:rPr>
                 <a:t>系统信息</a:t>
               </a:r>
-              <a:endParaRPr lang="zh-CN" altLang="en-US" sz="1400" b="1">
-                <a:solidFill>
-                  <a:schemeClr val="bg1"/>
-                </a:solidFill>
-                <a:ea typeface="微软雅黑" panose="020B0503020204020204" charset="-122"/>
-              </a:endParaRPr>
             </a:p>
           </p:txBody>
         </p:sp>
@@ -28918,6 +28123,7 @@
             <a:bodyPr vertOverflow="overflow" horzOverflow="overflow" vert="horz" wrap="square" numCol="1" spcCol="0" rtlCol="0" fromWordArt="0" anchor="ctr" anchorCtr="0" forceAA="0" compatLnSpc="1">
               <a:noAutofit/>
             </a:bodyPr>
+            <a:lstStyle/>
             <a:p>
               <a:pPr lvl="0" algn="ctr"/>
               <a:endParaRPr lang="zh-CN" altLang="en-US">
@@ -28947,6 +28153,7 @@
             <a:bodyPr wrap="none" rtlCol="0">
               <a:noAutofit/>
             </a:bodyPr>
+            <a:lstStyle/>
             <a:p>
               <a:r>
                 <a:rPr lang="zh-CN" altLang="en-US" sz="1400" b="1">
@@ -28957,12 +28164,6 @@
                 </a:rPr>
                 <a:t>亮   度</a:t>
               </a:r>
-              <a:endParaRPr lang="zh-CN" altLang="en-US" sz="1400" b="1">
-                <a:solidFill>
-                  <a:schemeClr val="bg1"/>
-                </a:solidFill>
-                <a:ea typeface="微软雅黑" panose="020B0503020204020204" charset="-122"/>
-              </a:endParaRPr>
             </a:p>
           </p:txBody>
         </p:sp>
@@ -29006,8 +28207,9 @@
         </p:style>
         <p:txBody>
           <a:bodyPr rtlCol="0" anchor="ctr">
-            <a:normAutofit fontScale="80000"/>
+            <a:normAutofit fontScale="87500" lnSpcReduction="20000"/>
           </a:bodyPr>
+          <a:lstStyle/>
           <a:p>
             <a:pPr algn="ctr"/>
             <a:r>
@@ -29026,9 +28228,6 @@
               </a:rPr>
               <a:t>盘</a:t>
             </a:r>
-            <a:endParaRPr lang="zh-CN" altLang="en-US" sz="1200" b="1">
-              <a:ea typeface="微软雅黑" panose="020B0503020204020204" charset="-122"/>
-            </a:endParaRPr>
           </a:p>
         </p:txBody>
       </p:sp>
@@ -29052,6 +28251,7 @@
           <a:bodyPr wrap="square" rtlCol="0">
             <a:spAutoFit/>
           </a:bodyPr>
+          <a:lstStyle/>
           <a:p>
             <a:r>
               <a:rPr lang="zh-CN" altLang="en-US">
@@ -29062,12 +28262,6 @@
               </a:rPr>
               <a:t>视频实时预览</a:t>
             </a:r>
-            <a:endParaRPr lang="zh-CN" altLang="en-US">
-              <a:solidFill>
-                <a:schemeClr val="bg1"/>
-              </a:solidFill>
-              <a:ea typeface="微软雅黑" panose="020B0503020204020204" charset="-122"/>
-            </a:endParaRPr>
           </a:p>
         </p:txBody>
       </p:sp>
@@ -29091,6 +28285,7 @@
           <a:bodyPr wrap="square" rtlCol="0">
             <a:spAutoFit/>
           </a:bodyPr>
+          <a:lstStyle/>
           <a:p>
             <a:r>
               <a:rPr lang="zh-CN" altLang="en-US">
@@ -29098,9 +28293,6 @@
               </a:rPr>
               <a:t>设置界面</a:t>
             </a:r>
-            <a:endParaRPr lang="zh-CN" altLang="en-US">
-              <a:ea typeface="微软雅黑" panose="020B0503020204020204" charset="-122"/>
-            </a:endParaRPr>
           </a:p>
         </p:txBody>
       </p:sp>
@@ -29124,6 +28316,7 @@
           <a:bodyPr wrap="square" rtlCol="0">
             <a:spAutoFit/>
           </a:bodyPr>
+          <a:lstStyle/>
           <a:p>
             <a:pPr>
               <a:lnSpc>
@@ -29136,9 +28329,6 @@
               </a:rPr>
               <a:t>此处的分辨率是设置摄像头的分辨率</a:t>
             </a:r>
-            <a:endParaRPr lang="zh-CN" altLang="en-US">
-              <a:ea typeface="微软雅黑" panose="020B0503020204020204" charset="-122"/>
-            </a:endParaRPr>
           </a:p>
           <a:p>
             <a:endParaRPr lang="zh-CN" altLang="en-US">
@@ -29181,6 +28371,7 @@
         </p:style>
         <p:txBody>
           <a:bodyPr rtlCol="0" anchor="ctr"/>
+          <a:lstStyle/>
           <a:p>
             <a:pPr algn="ctr"/>
             <a:r>
@@ -29189,9 +28380,6 @@
               </a:rPr>
               <a:t>分辨率</a:t>
             </a:r>
-            <a:endParaRPr lang="zh-CN" altLang="en-US" sz="1000">
-              <a:ea typeface="微软雅黑" panose="020B0503020204020204" charset="-122"/>
-            </a:endParaRPr>
           </a:p>
         </p:txBody>
       </p:sp>
@@ -29231,6 +28419,7 @@
         </p:style>
         <p:txBody>
           <a:bodyPr rtlCol="0" anchor="ctr"/>
+          <a:lstStyle/>
           <a:p>
             <a:pPr algn="ctr"/>
             <a:r>
@@ -29243,7 +28432,6 @@
               <a:rPr lang="en-US" altLang="zh-CN" sz="1000"/>
               <a:t>yuv/ mpeg</a:t>
             </a:r>
-            <a:endParaRPr lang="en-US" altLang="zh-CN" sz="1000"/>
           </a:p>
         </p:txBody>
       </p:sp>
@@ -29286,6 +28474,7 @@
         </p:style>
         <p:txBody>
           <a:bodyPr rtlCol="0" anchor="ctr"/>
+          <a:lstStyle/>
           <a:p>
             <a:pPr algn="ctr"/>
             <a:r>
@@ -29296,11 +28485,6 @@
               </a:rPr>
               <a:t>640*480</a:t>
             </a:r>
-            <a:endParaRPr lang="en-US" altLang="zh-CN" sz="1200">
-              <a:solidFill>
-                <a:schemeClr val="tx1"/>
-              </a:solidFill>
-            </a:endParaRPr>
           </a:p>
         </p:txBody>
       </p:sp>
@@ -29340,6 +28524,7 @@
         </p:style>
         <p:txBody>
           <a:bodyPr rtlCol="0" anchor="ctr"/>
+          <a:lstStyle/>
           <a:p>
             <a:pPr algn="ctr"/>
             <a:r>
@@ -29352,7 +28537,6 @@
               <a:rPr lang="en-US" altLang="zh-CN" sz="1000"/>
               <a:t>2</a:t>
             </a:r>
-            <a:endParaRPr lang="en-US" altLang="zh-CN" sz="1000"/>
           </a:p>
         </p:txBody>
       </p:sp>
@@ -29392,6 +28576,7 @@
         </p:style>
         <p:txBody>
           <a:bodyPr rtlCol="0" anchor="ctr"/>
+          <a:lstStyle/>
           <a:p>
             <a:pPr algn="ctr"/>
             <a:r>
@@ -29404,7 +28589,6 @@
               <a:rPr lang="en-US" altLang="zh-CN" sz="1000"/>
               <a:t>3</a:t>
             </a:r>
-            <a:endParaRPr lang="en-US" altLang="zh-CN" sz="1000"/>
           </a:p>
         </p:txBody>
       </p:sp>
@@ -29444,13 +28628,13 @@
         </p:style>
         <p:txBody>
           <a:bodyPr rtlCol="0" anchor="ctr"/>
+          <a:lstStyle/>
           <a:p>
             <a:pPr algn="ctr"/>
             <a:r>
               <a:rPr lang="en-US" altLang="zh-CN" sz="1200"/>
               <a:t>...</a:t>
             </a:r>
-            <a:endParaRPr lang="en-US" altLang="zh-CN" sz="1200"/>
           </a:p>
         </p:txBody>
       </p:sp>
@@ -29491,6 +28675,7 @@
         </p:style>
         <p:txBody>
           <a:bodyPr rtlCol="0" anchor="ctr"/>
+          <a:lstStyle/>
           <a:p>
             <a:pPr algn="ctr"/>
             <a:r>
@@ -29499,9 +28684,6 @@
               </a:rPr>
               <a:t>录像选项</a:t>
             </a:r>
-            <a:endParaRPr lang="zh-CN" altLang="en-US" sz="1000">
-              <a:ea typeface="微软雅黑" panose="020B0503020204020204" charset="-122"/>
-            </a:endParaRPr>
           </a:p>
         </p:txBody>
       </p:sp>
@@ -29542,6 +28724,7 @@
         </p:style>
         <p:txBody>
           <a:bodyPr rtlCol="0" anchor="ctr"/>
+          <a:lstStyle/>
           <a:p>
             <a:pPr algn="ctr"/>
             <a:r>
@@ -29550,9 +28733,6 @@
               </a:rPr>
               <a:t>视频设置</a:t>
             </a:r>
-            <a:endParaRPr lang="zh-CN" altLang="en-US" sz="1000">
-              <a:ea typeface="微软雅黑" panose="020B0503020204020204" charset="-122"/>
-            </a:endParaRPr>
           </a:p>
         </p:txBody>
       </p:sp>
@@ -29593,8 +28773,9 @@
         </p:style>
         <p:txBody>
           <a:bodyPr rtlCol="0" anchor="ctr">
-            <a:normAutofit fontScale="90000"/>
+            <a:normAutofit fontScale="97500" lnSpcReduction="10000"/>
           </a:bodyPr>
+          <a:lstStyle/>
           <a:p>
             <a:pPr algn="ctr"/>
             <a:endParaRPr lang="zh-CN" altLang="en-US" sz="1000">
@@ -29640,6 +28821,7 @@
         </p:style>
         <p:txBody>
           <a:bodyPr rtlCol="0" anchor="ctr"/>
+          <a:lstStyle/>
           <a:p>
             <a:pPr algn="ctr"/>
             <a:r>
@@ -29648,9 +28830,6 @@
               </a:rPr>
               <a:t>语言设置</a:t>
             </a:r>
-            <a:endParaRPr lang="zh-CN" altLang="en-US" sz="1000">
-              <a:ea typeface="微软雅黑" panose="020B0503020204020204" charset="-122"/>
-            </a:endParaRPr>
           </a:p>
         </p:txBody>
       </p:sp>
@@ -29691,6 +28870,7 @@
         </p:style>
         <p:txBody>
           <a:bodyPr rtlCol="0" anchor="ctr"/>
+          <a:lstStyle/>
           <a:p>
             <a:pPr algn="ctr"/>
             <a:r>
@@ -29699,9 +28879,6 @@
               </a:rPr>
               <a:t>时间设置</a:t>
             </a:r>
-            <a:endParaRPr lang="zh-CN" altLang="en-US" sz="1000">
-              <a:ea typeface="微软雅黑" panose="020B0503020204020204" charset="-122"/>
-            </a:endParaRPr>
           </a:p>
         </p:txBody>
       </p:sp>
@@ -29742,8 +28919,9 @@
         </p:style>
         <p:txBody>
           <a:bodyPr rtlCol="0" anchor="ctr">
-            <a:normAutofit fontScale="90000"/>
+            <a:normAutofit fontScale="97500" lnSpcReduction="10000"/>
           </a:bodyPr>
+          <a:lstStyle/>
           <a:p>
             <a:pPr algn="ctr"/>
             <a:endParaRPr lang="zh-CN" altLang="en-US" sz="1000">
@@ -29788,6 +28966,7 @@
         </p:style>
         <p:txBody>
           <a:bodyPr rtlCol="0" anchor="ctr"/>
+          <a:lstStyle/>
           <a:p>
             <a:pPr algn="ctr"/>
             <a:endParaRPr lang="en-US" altLang="zh-CN" sz="1200"/>
@@ -29830,6 +29009,7 @@
         </p:style>
         <p:txBody>
           <a:bodyPr rtlCol="0" anchor="ctr"/>
+          <a:lstStyle/>
           <a:p>
             <a:pPr algn="ctr"/>
             <a:endParaRPr lang="en-US" altLang="zh-CN" sz="1200"/>
@@ -29872,6 +29052,7 @@
         </p:style>
         <p:txBody>
           <a:bodyPr rtlCol="0" anchor="ctr"/>
+          <a:lstStyle/>
           <a:p>
             <a:pPr algn="ctr"/>
             <a:endParaRPr lang="en-US" altLang="zh-CN" sz="1200"/>
@@ -29914,6 +29095,7 @@
         </p:style>
         <p:txBody>
           <a:bodyPr rtlCol="0" anchor="ctr"/>
+          <a:lstStyle/>
           <a:p>
             <a:pPr algn="ctr"/>
             <a:endParaRPr lang="en-US" altLang="zh-CN" sz="1200"/>
@@ -29961,6 +29143,7 @@
         </p:style>
         <p:txBody>
           <a:bodyPr rtlCol="0" anchor="ctr"/>
+          <a:lstStyle/>
           <a:p>
             <a:pPr algn="ctr"/>
             <a:endParaRPr lang="zh-CN" altLang="en-US"/>
@@ -29987,6 +29170,7 @@
           <a:bodyPr wrap="square" rtlCol="0">
             <a:spAutoFit/>
           </a:bodyPr>
+          <a:lstStyle/>
           <a:p>
             <a:pPr algn="l"/>
             <a:r>
@@ -29999,13 +29183,6 @@
               </a:rPr>
               <a:t>摄像头设置</a:t>
             </a:r>
-            <a:endParaRPr lang="zh-CN" altLang="en-US" sz="1000">
-              <a:solidFill>
-                <a:schemeClr val="bg1"/>
-              </a:solidFill>
-              <a:ea typeface="微软雅黑" panose="020B0503020204020204" charset="-122"/>
-              <a:sym typeface="+mn-ea"/>
-            </a:endParaRPr>
           </a:p>
         </p:txBody>
       </p:sp>
@@ -30029,6 +29206,7 @@
           <a:bodyPr wrap="square" rtlCol="0">
             <a:spAutoFit/>
           </a:bodyPr>
+          <a:lstStyle/>
           <a:p>
             <a:pPr algn="l"/>
             <a:r>
@@ -30041,13 +29219,6 @@
               </a:rPr>
               <a:t>恢复设置</a:t>
             </a:r>
-            <a:endParaRPr lang="zh-CN" altLang="en-US" sz="1000">
-              <a:solidFill>
-                <a:schemeClr val="bg1"/>
-              </a:solidFill>
-              <a:ea typeface="微软雅黑" panose="020B0503020204020204" charset="-122"/>
-              <a:sym typeface="+mn-ea"/>
-            </a:endParaRPr>
           </a:p>
         </p:txBody>
       </p:sp>
@@ -30068,7 +29239,14 @@
         <p:cNvGrpSpPr/>
         <p:nvPr/>
       </p:nvGrpSpPr>
-      <p:grpSpPr/>
+      <p:grpSpPr>
+        <a:xfrm>
+          <a:off x="0" y="0"/>
+          <a:ext cx="0" cy="0"/>
+          <a:chOff x="0" y="0"/>
+          <a:chExt cx="0" cy="0"/>
+        </a:xfrm>
+      </p:grpSpPr>
       <p:sp>
         <p:nvSpPr>
           <p:cNvPr id="33" name="矩形 32"/>
@@ -30130,6 +29308,7 @@
         </p:style>
         <p:txBody>
           <a:bodyPr rtlCol="0" anchor="ctr"/>
+          <a:lstStyle/>
           <a:p>
             <a:pPr algn="ctr"/>
             <a:endParaRPr lang="zh-CN" altLang="en-US">
@@ -30180,6 +29359,7 @@
         </p:style>
         <p:txBody>
           <a:bodyPr rtlCol="0" anchor="ctr"/>
+          <a:lstStyle/>
           <a:p>
             <a:pPr algn="ctr"/>
             <a:endParaRPr lang="zh-CN" altLang="en-US" sz="1200">
@@ -30242,6 +29422,7 @@
           </p:style>
           <p:txBody>
             <a:bodyPr rtlCol="0" anchor="ctr"/>
+            <a:lstStyle/>
             <a:p>
               <a:pPr algn="ctr"/>
               <a:endParaRPr lang="zh-CN" altLang="en-US" sz="1200">
@@ -30301,8 +29482,9 @@
             </p:style>
             <p:txBody>
               <a:bodyPr rtlCol="0" anchor="ctr">
-                <a:normAutofit fontScale="90000"/>
+                <a:normAutofit fontScale="97500" lnSpcReduction="10000"/>
               </a:bodyPr>
+              <a:lstStyle/>
               <a:p>
                 <a:pPr algn="ctr"/>
                 <a:endParaRPr lang="zh-CN" altLang="en-US" sz="1000">
@@ -30331,6 +29513,7 @@
               <a:bodyPr wrap="square" rtlCol="0">
                 <a:spAutoFit/>
               </a:bodyPr>
+              <a:lstStyle/>
               <a:p>
                 <a:pPr algn="l"/>
                 <a:r>
@@ -30343,13 +29526,6 @@
                   </a:rPr>
                   <a:t>关         闭</a:t>
                 </a:r>
-                <a:endParaRPr lang="zh-CN" altLang="en-US" sz="1000">
-                  <a:solidFill>
-                    <a:schemeClr val="bg1"/>
-                  </a:solidFill>
-                  <a:ea typeface="微软雅黑" panose="020B0503020204020204" charset="-122"/>
-                  <a:sym typeface="+mn-ea"/>
-                </a:endParaRPr>
               </a:p>
             </p:txBody>
           </p:sp>
@@ -30391,6 +29567,7 @@
         </p:style>
         <p:txBody>
           <a:bodyPr rtlCol="0" anchor="ctr"/>
+          <a:lstStyle/>
           <a:p>
             <a:pPr algn="ctr"/>
             <a:endParaRPr lang="zh-CN" altLang="en-US"/>
@@ -30417,6 +29594,7 @@
           <a:bodyPr wrap="square" rtlCol="0">
             <a:spAutoFit/>
           </a:bodyPr>
+          <a:lstStyle/>
           <a:p>
             <a:r>
               <a:rPr lang="zh-CN" altLang="en-US">
@@ -30424,9 +29602,6 @@
               </a:rPr>
               <a:t>设置界面</a:t>
             </a:r>
-            <a:endParaRPr lang="zh-CN" altLang="en-US">
-              <a:ea typeface="微软雅黑" panose="020B0503020204020204" charset="-122"/>
-            </a:endParaRPr>
           </a:p>
         </p:txBody>
       </p:sp>
@@ -30450,6 +29625,7 @@
           <a:bodyPr wrap="square" rtlCol="0">
             <a:spAutoFit/>
           </a:bodyPr>
+          <a:lstStyle/>
           <a:p>
             <a:pPr>
               <a:lnSpc>
@@ -30496,9 +29672,6 @@
               </a:rPr>
               <a:t>之间滑动。</a:t>
             </a:r>
-            <a:endParaRPr lang="zh-CN" altLang="en-US">
-              <a:ea typeface="微软雅黑" panose="020B0503020204020204" charset="-122"/>
-            </a:endParaRPr>
           </a:p>
           <a:p>
             <a:pPr>
@@ -30526,9 +29699,6 @@
               </a:rPr>
               <a:t>、当录像时长达到设定值时，自动停止录像，中间也可手动停止</a:t>
             </a:r>
-            <a:endParaRPr lang="zh-CN" altLang="en-US">
-              <a:ea typeface="微软雅黑" panose="020B0503020204020204" charset="-122"/>
-            </a:endParaRPr>
           </a:p>
         </p:txBody>
       </p:sp>
@@ -30573,6 +29743,7 @@
         </p:style>
         <p:txBody>
           <a:bodyPr rtlCol="0" anchor="ctr"/>
+          <a:lstStyle/>
           <a:p>
             <a:pPr algn="ctr"/>
             <a:endParaRPr lang="zh-CN" altLang="en-US"/>
@@ -30631,6 +29802,7 @@
             <a:bodyPr vertOverflow="overflow" horzOverflow="overflow" vert="horz" wrap="square" numCol="1" spcCol="0" rtlCol="0" fromWordArt="0" anchor="ctr" anchorCtr="0" forceAA="0" compatLnSpc="1">
               <a:noAutofit/>
             </a:bodyPr>
+            <a:lstStyle/>
             <a:p>
               <a:pPr lvl="0" algn="ctr"/>
               <a:endParaRPr lang="zh-CN" altLang="en-US">
@@ -30660,6 +29832,7 @@
             <a:bodyPr wrap="none" rtlCol="0">
               <a:noAutofit/>
             </a:bodyPr>
+            <a:lstStyle/>
             <a:p>
               <a:r>
                 <a:rPr lang="zh-CN" altLang="en-US" sz="1400" b="1">
@@ -30670,12 +29843,6 @@
                 </a:rPr>
                 <a:t>关  机</a:t>
               </a:r>
-              <a:endParaRPr lang="zh-CN" altLang="en-US" sz="1400" b="1">
-                <a:solidFill>
-                  <a:schemeClr val="bg1"/>
-                </a:solidFill>
-                <a:ea typeface="微软雅黑" panose="020B0503020204020204" charset="-122"/>
-              </a:endParaRPr>
             </a:p>
           </p:txBody>
         </p:sp>
@@ -30717,6 +29884,7 @@
             <a:bodyPr vertOverflow="overflow" horzOverflow="overflow" vert="horz" wrap="square" numCol="1" spcCol="0" rtlCol="0" fromWordArt="0" anchor="ctr" anchorCtr="0" forceAA="0" compatLnSpc="1">
               <a:noAutofit/>
             </a:bodyPr>
+            <a:lstStyle/>
             <a:p>
               <a:pPr lvl="0" algn="ctr"/>
               <a:endParaRPr lang="zh-CN" altLang="en-US">
@@ -30746,6 +29914,7 @@
             <a:bodyPr wrap="none" rtlCol="0">
               <a:noAutofit/>
             </a:bodyPr>
+            <a:lstStyle/>
             <a:p>
               <a:r>
                 <a:rPr lang="zh-CN" altLang="en-US" sz="1400" b="1">
@@ -30756,12 +29925,6 @@
                 </a:rPr>
                 <a:t>录   像</a:t>
               </a:r>
-              <a:endParaRPr lang="zh-CN" altLang="en-US" sz="1400" b="1">
-                <a:solidFill>
-                  <a:schemeClr val="bg1"/>
-                </a:solidFill>
-                <a:ea typeface="微软雅黑" panose="020B0503020204020204" charset="-122"/>
-              </a:endParaRPr>
             </a:p>
           </p:txBody>
         </p:sp>
@@ -30803,6 +29966,7 @@
             <a:bodyPr vertOverflow="overflow" horzOverflow="overflow" vert="horz" wrap="square" numCol="1" spcCol="0" rtlCol="0" fromWordArt="0" anchor="ctr" anchorCtr="0" forceAA="0" compatLnSpc="1">
               <a:noAutofit/>
             </a:bodyPr>
+            <a:lstStyle/>
             <a:p>
               <a:pPr lvl="0" algn="ctr"/>
               <a:endParaRPr lang="zh-CN" altLang="en-US">
@@ -30832,6 +29996,7 @@
             <a:bodyPr wrap="none" rtlCol="0">
               <a:noAutofit/>
             </a:bodyPr>
+            <a:lstStyle/>
             <a:p>
               <a:r>
                 <a:rPr lang="zh-CN" altLang="en-US" sz="1400" b="1">
@@ -30842,12 +30007,6 @@
                 </a:rPr>
                 <a:t>拍   照</a:t>
               </a:r>
-              <a:endParaRPr lang="zh-CN" altLang="en-US" sz="1400" b="1">
-                <a:solidFill>
-                  <a:schemeClr val="bg1"/>
-                </a:solidFill>
-                <a:ea typeface="微软雅黑" panose="020B0503020204020204" charset="-122"/>
-              </a:endParaRPr>
             </a:p>
           </p:txBody>
         </p:sp>
@@ -30889,6 +30048,7 @@
             <a:bodyPr vertOverflow="overflow" horzOverflow="overflow" vert="horz" wrap="square" numCol="1" spcCol="0" rtlCol="0" fromWordArt="0" anchor="ctr" anchorCtr="0" forceAA="0" compatLnSpc="1">
               <a:noAutofit/>
             </a:bodyPr>
+            <a:lstStyle/>
             <a:p>
               <a:pPr lvl="0" algn="ctr"/>
               <a:endParaRPr lang="zh-CN" altLang="en-US">
@@ -30918,6 +30078,7 @@
             <a:bodyPr wrap="none" rtlCol="0">
               <a:noAutofit/>
             </a:bodyPr>
+            <a:lstStyle/>
             <a:p>
               <a:r>
                 <a:rPr lang="zh-CN" altLang="en-US" sz="1400" b="1">
@@ -30928,12 +30089,6 @@
                 </a:rPr>
                 <a:t>文件管理</a:t>
               </a:r>
-              <a:endParaRPr lang="zh-CN" altLang="en-US" sz="1400" b="1">
-                <a:solidFill>
-                  <a:schemeClr val="bg1"/>
-                </a:solidFill>
-                <a:ea typeface="微软雅黑" panose="020B0503020204020204" charset="-122"/>
-              </a:endParaRPr>
             </a:p>
           </p:txBody>
         </p:sp>
@@ -30978,6 +30133,7 @@
             <a:bodyPr vertOverflow="overflow" horzOverflow="overflow" vert="horz" wrap="square" numCol="1" spcCol="0" rtlCol="0" fromWordArt="0" anchor="ctr" anchorCtr="0" forceAA="0" compatLnSpc="1">
               <a:noAutofit/>
             </a:bodyPr>
+            <a:lstStyle/>
             <a:p>
               <a:pPr lvl="0" algn="ctr"/>
               <a:endParaRPr lang="zh-CN" altLang="en-US">
@@ -31007,6 +30163,7 @@
             <a:bodyPr wrap="none" rtlCol="0">
               <a:noAutofit/>
             </a:bodyPr>
+            <a:lstStyle/>
             <a:p>
               <a:r>
                 <a:rPr lang="zh-CN" altLang="en-US" sz="1400" b="1">
@@ -31017,12 +30174,6 @@
                 </a:rPr>
                 <a:t>设   置</a:t>
               </a:r>
-              <a:endParaRPr lang="zh-CN" altLang="en-US" sz="1400" b="1">
-                <a:solidFill>
-                  <a:schemeClr val="bg1"/>
-                </a:solidFill>
-                <a:ea typeface="微软雅黑" panose="020B0503020204020204" charset="-122"/>
-              </a:endParaRPr>
             </a:p>
           </p:txBody>
         </p:sp>
@@ -31064,6 +30215,7 @@
             <a:bodyPr vertOverflow="overflow" horzOverflow="overflow" vert="horz" wrap="square" numCol="1" spcCol="0" rtlCol="0" fromWordArt="0" anchor="ctr" anchorCtr="0" forceAA="0" compatLnSpc="1">
               <a:noAutofit/>
             </a:bodyPr>
+            <a:lstStyle/>
             <a:p>
               <a:pPr lvl="0" algn="ctr"/>
               <a:endParaRPr lang="zh-CN" altLang="en-US">
@@ -31093,6 +30245,7 @@
             <a:bodyPr wrap="none" rtlCol="0">
               <a:noAutofit/>
             </a:bodyPr>
+            <a:lstStyle/>
             <a:p>
               <a:r>
                 <a:rPr lang="zh-CN" altLang="en-US" sz="1400" b="1">
@@ -31103,12 +30256,6 @@
                 </a:rPr>
                 <a:t>系统信息</a:t>
               </a:r>
-              <a:endParaRPr lang="zh-CN" altLang="en-US" sz="1400" b="1">
-                <a:solidFill>
-                  <a:schemeClr val="bg1"/>
-                </a:solidFill>
-                <a:ea typeface="微软雅黑" panose="020B0503020204020204" charset="-122"/>
-              </a:endParaRPr>
             </a:p>
           </p:txBody>
         </p:sp>
@@ -31150,6 +30297,7 @@
             <a:bodyPr vertOverflow="overflow" horzOverflow="overflow" vert="horz" wrap="square" numCol="1" spcCol="0" rtlCol="0" fromWordArt="0" anchor="ctr" anchorCtr="0" forceAA="0" compatLnSpc="1">
               <a:noAutofit/>
             </a:bodyPr>
+            <a:lstStyle/>
             <a:p>
               <a:pPr lvl="0" algn="ctr"/>
               <a:endParaRPr lang="zh-CN" altLang="en-US">
@@ -31179,6 +30327,7 @@
             <a:bodyPr wrap="none" rtlCol="0">
               <a:noAutofit/>
             </a:bodyPr>
+            <a:lstStyle/>
             <a:p>
               <a:r>
                 <a:rPr lang="zh-CN" altLang="en-US" sz="1400" b="1">
@@ -31189,12 +30338,6 @@
                 </a:rPr>
                 <a:t>亮   度</a:t>
               </a:r>
-              <a:endParaRPr lang="zh-CN" altLang="en-US" sz="1400" b="1">
-                <a:solidFill>
-                  <a:schemeClr val="bg1"/>
-                </a:solidFill>
-                <a:ea typeface="微软雅黑" panose="020B0503020204020204" charset="-122"/>
-              </a:endParaRPr>
             </a:p>
           </p:txBody>
         </p:sp>
@@ -31238,8 +30381,9 @@
         </p:style>
         <p:txBody>
           <a:bodyPr rtlCol="0" anchor="ctr">
-            <a:normAutofit fontScale="80000"/>
+            <a:normAutofit fontScale="87500" lnSpcReduction="20000"/>
           </a:bodyPr>
+          <a:lstStyle/>
           <a:p>
             <a:pPr algn="ctr"/>
             <a:r>
@@ -31258,9 +30402,6 @@
               </a:rPr>
               <a:t>盘</a:t>
             </a:r>
-            <a:endParaRPr lang="zh-CN" altLang="en-US" sz="1200" b="1">
-              <a:ea typeface="微软雅黑" panose="020B0503020204020204" charset="-122"/>
-            </a:endParaRPr>
           </a:p>
         </p:txBody>
       </p:sp>
@@ -31284,6 +30425,7 @@
           <a:bodyPr wrap="square" rtlCol="0">
             <a:spAutoFit/>
           </a:bodyPr>
+          <a:lstStyle/>
           <a:p>
             <a:r>
               <a:rPr lang="zh-CN" altLang="en-US">
@@ -31294,12 +30436,6 @@
               </a:rPr>
               <a:t>视频实时预览</a:t>
             </a:r>
-            <a:endParaRPr lang="zh-CN" altLang="en-US">
-              <a:solidFill>
-                <a:schemeClr val="bg1"/>
-              </a:solidFill>
-              <a:ea typeface="微软雅黑" panose="020B0503020204020204" charset="-122"/>
-            </a:endParaRPr>
           </a:p>
         </p:txBody>
       </p:sp>
@@ -31342,6 +30478,7 @@
           <a:bodyPr vertOverflow="overflow" horzOverflow="overflow" vert="horz" wrap="square" numCol="1" spcCol="0" rtlCol="0" fromWordArt="0" anchor="ctr" anchorCtr="0" forceAA="0" compatLnSpc="1">
             <a:noAutofit/>
           </a:bodyPr>
+          <a:lstStyle/>
           <a:p>
             <a:pPr lvl="0" algn="ctr"/>
             <a:r>
@@ -31351,10 +30488,6 @@
               </a:rPr>
               <a:t>分辨率</a:t>
             </a:r>
-            <a:endParaRPr lang="zh-CN" altLang="en-US" sz="1000">
-              <a:ea typeface="微软雅黑" panose="020B0503020204020204" charset="-122"/>
-              <a:sym typeface="+mn-ea"/>
-            </a:endParaRPr>
           </a:p>
         </p:txBody>
       </p:sp>
@@ -31394,6 +30527,7 @@
           <a:bodyPr vertOverflow="overflow" horzOverflow="overflow" vert="horz" wrap="square" numCol="1" spcCol="0" rtlCol="0" fromWordArt="0" anchor="ctr" anchorCtr="0" forceAA="0" compatLnSpc="1">
             <a:noAutofit/>
           </a:bodyPr>
+          <a:lstStyle/>
           <a:p>
             <a:pPr lvl="0" algn="ctr"/>
             <a:r>
@@ -31403,10 +30537,6 @@
               </a:rPr>
               <a:t>录像选项</a:t>
             </a:r>
-            <a:endParaRPr lang="zh-CN" altLang="en-US" sz="1000">
-              <a:ea typeface="微软雅黑" panose="020B0503020204020204" charset="-122"/>
-              <a:sym typeface="+mn-ea"/>
-            </a:endParaRPr>
           </a:p>
         </p:txBody>
       </p:sp>
@@ -31447,6 +30577,7 @@
         </p:style>
         <p:txBody>
           <a:bodyPr rtlCol="0" anchor="ctr"/>
+          <a:lstStyle/>
           <a:p>
             <a:pPr algn="ctr"/>
             <a:r>
@@ -31455,9 +30586,6 @@
               </a:rPr>
               <a:t>视频设置</a:t>
             </a:r>
-            <a:endParaRPr lang="zh-CN" altLang="en-US" sz="1000">
-              <a:ea typeface="微软雅黑" panose="020B0503020204020204" charset="-122"/>
-            </a:endParaRPr>
           </a:p>
         </p:txBody>
       </p:sp>
@@ -31498,8 +30626,9 @@
         </p:style>
         <p:txBody>
           <a:bodyPr rtlCol="0" anchor="ctr">
-            <a:normAutofit fontScale="90000"/>
+            <a:normAutofit fontScale="97500" lnSpcReduction="10000"/>
           </a:bodyPr>
+          <a:lstStyle/>
           <a:p>
             <a:pPr algn="ctr"/>
             <a:endParaRPr lang="zh-CN" altLang="en-US" sz="1000">
@@ -31545,6 +30674,7 @@
         </p:style>
         <p:txBody>
           <a:bodyPr rtlCol="0" anchor="ctr"/>
+          <a:lstStyle/>
           <a:p>
             <a:pPr algn="ctr"/>
             <a:r>
@@ -31553,9 +30683,6 @@
               </a:rPr>
               <a:t>语言设置</a:t>
             </a:r>
-            <a:endParaRPr lang="zh-CN" altLang="en-US" sz="1000">
-              <a:ea typeface="微软雅黑" panose="020B0503020204020204" charset="-122"/>
-            </a:endParaRPr>
           </a:p>
         </p:txBody>
       </p:sp>
@@ -31596,6 +30723,7 @@
         </p:style>
         <p:txBody>
           <a:bodyPr rtlCol="0" anchor="ctr"/>
+          <a:lstStyle/>
           <a:p>
             <a:pPr algn="ctr"/>
             <a:r>
@@ -31604,9 +30732,6 @@
               </a:rPr>
               <a:t>时间设置</a:t>
             </a:r>
-            <a:endParaRPr lang="zh-CN" altLang="en-US" sz="1000">
-              <a:ea typeface="微软雅黑" panose="020B0503020204020204" charset="-122"/>
-            </a:endParaRPr>
           </a:p>
         </p:txBody>
       </p:sp>
@@ -31647,8 +30772,9 @@
         </p:style>
         <p:txBody>
           <a:bodyPr rtlCol="0" anchor="ctr">
-            <a:normAutofit fontScale="90000"/>
+            <a:normAutofit fontScale="97500" lnSpcReduction="10000"/>
           </a:bodyPr>
+          <a:lstStyle/>
           <a:p>
             <a:pPr algn="ctr"/>
             <a:endParaRPr lang="zh-CN" altLang="en-US" sz="1000">
@@ -31699,6 +30825,7 @@
         </p:style>
         <p:txBody>
           <a:bodyPr rtlCol="0" anchor="ctr"/>
+          <a:lstStyle/>
           <a:p>
             <a:pPr algn="ctr"/>
             <a:endParaRPr lang="zh-CN" altLang="en-US">
@@ -31727,6 +30854,7 @@
           <a:bodyPr wrap="square" rtlCol="0">
             <a:spAutoFit/>
           </a:bodyPr>
+          <a:lstStyle/>
           <a:p>
             <a:r>
               <a:rPr lang="zh-CN" altLang="en-US" sz="1000">
@@ -31737,12 +30865,6 @@
               </a:rPr>
               <a:t>时长（值）</a:t>
             </a:r>
-            <a:endParaRPr lang="zh-CN" altLang="en-US" sz="1000">
-              <a:solidFill>
-                <a:schemeClr val="bg1"/>
-              </a:solidFill>
-              <a:ea typeface="微软雅黑" panose="020B0503020204020204" charset="-122"/>
-            </a:endParaRPr>
           </a:p>
         </p:txBody>
       </p:sp>
@@ -31766,12 +30888,12 @@
           <a:bodyPr wrap="square" rtlCol="0">
             <a:normAutofit/>
           </a:bodyPr>
+          <a:lstStyle/>
           <a:p>
             <a:r>
               <a:rPr lang="en-US" altLang="zh-CN" sz="1100"/>
               <a:t>max</a:t>
             </a:r>
-            <a:endParaRPr lang="en-US" altLang="zh-CN" sz="1100"/>
           </a:p>
         </p:txBody>
       </p:sp>
@@ -31795,12 +30917,12 @@
           <a:bodyPr wrap="square" rtlCol="0">
             <a:noAutofit/>
           </a:bodyPr>
+          <a:lstStyle/>
           <a:p>
             <a:r>
               <a:rPr lang="en-US" altLang="zh-CN" sz="1100"/>
               <a:t>60min</a:t>
             </a:r>
-            <a:endParaRPr lang="en-US" altLang="zh-CN" sz="1100"/>
           </a:p>
         </p:txBody>
       </p:sp>
@@ -31837,6 +30959,7 @@
         </p:style>
         <p:txBody>
           <a:bodyPr rtlCol="0" anchor="ctr"/>
+          <a:lstStyle/>
           <a:p>
             <a:pPr algn="ctr"/>
             <a:endParaRPr lang="zh-CN" altLang="en-US">
@@ -31881,6 +31004,7 @@
         </p:style>
         <p:txBody>
           <a:bodyPr rtlCol="0" anchor="ctr"/>
+          <a:lstStyle/>
           <a:p>
             <a:pPr algn="ctr"/>
             <a:endParaRPr lang="zh-CN" altLang="en-US">
@@ -31909,6 +31033,7 @@
           <a:bodyPr wrap="square" rtlCol="0">
             <a:spAutoFit/>
           </a:bodyPr>
+          <a:lstStyle/>
           <a:p>
             <a:pPr algn="l"/>
             <a:r>
@@ -31921,13 +31046,6 @@
               </a:rPr>
               <a:t>摄像头设置</a:t>
             </a:r>
-            <a:endParaRPr lang="zh-CN" altLang="en-US" sz="1000">
-              <a:solidFill>
-                <a:schemeClr val="bg1"/>
-              </a:solidFill>
-              <a:ea typeface="微软雅黑" panose="020B0503020204020204" charset="-122"/>
-              <a:sym typeface="+mn-ea"/>
-            </a:endParaRPr>
           </a:p>
         </p:txBody>
       </p:sp>
@@ -31951,6 +31069,7 @@
           <a:bodyPr wrap="square" rtlCol="0">
             <a:spAutoFit/>
           </a:bodyPr>
+          <a:lstStyle/>
           <a:p>
             <a:pPr algn="l"/>
             <a:r>
@@ -31963,13 +31082,6 @@
               </a:rPr>
               <a:t>恢复设置</a:t>
             </a:r>
-            <a:endParaRPr lang="zh-CN" altLang="en-US" sz="1000">
-              <a:solidFill>
-                <a:schemeClr val="bg1"/>
-              </a:solidFill>
-              <a:ea typeface="微软雅黑" panose="020B0503020204020204" charset="-122"/>
-              <a:sym typeface="+mn-ea"/>
-            </a:endParaRPr>
           </a:p>
         </p:txBody>
       </p:sp>
@@ -32232,6 +31344,8 @@
       </a:bgFillStyleLst>
     </a:fmtScheme>
   </a:themeElements>
+  <a:objectDefaults/>
+  <a:extraClrSchemeLst/>
   <a:extLst>
     <a:ext uri="{05A4C25C-085E-4340-85A3-A5531E510DB2}">
       <thm15:themeFamily xmlns:thm15="http://schemas.microsoft.com/office/thememl/2012/main" name="Office Theme" id="{62F939B6-93AF-4DB8-9C6B-D6C7DFDC589F}" vid="{4A3C46E8-61CC-4603-A589-7422A47A8E4A}"/>
@@ -32491,6 +31605,8 @@
       </a:bgFillStyleLst>
     </a:fmtScheme>
   </a:themeElements>
+  <a:objectDefaults/>
+  <a:extraClrSchemeLst/>
   <a:extLst>
     <a:ext uri="{05A4C25C-085E-4340-85A3-A5531E510DB2}">
       <thm15:themeFamily xmlns:thm15="http://schemas.microsoft.com/office/thememl/2012/main" name="Office Theme" id="{62F939B6-93AF-4DB8-9C6B-D6C7DFDC589F}" vid="{4A3C46E8-61CC-4603-A589-7422A47A8E4A}"/>
@@ -32750,6 +31866,8 @@
       </a:bgFillStyleLst>
     </a:fmtScheme>
   </a:themeElements>
+  <a:objectDefaults/>
+  <a:extraClrSchemeLst/>
   <a:extLst>
     <a:ext uri="{05A4C25C-085E-4340-85A3-A5531E510DB2}">
       <thm15:themeFamily xmlns:thm15="http://schemas.microsoft.com/office/thememl/2012/main" name="Office Theme" id="{62F939B6-93AF-4DB8-9C6B-D6C7DFDC589F}" vid="{4A3C46E8-61CC-4603-A589-7422A47A8E4A}"/>

--- a/docs/软件定制20170626.pptx
+++ b/docs/软件定制20170626.pptx
@@ -5,10 +5,10 @@
     <p:sldMasterId id="2147483648" r:id="rId1"/>
   </p:sldMasterIdLst>
   <p:notesMasterIdLst>
-    <p:notesMasterId r:id="rId21"/>
+    <p:notesMasterId r:id="rId22"/>
   </p:notesMasterIdLst>
   <p:handoutMasterIdLst>
-    <p:handoutMasterId r:id="rId22"/>
+    <p:handoutMasterId r:id="rId23"/>
   </p:handoutMasterIdLst>
   <p:sldIdLst>
     <p:sldId id="275" r:id="rId2"/>
@@ -30,6 +30,7 @@
     <p:sldId id="291" r:id="rId18"/>
     <p:sldId id="299" r:id="rId19"/>
     <p:sldId id="300" r:id="rId20"/>
+    <p:sldId id="301" r:id="rId21"/>
   </p:sldIdLst>
   <p:sldSz cx="12192000" cy="6858000"/>
   <p:notesSz cx="6858000" cy="9144000"/>
@@ -20809,6 +20810,84 @@
         </p:txBody>
       </p:sp>
     </p:spTree>
+  </p:cSld>
+  <p:clrMapOvr>
+    <a:masterClrMapping/>
+  </p:clrMapOvr>
+</p:sld>
+</file>
+
+<file path=ppt/slides/slide20.xml><?xml version="1.0" encoding="utf-8"?>
+<p:sld xmlns:a="http://schemas.openxmlformats.org/drawingml/2006/main" xmlns:r="http://schemas.openxmlformats.org/officeDocument/2006/relationships" xmlns:p="http://schemas.openxmlformats.org/presentationml/2006/main">
+  <p:cSld>
+    <p:spTree>
+      <p:nvGrpSpPr>
+        <p:cNvPr id="1" name=""/>
+        <p:cNvGrpSpPr/>
+        <p:nvPr/>
+      </p:nvGrpSpPr>
+      <p:grpSpPr>
+        <a:xfrm>
+          <a:off x="0" y="0"/>
+          <a:ext cx="0" cy="0"/>
+          <a:chOff x="0" y="0"/>
+          <a:chExt cx="0" cy="0"/>
+        </a:xfrm>
+      </p:grpSpPr>
+      <p:sp>
+        <p:nvSpPr>
+          <p:cNvPr id="2" name="标题 1"/>
+          <p:cNvSpPr>
+            <a:spLocks noGrp="1"/>
+          </p:cNvSpPr>
+          <p:nvPr>
+            <p:ph type="title"/>
+          </p:nvPr>
+        </p:nvSpPr>
+        <p:spPr/>
+        <p:txBody>
+          <a:bodyPr/>
+          <a:lstStyle/>
+          <a:p>
+            <a:endParaRPr lang="zh-CN" altLang="en-US"/>
+          </a:p>
+        </p:txBody>
+      </p:sp>
+      <p:pic>
+        <p:nvPicPr>
+          <p:cNvPr id="4" name="内容占位符 3"/>
+          <p:cNvPicPr>
+            <a:picLocks noGrp="1" noChangeAspect="1"/>
+          </p:cNvPicPr>
+          <p:nvPr>
+            <p:ph idx="1"/>
+          </p:nvPr>
+        </p:nvPicPr>
+        <p:blipFill>
+          <a:blip r:embed="rId2">
+            <a:extLst>
+              <a:ext uri="{28A0092B-C50C-407E-A947-70E740481C1C}">
+                <a14:useLocalDpi xmlns:a14="http://schemas.microsoft.com/office/drawing/2010/main" val="0"/>
+              </a:ext>
+            </a:extLst>
+          </a:blip>
+          <a:stretch>
+            <a:fillRect/>
+          </a:stretch>
+        </p:blipFill>
+        <p:spPr>
+          <a:xfrm>
+            <a:off x="838200" y="1989000"/>
+            <a:ext cx="9239052" cy="2794731"/>
+          </a:xfrm>
+        </p:spPr>
+      </p:pic>
+    </p:spTree>
+    <p:extLst>
+      <p:ext uri="{BB962C8B-B14F-4D97-AF65-F5344CB8AC3E}">
+        <p14:creationId xmlns:p14="http://schemas.microsoft.com/office/powerpoint/2010/main" val="3590221521"/>
+      </p:ext>
+    </p:extLst>
   </p:cSld>
   <p:clrMapOvr>
     <a:masterClrMapping/>
